--- a/Final Presentation Slides/Team 111 Presentation Slides.pptx
+++ b/Final Presentation Slides/Team 111 Presentation Slides.pptx
@@ -2,52 +2,51 @@
 <file path=ppt/presentation.xml><?xml version="1.0" encoding="utf-8"?>
 <p:presentation xmlns:a="http://schemas.openxmlformats.org/drawingml/2006/main" xmlns:r="http://schemas.openxmlformats.org/officeDocument/2006/relationships" xmlns:p="http://schemas.openxmlformats.org/presentationml/2006/main" strictFirstAndLastChars="0" embedTrueTypeFonts="1" saveSubsetFonts="1" autoCompressPictures="0">
   <p:sldMasterIdLst>
-    <p:sldMasterId id="2147483659" r:id="rId1"/>
+    <p:sldMasterId id="2147483659" r:id="rId3"/>
   </p:sldMasterIdLst>
   <p:notesMasterIdLst>
-    <p:notesMasterId r:id="rId20"/>
+    <p:notesMasterId r:id="rId21"/>
   </p:notesMasterIdLst>
   <p:sldIdLst>
-    <p:sldId id="256" r:id="rId2"/>
-    <p:sldId id="257" r:id="rId3"/>
-    <p:sldId id="259" r:id="rId4"/>
-    <p:sldId id="258" r:id="rId5"/>
-    <p:sldId id="275" r:id="rId6"/>
-    <p:sldId id="274" r:id="rId7"/>
-    <p:sldId id="263" r:id="rId8"/>
-    <p:sldId id="264" r:id="rId9"/>
-    <p:sldId id="265" r:id="rId10"/>
-    <p:sldId id="278" r:id="rId11"/>
-    <p:sldId id="266" r:id="rId12"/>
-    <p:sldId id="279" r:id="rId13"/>
-    <p:sldId id="283" r:id="rId14"/>
-    <p:sldId id="267" r:id="rId15"/>
-    <p:sldId id="280" r:id="rId16"/>
-    <p:sldId id="271" r:id="rId17"/>
-    <p:sldId id="273" r:id="rId18"/>
-    <p:sldId id="284" r:id="rId19"/>
+    <p:sldId id="256" r:id="rId4"/>
+    <p:sldId id="257" r:id="rId5"/>
+    <p:sldId id="259" r:id="rId6"/>
+    <p:sldId id="258" r:id="rId7"/>
+    <p:sldId id="275" r:id="rId8"/>
+    <p:sldId id="274" r:id="rId9"/>
+    <p:sldId id="263" r:id="rId10"/>
+    <p:sldId id="264" r:id="rId11"/>
+    <p:sldId id="265" r:id="rId12"/>
+    <p:sldId id="278" r:id="rId13"/>
+    <p:sldId id="266" r:id="rId14"/>
+    <p:sldId id="285" r:id="rId15"/>
+    <p:sldId id="267" r:id="rId16"/>
+    <p:sldId id="280" r:id="rId17"/>
+    <p:sldId id="271" r:id="rId18"/>
+    <p:sldId id="273" r:id="rId19"/>
+    <p:sldId id="284" r:id="rId20"/>
   </p:sldIdLst>
   <p:sldSz cx="9144000" cy="5143500" type="screen16x9"/>
   <p:notesSz cx="6858000" cy="9144000"/>
   <p:embeddedFontLst>
     <p:embeddedFont>
-      <p:font typeface="Agency FB" panose="020B0503020202020204" pitchFamily="34" charset="0"/>
-      <p:regular r:id="rId21"/>
-      <p:bold r:id="rId22"/>
+      <p:font typeface="Agency FB" panose="020B0604020202020204" charset="0"/>
+      <p:regular r:id="rId22"/>
+      <p:bold r:id="rId23"/>
     </p:embeddedFont>
     <p:embeddedFont>
       <p:font typeface="Consolas" panose="020B0609020204030204" pitchFamily="49" charset="0"/>
-      <p:regular r:id="rId23"/>
-      <p:bold r:id="rId24"/>
-      <p:italic r:id="rId25"/>
-      <p:boldItalic r:id="rId26"/>
+      <p:regular r:id="rId24"/>
+      <p:bold r:id="rId25"/>
+      <p:italic r:id="rId26"/>
+      <p:boldItalic r:id="rId27"/>
     </p:embeddedFont>
     <p:embeddedFont>
       <p:font typeface="Proxima Nova" panose="020B0604020202020204" charset="0"/>
-      <p:regular r:id="rId27"/>
-      <p:bold r:id="rId28"/>
-      <p:italic r:id="rId29"/>
-      <p:boldItalic r:id="rId30"/>
+      <p:regular r:id="rId28"/>
+      <p:bold r:id="rId29"/>
+      <p:italic r:id="rId30"/>
+      <p:boldItalic r:id="rId31"/>
     </p:embeddedFont>
   </p:embeddedFontLst>
   <p:defaultTextStyle>
@@ -287,6 +286,11 @@
             <a:srgbClr val="747775"/>
           </p15:clr>
         </p15:guide>
+        <p15:guide id="2" orient="horz" pos="1620">
+          <p15:clr>
+            <a:srgbClr val="A4A3A4"/>
+          </p15:clr>
+        </p15:guide>
       </p15:sldGuideLst>
     </p:ext>
   </p:extLst>
@@ -306,163 +310,774 @@
 </p:cmAuthorLst>
 </file>
 
-<file path=ppt/comments/comment1.xml><?xml version="1.0" encoding="utf-8"?>
-<p:cmLst xmlns:a="http://schemas.openxmlformats.org/drawingml/2006/main" xmlns:r="http://schemas.openxmlformats.org/officeDocument/2006/relationships" xmlns:p="http://schemas.openxmlformats.org/presentationml/2006/main">
-  <p:cm authorId="1" dt="2023-07-22T15:59:31.607" idx="2">
-    <p:pos x="10" y="10"/>
-    <p:text>Add Constant Product Formula</p:text>
-    <p:extLst>
-      <p:ext uri="{C676402C-5697-4E1C-873F-D02D1690AC5C}">
-        <p15:threadingInfo xmlns:p15="http://schemas.microsoft.com/office/powerpoint/2012/main" timeZoneBias="-60"/>
-      </p:ext>
-    </p:extLst>
-  </p:cm>
-  <p:cm authorId="1" dt="2023-07-22T15:59:59.656" idx="3">
-    <p:pos x="3562" y="2984"/>
-    <p:text>multiple days?</p:text>
-    <p:extLst>
-      <p:ext uri="{C676402C-5697-4E1C-873F-D02D1690AC5C}">
-        <p15:threadingInfo xmlns:p15="http://schemas.microsoft.com/office/powerpoint/2012/main" timeZoneBias="-60"/>
-      </p:ext>
-    </p:extLst>
-  </p:cm>
-</p:cmLst>
+<file path=ppt/revisionInfo.xml><?xml version="1.0" encoding="utf-8"?>
+<p1510:revInfo xmlns:a="http://schemas.openxmlformats.org/drawingml/2006/main" xmlns:r="http://schemas.openxmlformats.org/officeDocument/2006/relationships" xmlns:p1510="http://schemas.microsoft.com/office/powerpoint/2015/10/main">
+  <p1510:revLst>
+    <p1510:client id="{5FC845CA-0D2B-944A-B799-F3A3F16BEF6A}" v="32" dt="2023-07-23T14:49:16.080"/>
+  </p1510:revLst>
+</p1510:revInfo>
 </file>
 
-<file path=ppt/comments/comment2.xml><?xml version="1.0" encoding="utf-8"?>
-<p:cmLst xmlns:a="http://schemas.openxmlformats.org/drawingml/2006/main" xmlns:r="http://schemas.openxmlformats.org/officeDocument/2006/relationships" xmlns:p="http://schemas.openxmlformats.org/presentationml/2006/main">
-  <p:cm authorId="0" dt="2023-07-22T06:50:17.415" idx="1">
-    <p:pos x="357" y="86"/>
-    <p:text>This is a duplicate of the second sentence</p:text>
-  </p:cm>
-  <p:cm authorId="1" dt="2023-07-22T16:01:39.369" idx="6">
-    <p:pos x="10" y="10"/>
-    <p:text>Only one source is quoted 3 times</p:text>
-    <p:extLst>
-      <p:ext uri="{C676402C-5697-4E1C-873F-D02D1690AC5C}">
-        <p15:threadingInfo xmlns:p15="http://schemas.microsoft.com/office/powerpoint/2012/main" timeZoneBias="-60"/>
-      </p:ext>
-    </p:extLst>
-  </p:cm>
-</p:cmLst>
-</file>
-
-<file path=ppt/comments/comment3.xml><?xml version="1.0" encoding="utf-8"?>
-<p:cmLst xmlns:a="http://schemas.openxmlformats.org/drawingml/2006/main" xmlns:r="http://schemas.openxmlformats.org/officeDocument/2006/relationships" xmlns:p="http://schemas.openxmlformats.org/presentationml/2006/main">
-  <p:cm authorId="0" dt="2023-07-22T07:02:24.189" idx="18">
-    <p:pos x="0" y="2547"/>
-    <p:text>Maybe this sentence would be better at the beginning of this slide. 
-In addition, instead of using the whole text associated with each topic, I'd recommend just keeping the bullets with the topic, some keywords and consolidating this and the next slide into one. This way the explanation comes from the presenter rather than from the text on the slide.</p:text>
-  </p:cm>
-</p:cmLst>
-</file>
-
-<file path=ppt/comments/comment4.xml><?xml version="1.0" encoding="utf-8"?>
-<p:cmLst xmlns:a="http://schemas.openxmlformats.org/drawingml/2006/main" xmlns:r="http://schemas.openxmlformats.org/officeDocument/2006/relationships" xmlns:p="http://schemas.openxmlformats.org/presentationml/2006/main">
-  <p:cm authorId="0" dt="2023-07-22T07:12:25.004" idx="3">
-    <p:pos x="196" y="725"/>
-    <p:text>Consider replacing by 6 Months of Trading Information or other. Previous should be avoided since there are no dates in the presentation, so far.</p:text>
-  </p:cm>
-  <p:cm authorId="1" dt="2023-07-22T14:19:56.755" idx="1">
-    <p:pos x="196" y="861"/>
-    <p:text>Placed charts with Dates</p:text>
-    <p:extLst>
-      <p:ext uri="{C676402C-5697-4E1C-873F-D02D1690AC5C}">
-        <p15:threadingInfo xmlns:p15="http://schemas.microsoft.com/office/powerpoint/2012/main" timeZoneBias="-60">
-          <p15:parentCm authorId="0" idx="3"/>
-        </p15:threadingInfo>
-      </p:ext>
-    </p:extLst>
-  </p:cm>
-  <p:cm authorId="0" dt="2023-07-22T07:14:19.038" idx="4">
-    <p:pos x="196" y="280"/>
-    <p:text>If possible, try to place the number of rows of the data set. Ours is quite  a large data set.</p:text>
-  </p:cm>
-</p:cmLst>
-</file>
-
-<file path=ppt/comments/comment5.xml><?xml version="1.0" encoding="utf-8"?>
-<p:cmLst xmlns:a="http://schemas.openxmlformats.org/drawingml/2006/main" xmlns:r="http://schemas.openxmlformats.org/officeDocument/2006/relationships" xmlns:p="http://schemas.openxmlformats.org/presentationml/2006/main">
-  <p:cm authorId="0" dt="2023-07-22T07:32:41.194" idx="5">
-    <p:pos x="196" y="725"/>
-    <p:text>Using 'key' suggests there are other dependent variables in the model. I recommend to remove it.</p:text>
-  </p:cm>
-</p:cmLst>
-</file>
-
-<file path=ppt/comments/comment6.xml><?xml version="1.0" encoding="utf-8"?>
-<p:cmLst xmlns:a="http://schemas.openxmlformats.org/drawingml/2006/main" xmlns:r="http://schemas.openxmlformats.org/officeDocument/2006/relationships" xmlns:p="http://schemas.openxmlformats.org/presentationml/2006/main">
-  <p:cm authorId="0" dt="2023-07-22T07:41:59.643" idx="6">
-    <p:pos x="2926" y="280"/>
-    <p:text>Is this image ours? There is a cursor in it that suggests it is screenshot and if not created by ourselves we need proper reference.</p:text>
-  </p:cm>
-  <p:cm authorId="0" dt="2023-07-22T08:23:49.837" idx="7">
-    <p:pos x="196" y="280"/>
-    <p:text>This slide is very dense with text. Recommend replacing all the text by bullets:
-* DEX: volume in blocks not at regular intervals. 
-* Binance dataset uses minute blocks. 
-* Time horizons, &lt;&lt;15s blocks?&gt;&gt; (future periods) are constructed from the first reference block and increasing the block count until the next reference block is reached.
-* To normalize the different block time ranges, volume and trade were spread evenly per second
-* In essence, the target DEX variable and directo pool were mapped to the base horizon table. 
-* Then mapped the CEX nearest block to the Base Horizon table.
-By defining the clock of the prediction model via mint operations and considering a strict lower bound whenever computing features after the tick of the clock, we are avoiding introducing forward-looking bias into the models.</p:text>
-  </p:cm>
-  <p:cm authorId="1" dt="2023-07-22T16:13:00.222" idx="7">
-    <p:pos x="10" y="10"/>
-    <p:text>&lt;15s blocks?&gt;&gt;</p:text>
-    <p:extLst>
-      <p:ext uri="{C676402C-5697-4E1C-873F-D02D1690AC5C}">
-        <p15:threadingInfo xmlns:p15="http://schemas.microsoft.com/office/powerpoint/2012/main" timeZoneBias="-60"/>
-      </p:ext>
-    </p:extLst>
-  </p:cm>
-</p:cmLst>
-</file>
-
-<file path=ppt/comments/comment7.xml><?xml version="1.0" encoding="utf-8"?>
-<p:cmLst xmlns:a="http://schemas.openxmlformats.org/drawingml/2006/main" xmlns:r="http://schemas.openxmlformats.org/officeDocument/2006/relationships" xmlns:p="http://schemas.openxmlformats.org/presentationml/2006/main">
-  <p:cm authorId="0" dt="2023-07-22T07:41:59.643" idx="21">
-    <p:pos x="2926" y="280"/>
-    <p:text>Is this image ours? There is a cursor in it that suggests it is screenshot and if not created by ourselves we need proper reference.</p:text>
-  </p:cm>
-  <p:cm authorId="0" dt="2023-07-22T08:23:49.837" idx="22">
-    <p:pos x="196" y="280"/>
-    <p:text>This slide is very dense with text. Recommend replacing all the text by bullets:
-* DEX: volume in blocks not at regular intervals. 
-* Binance dataset uses minute blocks. 
-* Time horizons, &lt;&lt;15s blocks?&gt;&gt; (future periods) are constructed from the first reference block and increasing the block count until the next reference block is reached.
-* To normalize the different block time ranges, volume and trade were spread evenly per second
-* In essence, the target DEX variable and directo pool were mapped to the base horizon table. 
-* Then mapped the CEX nearest block to the Base Horizon table.
-By defining the clock of the prediction model via mint operations and considering a strict lower bound whenever computing features after the tick of the clock, we are avoiding introducing forward-looking bias into the models.</p:text>
-  </p:cm>
-</p:cmLst>
-</file>
-
-<file path=ppt/comments/comment8.xml><?xml version="1.0" encoding="utf-8"?>
-<p:cmLst xmlns:a="http://schemas.openxmlformats.org/drawingml/2006/main" xmlns:r="http://schemas.openxmlformats.org/officeDocument/2006/relationships" xmlns:p="http://schemas.openxmlformats.org/presentationml/2006/main">
-  <p:cm authorId="0" dt="2023-07-22T08:32:44.196" idx="8">
-    <p:pos x="35" y="214"/>
-    <p:text>Suppress this sentence as for time series an OLS is not the recommended model, given that the independence assumption does not hold. All the other parts make sense.</p:text>
-  </p:cm>
-</p:cmLst>
-</file>
-
-<file path=ppt/comments/comment9.xml><?xml version="1.0" encoding="utf-8"?>
-<p:cmLst xmlns:a="http://schemas.openxmlformats.org/drawingml/2006/main" xmlns:r="http://schemas.openxmlformats.org/officeDocument/2006/relationships" xmlns:p="http://schemas.openxmlformats.org/presentationml/2006/main">
-  <p:cm authorId="0" dt="2023-07-22T10:24:15.031" idx="23">
-    <p:pos x="196" y="280"/>
-    <p:text>Is Constat the intercept?</p:text>
-  </p:cm>
-  <p:cm authorId="0" dt="2023-07-22T10:26:37.767" idx="24">
-    <p:pos x="2988" y="1498"/>
-    <p:text>From the 26 predictors left after removing the correlated ones in the VIF step, the final model after stepwise regression was 8 predictors?</p:text>
-  </p:cm>
-  <p:cm authorId="0" dt="2023-07-22T10:26:57.486" idx="25">
-    <p:pos x="196" y="725"/>
-    <p:text>Is this fwd, bwd or both?</p:text>
-  </p:cm>
-</p:cmLst>
+<file path=ppt/changesInfos/changesInfo1.xml><?xml version="1.0" encoding="utf-8"?>
+<pc:chgInfo xmlns:a="http://schemas.openxmlformats.org/drawingml/2006/main" xmlns:r="http://schemas.openxmlformats.org/officeDocument/2006/relationships" xmlns:ac="http://schemas.microsoft.com/office/drawing/2013/main/command" xmlns:pc="http://schemas.microsoft.com/office/powerpoint/2013/main/command">
+  <pc:docChgLst>
+    <pc:chgData name="Matias Vizcaino" userId="5f872502-fb96-424c-84fd-953bac2f296f" providerId="ADAL" clId="{CA1F4C56-22C0-4E3F-ACDB-13AF70B3A294}"/>
+    <pc:docChg chg="undo redo custSel delSld modSld">
+      <pc:chgData name="Matias Vizcaino" userId="5f872502-fb96-424c-84fd-953bac2f296f" providerId="ADAL" clId="{CA1F4C56-22C0-4E3F-ACDB-13AF70B3A294}" dt="2023-07-23T14:34:14.199" v="181" actId="1076"/>
+      <pc:docMkLst>
+        <pc:docMk/>
+      </pc:docMkLst>
+      <pc:sldChg chg="addSp modSp mod delCm">
+        <pc:chgData name="Matias Vizcaino" userId="5f872502-fb96-424c-84fd-953bac2f296f" providerId="ADAL" clId="{CA1F4C56-22C0-4E3F-ACDB-13AF70B3A294}" dt="2023-07-23T14:33:52.041" v="178" actId="1076"/>
+        <pc:sldMkLst>
+          <pc:docMk/>
+          <pc:sldMk cId="0" sldId="257"/>
+        </pc:sldMkLst>
+        <pc:spChg chg="add mod">
+          <ac:chgData name="Matias Vizcaino" userId="5f872502-fb96-424c-84fd-953bac2f296f" providerId="ADAL" clId="{CA1F4C56-22C0-4E3F-ACDB-13AF70B3A294}" dt="2023-07-23T14:33:52.041" v="178" actId="1076"/>
+          <ac:spMkLst>
+            <pc:docMk/>
+            <pc:sldMk cId="0" sldId="257"/>
+            <ac:spMk id="7" creationId="{6AF1F334-DA88-5B97-C042-3BC70105DF27}"/>
+          </ac:spMkLst>
+        </pc:spChg>
+        <pc:spChg chg="mod">
+          <ac:chgData name="Matias Vizcaino" userId="5f872502-fb96-424c-84fd-953bac2f296f" providerId="ADAL" clId="{CA1F4C56-22C0-4E3F-ACDB-13AF70B3A294}" dt="2023-07-23T14:33:20.430" v="146" actId="14100"/>
+          <ac:spMkLst>
+            <pc:docMk/>
+            <pc:sldMk cId="0" sldId="257"/>
+            <ac:spMk id="66" creationId="{00000000-0000-0000-0000-000000000000}"/>
+          </ac:spMkLst>
+        </pc:spChg>
+        <pc:grpChg chg="mod">
+          <ac:chgData name="Matias Vizcaino" userId="5f872502-fb96-424c-84fd-953bac2f296f" providerId="ADAL" clId="{CA1F4C56-22C0-4E3F-ACDB-13AF70B3A294}" dt="2023-07-23T14:33:23.775" v="147" actId="14100"/>
+          <ac:grpSpMkLst>
+            <pc:docMk/>
+            <pc:sldMk cId="0" sldId="257"/>
+            <ac:grpSpMk id="5" creationId="{124741C0-E2C0-9600-E6FD-D6A399781222}"/>
+          </ac:grpSpMkLst>
+        </pc:grpChg>
+      </pc:sldChg>
+      <pc:sldChg chg="modSp mod">
+        <pc:chgData name="Matias Vizcaino" userId="5f872502-fb96-424c-84fd-953bac2f296f" providerId="ADAL" clId="{CA1F4C56-22C0-4E3F-ACDB-13AF70B3A294}" dt="2023-07-23T14:33:59.195" v="179" actId="1076"/>
+        <pc:sldMkLst>
+          <pc:docMk/>
+          <pc:sldMk cId="0" sldId="259"/>
+        </pc:sldMkLst>
+        <pc:spChg chg="mod">
+          <ac:chgData name="Matias Vizcaino" userId="5f872502-fb96-424c-84fd-953bac2f296f" providerId="ADAL" clId="{CA1F4C56-22C0-4E3F-ACDB-13AF70B3A294}" dt="2023-07-23T14:33:59.195" v="179" actId="1076"/>
+          <ac:spMkLst>
+            <pc:docMk/>
+            <pc:sldMk cId="0" sldId="259"/>
+            <ac:spMk id="8" creationId="{F138DF33-95C5-6090-36DA-5DD7D3C7BBA8}"/>
+          </ac:spMkLst>
+        </pc:spChg>
+      </pc:sldChg>
+      <pc:sldChg chg="modSp mod">
+        <pc:chgData name="Matias Vizcaino" userId="5f872502-fb96-424c-84fd-953bac2f296f" providerId="ADAL" clId="{CA1F4C56-22C0-4E3F-ACDB-13AF70B3A294}" dt="2023-07-23T14:34:14.199" v="181" actId="1076"/>
+        <pc:sldMkLst>
+          <pc:docMk/>
+          <pc:sldMk cId="0" sldId="263"/>
+        </pc:sldMkLst>
+        <pc:spChg chg="mod">
+          <ac:chgData name="Matias Vizcaino" userId="5f872502-fb96-424c-84fd-953bac2f296f" providerId="ADAL" clId="{CA1F4C56-22C0-4E3F-ACDB-13AF70B3A294}" dt="2023-07-23T14:34:14.199" v="181" actId="1076"/>
+          <ac:spMkLst>
+            <pc:docMk/>
+            <pc:sldMk cId="0" sldId="263"/>
+            <ac:spMk id="111" creationId="{00000000-0000-0000-0000-000000000000}"/>
+          </ac:spMkLst>
+        </pc:spChg>
+        <pc:spChg chg="mod">
+          <ac:chgData name="Matias Vizcaino" userId="5f872502-fb96-424c-84fd-953bac2f296f" providerId="ADAL" clId="{CA1F4C56-22C0-4E3F-ACDB-13AF70B3A294}" dt="2023-07-23T14:34:10.708" v="180" actId="1076"/>
+          <ac:spMkLst>
+            <pc:docMk/>
+            <pc:sldMk cId="0" sldId="263"/>
+            <ac:spMk id="112" creationId="{00000000-0000-0000-0000-000000000000}"/>
+          </ac:spMkLst>
+        </pc:spChg>
+      </pc:sldChg>
+      <pc:sldChg chg="modSp mod">
+        <pc:chgData name="Matias Vizcaino" userId="5f872502-fb96-424c-84fd-953bac2f296f" providerId="ADAL" clId="{CA1F4C56-22C0-4E3F-ACDB-13AF70B3A294}" dt="2023-07-23T14:26:54.650" v="7" actId="27636"/>
+        <pc:sldMkLst>
+          <pc:docMk/>
+          <pc:sldMk cId="0" sldId="267"/>
+        </pc:sldMkLst>
+        <pc:spChg chg="mod">
+          <ac:chgData name="Matias Vizcaino" userId="5f872502-fb96-424c-84fd-953bac2f296f" providerId="ADAL" clId="{CA1F4C56-22C0-4E3F-ACDB-13AF70B3A294}" dt="2023-07-23T14:26:54.650" v="7" actId="27636"/>
+          <ac:spMkLst>
+            <pc:docMk/>
+            <pc:sldMk cId="0" sldId="267"/>
+            <ac:spMk id="23" creationId="{C47AB9F4-933E-37C5-D521-B2C396AA9BB9}"/>
+          </ac:spMkLst>
+        </pc:spChg>
+      </pc:sldChg>
+      <pc:sldChg chg="modSp mod">
+        <pc:chgData name="Matias Vizcaino" userId="5f872502-fb96-424c-84fd-953bac2f296f" providerId="ADAL" clId="{CA1F4C56-22C0-4E3F-ACDB-13AF70B3A294}" dt="2023-07-23T14:25:55.081" v="3" actId="207"/>
+        <pc:sldMkLst>
+          <pc:docMk/>
+          <pc:sldMk cId="1827751261" sldId="274"/>
+        </pc:sldMkLst>
+        <pc:spChg chg="ord">
+          <ac:chgData name="Matias Vizcaino" userId="5f872502-fb96-424c-84fd-953bac2f296f" providerId="ADAL" clId="{CA1F4C56-22C0-4E3F-ACDB-13AF70B3A294}" dt="2023-07-23T14:25:48.147" v="0" actId="167"/>
+          <ac:spMkLst>
+            <pc:docMk/>
+            <pc:sldMk cId="1827751261" sldId="274"/>
+            <ac:spMk id="3" creationId="{B6FD33E8-738F-6B94-7567-CF26604C2AC6}"/>
+          </ac:spMkLst>
+        </pc:spChg>
+        <pc:graphicFrameChg chg="modGraphic">
+          <ac:chgData name="Matias Vizcaino" userId="5f872502-fb96-424c-84fd-953bac2f296f" providerId="ADAL" clId="{CA1F4C56-22C0-4E3F-ACDB-13AF70B3A294}" dt="2023-07-23T14:25:55.081" v="3" actId="207"/>
+          <ac:graphicFrameMkLst>
+            <pc:docMk/>
+            <pc:sldMk cId="1827751261" sldId="274"/>
+            <ac:graphicFrameMk id="9" creationId="{6AF559D8-6379-F964-C9E3-664A1033395E}"/>
+          </ac:graphicFrameMkLst>
+        </pc:graphicFrameChg>
+      </pc:sldChg>
+      <pc:sldChg chg="delSp modSp del mod">
+        <pc:chgData name="Matias Vizcaino" userId="5f872502-fb96-424c-84fd-953bac2f296f" providerId="ADAL" clId="{CA1F4C56-22C0-4E3F-ACDB-13AF70B3A294}" dt="2023-07-23T14:31:49.314" v="143" actId="47"/>
+        <pc:sldMkLst>
+          <pc:docMk/>
+          <pc:sldMk cId="2531982499" sldId="279"/>
+        </pc:sldMkLst>
+        <pc:graphicFrameChg chg="del modGraphic">
+          <ac:chgData name="Matias Vizcaino" userId="5f872502-fb96-424c-84fd-953bac2f296f" providerId="ADAL" clId="{CA1F4C56-22C0-4E3F-ACDB-13AF70B3A294}" dt="2023-07-23T14:31:46.724" v="142" actId="21"/>
+          <ac:graphicFrameMkLst>
+            <pc:docMk/>
+            <pc:sldMk cId="2531982499" sldId="279"/>
+            <ac:graphicFrameMk id="14" creationId="{4F1EDB7D-AD8D-D435-D29D-5AE7CAD27E25}"/>
+          </ac:graphicFrameMkLst>
+        </pc:graphicFrameChg>
+      </pc:sldChg>
+      <pc:sldChg chg="delSp del mod">
+        <pc:chgData name="Matias Vizcaino" userId="5f872502-fb96-424c-84fd-953bac2f296f" providerId="ADAL" clId="{CA1F4C56-22C0-4E3F-ACDB-13AF70B3A294}" dt="2023-07-23T14:29:56.062" v="69" actId="47"/>
+        <pc:sldMkLst>
+          <pc:docMk/>
+          <pc:sldMk cId="3556377587" sldId="283"/>
+        </pc:sldMkLst>
+        <pc:picChg chg="del">
+          <ac:chgData name="Matias Vizcaino" userId="5f872502-fb96-424c-84fd-953bac2f296f" providerId="ADAL" clId="{CA1F4C56-22C0-4E3F-ACDB-13AF70B3A294}" dt="2023-07-23T14:26:46.047" v="5" actId="21"/>
+          <ac:picMkLst>
+            <pc:docMk/>
+            <pc:sldMk cId="3556377587" sldId="283"/>
+            <ac:picMk id="6" creationId="{9A05EBE1-5576-431D-A5EF-581EA91540C7}"/>
+          </ac:picMkLst>
+        </pc:picChg>
+      </pc:sldChg>
+      <pc:sldChg chg="addSp modSp mod">
+        <pc:chgData name="Matias Vizcaino" userId="5f872502-fb96-424c-84fd-953bac2f296f" providerId="ADAL" clId="{CA1F4C56-22C0-4E3F-ACDB-13AF70B3A294}" dt="2023-07-23T14:31:21.681" v="141" actId="1076"/>
+        <pc:sldMkLst>
+          <pc:docMk/>
+          <pc:sldMk cId="466193641" sldId="285"/>
+        </pc:sldMkLst>
+        <pc:spChg chg="mod">
+          <ac:chgData name="Matias Vizcaino" userId="5f872502-fb96-424c-84fd-953bac2f296f" providerId="ADAL" clId="{CA1F4C56-22C0-4E3F-ACDB-13AF70B3A294}" dt="2023-07-23T14:31:21.681" v="141" actId="1076"/>
+          <ac:spMkLst>
+            <pc:docMk/>
+            <pc:sldMk cId="466193641" sldId="285"/>
+            <ac:spMk id="3" creationId="{FDF1BEB1-329C-A722-DD55-42CAE83C6F24}"/>
+          </ac:spMkLst>
+        </pc:spChg>
+        <pc:spChg chg="mod">
+          <ac:chgData name="Matias Vizcaino" userId="5f872502-fb96-424c-84fd-953bac2f296f" providerId="ADAL" clId="{CA1F4C56-22C0-4E3F-ACDB-13AF70B3A294}" dt="2023-07-23T14:30:59.183" v="137" actId="1076"/>
+          <ac:spMkLst>
+            <pc:docMk/>
+            <pc:sldMk cId="466193641" sldId="285"/>
+            <ac:spMk id="5" creationId="{FCBA40CB-585E-4AFD-6980-CD9A57B25EC7}"/>
+          </ac:spMkLst>
+        </pc:spChg>
+        <pc:spChg chg="mod">
+          <ac:chgData name="Matias Vizcaino" userId="5f872502-fb96-424c-84fd-953bac2f296f" providerId="ADAL" clId="{CA1F4C56-22C0-4E3F-ACDB-13AF70B3A294}" dt="2023-07-23T14:31:03.781" v="138" actId="1076"/>
+          <ac:spMkLst>
+            <pc:docMk/>
+            <pc:sldMk cId="466193641" sldId="285"/>
+            <ac:spMk id="6" creationId="{70162D07-28DE-56D6-CD65-9EFA0704BF02}"/>
+          </ac:spMkLst>
+        </pc:spChg>
+        <pc:spChg chg="mod">
+          <ac:chgData name="Matias Vizcaino" userId="5f872502-fb96-424c-84fd-953bac2f296f" providerId="ADAL" clId="{CA1F4C56-22C0-4E3F-ACDB-13AF70B3A294}" dt="2023-07-23T14:30:54.706" v="135" actId="14100"/>
+          <ac:spMkLst>
+            <pc:docMk/>
+            <pc:sldMk cId="466193641" sldId="285"/>
+            <ac:spMk id="7" creationId="{0CE95DE5-5BC3-C3AC-C37D-F4BF0F2DD197}"/>
+          </ac:spMkLst>
+        </pc:spChg>
+        <pc:spChg chg="mod">
+          <ac:chgData name="Matias Vizcaino" userId="5f872502-fb96-424c-84fd-953bac2f296f" providerId="ADAL" clId="{CA1F4C56-22C0-4E3F-ACDB-13AF70B3A294}" dt="2023-07-23T14:28:56.863" v="46" actId="14100"/>
+          <ac:spMkLst>
+            <pc:docMk/>
+            <pc:sldMk cId="466193641" sldId="285"/>
+            <ac:spMk id="10" creationId="{30792C88-3E6C-BDA0-D161-70CFFB150971}"/>
+          </ac:spMkLst>
+        </pc:spChg>
+        <pc:spChg chg="add mod">
+          <ac:chgData name="Matias Vizcaino" userId="5f872502-fb96-424c-84fd-953bac2f296f" providerId="ADAL" clId="{CA1F4C56-22C0-4E3F-ACDB-13AF70B3A294}" dt="2023-07-23T14:29:34.210" v="65" actId="20577"/>
+          <ac:spMkLst>
+            <pc:docMk/>
+            <pc:sldMk cId="466193641" sldId="285"/>
+            <ac:spMk id="11" creationId="{680A39F8-A1EE-3638-0814-0C4F97353126}"/>
+          </ac:spMkLst>
+        </pc:spChg>
+        <pc:spChg chg="add mod">
+          <ac:chgData name="Matias Vizcaino" userId="5f872502-fb96-424c-84fd-953bac2f296f" providerId="ADAL" clId="{CA1F4C56-22C0-4E3F-ACDB-13AF70B3A294}" dt="2023-07-23T14:31:15.735" v="140" actId="1076"/>
+          <ac:spMkLst>
+            <pc:docMk/>
+            <pc:sldMk cId="466193641" sldId="285"/>
+            <ac:spMk id="12" creationId="{C932EED7-2678-DBCA-A89E-0E5C2A711C47}"/>
+          </ac:spMkLst>
+        </pc:spChg>
+        <pc:grpChg chg="add mod">
+          <ac:chgData name="Matias Vizcaino" userId="5f872502-fb96-424c-84fd-953bac2f296f" providerId="ADAL" clId="{CA1F4C56-22C0-4E3F-ACDB-13AF70B3A294}" dt="2023-07-23T14:31:15.735" v="140" actId="1076"/>
+          <ac:grpSpMkLst>
+            <pc:docMk/>
+            <pc:sldMk cId="466193641" sldId="285"/>
+            <ac:grpSpMk id="8" creationId="{EE5C901D-9B6F-7A5E-4F3E-0383C28EF77D}"/>
+          </ac:grpSpMkLst>
+        </pc:grpChg>
+        <pc:picChg chg="mod">
+          <ac:chgData name="Matias Vizcaino" userId="5f872502-fb96-424c-84fd-953bac2f296f" providerId="ADAL" clId="{CA1F4C56-22C0-4E3F-ACDB-13AF70B3A294}" dt="2023-07-23T14:27:57.627" v="25" actId="164"/>
+          <ac:picMkLst>
+            <pc:docMk/>
+            <pc:sldMk cId="466193641" sldId="285"/>
+            <ac:picMk id="2" creationId="{1740E553-028E-9B79-221F-63E0DCA7C00F}"/>
+          </ac:picMkLst>
+        </pc:picChg>
+        <pc:picChg chg="add mod">
+          <ac:chgData name="Matias Vizcaino" userId="5f872502-fb96-424c-84fd-953bac2f296f" providerId="ADAL" clId="{CA1F4C56-22C0-4E3F-ACDB-13AF70B3A294}" dt="2023-07-23T14:31:15.735" v="140" actId="1076"/>
+          <ac:picMkLst>
+            <pc:docMk/>
+            <pc:sldMk cId="466193641" sldId="285"/>
+            <ac:picMk id="4" creationId="{10656721-8C11-3D56-3629-EAFD1B822D65}"/>
+          </ac:picMkLst>
+        </pc:picChg>
+      </pc:sldChg>
+    </pc:docChg>
+  </pc:docChgLst>
+  <pc:docChgLst>
+    <pc:chgData name="de Matos Castilho, Vitor" userId="f045df08-3945-411d-8ccc-18464c94dfdb" providerId="ADAL" clId="{5FC845CA-0D2B-944A-B799-F3A3F16BEF6A}"/>
+    <pc:docChg chg="undo custSel addSld delSld modSld sldOrd">
+      <pc:chgData name="de Matos Castilho, Vitor" userId="f045df08-3945-411d-8ccc-18464c94dfdb" providerId="ADAL" clId="{5FC845CA-0D2B-944A-B799-F3A3F16BEF6A}" dt="2023-07-23T14:49:16.081" v="523" actId="27636"/>
+      <pc:docMkLst>
+        <pc:docMk/>
+      </pc:docMkLst>
+      <pc:sldChg chg="addSp delSp modSp mod">
+        <pc:chgData name="de Matos Castilho, Vitor" userId="f045df08-3945-411d-8ccc-18464c94dfdb" providerId="ADAL" clId="{5FC845CA-0D2B-944A-B799-F3A3F16BEF6A}" dt="2023-07-23T10:16:18.293" v="85"/>
+        <pc:sldMkLst>
+          <pc:docMk/>
+          <pc:sldMk cId="0" sldId="256"/>
+        </pc:sldMkLst>
+        <pc:spChg chg="add del mod">
+          <ac:chgData name="de Matos Castilho, Vitor" userId="f045df08-3945-411d-8ccc-18464c94dfdb" providerId="ADAL" clId="{5FC845CA-0D2B-944A-B799-F3A3F16BEF6A}" dt="2023-07-23T10:16:18.293" v="85"/>
+          <ac:spMkLst>
+            <pc:docMk/>
+            <pc:sldMk cId="0" sldId="256"/>
+            <ac:spMk id="2" creationId="{36190CD3-A7DE-C675-8B8A-C43A9EE394ED}"/>
+          </ac:spMkLst>
+        </pc:spChg>
+      </pc:sldChg>
+      <pc:sldChg chg="modSp mod">
+        <pc:chgData name="de Matos Castilho, Vitor" userId="f045df08-3945-411d-8ccc-18464c94dfdb" providerId="ADAL" clId="{5FC845CA-0D2B-944A-B799-F3A3F16BEF6A}" dt="2023-07-23T14:49:15.932" v="522" actId="27636"/>
+        <pc:sldMkLst>
+          <pc:docMk/>
+          <pc:sldMk cId="0" sldId="257"/>
+        </pc:sldMkLst>
+        <pc:spChg chg="mod">
+          <ac:chgData name="de Matos Castilho, Vitor" userId="f045df08-3945-411d-8ccc-18464c94dfdb" providerId="ADAL" clId="{5FC845CA-0D2B-944A-B799-F3A3F16BEF6A}" dt="2023-07-23T10:14:05.899" v="66" actId="108"/>
+          <ac:spMkLst>
+            <pc:docMk/>
+            <pc:sldMk cId="0" sldId="257"/>
+            <ac:spMk id="65" creationId="{00000000-0000-0000-0000-000000000000}"/>
+          </ac:spMkLst>
+        </pc:spChg>
+        <pc:spChg chg="mod">
+          <ac:chgData name="de Matos Castilho, Vitor" userId="f045df08-3945-411d-8ccc-18464c94dfdb" providerId="ADAL" clId="{5FC845CA-0D2B-944A-B799-F3A3F16BEF6A}" dt="2023-07-23T14:49:15.932" v="522" actId="27636"/>
+          <ac:spMkLst>
+            <pc:docMk/>
+            <pc:sldMk cId="0" sldId="257"/>
+            <ac:spMk id="66" creationId="{00000000-0000-0000-0000-000000000000}"/>
+          </ac:spMkLst>
+        </pc:spChg>
+      </pc:sldChg>
+      <pc:sldChg chg="modSp mod delCm">
+        <pc:chgData name="de Matos Castilho, Vitor" userId="f045df08-3945-411d-8ccc-18464c94dfdb" providerId="ADAL" clId="{5FC845CA-0D2B-944A-B799-F3A3F16BEF6A}" dt="2023-07-23T10:04:17.984" v="46" actId="1592"/>
+        <pc:sldMkLst>
+          <pc:docMk/>
+          <pc:sldMk cId="0" sldId="259"/>
+        </pc:sldMkLst>
+        <pc:spChg chg="mod">
+          <ac:chgData name="de Matos Castilho, Vitor" userId="f045df08-3945-411d-8ccc-18464c94dfdb" providerId="ADAL" clId="{5FC845CA-0D2B-944A-B799-F3A3F16BEF6A}" dt="2023-07-23T08:03:40.666" v="20" actId="27636"/>
+          <ac:spMkLst>
+            <pc:docMk/>
+            <pc:sldMk cId="0" sldId="259"/>
+            <ac:spMk id="79" creationId="{00000000-0000-0000-0000-000000000000}"/>
+          </ac:spMkLst>
+        </pc:spChg>
+      </pc:sldChg>
+      <pc:sldChg chg="modSp mod delCm">
+        <pc:chgData name="de Matos Castilho, Vitor" userId="f045df08-3945-411d-8ccc-18464c94dfdb" providerId="ADAL" clId="{5FC845CA-0D2B-944A-B799-F3A3F16BEF6A}" dt="2023-07-23T10:15:00.910" v="69" actId="108"/>
+        <pc:sldMkLst>
+          <pc:docMk/>
+          <pc:sldMk cId="0" sldId="263"/>
+        </pc:sldMkLst>
+        <pc:spChg chg="mod">
+          <ac:chgData name="de Matos Castilho, Vitor" userId="f045df08-3945-411d-8ccc-18464c94dfdb" providerId="ADAL" clId="{5FC845CA-0D2B-944A-B799-F3A3F16BEF6A}" dt="2023-07-23T10:15:00.910" v="69" actId="108"/>
+          <ac:spMkLst>
+            <pc:docMk/>
+            <pc:sldMk cId="0" sldId="263"/>
+            <ac:spMk id="107" creationId="{00000000-0000-0000-0000-000000000000}"/>
+          </ac:spMkLst>
+        </pc:spChg>
+        <pc:spChg chg="mod">
+          <ac:chgData name="de Matos Castilho, Vitor" userId="f045df08-3945-411d-8ccc-18464c94dfdb" providerId="ADAL" clId="{5FC845CA-0D2B-944A-B799-F3A3F16BEF6A}" dt="2023-07-23T08:03:40.125" v="8" actId="27636"/>
+          <ac:spMkLst>
+            <pc:docMk/>
+            <pc:sldMk cId="0" sldId="263"/>
+            <ac:spMk id="108" creationId="{00000000-0000-0000-0000-000000000000}"/>
+          </ac:spMkLst>
+        </pc:spChg>
+      </pc:sldChg>
+      <pc:sldChg chg="modSp mod delCm">
+        <pc:chgData name="de Matos Castilho, Vitor" userId="f045df08-3945-411d-8ccc-18464c94dfdb" providerId="ADAL" clId="{5FC845CA-0D2B-944A-B799-F3A3F16BEF6A}" dt="2023-07-23T10:15:05.254" v="70" actId="108"/>
+        <pc:sldMkLst>
+          <pc:docMk/>
+          <pc:sldMk cId="0" sldId="264"/>
+        </pc:sldMkLst>
+        <pc:spChg chg="mod">
+          <ac:chgData name="de Matos Castilho, Vitor" userId="f045df08-3945-411d-8ccc-18464c94dfdb" providerId="ADAL" clId="{5FC845CA-0D2B-944A-B799-F3A3F16BEF6A}" dt="2023-07-23T10:15:05.254" v="70" actId="108"/>
+          <ac:spMkLst>
+            <pc:docMk/>
+            <pc:sldMk cId="0" sldId="264"/>
+            <ac:spMk id="117" creationId="{00000000-0000-0000-0000-000000000000}"/>
+          </ac:spMkLst>
+        </pc:spChg>
+      </pc:sldChg>
+      <pc:sldChg chg="modSp mod delCm">
+        <pc:chgData name="de Matos Castilho, Vitor" userId="f045df08-3945-411d-8ccc-18464c94dfdb" providerId="ADAL" clId="{5FC845CA-0D2B-944A-B799-F3A3F16BEF6A}" dt="2023-07-23T10:15:09.154" v="71" actId="108"/>
+        <pc:sldMkLst>
+          <pc:docMk/>
+          <pc:sldMk cId="0" sldId="265"/>
+        </pc:sldMkLst>
+        <pc:spChg chg="mod">
+          <ac:chgData name="de Matos Castilho, Vitor" userId="f045df08-3945-411d-8ccc-18464c94dfdb" providerId="ADAL" clId="{5FC845CA-0D2B-944A-B799-F3A3F16BEF6A}" dt="2023-07-23T10:15:09.154" v="71" actId="108"/>
+          <ac:spMkLst>
+            <pc:docMk/>
+            <pc:sldMk cId="0" sldId="265"/>
+            <ac:spMk id="123" creationId="{00000000-0000-0000-0000-000000000000}"/>
+          </ac:spMkLst>
+        </pc:spChg>
+      </pc:sldChg>
+      <pc:sldChg chg="modSp mod delCm">
+        <pc:chgData name="de Matos Castilho, Vitor" userId="f045df08-3945-411d-8ccc-18464c94dfdb" providerId="ADAL" clId="{5FC845CA-0D2B-944A-B799-F3A3F16BEF6A}" dt="2023-07-23T10:15:19.441" v="74" actId="27636"/>
+        <pc:sldMkLst>
+          <pc:docMk/>
+          <pc:sldMk cId="0" sldId="266"/>
+        </pc:sldMkLst>
+        <pc:spChg chg="mod">
+          <ac:chgData name="de Matos Castilho, Vitor" userId="f045df08-3945-411d-8ccc-18464c94dfdb" providerId="ADAL" clId="{5FC845CA-0D2B-944A-B799-F3A3F16BEF6A}" dt="2023-07-23T10:15:19.441" v="74" actId="27636"/>
+          <ac:spMkLst>
+            <pc:docMk/>
+            <pc:sldMk cId="0" sldId="266"/>
+            <ac:spMk id="130" creationId="{00000000-0000-0000-0000-000000000000}"/>
+          </ac:spMkLst>
+        </pc:spChg>
+      </pc:sldChg>
+      <pc:sldChg chg="modSp mod modNotesTx">
+        <pc:chgData name="de Matos Castilho, Vitor" userId="f045df08-3945-411d-8ccc-18464c94dfdb" providerId="ADAL" clId="{5FC845CA-0D2B-944A-B799-F3A3F16BEF6A}" dt="2023-07-23T14:49:16.081" v="523" actId="27636"/>
+        <pc:sldMkLst>
+          <pc:docMk/>
+          <pc:sldMk cId="0" sldId="267"/>
+        </pc:sldMkLst>
+        <pc:spChg chg="mod">
+          <ac:chgData name="de Matos Castilho, Vitor" userId="f045df08-3945-411d-8ccc-18464c94dfdb" providerId="ADAL" clId="{5FC845CA-0D2B-944A-B799-F3A3F16BEF6A}" dt="2023-07-23T12:35:01.925" v="521" actId="57"/>
+          <ac:spMkLst>
+            <pc:docMk/>
+            <pc:sldMk cId="0" sldId="267"/>
+            <ac:spMk id="11" creationId="{983A3043-AA5B-515E-4914-57F0467A34E7}"/>
+          </ac:spMkLst>
+        </pc:spChg>
+        <pc:spChg chg="mod">
+          <ac:chgData name="de Matos Castilho, Vitor" userId="f045df08-3945-411d-8ccc-18464c94dfdb" providerId="ADAL" clId="{5FC845CA-0D2B-944A-B799-F3A3F16BEF6A}" dt="2023-07-23T14:49:16.081" v="523" actId="27636"/>
+          <ac:spMkLst>
+            <pc:docMk/>
+            <pc:sldMk cId="0" sldId="267"/>
+            <ac:spMk id="23" creationId="{C47AB9F4-933E-37C5-D521-B2C396AA9BB9}"/>
+          </ac:spMkLst>
+        </pc:spChg>
+      </pc:sldChg>
+      <pc:sldChg chg="modSp mod modNotesTx">
+        <pc:chgData name="de Matos Castilho, Vitor" userId="f045df08-3945-411d-8ccc-18464c94dfdb" providerId="ADAL" clId="{5FC845CA-0D2B-944A-B799-F3A3F16BEF6A}" dt="2023-07-23T12:12:36.891" v="382" actId="20577"/>
+        <pc:sldMkLst>
+          <pc:docMk/>
+          <pc:sldMk cId="0" sldId="271"/>
+        </pc:sldMkLst>
+        <pc:spChg chg="mod">
+          <ac:chgData name="de Matos Castilho, Vitor" userId="f045df08-3945-411d-8ccc-18464c94dfdb" providerId="ADAL" clId="{5FC845CA-0D2B-944A-B799-F3A3F16BEF6A}" dt="2023-07-23T11:02:19.972" v="300" actId="20577"/>
+          <ac:spMkLst>
+            <pc:docMk/>
+            <pc:sldMk cId="0" sldId="271"/>
+            <ac:spMk id="5" creationId="{97797431-D832-6308-4389-9642667AA3C8}"/>
+          </ac:spMkLst>
+        </pc:spChg>
+        <pc:spChg chg="mod">
+          <ac:chgData name="de Matos Castilho, Vitor" userId="f045df08-3945-411d-8ccc-18464c94dfdb" providerId="ADAL" clId="{5FC845CA-0D2B-944A-B799-F3A3F16BEF6A}" dt="2023-07-23T10:44:45.521" v="298" actId="20577"/>
+          <ac:spMkLst>
+            <pc:docMk/>
+            <pc:sldMk cId="0" sldId="271"/>
+            <ac:spMk id="7" creationId="{00B939E2-C26E-EFD6-25E2-D5955C0089B8}"/>
+          </ac:spMkLst>
+        </pc:spChg>
+        <pc:spChg chg="mod">
+          <ac:chgData name="de Matos Castilho, Vitor" userId="f045df08-3945-411d-8ccc-18464c94dfdb" providerId="ADAL" clId="{5FC845CA-0D2B-944A-B799-F3A3F16BEF6A}" dt="2023-07-23T10:43:30.469" v="286" actId="14100"/>
+          <ac:spMkLst>
+            <pc:docMk/>
+            <pc:sldMk cId="0" sldId="271"/>
+            <ac:spMk id="10" creationId="{5E2CEC2E-A241-F57F-FE46-5946D18635B1}"/>
+          </ac:spMkLst>
+        </pc:spChg>
+        <pc:graphicFrameChg chg="mod modGraphic">
+          <ac:chgData name="de Matos Castilho, Vitor" userId="f045df08-3945-411d-8ccc-18464c94dfdb" providerId="ADAL" clId="{5FC845CA-0D2B-944A-B799-F3A3F16BEF6A}" dt="2023-07-23T10:44:33.703" v="296" actId="122"/>
+          <ac:graphicFrameMkLst>
+            <pc:docMk/>
+            <pc:sldMk cId="0" sldId="271"/>
+            <ac:graphicFrameMk id="8" creationId="{A29C67AF-977A-6706-1DCF-DA893968F5E6}"/>
+          </ac:graphicFrameMkLst>
+        </pc:graphicFrameChg>
+      </pc:sldChg>
+      <pc:sldChg chg="addSp delSp modSp mod modNotesTx">
+        <pc:chgData name="de Matos Castilho, Vitor" userId="f045df08-3945-411d-8ccc-18464c94dfdb" providerId="ADAL" clId="{5FC845CA-0D2B-944A-B799-F3A3F16BEF6A}" dt="2023-07-23T12:13:09.656" v="384"/>
+        <pc:sldMkLst>
+          <pc:docMk/>
+          <pc:sldMk cId="0" sldId="273"/>
+        </pc:sldMkLst>
+        <pc:spChg chg="add del mod">
+          <ac:chgData name="de Matos Castilho, Vitor" userId="f045df08-3945-411d-8ccc-18464c94dfdb" providerId="ADAL" clId="{5FC845CA-0D2B-944A-B799-F3A3F16BEF6A}" dt="2023-07-23T10:37:50.765" v="230" actId="21"/>
+          <ac:spMkLst>
+            <pc:docMk/>
+            <pc:sldMk cId="0" sldId="273"/>
+            <ac:spMk id="2" creationId="{5ABB000F-254E-F804-403A-C11D5A89B81A}"/>
+          </ac:spMkLst>
+        </pc:spChg>
+        <pc:spChg chg="mod">
+          <ac:chgData name="de Matos Castilho, Vitor" userId="f045df08-3945-411d-8ccc-18464c94dfdb" providerId="ADAL" clId="{5FC845CA-0D2B-944A-B799-F3A3F16BEF6A}" dt="2023-07-23T10:15:43.250" v="81" actId="108"/>
+          <ac:spMkLst>
+            <pc:docMk/>
+            <pc:sldMk cId="0" sldId="273"/>
+            <ac:spMk id="178" creationId="{00000000-0000-0000-0000-000000000000}"/>
+          </ac:spMkLst>
+        </pc:spChg>
+        <pc:spChg chg="mod">
+          <ac:chgData name="de Matos Castilho, Vitor" userId="f045df08-3945-411d-8ccc-18464c94dfdb" providerId="ADAL" clId="{5FC845CA-0D2B-944A-B799-F3A3F16BEF6A}" dt="2023-07-23T10:35:02.082" v="204" actId="20577"/>
+          <ac:spMkLst>
+            <pc:docMk/>
+            <pc:sldMk cId="0" sldId="273"/>
+            <ac:spMk id="179" creationId="{00000000-0000-0000-0000-000000000000}"/>
+          </ac:spMkLst>
+        </pc:spChg>
+      </pc:sldChg>
+      <pc:sldChg chg="modSp mod delCm">
+        <pc:chgData name="de Matos Castilho, Vitor" userId="f045df08-3945-411d-8ccc-18464c94dfdb" providerId="ADAL" clId="{5FC845CA-0D2B-944A-B799-F3A3F16BEF6A}" dt="2023-07-23T10:19:22.884" v="97" actId="113"/>
+        <pc:sldMkLst>
+          <pc:docMk/>
+          <pc:sldMk cId="1827751261" sldId="274"/>
+        </pc:sldMkLst>
+        <pc:spChg chg="mod">
+          <ac:chgData name="de Matos Castilho, Vitor" userId="f045df08-3945-411d-8ccc-18464c94dfdb" providerId="ADAL" clId="{5FC845CA-0D2B-944A-B799-F3A3F16BEF6A}" dt="2023-07-23T10:14:56.917" v="68" actId="108"/>
+          <ac:spMkLst>
+            <pc:docMk/>
+            <pc:sldMk cId="1827751261" sldId="274"/>
+            <ac:spMk id="93" creationId="{00000000-0000-0000-0000-000000000000}"/>
+          </ac:spMkLst>
+        </pc:spChg>
+        <pc:graphicFrameChg chg="mod modGraphic">
+          <ac:chgData name="de Matos Castilho, Vitor" userId="f045df08-3945-411d-8ccc-18464c94dfdb" providerId="ADAL" clId="{5FC845CA-0D2B-944A-B799-F3A3F16BEF6A}" dt="2023-07-23T10:19:22.884" v="97" actId="113"/>
+          <ac:graphicFrameMkLst>
+            <pc:docMk/>
+            <pc:sldMk cId="1827751261" sldId="274"/>
+            <ac:graphicFrameMk id="9" creationId="{6AF559D8-6379-F964-C9E3-664A1033395E}"/>
+          </ac:graphicFrameMkLst>
+        </pc:graphicFrameChg>
+      </pc:sldChg>
+      <pc:sldChg chg="modSp mod">
+        <pc:chgData name="de Matos Castilho, Vitor" userId="f045df08-3945-411d-8ccc-18464c94dfdb" providerId="ADAL" clId="{5FC845CA-0D2B-944A-B799-F3A3F16BEF6A}" dt="2023-07-23T10:17:00.940" v="87" actId="255"/>
+        <pc:sldMkLst>
+          <pc:docMk/>
+          <pc:sldMk cId="3113658523" sldId="275"/>
+        </pc:sldMkLst>
+        <pc:spChg chg="mod">
+          <ac:chgData name="de Matos Castilho, Vitor" userId="f045df08-3945-411d-8ccc-18464c94dfdb" providerId="ADAL" clId="{5FC845CA-0D2B-944A-B799-F3A3F16BEF6A}" dt="2023-07-23T10:14:52.636" v="67" actId="108"/>
+          <ac:spMkLst>
+            <pc:docMk/>
+            <pc:sldMk cId="3113658523" sldId="275"/>
+            <ac:spMk id="2" creationId="{83DF75F0-7375-8747-013E-DA92C8D0790C}"/>
+          </ac:spMkLst>
+        </pc:spChg>
+        <pc:graphicFrameChg chg="mod modGraphic">
+          <ac:chgData name="de Matos Castilho, Vitor" userId="f045df08-3945-411d-8ccc-18464c94dfdb" providerId="ADAL" clId="{5FC845CA-0D2B-944A-B799-F3A3F16BEF6A}" dt="2023-07-23T10:17:00.940" v="87" actId="255"/>
+          <ac:graphicFrameMkLst>
+            <pc:docMk/>
+            <pc:sldMk cId="3113658523" sldId="275"/>
+            <ac:graphicFrameMk id="6" creationId="{BD0303BB-CA29-A84C-AB49-846094295366}"/>
+          </ac:graphicFrameMkLst>
+        </pc:graphicFrameChg>
+      </pc:sldChg>
+      <pc:sldChg chg="modSp mod delCm">
+        <pc:chgData name="de Matos Castilho, Vitor" userId="f045df08-3945-411d-8ccc-18464c94dfdb" providerId="ADAL" clId="{5FC845CA-0D2B-944A-B799-F3A3F16BEF6A}" dt="2023-07-23T10:15:14.833" v="72" actId="108"/>
+        <pc:sldMkLst>
+          <pc:docMk/>
+          <pc:sldMk cId="1360442009" sldId="278"/>
+        </pc:sldMkLst>
+        <pc:spChg chg="mod">
+          <ac:chgData name="de Matos Castilho, Vitor" userId="f045df08-3945-411d-8ccc-18464c94dfdb" providerId="ADAL" clId="{5FC845CA-0D2B-944A-B799-F3A3F16BEF6A}" dt="2023-07-23T10:15:14.833" v="72" actId="108"/>
+          <ac:spMkLst>
+            <pc:docMk/>
+            <pc:sldMk cId="1360442009" sldId="278"/>
+            <ac:spMk id="123" creationId="{00000000-0000-0000-0000-000000000000}"/>
+          </ac:spMkLst>
+        </pc:spChg>
+      </pc:sldChg>
+      <pc:sldChg chg="modSp mod">
+        <pc:chgData name="de Matos Castilho, Vitor" userId="f045df08-3945-411d-8ccc-18464c94dfdb" providerId="ADAL" clId="{5FC845CA-0D2B-944A-B799-F3A3F16BEF6A}" dt="2023-07-23T10:19:49.565" v="100" actId="113"/>
+        <pc:sldMkLst>
+          <pc:docMk/>
+          <pc:sldMk cId="2531982499" sldId="279"/>
+        </pc:sldMkLst>
+        <pc:spChg chg="mod">
+          <ac:chgData name="de Matos Castilho, Vitor" userId="f045df08-3945-411d-8ccc-18464c94dfdb" providerId="ADAL" clId="{5FC845CA-0D2B-944A-B799-F3A3F16BEF6A}" dt="2023-07-23T10:15:25.289" v="75" actId="108"/>
+          <ac:spMkLst>
+            <pc:docMk/>
+            <pc:sldMk cId="2531982499" sldId="279"/>
+            <ac:spMk id="145" creationId="{00000000-0000-0000-0000-000000000000}"/>
+          </ac:spMkLst>
+        </pc:spChg>
+        <pc:graphicFrameChg chg="mod modGraphic">
+          <ac:chgData name="de Matos Castilho, Vitor" userId="f045df08-3945-411d-8ccc-18464c94dfdb" providerId="ADAL" clId="{5FC845CA-0D2B-944A-B799-F3A3F16BEF6A}" dt="2023-07-23T10:19:49.565" v="100" actId="113"/>
+          <ac:graphicFrameMkLst>
+            <pc:docMk/>
+            <pc:sldMk cId="2531982499" sldId="279"/>
+            <ac:graphicFrameMk id="14" creationId="{4F1EDB7D-AD8D-D435-D29D-5AE7CAD27E25}"/>
+          </ac:graphicFrameMkLst>
+        </pc:graphicFrameChg>
+      </pc:sldChg>
+      <pc:sldChg chg="modSp mod delCm modNotesTx">
+        <pc:chgData name="de Matos Castilho, Vitor" userId="f045df08-3945-411d-8ccc-18464c94dfdb" providerId="ADAL" clId="{5FC845CA-0D2B-944A-B799-F3A3F16BEF6A}" dt="2023-07-23T12:12:21.823" v="380"/>
+        <pc:sldMkLst>
+          <pc:docMk/>
+          <pc:sldMk cId="3743673745" sldId="280"/>
+        </pc:sldMkLst>
+        <pc:spChg chg="mod">
+          <ac:chgData name="de Matos Castilho, Vitor" userId="f045df08-3945-411d-8ccc-18464c94dfdb" providerId="ADAL" clId="{5FC845CA-0D2B-944A-B799-F3A3F16BEF6A}" dt="2023-07-23T11:02:15.589" v="299" actId="20577"/>
+          <ac:spMkLst>
+            <pc:docMk/>
+            <pc:sldMk cId="3743673745" sldId="280"/>
+            <ac:spMk id="159" creationId="{00000000-0000-0000-0000-000000000000}"/>
+          </ac:spMkLst>
+        </pc:spChg>
+        <pc:spChg chg="mod">
+          <ac:chgData name="de Matos Castilho, Vitor" userId="f045df08-3945-411d-8ccc-18464c94dfdb" providerId="ADAL" clId="{5FC845CA-0D2B-944A-B799-F3A3F16BEF6A}" dt="2023-07-23T08:03:40.352" v="14" actId="27636"/>
+          <ac:spMkLst>
+            <pc:docMk/>
+            <pc:sldMk cId="3743673745" sldId="280"/>
+            <ac:spMk id="160" creationId="{00000000-0000-0000-0000-000000000000}"/>
+          </ac:spMkLst>
+        </pc:spChg>
+        <pc:picChg chg="mod">
+          <ac:chgData name="de Matos Castilho, Vitor" userId="f045df08-3945-411d-8ccc-18464c94dfdb" providerId="ADAL" clId="{5FC845CA-0D2B-944A-B799-F3A3F16BEF6A}" dt="2023-07-23T08:44:58.062" v="40" actId="1076"/>
+          <ac:picMkLst>
+            <pc:docMk/>
+            <pc:sldMk cId="3743673745" sldId="280"/>
+            <ac:picMk id="161" creationId="{00000000-0000-0000-0000-000000000000}"/>
+          </ac:picMkLst>
+        </pc:picChg>
+      </pc:sldChg>
+      <pc:sldChg chg="modSp mod">
+        <pc:chgData name="de Matos Castilho, Vitor" userId="f045df08-3945-411d-8ccc-18464c94dfdb" providerId="ADAL" clId="{5FC845CA-0D2B-944A-B799-F3A3F16BEF6A}" dt="2023-07-23T10:15:28.759" v="76" actId="108"/>
+        <pc:sldMkLst>
+          <pc:docMk/>
+          <pc:sldMk cId="3556377587" sldId="283"/>
+        </pc:sldMkLst>
+        <pc:spChg chg="mod">
+          <ac:chgData name="de Matos Castilho, Vitor" userId="f045df08-3945-411d-8ccc-18464c94dfdb" providerId="ADAL" clId="{5FC845CA-0D2B-944A-B799-F3A3F16BEF6A}" dt="2023-07-23T10:15:28.759" v="76" actId="108"/>
+          <ac:spMkLst>
+            <pc:docMk/>
+            <pc:sldMk cId="3556377587" sldId="283"/>
+            <ac:spMk id="2" creationId="{7D5B49EA-13CB-AF9B-D169-344F52AA2178}"/>
+          </ac:spMkLst>
+        </pc:spChg>
+      </pc:sldChg>
+      <pc:sldChg chg="addSp modSp mod modNotesTx">
+        <pc:chgData name="de Matos Castilho, Vitor" userId="f045df08-3945-411d-8ccc-18464c94dfdb" providerId="ADAL" clId="{5FC845CA-0D2B-944A-B799-F3A3F16BEF6A}" dt="2023-07-23T12:13:21.939" v="385"/>
+        <pc:sldMkLst>
+          <pc:docMk/>
+          <pc:sldMk cId="1781347961" sldId="284"/>
+        </pc:sldMkLst>
+        <pc:spChg chg="add mod">
+          <ac:chgData name="de Matos Castilho, Vitor" userId="f045df08-3945-411d-8ccc-18464c94dfdb" providerId="ADAL" clId="{5FC845CA-0D2B-944A-B799-F3A3F16BEF6A}" dt="2023-07-23T10:26:30.997" v="192" actId="20577"/>
+          <ac:spMkLst>
+            <pc:docMk/>
+            <pc:sldMk cId="1781347961" sldId="284"/>
+            <ac:spMk id="2" creationId="{0E9E573E-03FC-ADD4-0872-DA9FC670B716}"/>
+          </ac:spMkLst>
+        </pc:spChg>
+        <pc:spChg chg="mod">
+          <ac:chgData name="de Matos Castilho, Vitor" userId="f045df08-3945-411d-8ccc-18464c94dfdb" providerId="ADAL" clId="{5FC845CA-0D2B-944A-B799-F3A3F16BEF6A}" dt="2023-07-23T10:15:46.176" v="82" actId="108"/>
+          <ac:spMkLst>
+            <pc:docMk/>
+            <pc:sldMk cId="1781347961" sldId="284"/>
+            <ac:spMk id="178" creationId="{00000000-0000-0000-0000-000000000000}"/>
+          </ac:spMkLst>
+        </pc:spChg>
+        <pc:spChg chg="mod">
+          <ac:chgData name="de Matos Castilho, Vitor" userId="f045df08-3945-411d-8ccc-18464c94dfdb" providerId="ADAL" clId="{5FC845CA-0D2B-944A-B799-F3A3F16BEF6A}" dt="2023-07-23T10:35:17.443" v="210" actId="20577"/>
+          <ac:spMkLst>
+            <pc:docMk/>
+            <pc:sldMk cId="1781347961" sldId="284"/>
+            <ac:spMk id="179" creationId="{00000000-0000-0000-0000-000000000000}"/>
+          </ac:spMkLst>
+        </pc:spChg>
+      </pc:sldChg>
+      <pc:sldChg chg="new del">
+        <pc:chgData name="de Matos Castilho, Vitor" userId="f045df08-3945-411d-8ccc-18464c94dfdb" providerId="ADAL" clId="{5FC845CA-0D2B-944A-B799-F3A3F16BEF6A}" dt="2023-07-23T08:18:56.048" v="39" actId="2696"/>
+        <pc:sldMkLst>
+          <pc:docMk/>
+          <pc:sldMk cId="185533955" sldId="285"/>
+        </pc:sldMkLst>
+      </pc:sldChg>
+      <pc:sldChg chg="addSp delSp modSp add mod ord">
+        <pc:chgData name="de Matos Castilho, Vitor" userId="f045df08-3945-411d-8ccc-18464c94dfdb" providerId="ADAL" clId="{5FC845CA-0D2B-944A-B799-F3A3F16BEF6A}" dt="2023-07-23T11:10:09.956" v="377" actId="403"/>
+        <pc:sldMkLst>
+          <pc:docMk/>
+          <pc:sldMk cId="466193641" sldId="285"/>
+        </pc:sldMkLst>
+        <pc:spChg chg="add mod">
+          <ac:chgData name="de Matos Castilho, Vitor" userId="f045df08-3945-411d-8ccc-18464c94dfdb" providerId="ADAL" clId="{5FC845CA-0D2B-944A-B799-F3A3F16BEF6A}" dt="2023-07-23T11:05:58.521" v="335" actId="1076"/>
+          <ac:spMkLst>
+            <pc:docMk/>
+            <pc:sldMk cId="466193641" sldId="285"/>
+            <ac:spMk id="3" creationId="{FDF1BEB1-329C-A722-DD55-42CAE83C6F24}"/>
+          </ac:spMkLst>
+        </pc:spChg>
+        <pc:spChg chg="add del mod">
+          <ac:chgData name="de Matos Castilho, Vitor" userId="f045df08-3945-411d-8ccc-18464c94dfdb" providerId="ADAL" clId="{5FC845CA-0D2B-944A-B799-F3A3F16BEF6A}" dt="2023-07-23T11:05:34.752" v="332"/>
+          <ac:spMkLst>
+            <pc:docMk/>
+            <pc:sldMk cId="466193641" sldId="285"/>
+            <ac:spMk id="4" creationId="{D5F7B911-087A-7E25-036B-1B68B42AF17D}"/>
+          </ac:spMkLst>
+        </pc:spChg>
+        <pc:spChg chg="add mod">
+          <ac:chgData name="de Matos Castilho, Vitor" userId="f045df08-3945-411d-8ccc-18464c94dfdb" providerId="ADAL" clId="{5FC845CA-0D2B-944A-B799-F3A3F16BEF6A}" dt="2023-07-23T11:10:04.548" v="374" actId="1076"/>
+          <ac:spMkLst>
+            <pc:docMk/>
+            <pc:sldMk cId="466193641" sldId="285"/>
+            <ac:spMk id="5" creationId="{FCBA40CB-585E-4AFD-6980-CD9A57B25EC7}"/>
+          </ac:spMkLst>
+        </pc:spChg>
+        <pc:spChg chg="add mod">
+          <ac:chgData name="de Matos Castilho, Vitor" userId="f045df08-3945-411d-8ccc-18464c94dfdb" providerId="ADAL" clId="{5FC845CA-0D2B-944A-B799-F3A3F16BEF6A}" dt="2023-07-23T11:10:09.956" v="377" actId="403"/>
+          <ac:spMkLst>
+            <pc:docMk/>
+            <pc:sldMk cId="466193641" sldId="285"/>
+            <ac:spMk id="6" creationId="{70162D07-28DE-56D6-CD65-9EFA0704BF02}"/>
+          </ac:spMkLst>
+        </pc:spChg>
+        <pc:spChg chg="add mod">
+          <ac:chgData name="de Matos Castilho, Vitor" userId="f045df08-3945-411d-8ccc-18464c94dfdb" providerId="ADAL" clId="{5FC845CA-0D2B-944A-B799-F3A3F16BEF6A}" dt="2023-07-23T11:09:02.678" v="366" actId="208"/>
+          <ac:spMkLst>
+            <pc:docMk/>
+            <pc:sldMk cId="466193641" sldId="285"/>
+            <ac:spMk id="7" creationId="{0CE95DE5-5BC3-C3AC-C37D-F4BF0F2DD197}"/>
+          </ac:spMkLst>
+        </pc:spChg>
+        <pc:spChg chg="mod">
+          <ac:chgData name="de Matos Castilho, Vitor" userId="f045df08-3945-411d-8ccc-18464c94dfdb" providerId="ADAL" clId="{5FC845CA-0D2B-944A-B799-F3A3F16BEF6A}" dt="2023-07-23T11:05:53.322" v="334" actId="20577"/>
+          <ac:spMkLst>
+            <pc:docMk/>
+            <pc:sldMk cId="466193641" sldId="285"/>
+            <ac:spMk id="10" creationId="{30792C88-3E6C-BDA0-D161-70CFFB150971}"/>
+          </ac:spMkLst>
+        </pc:spChg>
+        <pc:graphicFrameChg chg="del mod">
+          <ac:chgData name="de Matos Castilho, Vitor" userId="f045df08-3945-411d-8ccc-18464c94dfdb" providerId="ADAL" clId="{5FC845CA-0D2B-944A-B799-F3A3F16BEF6A}" dt="2023-07-23T11:03:43.627" v="308" actId="478"/>
+          <ac:graphicFrameMkLst>
+            <pc:docMk/>
+            <pc:sldMk cId="466193641" sldId="285"/>
+            <ac:graphicFrameMk id="14" creationId="{4F1EDB7D-AD8D-D435-D29D-5AE7CAD27E25}"/>
+          </ac:graphicFrameMkLst>
+        </pc:graphicFrameChg>
+        <pc:picChg chg="add mod">
+          <ac:chgData name="de Matos Castilho, Vitor" userId="f045df08-3945-411d-8ccc-18464c94dfdb" providerId="ADAL" clId="{5FC845CA-0D2B-944A-B799-F3A3F16BEF6A}" dt="2023-07-23T11:07:15.111" v="352" actId="1076"/>
+          <ac:picMkLst>
+            <pc:docMk/>
+            <pc:sldMk cId="466193641" sldId="285"/>
+            <ac:picMk id="2" creationId="{1740E553-028E-9B79-221F-63E0DCA7C00F}"/>
+          </ac:picMkLst>
+        </pc:picChg>
+      </pc:sldChg>
+      <pc:sldChg chg="modSp new del mod">
+        <pc:chgData name="de Matos Castilho, Vitor" userId="f045df08-3945-411d-8ccc-18464c94dfdb" providerId="ADAL" clId="{5FC845CA-0D2B-944A-B799-F3A3F16BEF6A}" dt="2023-07-23T10:26:07.512" v="171" actId="2696"/>
+        <pc:sldMkLst>
+          <pc:docMk/>
+          <pc:sldMk cId="1124961463" sldId="285"/>
+        </pc:sldMkLst>
+        <pc:spChg chg="mod">
+          <ac:chgData name="de Matos Castilho, Vitor" userId="f045df08-3945-411d-8ccc-18464c94dfdb" providerId="ADAL" clId="{5FC845CA-0D2B-944A-B799-F3A3F16BEF6A}" dt="2023-07-23T10:23:31.144" v="155" actId="27636"/>
+          <ac:spMkLst>
+            <pc:docMk/>
+            <pc:sldMk cId="1124961463" sldId="285"/>
+            <ac:spMk id="2" creationId="{46C36E04-817D-10D5-9077-6C8E17944AB8}"/>
+          </ac:spMkLst>
+        </pc:spChg>
+        <pc:spChg chg="mod">
+          <ac:chgData name="de Matos Castilho, Vitor" userId="f045df08-3945-411d-8ccc-18464c94dfdb" providerId="ADAL" clId="{5FC845CA-0D2B-944A-B799-F3A3F16BEF6A}" dt="2023-07-23T10:26:01.049" v="170" actId="368"/>
+          <ac:spMkLst>
+            <pc:docMk/>
+            <pc:sldMk cId="1124961463" sldId="285"/>
+            <ac:spMk id="3" creationId="{04EFC5B2-795F-3FAC-277B-4ECFE567B677}"/>
+          </ac:spMkLst>
+        </pc:spChg>
+      </pc:sldChg>
+      <pc:sldChg chg="addSp delSp modSp new del mod ord">
+        <pc:chgData name="de Matos Castilho, Vitor" userId="f045df08-3945-411d-8ccc-18464c94dfdb" providerId="ADAL" clId="{5FC845CA-0D2B-944A-B799-F3A3F16BEF6A}" dt="2023-07-23T10:40:42.540" v="283" actId="2696"/>
+        <pc:sldMkLst>
+          <pc:docMk/>
+          <pc:sldMk cId="2161610212" sldId="285"/>
+        </pc:sldMkLst>
+        <pc:spChg chg="del mod">
+          <ac:chgData name="de Matos Castilho, Vitor" userId="f045df08-3945-411d-8ccc-18464c94dfdb" providerId="ADAL" clId="{5FC845CA-0D2B-944A-B799-F3A3F16BEF6A}" dt="2023-07-23T10:38:29.888" v="242" actId="478"/>
+          <ac:spMkLst>
+            <pc:docMk/>
+            <pc:sldMk cId="2161610212" sldId="285"/>
+            <ac:spMk id="2" creationId="{15B791DD-DD42-2284-E612-0BFE01D55D48}"/>
+          </ac:spMkLst>
+        </pc:spChg>
+        <pc:spChg chg="del">
+          <ac:chgData name="de Matos Castilho, Vitor" userId="f045df08-3945-411d-8ccc-18464c94dfdb" providerId="ADAL" clId="{5FC845CA-0D2B-944A-B799-F3A3F16BEF6A}" dt="2023-07-23T10:37:54.992" v="231" actId="478"/>
+          <ac:spMkLst>
+            <pc:docMk/>
+            <pc:sldMk cId="2161610212" sldId="285"/>
+            <ac:spMk id="3" creationId="{FEDBD087-5992-D650-ACE8-63F5D545056B}"/>
+          </ac:spMkLst>
+        </pc:spChg>
+        <pc:spChg chg="add mod">
+          <ac:chgData name="de Matos Castilho, Vitor" userId="f045df08-3945-411d-8ccc-18464c94dfdb" providerId="ADAL" clId="{5FC845CA-0D2B-944A-B799-F3A3F16BEF6A}" dt="2023-07-23T10:40:32.347" v="282" actId="20577"/>
+          <ac:spMkLst>
+            <pc:docMk/>
+            <pc:sldMk cId="2161610212" sldId="285"/>
+            <ac:spMk id="4" creationId="{C10BD8B8-BFCD-76F9-2521-94980C9EB9BC}"/>
+          </ac:spMkLst>
+        </pc:spChg>
+        <pc:spChg chg="add mod">
+          <ac:chgData name="de Matos Castilho, Vitor" userId="f045df08-3945-411d-8ccc-18464c94dfdb" providerId="ADAL" clId="{5FC845CA-0D2B-944A-B799-F3A3F16BEF6A}" dt="2023-07-23T10:38:30.379" v="243"/>
+          <ac:spMkLst>
+            <pc:docMk/>
+            <pc:sldMk cId="2161610212" sldId="285"/>
+            <ac:spMk id="5" creationId="{693C017D-F0CC-9868-2890-894C6EFDB972}"/>
+          </ac:spMkLst>
+        </pc:spChg>
+      </pc:sldChg>
+    </pc:docChg>
+  </pc:docChgLst>
+</pc:chgInfo>
 </file>
 
 <file path=ppt/notesMasters/notesMaster1.xml><?xml version="1.0" encoding="utf-8"?>
@@ -1102,7 +1717,7 @@
               </a:spcAft>
               <a:buNone/>
             </a:pPr>
-            <a:endParaRPr dirty="0"/>
+            <a:endParaRPr/>
           </a:p>
         </p:txBody>
       </p:sp>
@@ -1206,14 +1821,14 @@
               </a:spcAft>
               <a:buNone/>
             </a:pPr>
-            <a:endParaRPr dirty="0"/>
+            <a:endParaRPr/>
           </a:p>
         </p:txBody>
       </p:sp>
     </p:spTree>
     <p:extLst>
       <p:ext uri="{BB962C8B-B14F-4D97-AF65-F5344CB8AC3E}">
-        <p14:creationId xmlns:p14="http://schemas.microsoft.com/office/powerpoint/2010/main" val="1629246663"/>
+        <p14:creationId xmlns:p14="http://schemas.microsoft.com/office/powerpoint/2010/main" val="3558145845"/>
       </p:ext>
     </p:extLst>
   </p:cSld>
@@ -1306,6 +1921,207 @@
           </a:bodyPr>
           <a:lstStyle/>
           <a:p>
+            <a:pPr>
+              <a:buFont typeface="Arial" panose="020B0604020202020204" pitchFamily="34" charset="0"/>
+              <a:buChar char="•"/>
+            </a:pPr>
+            <a:r>
+              <a:rPr lang="en-US"/>
+              <a:t>Hello , ladies and gentlemen, I'm and I will be presenting the final part of this project.</a:t>
+            </a:r>
+          </a:p>
+          <a:p>
+            <a:pPr>
+              <a:buFont typeface="Arial" panose="020B0604020202020204" pitchFamily="34" charset="0"/>
+              <a:buChar char="•"/>
+            </a:pPr>
+            <a:r>
+              <a:rPr lang="en-US"/>
+              <a:t>We start with the model evaluation and optimization.</a:t>
+            </a:r>
+          </a:p>
+          <a:p>
+            <a:pPr>
+              <a:buFont typeface="Arial" panose="020B0604020202020204" pitchFamily="34" charset="0"/>
+              <a:buChar char="•"/>
+            </a:pPr>
+            <a:r>
+              <a:rPr lang="en-US"/>
+              <a:t>In this slide, you can see to the right a series of plots.</a:t>
+            </a:r>
+          </a:p>
+          <a:p>
+            <a:pPr marL="457200" marR="0" lvl="0" indent="-298450" algn="l" defTabSz="914400" rtl="0" eaLnBrk="1" fontAlgn="auto" latinLnBrk="0" hangingPunct="1">
+              <a:lnSpc>
+                <a:spcPct val="100000"/>
+              </a:lnSpc>
+              <a:spcBef>
+                <a:spcPts val="0"/>
+              </a:spcBef>
+              <a:spcAft>
+                <a:spcPts val="0"/>
+              </a:spcAft>
+              <a:buClr>
+                <a:srgbClr val="000000"/>
+              </a:buClr>
+              <a:buSzPts val="1100"/>
+              <a:buFont typeface="Arial" panose="020B0604020202020204" pitchFamily="34" charset="0"/>
+              <a:buChar char="•"/>
+              <a:tabLst/>
+              <a:defRPr/>
+            </a:pPr>
+            <a:r>
+              <a:rPr lang="en-US"/>
+              <a:t>These plots compare the different </a:t>
+            </a:r>
+            <a:r>
+              <a:rPr lang="en-US" err="1"/>
+              <a:t>Rsquared</a:t>
+            </a:r>
+            <a:r>
+              <a:rPr lang="en-US"/>
+              <a:t> obtained from models ran on: </a:t>
+            </a:r>
+          </a:p>
+          <a:p>
+            <a:pPr marL="457200" marR="0" lvl="0" indent="-298450" algn="l" defTabSz="914400" rtl="0" eaLnBrk="1" fontAlgn="auto" latinLnBrk="0" hangingPunct="1">
+              <a:lnSpc>
+                <a:spcPct val="100000"/>
+              </a:lnSpc>
+              <a:spcBef>
+                <a:spcPts val="0"/>
+              </a:spcBef>
+              <a:spcAft>
+                <a:spcPts val="0"/>
+              </a:spcAft>
+              <a:buClr>
+                <a:srgbClr val="000000"/>
+              </a:buClr>
+              <a:buSzPts val="1100"/>
+              <a:buFont typeface="Arial" panose="020B0604020202020204" pitchFamily="34" charset="0"/>
+              <a:buChar char="•"/>
+              <a:tabLst/>
+              <a:defRPr/>
+            </a:pPr>
+            <a:r>
+              <a:rPr lang="en-US"/>
+              <a:t>all the features, </a:t>
+            </a:r>
+          </a:p>
+          <a:p>
+            <a:pPr marL="457200" marR="0" lvl="0" indent="-298450" algn="l" defTabSz="914400" rtl="0" eaLnBrk="1" fontAlgn="auto" latinLnBrk="0" hangingPunct="1">
+              <a:lnSpc>
+                <a:spcPct val="100000"/>
+              </a:lnSpc>
+              <a:spcBef>
+                <a:spcPts val="0"/>
+              </a:spcBef>
+              <a:spcAft>
+                <a:spcPts val="0"/>
+              </a:spcAft>
+              <a:buClr>
+                <a:srgbClr val="000000"/>
+              </a:buClr>
+              <a:buSzPts val="1100"/>
+              <a:buFont typeface="Arial" panose="020B0604020202020204" pitchFamily="34" charset="0"/>
+              <a:buChar char="•"/>
+              <a:tabLst/>
+              <a:defRPr/>
+            </a:pPr>
+            <a:r>
+              <a:rPr lang="en-US"/>
+              <a:t>on the reduced set of predictors left after removing those with high multicollinearity </a:t>
+            </a:r>
+          </a:p>
+          <a:p>
+            <a:pPr marL="457200" marR="0" lvl="0" indent="-298450" algn="l" defTabSz="914400" rtl="0" eaLnBrk="1" fontAlgn="auto" latinLnBrk="0" hangingPunct="1">
+              <a:lnSpc>
+                <a:spcPct val="100000"/>
+              </a:lnSpc>
+              <a:spcBef>
+                <a:spcPts val="0"/>
+              </a:spcBef>
+              <a:spcAft>
+                <a:spcPts val="0"/>
+              </a:spcAft>
+              <a:buClr>
+                <a:srgbClr val="000000"/>
+              </a:buClr>
+              <a:buSzPts val="1100"/>
+              <a:buFont typeface="Arial" panose="020B0604020202020204" pitchFamily="34" charset="0"/>
+              <a:buChar char="•"/>
+              <a:tabLst/>
+              <a:defRPr/>
+            </a:pPr>
+            <a:r>
+              <a:rPr lang="en-US"/>
+              <a:t>and finally those obtained after running a stepwise regression.</a:t>
+            </a:r>
+          </a:p>
+          <a:p>
+            <a:pPr>
+              <a:buFont typeface="Arial" panose="020B0604020202020204" pitchFamily="34" charset="0"/>
+              <a:buChar char="•"/>
+            </a:pPr>
+            <a:endParaRPr lang="en-US"/>
+          </a:p>
+          <a:p>
+            <a:pPr>
+              <a:buFont typeface="Arial" panose="020B0604020202020204" pitchFamily="34" charset="0"/>
+              <a:buChar char="•"/>
+            </a:pPr>
+            <a:r>
+              <a:rPr lang="en-US"/>
+              <a:t>Still in the plot you can see a comparison between the different pool sizes and also between train and test sets.</a:t>
+            </a:r>
+          </a:p>
+          <a:p>
+            <a:pPr>
+              <a:buFont typeface="Arial" panose="020B0604020202020204" pitchFamily="34" charset="0"/>
+              <a:buChar char="•"/>
+            </a:pPr>
+            <a:r>
+              <a:rPr lang="en-US"/>
+              <a:t>What can be observed in the test set, is that the test set its response becomes unstable above 200 horizons </a:t>
+            </a:r>
+          </a:p>
+          <a:p>
+            <a:pPr>
+              <a:buFont typeface="Arial" panose="020B0604020202020204" pitchFamily="34" charset="0"/>
+              <a:buChar char="•"/>
+            </a:pPr>
+            <a:r>
+              <a:rPr lang="en-US"/>
+              <a:t>and for that reason a more stable period was selected at horizon 150.</a:t>
+            </a:r>
+          </a:p>
+          <a:p>
+            <a:pPr>
+              <a:buFont typeface="Arial" panose="020B0604020202020204" pitchFamily="34" charset="0"/>
+              <a:buChar char="•"/>
+            </a:pPr>
+            <a:r>
+              <a:rPr lang="en-US"/>
+              <a:t>Finally, this plot allows us to determine the best </a:t>
+            </a:r>
+            <a:r>
+              <a:rPr lang="en-US" err="1"/>
+              <a:t>Rsquared</a:t>
+            </a:r>
+            <a:r>
+              <a:rPr lang="en-US"/>
+              <a:t> between the models at the selected horizon. That being the Stepwise having the </a:t>
+            </a:r>
+            <a:r>
+              <a:rPr lang="en-US" err="1"/>
+              <a:t>cummulative</a:t>
+            </a:r>
+            <a:r>
+              <a:rPr lang="en-US"/>
+              <a:t> volume for the pool 500 as dependent variable.</a:t>
+            </a:r>
+          </a:p>
+          <a:p>
             <a:pPr marL="0" lvl="0" indent="0" algn="l" rtl="0">
               <a:spcBef>
                 <a:spcPts val="0"/>
@@ -1315,7 +2131,7 @@
               </a:spcAft>
               <a:buNone/>
             </a:pPr>
-            <a:endParaRPr dirty="0"/>
+            <a:endParaRPr/>
           </a:p>
         </p:txBody>
       </p:sp>
@@ -1410,6 +2226,90 @@
           </a:bodyPr>
           <a:lstStyle/>
           <a:p>
+            <a:pPr>
+              <a:buFont typeface="Arial" panose="020B0604020202020204" pitchFamily="34" charset="0"/>
+              <a:buChar char="•"/>
+            </a:pPr>
+            <a:r>
+              <a:rPr lang="en-US"/>
+              <a:t>In this slide we show the coefficients obtained after running the best model selected in the previous step.</a:t>
+            </a:r>
+          </a:p>
+          <a:p>
+            <a:pPr>
+              <a:buFont typeface="Arial" panose="020B0604020202020204" pitchFamily="34" charset="0"/>
+              <a:buChar char="•"/>
+            </a:pPr>
+            <a:r>
+              <a:rPr lang="en-US"/>
+              <a:t>An </a:t>
+            </a:r>
+            <a:r>
+              <a:rPr lang="en-US" err="1"/>
+              <a:t>Rsquare</a:t>
+            </a:r>
+            <a:r>
+              <a:rPr lang="en-US"/>
+              <a:t> of .238, therefore about 24% of the variance in the response variable is explained by the independent variables in this model.</a:t>
+            </a:r>
+          </a:p>
+          <a:p>
+            <a:pPr>
+              <a:buFont typeface="Arial" panose="020B0604020202020204" pitchFamily="34" charset="0"/>
+              <a:buChar char="•"/>
+            </a:pPr>
+            <a:r>
+              <a:rPr lang="en-US"/>
+              <a:t>A total of 8 predictors is what is left after running this stepwise regression. The table shows that 6 of these have statistical significance.</a:t>
+            </a:r>
+          </a:p>
+          <a:p>
+            <a:pPr>
+              <a:buFont typeface="Arial" panose="020B0604020202020204" pitchFamily="34" charset="0"/>
+              <a:buChar char="•"/>
+            </a:pPr>
+            <a:r>
+              <a:rPr lang="en-US"/>
+              <a:t>Each predictor corresponds to a change in the log of cum_volume_500 for a one standard deviation increase in the respective predictor.</a:t>
+            </a:r>
+          </a:p>
+          <a:p>
+            <a:pPr>
+              <a:buFont typeface="Arial" panose="020B0604020202020204" pitchFamily="34" charset="0"/>
+              <a:buChar char="•"/>
+            </a:pPr>
+            <a:r>
+              <a:rPr lang="en-US"/>
+              <a:t>The first predictor in the table shows a positive coefficient, indicating a direct relationship between added liquidity to a pool 3000 and the </a:t>
+            </a:r>
+            <a:r>
+              <a:rPr lang="en-US" err="1"/>
+              <a:t>cummulative</a:t>
+            </a:r>
+            <a:r>
+              <a:rPr lang="en-US"/>
+              <a:t> volume on the other pool, in this case, 500.</a:t>
+            </a:r>
+          </a:p>
+          <a:p>
+            <a:pPr>
+              <a:buFont typeface="Arial" panose="020B0604020202020204" pitchFamily="34" charset="0"/>
+              <a:buChar char="•"/>
+            </a:pPr>
+            <a:r>
+              <a:rPr lang="en-US"/>
+              <a:t>Hence, a mint operation in the pool (3000) triggers effects on </a:t>
+            </a:r>
+            <a:r>
+              <a:rPr lang="en-US" err="1"/>
+              <a:t>thecumulative</a:t>
+            </a:r>
+            <a:r>
+              <a:rPr lang="en-US"/>
+              <a:t> volume in the 'other' pool (500).</a:t>
+            </a:r>
+          </a:p>
+          <a:p>
             <a:pPr marL="0" lvl="0" indent="0" algn="l" rtl="0">
               <a:spcBef>
                 <a:spcPts val="0"/>
@@ -1419,7 +2319,7 @@
               </a:spcAft>
               <a:buNone/>
             </a:pPr>
-            <a:endParaRPr dirty="0"/>
+            <a:endParaRPr/>
           </a:p>
         </p:txBody>
       </p:sp>
@@ -1519,16 +2419,92 @@
           </a:bodyPr>
           <a:lstStyle/>
           <a:p>
-            <a:pPr marL="0" lvl="0" indent="0" algn="l" rtl="0">
-              <a:spcBef>
-                <a:spcPts val="0"/>
-              </a:spcBef>
-              <a:spcAft>
-                <a:spcPts val="0"/>
-              </a:spcAft>
-              <a:buNone/>
-            </a:pPr>
-            <a:endParaRPr dirty="0"/>
+            <a:pPr>
+              <a:buFont typeface="Arial" panose="020B0604020202020204" pitchFamily="34" charset="0"/>
+              <a:buChar char="•"/>
+            </a:pPr>
+            <a:r>
+              <a:rPr lang="en-US"/>
+              <a:t>So we now move to key findings and conclusions.</a:t>
+            </a:r>
+          </a:p>
+          <a:p>
+            <a:pPr>
+              <a:buFont typeface="Arial" panose="020B0604020202020204" pitchFamily="34" charset="0"/>
+              <a:buChar char="•"/>
+            </a:pPr>
+            <a:r>
+              <a:rPr lang="en-US"/>
+              <a:t>From our model we learn that higher immediate trading activity in one pool directly relates to increases in cumulative volume in other pools.</a:t>
+            </a:r>
+          </a:p>
+          <a:p>
+            <a:pPr>
+              <a:buFont typeface="Arial" panose="020B0604020202020204" pitchFamily="34" charset="0"/>
+              <a:buChar char="•"/>
+            </a:pPr>
+            <a:r>
+              <a:rPr lang="en-US"/>
+              <a:t>Our findings confirm a direct correlation between liquidity pool size, mint frequency, and trading volumes.</a:t>
+            </a:r>
+          </a:p>
+          <a:p>
+            <a:pPr>
+              <a:buFont typeface="Arial" panose="020B0604020202020204" pitchFamily="34" charset="0"/>
+              <a:buChar char="•"/>
+            </a:pPr>
+            <a:r>
+              <a:rPr lang="en-US"/>
+              <a:t>These insights offer strategic guidance for liquidity providers, traders, and architects of decentralized exchanges.</a:t>
+            </a:r>
+          </a:p>
+          <a:p>
+            <a:pPr>
+              <a:buFont typeface="Arial" panose="020B0604020202020204" pitchFamily="34" charset="0"/>
+              <a:buChar char="•"/>
+            </a:pPr>
+            <a:r>
+              <a:rPr lang="en-US"/>
+              <a:t>As future steps in this effort, there is room to improve the </a:t>
+            </a:r>
+            <a:r>
+              <a:rPr lang="en-US" err="1"/>
+              <a:t>Rsquared</a:t>
+            </a:r>
+            <a:r>
+              <a:rPr lang="en-US"/>
+              <a:t> and for that we can recommend</a:t>
+            </a:r>
+          </a:p>
+          <a:p>
+            <a:pPr>
+              <a:buFont typeface="Arial" panose="020B0604020202020204" pitchFamily="34" charset="0"/>
+              <a:buChar char="•"/>
+            </a:pPr>
+            <a:r>
+              <a:rPr lang="en-US"/>
+              <a:t>to further investigate multicollinearity on the remaining variables</a:t>
+            </a:r>
+          </a:p>
+          <a:p>
+            <a:pPr>
+              <a:buFont typeface="Arial" panose="020B0604020202020204" pitchFamily="34" charset="0"/>
+              <a:buChar char="•"/>
+            </a:pPr>
+            <a:r>
+              <a:rPr lang="en-US"/>
+              <a:t>trying non-linear models</a:t>
+            </a:r>
+          </a:p>
+          <a:p>
+            <a:pPr>
+              <a:buFont typeface="Arial" panose="020B0604020202020204" pitchFamily="34" charset="0"/>
+              <a:buChar char="•"/>
+            </a:pPr>
+            <a:r>
+              <a:rPr lang="en-US"/>
+              <a:t>optimizing model parameters, amongst others.</a:t>
+            </a:r>
           </a:p>
         </p:txBody>
       </p:sp>
@@ -1632,6 +2608,10 @@
               </a:spcAft>
               <a:buNone/>
             </a:pPr>
+            <a:r>
+              <a:rPr lang="en-US"/>
+              <a:t>The references used in this effort are listed on this slide.</a:t>
+            </a:r>
             <a:endParaRPr/>
           </a:p>
         </p:txBody>
@@ -1726,6 +2706,26 @@
             <a:noAutofit/>
           </a:bodyPr>
           <a:lstStyle/>
+          <a:p>
+            <a:pPr>
+              <a:buFont typeface="Arial" panose="020B0604020202020204" pitchFamily="34" charset="0"/>
+              <a:buChar char="•"/>
+            </a:pPr>
+            <a:r>
+              <a:rPr lang="en-US"/>
+              <a:t>Finally, datasets and code can be found on the links shown.</a:t>
+            </a:r>
+          </a:p>
+          <a:p>
+            <a:pPr>
+              <a:buFont typeface="Arial" panose="020B0604020202020204" pitchFamily="34" charset="0"/>
+              <a:buChar char="•"/>
+            </a:pPr>
+            <a:r>
+              <a:rPr lang="en-US"/>
+              <a:t>Thank you.</a:t>
+            </a:r>
+          </a:p>
           <a:p>
             <a:pPr marL="0" lvl="0" indent="0" algn="l" rtl="0">
               <a:spcBef>
@@ -2494,7 +3494,7 @@
               </a:spcAft>
               <a:buNone/>
             </a:pPr>
-            <a:endParaRPr dirty="0"/>
+            <a:endParaRPr/>
           </a:p>
         </p:txBody>
       </p:sp>
@@ -2598,7 +3598,7 @@
               </a:spcAft>
               <a:buNone/>
             </a:pPr>
-            <a:endParaRPr dirty="0"/>
+            <a:endParaRPr/>
           </a:p>
         </p:txBody>
       </p:sp>
@@ -8084,10 +9084,10 @@
               <a:buNone/>
             </a:pPr>
             <a:r>
-              <a:rPr lang="en" dirty="0"/>
+              <a:rPr lang="en"/>
               <a:t>Impact of Liquidity Pool Size on Trading Volume in BTC-ETH Pools</a:t>
             </a:r>
-            <a:endParaRPr dirty="0"/>
+            <a:endParaRPr/>
           </a:p>
         </p:txBody>
       </p:sp>
@@ -8215,22 +9215,22 @@
           <a:prstGeom prst="rect">
             <a:avLst/>
           </a:prstGeom>
+          <a:noFill/>
+          <a:ln>
+            <a:noFill/>
+          </a:ln>
         </p:spPr>
         <p:txBody>
           <a:bodyPr spcFirstLastPara="1" wrap="square" lIns="91425" tIns="91425" rIns="91425" bIns="91425" anchor="t" anchorCtr="0">
-            <a:normAutofit fontScale="90000"/>
+            <a:normAutofit/>
           </a:bodyPr>
           <a:lstStyle/>
           <a:p>
             <a:r>
-              <a:rPr lang="en" sz="2400" b="1" dirty="0">
-                <a:latin typeface="Söhne"/>
-              </a:rPr>
+              <a:rPr lang="en" sz="2400" b="1"/>
               <a:t>Feature Engineering (2 of 2)</a:t>
             </a:r>
-            <a:endParaRPr sz="2400" b="1" dirty="0">
-              <a:latin typeface="Söhne"/>
-            </a:endParaRPr>
+            <a:endParaRPr sz="2400" b="1"/>
           </a:p>
         </p:txBody>
       </p:sp>
@@ -8269,7 +9269,7 @@
               <a:buNone/>
             </a:pPr>
             <a:r>
-              <a:rPr lang="en-GB" sz="1300" b="1" dirty="0"/>
+              <a:rPr lang="en-GB" sz="1300" b="1"/>
               <a:t>4. Target Variables (DEX data):</a:t>
             </a:r>
           </a:p>
@@ -8284,37 +9284,37 @@
               <a:buNone/>
             </a:pPr>
             <a:r>
-              <a:rPr lang="en-GB" sz="1300" dirty="0"/>
+              <a:rPr lang="en-GB" sz="1300"/>
               <a:t>Defined as the cumulative volume for a pool at a given horizon: </a:t>
             </a:r>
             <a:r>
-              <a:rPr lang="en-GB" sz="1300" dirty="0">
+              <a:rPr lang="en-GB" sz="1300">
                 <a:latin typeface="Consolas" panose="020B0609020204030204" pitchFamily="49" charset="0"/>
               </a:rPr>
               <a:t>cum_volume_500</a:t>
             </a:r>
             <a:r>
-              <a:rPr lang="en-GB" sz="1300" dirty="0"/>
+              <a:rPr lang="en-GB" sz="1300"/>
               <a:t>, </a:t>
             </a:r>
             <a:r>
-              <a:rPr lang="en-GB" sz="1300" dirty="0">
+              <a:rPr lang="en-GB" sz="1300">
                 <a:latin typeface="Consolas" panose="020B0609020204030204" pitchFamily="49" charset="0"/>
               </a:rPr>
               <a:t> cum_volume_3000</a:t>
             </a:r>
             <a:r>
-              <a:rPr lang="en-GB" sz="1300" dirty="0"/>
+              <a:rPr lang="en-GB" sz="1300"/>
               <a:t>, and </a:t>
             </a:r>
             <a:r>
-              <a:rPr lang="en-GB" sz="1300" dirty="0" err="1">
+              <a:rPr lang="en-GB" sz="1300" err="1">
                 <a:latin typeface="Consolas" panose="020B0609020204030204" pitchFamily="49" charset="0"/>
               </a:rPr>
               <a:t>cum_volume_base</a:t>
             </a:r>
             <a:r>
-              <a:rPr lang="en-GB" sz="1300" dirty="0"/>
+              <a:rPr lang="en-GB" sz="1300"/>
               <a:t>.</a:t>
             </a:r>
           </a:p>
@@ -8329,7 +9329,7 @@
               <a:buNone/>
             </a:pPr>
             <a:r>
-              <a:rPr lang="en-GB" sz="1300" dirty="0"/>
+              <a:rPr lang="en-GB" sz="1300"/>
               <a:t>Logarithmic transformation using base 10</a:t>
             </a:r>
           </a:p>
@@ -8343,7 +9343,7 @@
               </a:spcAft>
               <a:buNone/>
             </a:pPr>
-            <a:endParaRPr lang="en-GB" sz="1300" dirty="0"/>
+            <a:endParaRPr lang="en-GB" sz="1300"/>
           </a:p>
           <a:p>
             <a:pPr marL="0" lvl="0" indent="0" algn="l" rtl="0">
@@ -8356,7 +9356,7 @@
               <a:buNone/>
             </a:pPr>
             <a:r>
-              <a:rPr lang="en-GB" sz="1300" b="1" dirty="0"/>
+              <a:rPr lang="en-GB" sz="1300" b="1"/>
               <a:t>5. Feature Variables (DEX direct pool + CEX spillover):</a:t>
             </a:r>
           </a:p>
@@ -8371,7 +9371,7 @@
               <a:buNone/>
             </a:pPr>
             <a:r>
-              <a:rPr lang="en-GB" sz="1300" dirty="0"/>
+              <a:rPr lang="en-GB" sz="1300"/>
               <a:t>Calculated at both the reference block level and the more granular horizon block level, allowing us to capture the state of the ecosystem at the beginning of the horizon (reference block) and how it evolves over time (horizon block).</a:t>
             </a:r>
           </a:p>
@@ -8385,14 +9385,14 @@
               </a:spcAft>
               <a:buNone/>
             </a:pPr>
-            <a:endParaRPr lang="en-GB" sz="1300" dirty="0"/>
+            <a:endParaRPr lang="en-GB" sz="1300"/>
           </a:p>
           <a:p>
             <a:pPr marL="0" indent="0">
               <a:buNone/>
             </a:pPr>
             <a:r>
-              <a:rPr lang="en-GB" sz="1300" b="1" dirty="0"/>
+              <a:rPr lang="en-GB" sz="1300" b="1"/>
               <a:t>6. Horizon Table – Main Table for Analysis:</a:t>
             </a:r>
           </a:p>
@@ -8401,7 +9401,7 @@
               <a:buNone/>
             </a:pPr>
             <a:r>
-              <a:rPr lang="en-GB" sz="1300" dirty="0"/>
+              <a:rPr lang="en-GB" sz="1300"/>
               <a:t>Diagram illustrates mapping of feature variables to respective horizon or reference block.</a:t>
             </a:r>
           </a:p>
@@ -8410,19 +9410,19 @@
               <a:buNone/>
             </a:pPr>
             <a:r>
-              <a:rPr lang="en-GB" sz="1300" dirty="0"/>
+              <a:rPr lang="en-GB" sz="1300"/>
               <a:t>Horizon Table aggregates these features and targets, serving as </a:t>
             </a:r>
             <a:r>
-              <a:rPr lang="en-GB" sz="1300" b="1" dirty="0"/>
+              <a:rPr lang="en-GB" sz="1300" b="1"/>
               <a:t>118,785 horizons </a:t>
             </a:r>
             <a:r>
-              <a:rPr lang="en-GB" sz="1300" dirty="0"/>
+              <a:rPr lang="en-GB" sz="1300"/>
               <a:t>the primary resource for our analysis</a:t>
             </a:r>
             <a:r>
-              <a:rPr lang="en-GB" sz="1300" b="0" i="0" dirty="0">
+              <a:rPr lang="en-GB" sz="1300" b="0" i="0">
                 <a:solidFill>
                   <a:srgbClr val="374151"/>
                 </a:solidFill>
@@ -8442,7 +9442,7 @@
               </a:spcAft>
               <a:buNone/>
             </a:pPr>
-            <a:endParaRPr lang="en-GB" sz="1300" dirty="0"/>
+            <a:endParaRPr lang="en-GB" sz="1300"/>
           </a:p>
         </p:txBody>
       </p:sp>
@@ -8555,7 +9555,7 @@
                     <a:p>
                       <a:pPr fontAlgn="b"/>
                       <a:r>
-                        <a:rPr lang="en-GB" sz="1200" b="1" dirty="0">
+                        <a:rPr lang="en-GB" sz="1200" b="1">
                           <a:effectLst/>
                           <a:latin typeface="Agency FB" panose="020B0503020202020204" pitchFamily="34" charset="0"/>
                         </a:rPr>
@@ -8619,7 +9619,7 @@
                     <a:p>
                       <a:pPr fontAlgn="base"/>
                       <a:r>
-                        <a:rPr lang="en-GB" sz="1200" dirty="0">
+                        <a:rPr lang="en-GB" sz="1200">
                           <a:effectLst/>
                           <a:latin typeface="Agency FB" panose="020B0503020202020204" pitchFamily="34" charset="0"/>
                         </a:rPr>
@@ -8740,7 +9740,7 @@
                     <a:p>
                       <a:pPr fontAlgn="base"/>
                       <a:r>
-                        <a:rPr lang="en-GB" sz="1200" dirty="0">
+                        <a:rPr lang="en-GB" sz="1200">
                           <a:effectLst/>
                           <a:latin typeface="Agency FB" panose="020B0503020202020204" pitchFamily="34" charset="0"/>
                         </a:rPr>
@@ -8797,7 +9797,7 @@
                     <a:p>
                       <a:pPr fontAlgn="base"/>
                       <a:r>
-                        <a:rPr lang="en-GB" sz="1200" dirty="0">
+                        <a:rPr lang="en-GB" sz="1200">
                           <a:effectLst/>
                           <a:latin typeface="Agency FB" panose="020B0503020202020204" pitchFamily="34" charset="0"/>
                         </a:rPr>
@@ -8918,7 +9918,7 @@
                     <a:p>
                       <a:pPr fontAlgn="base"/>
                       <a:r>
-                        <a:rPr lang="en-GB" sz="1200" dirty="0">
+                        <a:rPr lang="en-GB" sz="1200">
                           <a:effectLst/>
                           <a:latin typeface="Agency FB" panose="020B0503020202020204" pitchFamily="34" charset="0"/>
                         </a:rPr>
@@ -9019,7 +10019,7 @@
               <a:buNone/>
             </a:pPr>
             <a:r>
-              <a:rPr lang="en" sz="1000" dirty="0">
+              <a:rPr lang="en" sz="1000">
                 <a:latin typeface="Proxima Nova"/>
                 <a:ea typeface="Proxima Nova"/>
                 <a:cs typeface="Proxima Nova"/>
@@ -9027,7 +10027,7 @@
               </a:rPr>
               <a:t>Features &amp; Granularity Levels</a:t>
             </a:r>
-            <a:endParaRPr sz="1000" dirty="0">
+            <a:endParaRPr sz="1000">
               <a:latin typeface="Proxima Nova"/>
               <a:ea typeface="Proxima Nova"/>
               <a:cs typeface="Proxima Nova"/>
@@ -9114,30 +10114,21 @@
           <a:prstGeom prst="rect">
             <a:avLst/>
           </a:prstGeom>
+          <a:noFill/>
+          <a:ln>
+            <a:noFill/>
+          </a:ln>
         </p:spPr>
         <p:txBody>
           <a:bodyPr spcFirstLastPara="1" wrap="square" lIns="91425" tIns="91425" rIns="91425" bIns="91425" anchor="t" anchorCtr="0">
-            <a:noAutofit/>
+            <a:normAutofit fontScale="90000"/>
           </a:bodyPr>
           <a:lstStyle/>
           <a:p>
-            <a:pPr marL="0" lvl="0" indent="0" algn="l" rtl="0">
-              <a:spcBef>
-                <a:spcPts val="0"/>
-              </a:spcBef>
-              <a:spcAft>
-                <a:spcPts val="0"/>
-              </a:spcAft>
-              <a:buNone/>
-            </a:pPr>
-            <a:r>
-              <a:rPr lang="en-GB" sz="2400" b="1" i="0" dirty="0">
-                <a:effectLst/>
-                <a:latin typeface="Söhne"/>
-              </a:rPr>
+            <a:r>
+              <a:rPr lang="en-GB" sz="2400" b="1"/>
               <a:t>Time Series Analysis via Ordinary Least Squares (OLS) Regression</a:t>
             </a:r>
-            <a:endParaRPr lang="en-GB" sz="2400" dirty="0"/>
           </a:p>
         </p:txBody>
       </p:sp>
@@ -9173,7 +10164,7 @@
               <a:buNone/>
             </a:pPr>
             <a:r>
-              <a:rPr lang="en-GB" sz="1300" b="1" dirty="0"/>
+              <a:rPr lang="en-GB" sz="1300" b="1"/>
               <a:t>Choice of Model:</a:t>
             </a:r>
           </a:p>
@@ -9185,7 +10176,7 @@
               <a:buNone/>
             </a:pPr>
             <a:r>
-              <a:rPr lang="en-GB" sz="1300" dirty="0"/>
+              <a:rPr lang="en-GB" sz="1300"/>
               <a:t>OLS regression was chosen for simplicity, interpretability, and comparability with other academic works.</a:t>
             </a:r>
           </a:p>
@@ -9197,7 +10188,7 @@
               <a:buNone/>
             </a:pPr>
             <a:r>
-              <a:rPr lang="en-GB" sz="1300" dirty="0"/>
+              <a:rPr lang="en-GB" sz="1300"/>
               <a:t>OLS is a widely accepted method in econometric and financial analysis, allowing for easy comparison and discussion of our findings with existing literature.</a:t>
             </a:r>
           </a:p>
@@ -9208,7 +10199,7 @@
               </a:lnSpc>
               <a:buNone/>
             </a:pPr>
-            <a:endParaRPr lang="en-GB" sz="1300" dirty="0"/>
+            <a:endParaRPr lang="en-GB" sz="1300"/>
           </a:p>
           <a:p>
             <a:pPr marL="114300" indent="0">
@@ -9218,7 +10209,7 @@
               <a:buNone/>
             </a:pPr>
             <a:r>
-              <a:rPr lang="en-GB" sz="1300" b="1" dirty="0"/>
+              <a:rPr lang="en-GB" sz="1300" b="1"/>
               <a:t>Purpose of Analysis:</a:t>
             </a:r>
           </a:p>
@@ -9230,7 +10221,7 @@
               <a:buNone/>
             </a:pPr>
             <a:r>
-              <a:rPr lang="en-GB" sz="1300" dirty="0"/>
+              <a:rPr lang="en-GB" sz="1300"/>
               <a:t>Studying the correlation between the size of liquidity pools and trading volume.</a:t>
             </a:r>
           </a:p>
@@ -9242,10 +10233,10 @@
               <a:buNone/>
             </a:pPr>
             <a:r>
-              <a:rPr lang="en-GB" sz="1300" dirty="0"/>
+              <a:rPr lang="en-GB" sz="1300"/>
               <a:t>Time-series data believed to follow a linear trend, considerations autocorrelation and non-stationarity.</a:t>
             </a:r>
-            <a:endParaRPr sz="1300" dirty="0"/>
+            <a:endParaRPr sz="1300"/>
           </a:p>
           <a:p>
             <a:pPr marL="0" lvl="0" indent="0" algn="l" rtl="0">
@@ -9257,7 +10248,7 @@
               </a:spcAft>
               <a:buNone/>
             </a:pPr>
-            <a:endParaRPr sz="1300" dirty="0"/>
+            <a:endParaRPr sz="1300"/>
           </a:p>
           <a:p>
             <a:pPr marL="0" lvl="0" indent="0" algn="l" rtl="0">
@@ -9269,7 +10260,7 @@
               </a:spcAft>
               <a:buNone/>
             </a:pPr>
-            <a:endParaRPr sz="1300" dirty="0"/>
+            <a:endParaRPr sz="1300"/>
           </a:p>
           <a:p>
             <a:pPr marL="0" lvl="0" indent="0" algn="l" rtl="0">
@@ -9281,7 +10272,7 @@
               </a:spcAft>
               <a:buNone/>
             </a:pPr>
-            <a:endParaRPr sz="1300" dirty="0"/>
+            <a:endParaRPr sz="1300"/>
           </a:p>
         </p:txBody>
       </p:sp>
@@ -9384,22 +10375,22 @@
           <a:prstGeom prst="rect">
             <a:avLst/>
           </a:prstGeom>
+          <a:noFill/>
+          <a:ln>
+            <a:noFill/>
+          </a:ln>
         </p:spPr>
         <p:txBody>
           <a:bodyPr spcFirstLastPara="1" wrap="square" lIns="91425" tIns="91425" rIns="91425" bIns="91425" anchor="t" anchorCtr="0">
-            <a:normAutofit fontScale="90000"/>
+            <a:normAutofit/>
           </a:bodyPr>
           <a:lstStyle/>
           <a:p>
             <a:r>
-              <a:rPr lang="en-GB" sz="2400" b="1" dirty="0">
-                <a:latin typeface="Söhne"/>
-              </a:rPr>
+              <a:rPr lang="en-GB" sz="2400" b="1"/>
               <a:t>Data Management and Analysis Process</a:t>
             </a:r>
-            <a:endParaRPr sz="2400" b="1" dirty="0">
-              <a:latin typeface="Söhne"/>
-            </a:endParaRPr>
+            <a:endParaRPr sz="2400" b="1"/>
           </a:p>
         </p:txBody>
       </p:sp>
@@ -9417,8 +10408,8 @@
         </p:nvSpPr>
         <p:spPr>
           <a:xfrm>
-            <a:off x="422564" y="1066800"/>
-            <a:ext cx="8409736" cy="3893374"/>
+            <a:off x="414017" y="1017725"/>
+            <a:ext cx="8285601" cy="692497"/>
           </a:xfrm>
           <a:prstGeom prst="rect">
             <a:avLst/>
@@ -9433,7 +10424,7 @@
           <a:p>
             <a:pPr algn="l"/>
             <a:r>
-              <a:rPr lang="en-GB" sz="1200" b="1" dirty="0">
+              <a:rPr lang="en-GB" sz="1200" b="1">
                 <a:solidFill>
                   <a:schemeClr val="accent3"/>
                 </a:solidFill>
@@ -9442,7 +10433,7 @@
               <a:t>1. </a:t>
             </a:r>
             <a:r>
-              <a:rPr lang="en-GB" sz="1300" b="1" dirty="0">
+              <a:rPr lang="en-GB" sz="1300" b="1">
                 <a:solidFill>
                   <a:schemeClr val="accent3"/>
                 </a:solidFill>
@@ -9455,7 +10446,7 @@
           <a:p>
             <a:pPr marL="457200" lvl="1" algn="l"/>
             <a:r>
-              <a:rPr lang="en-GB" sz="1300" dirty="0">
+              <a:rPr lang="en-GB" sz="1300">
                 <a:solidFill>
                   <a:schemeClr val="accent3"/>
                 </a:solidFill>
@@ -9468,7 +10459,7 @@
           <a:p>
             <a:pPr marL="457200" lvl="1" algn="l"/>
             <a:r>
-              <a:rPr lang="en-GB" sz="1300" dirty="0">
+              <a:rPr lang="en-GB" sz="1300">
                 <a:solidFill>
                   <a:schemeClr val="accent3"/>
                 </a:solidFill>
@@ -9478,10 +10469,342 @@
               <a:t>Ensured data integrity with minimal data loss (0.09%).</a:t>
             </a:r>
           </a:p>
+        </p:txBody>
+      </p:sp>
+      <p:sp>
+        <p:nvSpPr>
+          <p:cNvPr id="3" name="TextBox 2">
+            <a:extLst>
+              <a:ext uri="{FF2B5EF4-FFF2-40B4-BE49-F238E27FC236}">
+                <a16:creationId xmlns:a16="http://schemas.microsoft.com/office/drawing/2014/main" id="{FDF1BEB1-329C-A722-DD55-42CAE83C6F24}"/>
+              </a:ext>
+            </a:extLst>
+          </p:cNvPr>
+          <p:cNvSpPr txBox="1"/>
+          <p:nvPr/>
+        </p:nvSpPr>
+        <p:spPr>
+          <a:xfrm>
+            <a:off x="414017" y="3841206"/>
+            <a:ext cx="5969954" cy="1092607"/>
+          </a:xfrm>
+          <a:prstGeom prst="rect">
+            <a:avLst/>
+          </a:prstGeom>
+          <a:noFill/>
+        </p:spPr>
+        <p:txBody>
+          <a:bodyPr wrap="square">
+            <a:spAutoFit/>
+          </a:bodyPr>
+          <a:lstStyle/>
           <a:p>
             <a:pPr algn="l"/>
             <a:r>
-              <a:rPr lang="en-GB" sz="1300" b="1" dirty="0">
+              <a:rPr lang="en-GB" sz="1300" b="1">
+                <a:solidFill>
+                  <a:schemeClr val="accent3"/>
+                </a:solidFill>
+                <a:latin typeface="Proxima Nova"/>
+                <a:sym typeface="Proxima Nova"/>
+              </a:rPr>
+              <a:t>Observations:</a:t>
+            </a:r>
+          </a:p>
+          <a:p>
+            <a:pPr marL="457200" lvl="1" algn="l"/>
+            <a:r>
+              <a:rPr lang="en-GB" sz="1300">
+                <a:solidFill>
+                  <a:schemeClr val="accent3"/>
+                </a:solidFill>
+                <a:latin typeface="Proxima Nova"/>
+                <a:sym typeface="Proxima Nova"/>
+              </a:rPr>
+              <a:t>Noted potential underprediction and overprediction in the residual analysis.</a:t>
+            </a:r>
+          </a:p>
+          <a:p>
+            <a:pPr marL="457200" lvl="1" algn="l"/>
+            <a:r>
+              <a:rPr lang="en-GB" sz="1300">
+                <a:solidFill>
+                  <a:schemeClr val="accent3"/>
+                </a:solidFill>
+                <a:latin typeface="Proxima Nova"/>
+                <a:sym typeface="Proxima Nova"/>
+              </a:rPr>
+              <a:t>The rigorous process led to robust and effective analysis, addressing major concerns.</a:t>
+            </a:r>
+          </a:p>
+        </p:txBody>
+      </p:sp>
+      <p:grpSp>
+        <p:nvGrpSpPr>
+          <p:cNvPr id="8" name="Group 7">
+            <a:extLst>
+              <a:ext uri="{FF2B5EF4-FFF2-40B4-BE49-F238E27FC236}">
+                <a16:creationId xmlns:a16="http://schemas.microsoft.com/office/drawing/2014/main" id="{EE5C901D-9B6F-7A5E-4F3E-0383C28EF77D}"/>
+              </a:ext>
+            </a:extLst>
+          </p:cNvPr>
+          <p:cNvGrpSpPr/>
+          <p:nvPr/>
+        </p:nvGrpSpPr>
+        <p:grpSpPr>
+          <a:xfrm>
+            <a:off x="5099323" y="1802225"/>
+            <a:ext cx="3702612" cy="1944830"/>
+            <a:chOff x="3960201" y="2095788"/>
+            <a:chExt cx="3961733" cy="2139624"/>
+          </a:xfrm>
+        </p:grpSpPr>
+        <p:pic>
+          <p:nvPicPr>
+            <p:cNvPr id="2" name="Google Shape;147;p25">
+              <a:extLst>
+                <a:ext uri="{FF2B5EF4-FFF2-40B4-BE49-F238E27FC236}">
+                  <a16:creationId xmlns:a16="http://schemas.microsoft.com/office/drawing/2014/main" id="{1740E553-028E-9B79-221F-63E0DCA7C00F}"/>
+                </a:ext>
+              </a:extLst>
+            </p:cNvPr>
+            <p:cNvPicPr preferRelativeResize="0"/>
+            <p:nvPr/>
+          </p:nvPicPr>
+          <p:blipFill>
+            <a:blip r:embed="rId3">
+              <a:alphaModFix/>
+            </a:blip>
+            <a:stretch>
+              <a:fillRect/>
+            </a:stretch>
+          </p:blipFill>
+          <p:spPr>
+            <a:xfrm>
+              <a:off x="3960201" y="2456582"/>
+              <a:ext cx="3961733" cy="1778830"/>
+            </a:xfrm>
+            <a:prstGeom prst="rect">
+              <a:avLst/>
+            </a:prstGeom>
+            <a:ln>
+              <a:noFill/>
+            </a:ln>
+            <a:effectLst>
+              <a:outerShdw blurRad="292100" dist="139700" dir="2700000" algn="tl" rotWithShape="0">
+                <a:srgbClr val="333333">
+                  <a:alpha val="65000"/>
+                </a:srgbClr>
+              </a:outerShdw>
+            </a:effectLst>
+          </p:spPr>
+        </p:pic>
+        <p:sp>
+          <p:nvSpPr>
+            <p:cNvPr id="5" name="TextBox 4">
+              <a:extLst>
+                <a:ext uri="{FF2B5EF4-FFF2-40B4-BE49-F238E27FC236}">
+                  <a16:creationId xmlns:a16="http://schemas.microsoft.com/office/drawing/2014/main" id="{FCBA40CB-585E-4AFD-6980-CD9A57B25EC7}"/>
+                </a:ext>
+              </a:extLst>
+            </p:cNvPr>
+            <p:cNvSpPr txBox="1"/>
+            <p:nvPr/>
+          </p:nvSpPr>
+          <p:spPr>
+            <a:xfrm>
+              <a:off x="4360071" y="2110344"/>
+              <a:ext cx="460382" cy="369332"/>
+            </a:xfrm>
+            <a:prstGeom prst="rect">
+              <a:avLst/>
+            </a:prstGeom>
+            <a:noFill/>
+          </p:spPr>
+          <p:txBody>
+            <a:bodyPr wrap="none" rtlCol="0">
+              <a:spAutoFit/>
+            </a:bodyPr>
+            <a:lstStyle/>
+            <a:p>
+              <a:r>
+                <a:rPr lang="en-NL" sz="1800" b="1">
+                  <a:solidFill>
+                    <a:schemeClr val="accent3"/>
+                  </a:solidFill>
+                  <a:latin typeface="Proxima Nova"/>
+                </a:rPr>
+                <a:t>42</a:t>
+              </a:r>
+            </a:p>
+          </p:txBody>
+        </p:sp>
+        <p:sp>
+          <p:nvSpPr>
+            <p:cNvPr id="6" name="TextBox 5">
+              <a:extLst>
+                <a:ext uri="{FF2B5EF4-FFF2-40B4-BE49-F238E27FC236}">
+                  <a16:creationId xmlns:a16="http://schemas.microsoft.com/office/drawing/2014/main" id="{70162D07-28DE-56D6-CD65-9EFA0704BF02}"/>
+                </a:ext>
+              </a:extLst>
+            </p:cNvPr>
+            <p:cNvSpPr txBox="1"/>
+            <p:nvPr/>
+          </p:nvSpPr>
+          <p:spPr>
+            <a:xfrm>
+              <a:off x="6897461" y="2095788"/>
+              <a:ext cx="463588" cy="369333"/>
+            </a:xfrm>
+            <a:prstGeom prst="rect">
+              <a:avLst/>
+            </a:prstGeom>
+            <a:noFill/>
+          </p:spPr>
+          <p:txBody>
+            <a:bodyPr wrap="none" rtlCol="0">
+              <a:spAutoFit/>
+            </a:bodyPr>
+            <a:lstStyle/>
+            <a:p>
+              <a:r>
+                <a:rPr lang="en-NL" sz="1800" b="1">
+                  <a:solidFill>
+                    <a:schemeClr val="accent3"/>
+                  </a:solidFill>
+                  <a:latin typeface="Proxima Nova"/>
+                </a:rPr>
+                <a:t>26</a:t>
+              </a:r>
+            </a:p>
+          </p:txBody>
+        </p:sp>
+        <p:sp>
+          <p:nvSpPr>
+            <p:cNvPr id="7" name="Right Arrow 6">
+              <a:extLst>
+                <a:ext uri="{FF2B5EF4-FFF2-40B4-BE49-F238E27FC236}">
+                  <a16:creationId xmlns:a16="http://schemas.microsoft.com/office/drawing/2014/main" id="{0CE95DE5-5BC3-C3AC-C37D-F4BF0F2DD197}"/>
+                </a:ext>
+              </a:extLst>
+            </p:cNvPr>
+            <p:cNvSpPr/>
+            <p:nvPr/>
+          </p:nvSpPr>
+          <p:spPr>
+            <a:xfrm>
+              <a:off x="4960794" y="2221347"/>
+              <a:ext cx="1936668" cy="147328"/>
+            </a:xfrm>
+            <a:prstGeom prst="rightArrow">
+              <a:avLst/>
+            </a:prstGeom>
+            <a:solidFill>
+              <a:srgbClr val="4056CC"/>
+            </a:solidFill>
+            <a:ln>
+              <a:solidFill>
+                <a:srgbClr val="95B7FF"/>
+              </a:solidFill>
+            </a:ln>
+          </p:spPr>
+          <p:style>
+            <a:lnRef idx="2">
+              <a:schemeClr val="accent1">
+                <a:shade val="15000"/>
+              </a:schemeClr>
+            </a:lnRef>
+            <a:fillRef idx="1">
+              <a:schemeClr val="accent1"/>
+            </a:fillRef>
+            <a:effectRef idx="0">
+              <a:schemeClr val="accent1"/>
+            </a:effectRef>
+            <a:fontRef idx="minor">
+              <a:schemeClr val="lt1"/>
+            </a:fontRef>
+          </p:style>
+          <p:txBody>
+            <a:bodyPr rtlCol="0" anchor="ctr"/>
+            <a:lstStyle/>
+            <a:p>
+              <a:pPr algn="ctr"/>
+              <a:endParaRPr lang="en-NL"/>
+            </a:p>
+          </p:txBody>
+        </p:sp>
+      </p:grpSp>
+      <p:pic>
+        <p:nvPicPr>
+          <p:cNvPr id="4" name="Picture 3">
+            <a:extLst>
+              <a:ext uri="{FF2B5EF4-FFF2-40B4-BE49-F238E27FC236}">
+                <a16:creationId xmlns:a16="http://schemas.microsoft.com/office/drawing/2014/main" id="{10656721-8C11-3D56-3629-EAFD1B822D65}"/>
+              </a:ext>
+            </a:extLst>
+          </p:cNvPr>
+          <p:cNvPicPr>
+            <a:picLocks noChangeAspect="1"/>
+          </p:cNvPicPr>
+          <p:nvPr/>
+        </p:nvPicPr>
+        <p:blipFill>
+          <a:blip r:embed="rId4"/>
+          <a:stretch>
+            <a:fillRect/>
+          </a:stretch>
+        </p:blipFill>
+        <p:spPr>
+          <a:xfrm>
+            <a:off x="6715642" y="3415854"/>
+            <a:ext cx="2273917" cy="1513178"/>
+          </a:xfrm>
+          <a:prstGeom prst="rect">
+            <a:avLst/>
+          </a:prstGeom>
+          <a:ln>
+            <a:noFill/>
+          </a:ln>
+          <a:effectLst>
+            <a:outerShdw blurRad="292100" dist="139700" dir="2700000" algn="tl" rotWithShape="0">
+              <a:srgbClr val="333333">
+                <a:alpha val="65000"/>
+              </a:srgbClr>
+            </a:outerShdw>
+          </a:effectLst>
+        </p:spPr>
+      </p:pic>
+      <p:sp>
+        <p:nvSpPr>
+          <p:cNvPr id="11" name="TextBox 10">
+            <a:extLst>
+              <a:ext uri="{FF2B5EF4-FFF2-40B4-BE49-F238E27FC236}">
+                <a16:creationId xmlns:a16="http://schemas.microsoft.com/office/drawing/2014/main" id="{680A39F8-A1EE-3638-0814-0C4F97353126}"/>
+              </a:ext>
+            </a:extLst>
+          </p:cNvPr>
+          <p:cNvSpPr txBox="1"/>
+          <p:nvPr/>
+        </p:nvSpPr>
+        <p:spPr>
+          <a:xfrm>
+            <a:off x="414017" y="1733861"/>
+            <a:ext cx="4582508" cy="1692771"/>
+          </a:xfrm>
+          <a:prstGeom prst="rect">
+            <a:avLst/>
+          </a:prstGeom>
+          <a:noFill/>
+        </p:spPr>
+        <p:txBody>
+          <a:bodyPr wrap="square">
+            <a:spAutoFit/>
+          </a:bodyPr>
+          <a:lstStyle/>
+          <a:p>
+            <a:pPr algn="l"/>
+            <a:r>
+              <a:rPr lang="en-GB" sz="1300" b="1">
                 <a:solidFill>
                   <a:schemeClr val="accent3"/>
                 </a:solidFill>
@@ -9494,7 +10817,7 @@
           <a:p>
             <a:pPr marL="457200" lvl="1" algn="l"/>
             <a:r>
-              <a:rPr lang="en-GB" sz="1300" dirty="0">
+              <a:rPr lang="en-GB" sz="1300">
                 <a:solidFill>
                   <a:schemeClr val="accent3"/>
                 </a:solidFill>
@@ -9507,7 +10830,7 @@
           <a:p>
             <a:pPr algn="l"/>
             <a:r>
-              <a:rPr lang="en-GB" sz="1300" b="1" dirty="0">
+              <a:rPr lang="en-GB" sz="1300" b="1">
                 <a:solidFill>
                   <a:schemeClr val="accent3"/>
                 </a:solidFill>
@@ -9520,7 +10843,7 @@
           <a:p>
             <a:pPr marL="457200" lvl="1" algn="l"/>
             <a:r>
-              <a:rPr lang="en-GB" sz="1300" dirty="0">
+              <a:rPr lang="en-GB" sz="1300">
                 <a:solidFill>
                   <a:schemeClr val="accent3"/>
                 </a:solidFill>
@@ -9530,653 +10853,64 @@
               <a:t>Identified and corrected heteroscedasticity through error term distribution analysis and logarithmic transformation of response variables.</a:t>
             </a:r>
           </a:p>
-          <a:p>
-            <a:pPr algn="l"/>
-            <a:endParaRPr lang="en-GB" sz="1300" dirty="0">
-              <a:solidFill>
-                <a:schemeClr val="accent3"/>
-              </a:solidFill>
-              <a:latin typeface="Proxima Nova"/>
-              <a:sym typeface="Proxima Nova"/>
-            </a:endParaRPr>
-          </a:p>
-          <a:p>
-            <a:pPr algn="l"/>
-            <a:endParaRPr lang="en-GB" sz="1300" dirty="0">
-              <a:solidFill>
-                <a:schemeClr val="accent3"/>
-              </a:solidFill>
-              <a:latin typeface="Proxima Nova"/>
-              <a:sym typeface="Proxima Nova"/>
-            </a:endParaRPr>
-          </a:p>
-          <a:p>
-            <a:pPr algn="l"/>
-            <a:endParaRPr lang="en-GB" sz="1300" dirty="0">
-              <a:solidFill>
-                <a:schemeClr val="accent3"/>
-              </a:solidFill>
-              <a:latin typeface="Proxima Nova"/>
-              <a:sym typeface="Proxima Nova"/>
-            </a:endParaRPr>
-          </a:p>
-          <a:p>
-            <a:pPr algn="l"/>
-            <a:endParaRPr lang="en-GB" sz="1300" dirty="0">
-              <a:solidFill>
-                <a:schemeClr val="accent3"/>
-              </a:solidFill>
-              <a:latin typeface="Proxima Nova"/>
-              <a:sym typeface="Proxima Nova"/>
-            </a:endParaRPr>
-          </a:p>
-          <a:p>
-            <a:pPr algn="l"/>
-            <a:endParaRPr lang="en-GB" sz="1300" dirty="0">
-              <a:solidFill>
-                <a:schemeClr val="accent3"/>
-              </a:solidFill>
-              <a:latin typeface="Proxima Nova"/>
-              <a:sym typeface="Proxima Nova"/>
-            </a:endParaRPr>
-          </a:p>
-          <a:p>
-            <a:pPr algn="l"/>
-            <a:endParaRPr lang="en-GB" sz="1300" dirty="0">
-              <a:solidFill>
-                <a:schemeClr val="accent3"/>
-              </a:solidFill>
-              <a:latin typeface="Proxima Nova"/>
-              <a:sym typeface="Proxima Nova"/>
-            </a:endParaRPr>
-          </a:p>
-          <a:p>
-            <a:pPr algn="l"/>
-            <a:endParaRPr lang="en-GB" sz="1300" dirty="0">
-              <a:solidFill>
-                <a:schemeClr val="accent3"/>
-              </a:solidFill>
-              <a:latin typeface="Proxima Nova"/>
-              <a:sym typeface="Proxima Nova"/>
-            </a:endParaRPr>
-          </a:p>
-          <a:p>
-            <a:pPr algn="l"/>
-            <a:r>
-              <a:rPr lang="en-GB" sz="1300" b="1" dirty="0">
-                <a:solidFill>
-                  <a:schemeClr val="accent3"/>
-                </a:solidFill>
-                <a:latin typeface="Proxima Nova"/>
-                <a:sym typeface="Proxima Nova"/>
-              </a:rPr>
-              <a:t>Observations:</a:t>
-            </a:r>
-          </a:p>
-          <a:p>
-            <a:pPr marL="457200" lvl="1" algn="l"/>
-            <a:r>
-              <a:rPr lang="en-GB" sz="1300" dirty="0">
-                <a:solidFill>
-                  <a:schemeClr val="accent3"/>
-                </a:solidFill>
-                <a:latin typeface="Proxima Nova"/>
-                <a:sym typeface="Proxima Nova"/>
-              </a:rPr>
-              <a:t>Noted potential underprediction and overprediction in the residual analysis.</a:t>
-            </a:r>
-          </a:p>
-          <a:p>
-            <a:pPr marL="457200" lvl="1" algn="l"/>
-            <a:r>
-              <a:rPr lang="en-GB" sz="1300" dirty="0">
-                <a:solidFill>
-                  <a:schemeClr val="accent3"/>
-                </a:solidFill>
-                <a:latin typeface="Proxima Nova"/>
-                <a:sym typeface="Proxima Nova"/>
-              </a:rPr>
-              <a:t>The rigorous process led to robust and effective analysis, addressing major concerns.</a:t>
-            </a:r>
-          </a:p>
         </p:txBody>
       </p:sp>
-      <p:graphicFrame>
-        <p:nvGraphicFramePr>
-          <p:cNvPr id="14" name="Table 13">
+      <p:sp>
+        <p:nvSpPr>
+          <p:cNvPr id="12" name="Google Shape;112;p20">
             <a:extLst>
               <a:ext uri="{FF2B5EF4-FFF2-40B4-BE49-F238E27FC236}">
-                <a16:creationId xmlns:a16="http://schemas.microsoft.com/office/drawing/2014/main" id="{4F1EDB7D-AD8D-D435-D29D-5AE7CAD27E25}"/>
+                <a16:creationId xmlns:a16="http://schemas.microsoft.com/office/drawing/2014/main" id="{C932EED7-2678-DBCA-A89E-0E5C2A711C47}"/>
               </a:ext>
             </a:extLst>
           </p:cNvPr>
-          <p:cNvGraphicFramePr>
-            <a:graphicFrameLocks noGrp="1"/>
-          </p:cNvGraphicFramePr>
-          <p:nvPr>
-            <p:extLst>
-              <p:ext uri="{D42A27DB-BD31-4B8C-83A1-F6EECF244321}">
-                <p14:modId xmlns:p14="http://schemas.microsoft.com/office/powerpoint/2010/main" val="1468440558"/>
-              </p:ext>
-            </p:extLst>
-          </p:nvPr>
-        </p:nvGraphicFramePr>
-        <p:xfrm>
-          <a:off x="2528718" y="2915784"/>
-          <a:ext cx="4197428" cy="1219200"/>
-        </p:xfrm>
-        <a:graphic>
-          <a:graphicData uri="http://schemas.openxmlformats.org/drawingml/2006/table">
-            <a:tbl>
-              <a:tblPr/>
-              <a:tblGrid>
-                <a:gridCol w="2098714">
-                  <a:extLst>
-                    <a:ext uri="{9D8B030D-6E8A-4147-A177-3AD203B41FA5}">
-                      <a16:colId xmlns:a16="http://schemas.microsoft.com/office/drawing/2014/main" val="4284636958"/>
-                    </a:ext>
-                  </a:extLst>
-                </a:gridCol>
-                <a:gridCol w="2098714">
-                  <a:extLst>
-                    <a:ext uri="{9D8B030D-6E8A-4147-A177-3AD203B41FA5}">
-                      <a16:colId xmlns:a16="http://schemas.microsoft.com/office/drawing/2014/main" val="3568340889"/>
-                    </a:ext>
-                  </a:extLst>
-                </a:gridCol>
-              </a:tblGrid>
-              <a:tr h="0">
-                <a:tc>
-                  <a:txBody>
-                    <a:bodyPr/>
-                    <a:lstStyle/>
-                    <a:p>
-                      <a:pPr fontAlgn="b"/>
-                      <a:r>
-                        <a:rPr lang="en-GB" b="1" dirty="0">
-                          <a:effectLst/>
-                          <a:latin typeface="Agency FB" panose="020B0503020202020204" pitchFamily="34" charset="0"/>
-                        </a:rPr>
-                        <a:t>Run Type</a:t>
-                      </a:r>
-                    </a:p>
-                  </a:txBody>
-                  <a:tcPr anchor="b">
-                    <a:lnL w="9525" cap="flat" cmpd="sng" algn="ctr">
-                      <a:solidFill>
-                        <a:srgbClr val="D9D9E3"/>
-                      </a:solidFill>
-                      <a:prstDash val="solid"/>
-                      <a:round/>
-                      <a:headEnd type="none" w="med" len="med"/>
-                      <a:tailEnd type="none" w="med" len="med"/>
-                    </a:lnL>
-                    <a:lnR w="9525" cap="flat" cmpd="sng" algn="ctr">
-                      <a:solidFill>
-                        <a:srgbClr val="D9D9E3"/>
-                      </a:solidFill>
-                      <a:prstDash val="solid"/>
-                      <a:round/>
-                      <a:headEnd type="none" w="med" len="med"/>
-                      <a:tailEnd type="none" w="med" len="med"/>
-                    </a:lnR>
-                    <a:lnT w="9525" cap="flat" cmpd="sng" algn="ctr">
-                      <a:solidFill>
-                        <a:srgbClr val="D9D9E3"/>
-                      </a:solidFill>
-                      <a:prstDash val="solid"/>
-                      <a:round/>
-                      <a:headEnd type="none" w="med" len="med"/>
-                      <a:tailEnd type="none" w="med" len="med"/>
-                    </a:lnT>
-                    <a:lnB w="12700" cap="flat" cmpd="sng" algn="ctr">
-                      <a:solidFill>
-                        <a:srgbClr val="D9D9E3"/>
-                      </a:solidFill>
-                      <a:prstDash val="solid"/>
-                      <a:round/>
-                      <a:headEnd type="none" w="med" len="med"/>
-                      <a:tailEnd type="none" w="med" len="med"/>
-                    </a:lnB>
-                    <a:solidFill>
-                      <a:srgbClr val="F7F7F8"/>
-                    </a:solidFill>
-                  </a:tcPr>
-                </a:tc>
-                <a:tc>
-                  <a:txBody>
-                    <a:bodyPr/>
-                    <a:lstStyle/>
-                    <a:p>
-                      <a:pPr fontAlgn="b"/>
-                      <a:r>
-                        <a:rPr lang="en-GB" b="1">
-                          <a:effectLst/>
-                          <a:latin typeface="Agency FB" panose="020B0503020202020204" pitchFamily="34" charset="0"/>
-                        </a:rPr>
-                        <a:t>Number of Features</a:t>
-                      </a:r>
-                    </a:p>
-                  </a:txBody>
-                  <a:tcPr anchor="b">
-                    <a:lnL w="9525" cap="flat" cmpd="sng" algn="ctr">
-                      <a:solidFill>
-                        <a:srgbClr val="D9D9E3"/>
-                      </a:solidFill>
-                      <a:prstDash val="solid"/>
-                      <a:round/>
-                      <a:headEnd type="none" w="med" len="med"/>
-                      <a:tailEnd type="none" w="med" len="med"/>
-                    </a:lnL>
-                    <a:lnR w="9525" cap="flat" cmpd="sng" algn="ctr">
-                      <a:solidFill>
-                        <a:srgbClr val="D9D9E3"/>
-                      </a:solidFill>
-                      <a:prstDash val="solid"/>
-                      <a:round/>
-                      <a:headEnd type="none" w="med" len="med"/>
-                      <a:tailEnd type="none" w="med" len="med"/>
-                    </a:lnR>
-                    <a:lnT w="9525" cap="flat" cmpd="sng" algn="ctr">
-                      <a:solidFill>
-                        <a:srgbClr val="D9D9E3"/>
-                      </a:solidFill>
-                      <a:prstDash val="solid"/>
-                      <a:round/>
-                      <a:headEnd type="none" w="med" len="med"/>
-                      <a:tailEnd type="none" w="med" len="med"/>
-                    </a:lnT>
-                    <a:lnB w="12700" cap="flat" cmpd="sng" algn="ctr">
-                      <a:solidFill>
-                        <a:srgbClr val="D9D9E3"/>
-                      </a:solidFill>
-                      <a:prstDash val="solid"/>
-                      <a:round/>
-                      <a:headEnd type="none" w="med" len="med"/>
-                      <a:tailEnd type="none" w="med" len="med"/>
-                    </a:lnB>
-                    <a:solidFill>
-                      <a:srgbClr val="F7F7F8"/>
-                    </a:solidFill>
-                  </a:tcPr>
-                </a:tc>
-                <a:extLst>
-                  <a:ext uri="{0D108BD9-81ED-4DB2-BD59-A6C34878D82A}">
-                    <a16:rowId xmlns:a16="http://schemas.microsoft.com/office/drawing/2014/main" val="1274923292"/>
-                  </a:ext>
-                </a:extLst>
-              </a:tr>
-              <a:tr h="0">
-                <a:tc>
-                  <a:txBody>
-                    <a:bodyPr/>
-                    <a:lstStyle/>
-                    <a:p>
-                      <a:pPr fontAlgn="base"/>
-                      <a:r>
-                        <a:rPr lang="en-GB" dirty="0">
-                          <a:effectLst/>
-                          <a:latin typeface="Agency FB" panose="020B0503020202020204" pitchFamily="34" charset="0"/>
-                        </a:rPr>
-                        <a:t>All Features</a:t>
-                      </a:r>
-                    </a:p>
-                  </a:txBody>
-                  <a:tcPr anchor="ctr">
-                    <a:lnL w="9525" cap="flat" cmpd="sng" algn="ctr">
-                      <a:solidFill>
-                        <a:srgbClr val="D9D9E3"/>
-                      </a:solidFill>
-                      <a:prstDash val="solid"/>
-                      <a:round/>
-                      <a:headEnd type="none" w="med" len="med"/>
-                      <a:tailEnd type="none" w="med" len="med"/>
-                    </a:lnL>
-                    <a:lnR w="9525" cap="flat" cmpd="sng" algn="ctr">
-                      <a:solidFill>
-                        <a:srgbClr val="D9D9E3"/>
-                      </a:solidFill>
-                      <a:prstDash val="solid"/>
-                      <a:round/>
-                      <a:headEnd type="none" w="med" len="med"/>
-                      <a:tailEnd type="none" w="med" len="med"/>
-                    </a:lnR>
-                    <a:lnT w="12700" cap="flat" cmpd="sng" algn="ctr">
-                      <a:solidFill>
-                        <a:srgbClr val="D9D9E3"/>
-                      </a:solidFill>
-                      <a:prstDash val="solid"/>
-                      <a:round/>
-                      <a:headEnd type="none" w="med" len="med"/>
-                      <a:tailEnd type="none" w="med" len="med"/>
-                    </a:lnT>
-                    <a:lnB w="12700" cap="flat" cmpd="sng" algn="ctr">
-                      <a:solidFill>
-                        <a:srgbClr val="D9D9E3"/>
-                      </a:solidFill>
-                      <a:prstDash val="solid"/>
-                      <a:round/>
-                      <a:headEnd type="none" w="med" len="med"/>
-                      <a:tailEnd type="none" w="med" len="med"/>
-                    </a:lnB>
-                    <a:solidFill>
-                      <a:srgbClr val="F7F7F8"/>
-                    </a:solidFill>
-                  </a:tcPr>
-                </a:tc>
-                <a:tc>
-                  <a:txBody>
-                    <a:bodyPr/>
-                    <a:lstStyle/>
-                    <a:p>
-                      <a:pPr fontAlgn="base"/>
-                      <a:r>
-                        <a:rPr lang="en-GB" dirty="0">
-                          <a:effectLst/>
-                          <a:latin typeface="Agency FB" panose="020B0503020202020204" pitchFamily="34" charset="0"/>
-                        </a:rPr>
-                        <a:t>42</a:t>
-                      </a:r>
-                    </a:p>
-                  </a:txBody>
-                  <a:tcPr anchor="ctr">
-                    <a:lnL w="9525" cap="flat" cmpd="sng" algn="ctr">
-                      <a:solidFill>
-                        <a:srgbClr val="D9D9E3"/>
-                      </a:solidFill>
-                      <a:prstDash val="solid"/>
-                      <a:round/>
-                      <a:headEnd type="none" w="med" len="med"/>
-                      <a:tailEnd type="none" w="med" len="med"/>
-                    </a:lnL>
-                    <a:lnR w="9525" cap="flat" cmpd="sng" algn="ctr">
-                      <a:solidFill>
-                        <a:srgbClr val="D9D9E3"/>
-                      </a:solidFill>
-                      <a:prstDash val="solid"/>
-                      <a:round/>
-                      <a:headEnd type="none" w="med" len="med"/>
-                      <a:tailEnd type="none" w="med" len="med"/>
-                    </a:lnR>
-                    <a:lnT w="12700" cap="flat" cmpd="sng" algn="ctr">
-                      <a:solidFill>
-                        <a:srgbClr val="D9D9E3"/>
-                      </a:solidFill>
-                      <a:prstDash val="solid"/>
-                      <a:round/>
-                      <a:headEnd type="none" w="med" len="med"/>
-                      <a:tailEnd type="none" w="med" len="med"/>
-                    </a:lnT>
-                    <a:lnB w="12700" cap="flat" cmpd="sng" algn="ctr">
-                      <a:solidFill>
-                        <a:srgbClr val="D9D9E3"/>
-                      </a:solidFill>
-                      <a:prstDash val="solid"/>
-                      <a:round/>
-                      <a:headEnd type="none" w="med" len="med"/>
-                      <a:tailEnd type="none" w="med" len="med"/>
-                    </a:lnB>
-                    <a:solidFill>
-                      <a:srgbClr val="F7F7F8"/>
-                    </a:solidFill>
-                  </a:tcPr>
-                </a:tc>
-                <a:extLst>
-                  <a:ext uri="{0D108BD9-81ED-4DB2-BD59-A6C34878D82A}">
-                    <a16:rowId xmlns:a16="http://schemas.microsoft.com/office/drawing/2014/main" val="1025891507"/>
-                  </a:ext>
-                </a:extLst>
-              </a:tr>
-              <a:tr h="167980">
-                <a:tc>
-                  <a:txBody>
-                    <a:bodyPr/>
-                    <a:lstStyle/>
-                    <a:p>
-                      <a:pPr fontAlgn="base"/>
-                      <a:r>
-                        <a:rPr lang="en-GB" dirty="0">
-                          <a:effectLst/>
-                          <a:latin typeface="Agency FB" panose="020B0503020202020204" pitchFamily="34" charset="0"/>
-                        </a:rPr>
-                        <a:t>Multicollinearity Reduction</a:t>
-                      </a:r>
-                    </a:p>
-                  </a:txBody>
-                  <a:tcPr anchor="ctr">
-                    <a:lnL w="9525" cap="flat" cmpd="sng" algn="ctr">
-                      <a:solidFill>
-                        <a:srgbClr val="D9D9E3"/>
-                      </a:solidFill>
-                      <a:prstDash val="solid"/>
-                      <a:round/>
-                      <a:headEnd type="none" w="med" len="med"/>
-                      <a:tailEnd type="none" w="med" len="med"/>
-                    </a:lnL>
-                    <a:lnR w="9525" cap="flat" cmpd="sng" algn="ctr">
-                      <a:solidFill>
-                        <a:srgbClr val="D9D9E3"/>
-                      </a:solidFill>
-                      <a:prstDash val="solid"/>
-                      <a:round/>
-                      <a:headEnd type="none" w="med" len="med"/>
-                      <a:tailEnd type="none" w="med" len="med"/>
-                    </a:lnR>
-                    <a:lnT w="12700" cap="flat" cmpd="sng" algn="ctr">
-                      <a:solidFill>
-                        <a:srgbClr val="D9D9E3"/>
-                      </a:solidFill>
-                      <a:prstDash val="solid"/>
-                      <a:round/>
-                      <a:headEnd type="none" w="med" len="med"/>
-                      <a:tailEnd type="none" w="med" len="med"/>
-                    </a:lnT>
-                    <a:lnB w="12700" cap="flat" cmpd="sng" algn="ctr">
-                      <a:solidFill>
-                        <a:srgbClr val="D9D9E3"/>
-                      </a:solidFill>
-                      <a:prstDash val="solid"/>
-                      <a:round/>
-                      <a:headEnd type="none" w="med" len="med"/>
-                      <a:tailEnd type="none" w="med" len="med"/>
-                    </a:lnB>
-                    <a:solidFill>
-                      <a:srgbClr val="F7F7F8"/>
-                    </a:solidFill>
-                  </a:tcPr>
-                </a:tc>
-                <a:tc>
-                  <a:txBody>
-                    <a:bodyPr/>
-                    <a:lstStyle/>
-                    <a:p>
-                      <a:pPr fontAlgn="base"/>
-                      <a:r>
-                        <a:rPr lang="en-GB" dirty="0">
-                          <a:effectLst/>
-                          <a:latin typeface="Agency FB" panose="020B0503020202020204" pitchFamily="34" charset="0"/>
-                        </a:rPr>
-                        <a:t>26</a:t>
-                      </a:r>
-                    </a:p>
-                  </a:txBody>
-                  <a:tcPr anchor="ctr">
-                    <a:lnL w="9525" cap="flat" cmpd="sng" algn="ctr">
-                      <a:solidFill>
-                        <a:srgbClr val="D9D9E3"/>
-                      </a:solidFill>
-                      <a:prstDash val="solid"/>
-                      <a:round/>
-                      <a:headEnd type="none" w="med" len="med"/>
-                      <a:tailEnd type="none" w="med" len="med"/>
-                    </a:lnL>
-                    <a:lnR w="9525" cap="flat" cmpd="sng" algn="ctr">
-                      <a:solidFill>
-                        <a:srgbClr val="D9D9E3"/>
-                      </a:solidFill>
-                      <a:prstDash val="solid"/>
-                      <a:round/>
-                      <a:headEnd type="none" w="med" len="med"/>
-                      <a:tailEnd type="none" w="med" len="med"/>
-                    </a:lnR>
-                    <a:lnT w="12700" cap="flat" cmpd="sng" algn="ctr">
-                      <a:solidFill>
-                        <a:srgbClr val="D9D9E3"/>
-                      </a:solidFill>
-                      <a:prstDash val="solid"/>
-                      <a:round/>
-                      <a:headEnd type="none" w="med" len="med"/>
-                      <a:tailEnd type="none" w="med" len="med"/>
-                    </a:lnT>
-                    <a:lnB w="12700" cap="flat" cmpd="sng" algn="ctr">
-                      <a:solidFill>
-                        <a:srgbClr val="D9D9E3"/>
-                      </a:solidFill>
-                      <a:prstDash val="solid"/>
-                      <a:round/>
-                      <a:headEnd type="none" w="med" len="med"/>
-                      <a:tailEnd type="none" w="med" len="med"/>
-                    </a:lnB>
-                    <a:solidFill>
-                      <a:srgbClr val="F7F7F8"/>
-                    </a:solidFill>
-                  </a:tcPr>
-                </a:tc>
-                <a:extLst>
-                  <a:ext uri="{0D108BD9-81ED-4DB2-BD59-A6C34878D82A}">
-                    <a16:rowId xmlns:a16="http://schemas.microsoft.com/office/drawing/2014/main" val="997627397"/>
-                  </a:ext>
-                </a:extLst>
-              </a:tr>
-              <a:tr h="0">
-                <a:tc>
-                  <a:txBody>
-                    <a:bodyPr/>
-                    <a:lstStyle/>
-                    <a:p>
-                      <a:pPr fontAlgn="base"/>
-                      <a:r>
-                        <a:rPr lang="en-GB">
-                          <a:effectLst/>
-                          <a:latin typeface="Agency FB" panose="020B0503020202020204" pitchFamily="34" charset="0"/>
-                        </a:rPr>
-                        <a:t>Step-Wise Features</a:t>
-                      </a:r>
-                    </a:p>
-                  </a:txBody>
-                  <a:tcPr anchor="ctr">
-                    <a:lnL w="9525" cap="flat" cmpd="sng" algn="ctr">
-                      <a:solidFill>
-                        <a:srgbClr val="D9D9E3"/>
-                      </a:solidFill>
-                      <a:prstDash val="solid"/>
-                      <a:round/>
-                      <a:headEnd type="none" w="med" len="med"/>
-                      <a:tailEnd type="none" w="med" len="med"/>
-                    </a:lnL>
-                    <a:lnR w="9525" cap="flat" cmpd="sng" algn="ctr">
-                      <a:solidFill>
-                        <a:srgbClr val="D9D9E3"/>
-                      </a:solidFill>
-                      <a:prstDash val="solid"/>
-                      <a:round/>
-                      <a:headEnd type="none" w="med" len="med"/>
-                      <a:tailEnd type="none" w="med" len="med"/>
-                    </a:lnR>
-                    <a:lnT w="12700" cap="flat" cmpd="sng" algn="ctr">
-                      <a:solidFill>
-                        <a:srgbClr val="D9D9E3"/>
-                      </a:solidFill>
-                      <a:prstDash val="solid"/>
-                      <a:round/>
-                      <a:headEnd type="none" w="med" len="med"/>
-                      <a:tailEnd type="none" w="med" len="med"/>
-                    </a:lnT>
-                    <a:lnB w="9525" cap="flat" cmpd="sng" algn="ctr">
-                      <a:solidFill>
-                        <a:srgbClr val="D9D9E3"/>
-                      </a:solidFill>
-                      <a:prstDash val="solid"/>
-                      <a:round/>
-                      <a:headEnd type="none" w="med" len="med"/>
-                      <a:tailEnd type="none" w="med" len="med"/>
-                    </a:lnB>
-                    <a:solidFill>
-                      <a:srgbClr val="F7F7F8"/>
-                    </a:solidFill>
-                  </a:tcPr>
-                </a:tc>
-                <a:tc>
-                  <a:txBody>
-                    <a:bodyPr/>
-                    <a:lstStyle/>
-                    <a:p>
-                      <a:pPr fontAlgn="base"/>
-                      <a:r>
-                        <a:rPr lang="en-GB" dirty="0">
-                          <a:effectLst/>
-                          <a:latin typeface="Agency FB" panose="020B0503020202020204" pitchFamily="34" charset="0"/>
-                        </a:rPr>
-                        <a:t>8</a:t>
-                      </a:r>
-                    </a:p>
-                  </a:txBody>
-                  <a:tcPr anchor="ctr">
-                    <a:lnL w="9525" cap="flat" cmpd="sng" algn="ctr">
-                      <a:solidFill>
-                        <a:srgbClr val="D9D9E3"/>
-                      </a:solidFill>
-                      <a:prstDash val="solid"/>
-                      <a:round/>
-                      <a:headEnd type="none" w="med" len="med"/>
-                      <a:tailEnd type="none" w="med" len="med"/>
-                    </a:lnL>
-                    <a:lnR w="9525" cap="flat" cmpd="sng" algn="ctr">
-                      <a:solidFill>
-                        <a:srgbClr val="D9D9E3"/>
-                      </a:solidFill>
-                      <a:prstDash val="solid"/>
-                      <a:round/>
-                      <a:headEnd type="none" w="med" len="med"/>
-                      <a:tailEnd type="none" w="med" len="med"/>
-                    </a:lnR>
-                    <a:lnT w="12700" cap="flat" cmpd="sng" algn="ctr">
-                      <a:solidFill>
-                        <a:srgbClr val="D9D9E3"/>
-                      </a:solidFill>
-                      <a:prstDash val="solid"/>
-                      <a:round/>
-                      <a:headEnd type="none" w="med" len="med"/>
-                      <a:tailEnd type="none" w="med" len="med"/>
-                    </a:lnT>
-                    <a:lnB w="9525" cap="flat" cmpd="sng" algn="ctr">
-                      <a:solidFill>
-                        <a:srgbClr val="D9D9E3"/>
-                      </a:solidFill>
-                      <a:prstDash val="solid"/>
-                      <a:round/>
-                      <a:headEnd type="none" w="med" len="med"/>
-                      <a:tailEnd type="none" w="med" len="med"/>
-                    </a:lnB>
-                    <a:solidFill>
-                      <a:srgbClr val="F7F7F8"/>
-                    </a:solidFill>
-                  </a:tcPr>
-                </a:tc>
-                <a:extLst>
-                  <a:ext uri="{0D108BD9-81ED-4DB2-BD59-A6C34878D82A}">
-                    <a16:rowId xmlns:a16="http://schemas.microsoft.com/office/drawing/2014/main" val="3131377041"/>
-                  </a:ext>
-                </a:extLst>
-              </a:tr>
-            </a:tbl>
-          </a:graphicData>
-        </a:graphic>
-      </p:graphicFrame>
+          <p:cNvSpPr txBox="1"/>
+          <p:nvPr/>
+        </p:nvSpPr>
+        <p:spPr>
+          <a:xfrm>
+            <a:off x="5766193" y="1590425"/>
+            <a:ext cx="2399386" cy="338524"/>
+          </a:xfrm>
+          <a:prstGeom prst="rect">
+            <a:avLst/>
+          </a:prstGeom>
+          <a:noFill/>
+          <a:ln>
+            <a:noFill/>
+          </a:ln>
+        </p:spPr>
+        <p:txBody>
+          <a:bodyPr spcFirstLastPara="1" wrap="square" lIns="91425" tIns="91425" rIns="91425" bIns="91425" anchor="t" anchorCtr="0">
+            <a:spAutoFit/>
+          </a:bodyPr>
+          <a:lstStyle/>
+          <a:p>
+            <a:pPr marL="0" lvl="0" indent="0" algn="l" rtl="0">
+              <a:spcBef>
+                <a:spcPts val="0"/>
+              </a:spcBef>
+              <a:spcAft>
+                <a:spcPts val="0"/>
+              </a:spcAft>
+              <a:buNone/>
+            </a:pPr>
+            <a:r>
+              <a:rPr lang="en" sz="1000">
+                <a:latin typeface="Proxima Nova"/>
+                <a:ea typeface="Proxima Nova"/>
+                <a:cs typeface="Proxima Nova"/>
+                <a:sym typeface="Proxima Nova"/>
+              </a:rPr>
+              <a:t>Correlation Matrix &amp; Residual Analysis</a:t>
+            </a:r>
+          </a:p>
+        </p:txBody>
+      </p:sp>
     </p:spTree>
     <p:extLst>
       <p:ext uri="{BB962C8B-B14F-4D97-AF65-F5344CB8AC3E}">
-        <p14:creationId xmlns:p14="http://schemas.microsoft.com/office/powerpoint/2010/main" val="2531982499"/>
+        <p14:creationId xmlns:p14="http://schemas.microsoft.com/office/powerpoint/2010/main" val="466193641"/>
       </p:ext>
     </p:extLst>
   </p:cSld>
@@ -10187,130 +10921,6 @@
 </file>
 
 <file path=ppt/slides/slide13.xml><?xml version="1.0" encoding="utf-8"?>
-<p:sld xmlns:a="http://schemas.openxmlformats.org/drawingml/2006/main" xmlns:r="http://schemas.openxmlformats.org/officeDocument/2006/relationships" xmlns:p="http://schemas.openxmlformats.org/presentationml/2006/main">
-  <p:cSld>
-    <p:spTree>
-      <p:nvGrpSpPr>
-        <p:cNvPr id="1" name=""/>
-        <p:cNvGrpSpPr/>
-        <p:nvPr/>
-      </p:nvGrpSpPr>
-      <p:grpSpPr>
-        <a:xfrm>
-          <a:off x="0" y="0"/>
-          <a:ext cx="0" cy="0"/>
-          <a:chOff x="0" y="0"/>
-          <a:chExt cx="0" cy="0"/>
-        </a:xfrm>
-      </p:grpSpPr>
-      <p:sp>
-        <p:nvSpPr>
-          <p:cNvPr id="2" name="Title 1">
-            <a:extLst>
-              <a:ext uri="{FF2B5EF4-FFF2-40B4-BE49-F238E27FC236}">
-                <a16:creationId xmlns:a16="http://schemas.microsoft.com/office/drawing/2014/main" id="{7D5B49EA-13CB-AF9B-D169-344F52AA2178}"/>
-              </a:ext>
-            </a:extLst>
-          </p:cNvPr>
-          <p:cNvSpPr>
-            <a:spLocks noGrp="1"/>
-          </p:cNvSpPr>
-          <p:nvPr>
-            <p:ph type="title"/>
-          </p:nvPr>
-        </p:nvSpPr>
-        <p:spPr/>
-        <p:txBody>
-          <a:bodyPr/>
-          <a:lstStyle/>
-          <a:p>
-            <a:r>
-              <a:rPr lang="en-GB" sz="2200" b="1" dirty="0">
-                <a:latin typeface="Söhne"/>
-              </a:rPr>
-              <a:t>Data Management: Main Visuals</a:t>
-            </a:r>
-          </a:p>
-        </p:txBody>
-      </p:sp>
-      <p:pic>
-        <p:nvPicPr>
-          <p:cNvPr id="5" name="Google Shape;147;p25">
-            <a:extLst>
-              <a:ext uri="{FF2B5EF4-FFF2-40B4-BE49-F238E27FC236}">
-                <a16:creationId xmlns:a16="http://schemas.microsoft.com/office/drawing/2014/main" id="{1E6CAF8B-03BA-A5D1-5806-AD76A5EBF22E}"/>
-              </a:ext>
-            </a:extLst>
-          </p:cNvPr>
-          <p:cNvPicPr preferRelativeResize="0"/>
-          <p:nvPr/>
-        </p:nvPicPr>
-        <p:blipFill>
-          <a:blip r:embed="rId2">
-            <a:alphaModFix/>
-          </a:blip>
-          <a:stretch>
-            <a:fillRect/>
-          </a:stretch>
-        </p:blipFill>
-        <p:spPr>
-          <a:xfrm>
-            <a:off x="314010" y="1305174"/>
-            <a:ext cx="5382518" cy="2533152"/>
-          </a:xfrm>
-          <a:prstGeom prst="rect">
-            <a:avLst/>
-          </a:prstGeom>
-          <a:noFill/>
-          <a:ln>
-            <a:noFill/>
-          </a:ln>
-        </p:spPr>
-      </p:pic>
-      <p:pic>
-        <p:nvPicPr>
-          <p:cNvPr id="6" name="Picture 5">
-            <a:extLst>
-              <a:ext uri="{FF2B5EF4-FFF2-40B4-BE49-F238E27FC236}">
-                <a16:creationId xmlns:a16="http://schemas.microsoft.com/office/drawing/2014/main" id="{9A05EBE1-5576-431D-A5EF-581EA91540C7}"/>
-              </a:ext>
-            </a:extLst>
-          </p:cNvPr>
-          <p:cNvPicPr>
-            <a:picLocks noChangeAspect="1"/>
-          </p:cNvPicPr>
-          <p:nvPr/>
-        </p:nvPicPr>
-        <p:blipFill>
-          <a:blip r:embed="rId3"/>
-          <a:stretch>
-            <a:fillRect/>
-          </a:stretch>
-        </p:blipFill>
-        <p:spPr>
-          <a:xfrm>
-            <a:off x="5894056" y="2895243"/>
-            <a:ext cx="2834422" cy="1886166"/>
-          </a:xfrm>
-          <a:prstGeom prst="rect">
-            <a:avLst/>
-          </a:prstGeom>
-        </p:spPr>
-      </p:pic>
-    </p:spTree>
-    <p:extLst>
-      <p:ext uri="{BB962C8B-B14F-4D97-AF65-F5344CB8AC3E}">
-        <p14:creationId xmlns:p14="http://schemas.microsoft.com/office/powerpoint/2010/main" val="3556377587"/>
-      </p:ext>
-    </p:extLst>
-  </p:cSld>
-  <p:clrMapOvr>
-    <a:masterClrMapping/>
-  </p:clrMapOvr>
-</p:sld>
-</file>
-
-<file path=ppt/slides/slide14.xml><?xml version="1.0" encoding="utf-8"?>
 <p:sld xmlns:a="http://schemas.openxmlformats.org/drawingml/2006/main" xmlns:r="http://schemas.openxmlformats.org/officeDocument/2006/relationships" xmlns:p="http://schemas.openxmlformats.org/presentationml/2006/main">
   <p:cSld>
     <p:spTree>
@@ -10365,7 +10975,7 @@
               <a:buNone/>
             </a:pPr>
             <a:r>
-              <a:rPr lang="en-GB" sz="1300" b="1" dirty="0">
+              <a:rPr lang="en-GB" sz="1300" b="1">
                 <a:solidFill>
                   <a:schemeClr val="accent3"/>
                 </a:solidFill>
@@ -10374,7 +10984,7 @@
               <a:t>1. Model Evaluation: </a:t>
             </a:r>
             <a:r>
-              <a:rPr lang="en-GB" sz="1300" dirty="0">
+              <a:rPr lang="en-GB" sz="1300">
                 <a:solidFill>
                   <a:schemeClr val="accent3"/>
                 </a:solidFill>
@@ -10383,7 +10993,7 @@
               <a:t>Utilized </a:t>
             </a:r>
             <a:r>
-              <a:rPr lang="en-GB" sz="1300" dirty="0" err="1">
+              <a:rPr lang="en-GB" sz="1300" err="1">
                 <a:solidFill>
                   <a:schemeClr val="accent3"/>
                 </a:solidFill>
@@ -10392,7 +11002,7 @@
               <a:t>GroupKFold</a:t>
             </a:r>
             <a:r>
-              <a:rPr lang="en-GB" sz="1300" dirty="0">
+              <a:rPr lang="en-GB" sz="1300">
                 <a:solidFill>
                   <a:schemeClr val="accent3"/>
                 </a:solidFill>
@@ -10411,7 +11021,7 @@
               </a:spcAft>
               <a:buNone/>
             </a:pPr>
-            <a:endParaRPr lang="en-GB" sz="1300" dirty="0">
+            <a:endParaRPr lang="en-GB" sz="1300">
               <a:solidFill>
                 <a:schemeClr val="accent3"/>
               </a:solidFill>
@@ -10429,7 +11039,7 @@
               <a:buNone/>
             </a:pPr>
             <a:r>
-              <a:rPr lang="en-GB" sz="1300" b="1" dirty="0">
+              <a:rPr lang="en-GB" sz="1300" b="1">
                 <a:solidFill>
                   <a:schemeClr val="accent3"/>
                 </a:solidFill>
@@ -10438,7 +11048,7 @@
               <a:t>2. Model Optimization:</a:t>
             </a:r>
             <a:r>
-              <a:rPr lang="en-GB" sz="1300" dirty="0">
+              <a:rPr lang="en-GB" sz="1300">
                 <a:solidFill>
                   <a:schemeClr val="accent3"/>
                 </a:solidFill>
@@ -10457,7 +11067,7 @@
               </a:spcAft>
               <a:buNone/>
             </a:pPr>
-            <a:endParaRPr lang="en-GB" sz="1300" dirty="0">
+            <a:endParaRPr lang="en-GB" sz="1300">
               <a:solidFill>
                 <a:schemeClr val="accent3"/>
               </a:solidFill>
@@ -10474,7 +11084,7 @@
               </a:spcAft>
               <a:buNone/>
             </a:pPr>
-            <a:endParaRPr lang="en-GB" sz="1300" dirty="0">
+            <a:endParaRPr lang="en-GB" sz="1300">
               <a:solidFill>
                 <a:schemeClr val="accent3"/>
               </a:solidFill>
@@ -10492,7 +11102,7 @@
               <a:buNone/>
             </a:pPr>
             <a:r>
-              <a:rPr lang="en-GB" sz="1300" b="1" dirty="0">
+              <a:rPr lang="en-GB" sz="1300" b="1">
                 <a:solidFill>
                   <a:schemeClr val="accent3"/>
                 </a:solidFill>
@@ -10512,13 +11122,31 @@
               <a:buNone/>
             </a:pPr>
             <a:r>
-              <a:rPr lang="en-GB" sz="1300" dirty="0">
+              <a:rPr lang="en-GB" sz="1300">
                 <a:solidFill>
                   <a:schemeClr val="accent3"/>
                 </a:solidFill>
                 <a:latin typeface="Proxima Nova"/>
               </a:rPr>
-              <a:t>Model performance generally declines with increasing prediction horizons. However, our 'step-wise' model consistently delivers high R2 values across various horizons, indicating its resilience against these challenges.</a:t>
+              <a:t>Model performance generally declines with increasing prediction horizons. However, our 'step-wise' model consistently delivers high R</a:t>
+            </a:r>
+            <a:r>
+              <a:rPr lang="en-GB" sz="1300" baseline="30000">
+                <a:solidFill>
+                  <a:schemeClr val="accent3"/>
+                </a:solidFill>
+                <a:latin typeface="Proxima Nova"/>
+              </a:rPr>
+              <a:t>2</a:t>
+            </a:r>
+            <a:r>
+              <a:rPr lang="en-GB" sz="1300">
+                <a:solidFill>
+                  <a:schemeClr val="accent3"/>
+                </a:solidFill>
+                <a:latin typeface="Proxima Nova"/>
+              </a:rPr>
+              <a:t> values across various horizons, indicating its resilience against these challenges.</a:t>
             </a:r>
           </a:p>
           <a:p>
@@ -10531,7 +11159,7 @@
               </a:spcAft>
               <a:buNone/>
             </a:pPr>
-            <a:endParaRPr lang="en-GB" sz="1300" dirty="0">
+            <a:endParaRPr lang="en-GB" sz="1300">
               <a:solidFill>
                 <a:schemeClr val="accent3"/>
               </a:solidFill>
@@ -10549,7 +11177,7 @@
               <a:buNone/>
             </a:pPr>
             <a:r>
-              <a:rPr lang="en-GB" sz="1300" dirty="0">
+              <a:rPr lang="en-GB" sz="1300">
                 <a:solidFill>
                   <a:schemeClr val="accent3"/>
                 </a:solidFill>
@@ -10558,7 +11186,7 @@
               <a:t>Despite some models demonstrating overfitting, our 'step-wise' model, particularly with the </a:t>
             </a:r>
             <a:r>
-              <a:rPr lang="en-GB" sz="1300" dirty="0">
+              <a:rPr lang="en-GB" sz="1300">
                 <a:solidFill>
                   <a:schemeClr val="accent3"/>
                 </a:solidFill>
@@ -10567,7 +11195,7 @@
               <a:t>cum_volume_500</a:t>
             </a:r>
             <a:r>
-              <a:rPr lang="en-GB" sz="1300" dirty="0">
+              <a:rPr lang="en-GB" sz="1300">
                 <a:solidFill>
                   <a:schemeClr val="accent3"/>
                 </a:solidFill>
@@ -10757,20 +11385,185 @@
             <a:avLst/>
           </a:prstGeom>
           <a:noFill/>
+          <a:ln>
+            <a:noFill/>
+          </a:ln>
         </p:spPr>
         <p:txBody>
-          <a:bodyPr wrap="square">
-            <a:spAutoFit/>
+          <a:bodyPr spcFirstLastPara="1" wrap="square" lIns="91425" tIns="91425" rIns="91425" bIns="91425" anchor="t" anchorCtr="0">
+            <a:normAutofit fontScale="92500"/>
           </a:bodyPr>
-          <a:lstStyle/>
-          <a:p>
-            <a:r>
-              <a:rPr lang="en-GB" sz="2200" b="1" dirty="0">
-                <a:latin typeface="Söhne"/>
-              </a:rPr>
+          <a:lstStyle>
+            <a:defPPr marR="0" lvl="0" algn="l" rtl="0">
+              <a:lnSpc>
+                <a:spcPct val="100000"/>
+              </a:lnSpc>
+              <a:spcBef>
+                <a:spcPts val="0"/>
+              </a:spcBef>
+              <a:spcAft>
+                <a:spcPts val="0"/>
+              </a:spcAft>
+            </a:defPPr>
+            <a:lvl1pPr marL="0" indent="0">
+              <a:buClr>
+                <a:schemeClr val="dk1"/>
+              </a:buClr>
+              <a:buSzPts val="2800"/>
+              <a:buFont typeface="Proxima Nova"/>
+              <a:buNone/>
+              <a:defRPr sz="2400" b="1">
+                <a:solidFill>
+                  <a:schemeClr val="dk1"/>
+                </a:solidFill>
+                <a:latin typeface="Proxima Nova"/>
+                <a:ea typeface="Proxima Nova"/>
+                <a:cs typeface="Proxima Nova"/>
+                <a:sym typeface="Proxima Nova"/>
+              </a:defRPr>
+            </a:lvl1pPr>
+            <a:lvl2pPr>
+              <a:buClr>
+                <a:schemeClr val="dk1"/>
+              </a:buClr>
+              <a:buSzPts val="2800"/>
+              <a:buFont typeface="Proxima Nova"/>
+              <a:buNone/>
+              <a:defRPr sz="2800">
+                <a:solidFill>
+                  <a:schemeClr val="dk1"/>
+                </a:solidFill>
+                <a:latin typeface="Proxima Nova"/>
+                <a:ea typeface="Proxima Nova"/>
+                <a:cs typeface="Proxima Nova"/>
+                <a:sym typeface="Proxima Nova"/>
+              </a:defRPr>
+            </a:lvl2pPr>
+            <a:lvl3pPr>
+              <a:buClr>
+                <a:schemeClr val="dk1"/>
+              </a:buClr>
+              <a:buSzPts val="2800"/>
+              <a:buFont typeface="Proxima Nova"/>
+              <a:buNone/>
+              <a:defRPr sz="2800">
+                <a:solidFill>
+                  <a:schemeClr val="dk1"/>
+                </a:solidFill>
+                <a:latin typeface="Proxima Nova"/>
+                <a:ea typeface="Proxima Nova"/>
+                <a:cs typeface="Proxima Nova"/>
+                <a:sym typeface="Proxima Nova"/>
+              </a:defRPr>
+            </a:lvl3pPr>
+            <a:lvl4pPr>
+              <a:buClr>
+                <a:schemeClr val="dk1"/>
+              </a:buClr>
+              <a:buSzPts val="2800"/>
+              <a:buFont typeface="Proxima Nova"/>
+              <a:buNone/>
+              <a:defRPr sz="2800">
+                <a:solidFill>
+                  <a:schemeClr val="dk1"/>
+                </a:solidFill>
+                <a:latin typeface="Proxima Nova"/>
+                <a:ea typeface="Proxima Nova"/>
+                <a:cs typeface="Proxima Nova"/>
+                <a:sym typeface="Proxima Nova"/>
+              </a:defRPr>
+            </a:lvl4pPr>
+            <a:lvl5pPr>
+              <a:buClr>
+                <a:schemeClr val="dk1"/>
+              </a:buClr>
+              <a:buSzPts val="2800"/>
+              <a:buFont typeface="Proxima Nova"/>
+              <a:buNone/>
+              <a:defRPr sz="2800">
+                <a:solidFill>
+                  <a:schemeClr val="dk1"/>
+                </a:solidFill>
+                <a:latin typeface="Proxima Nova"/>
+                <a:ea typeface="Proxima Nova"/>
+                <a:cs typeface="Proxima Nova"/>
+                <a:sym typeface="Proxima Nova"/>
+              </a:defRPr>
+            </a:lvl5pPr>
+            <a:lvl6pPr>
+              <a:buClr>
+                <a:schemeClr val="dk1"/>
+              </a:buClr>
+              <a:buSzPts val="2800"/>
+              <a:buFont typeface="Proxima Nova"/>
+              <a:buNone/>
+              <a:defRPr sz="2800">
+                <a:solidFill>
+                  <a:schemeClr val="dk1"/>
+                </a:solidFill>
+                <a:latin typeface="Proxima Nova"/>
+                <a:ea typeface="Proxima Nova"/>
+                <a:cs typeface="Proxima Nova"/>
+                <a:sym typeface="Proxima Nova"/>
+              </a:defRPr>
+            </a:lvl6pPr>
+            <a:lvl7pPr>
+              <a:buClr>
+                <a:schemeClr val="dk1"/>
+              </a:buClr>
+              <a:buSzPts val="2800"/>
+              <a:buFont typeface="Proxima Nova"/>
+              <a:buNone/>
+              <a:defRPr sz="2800">
+                <a:solidFill>
+                  <a:schemeClr val="dk1"/>
+                </a:solidFill>
+                <a:latin typeface="Proxima Nova"/>
+                <a:ea typeface="Proxima Nova"/>
+                <a:cs typeface="Proxima Nova"/>
+                <a:sym typeface="Proxima Nova"/>
+              </a:defRPr>
+            </a:lvl7pPr>
+            <a:lvl8pPr>
+              <a:buClr>
+                <a:schemeClr val="dk1"/>
+              </a:buClr>
+              <a:buSzPts val="2800"/>
+              <a:buFont typeface="Proxima Nova"/>
+              <a:buNone/>
+              <a:defRPr sz="2800">
+                <a:solidFill>
+                  <a:schemeClr val="dk1"/>
+                </a:solidFill>
+                <a:latin typeface="Proxima Nova"/>
+                <a:ea typeface="Proxima Nova"/>
+                <a:cs typeface="Proxima Nova"/>
+                <a:sym typeface="Proxima Nova"/>
+              </a:defRPr>
+            </a:lvl8pPr>
+            <a:lvl9pPr>
+              <a:buClr>
+                <a:schemeClr val="dk1"/>
+              </a:buClr>
+              <a:buSzPts val="2800"/>
+              <a:buFont typeface="Proxima Nova"/>
+              <a:buNone/>
+              <a:defRPr sz="2800">
+                <a:solidFill>
+                  <a:schemeClr val="dk1"/>
+                </a:solidFill>
+                <a:latin typeface="Proxima Nova"/>
+                <a:ea typeface="Proxima Nova"/>
+                <a:cs typeface="Proxima Nova"/>
+                <a:sym typeface="Proxima Nova"/>
+              </a:defRPr>
+            </a:lvl9pPr>
+          </a:lstStyle>
+          <a:p>
+            <a:r>
+              <a:rPr lang="en-GB"/>
               <a:t>Model Evaluation &amp; Optimization</a:t>
             </a:r>
-            <a:endParaRPr lang="en-GB" sz="2200" dirty="0"/>
           </a:p>
         </p:txBody>
       </p:sp>
@@ -10782,7 +11575,7 @@
 </p:sld>
 </file>
 
-<file path=ppt/slides/slide15.xml><?xml version="1.0" encoding="utf-8"?>
+<file path=ppt/slides/slide14.xml><?xml version="1.0" encoding="utf-8"?>
 <p:sld xmlns:a="http://schemas.openxmlformats.org/drawingml/2006/main" xmlns:r="http://schemas.openxmlformats.org/officeDocument/2006/relationships" xmlns:p="http://schemas.openxmlformats.org/presentationml/2006/main">
   <p:cSld>
     <p:spTree>
@@ -10817,31 +11610,22 @@
           <a:prstGeom prst="rect">
             <a:avLst/>
           </a:prstGeom>
+          <a:noFill/>
+          <a:ln>
+            <a:noFill/>
+          </a:ln>
         </p:spPr>
         <p:txBody>
           <a:bodyPr spcFirstLastPara="1" wrap="square" lIns="91425" tIns="91425" rIns="91425" bIns="91425" anchor="t" anchorCtr="0">
-            <a:normAutofit fontScale="90000"/>
+            <a:normAutofit/>
           </a:bodyPr>
           <a:lstStyle/>
           <a:p>
-            <a:pPr marL="0" lvl="0" indent="0" algn="l" rtl="0">
-              <a:spcBef>
-                <a:spcPts val="0"/>
-              </a:spcBef>
-              <a:spcAft>
-                <a:spcPts val="0"/>
-              </a:spcAft>
-              <a:buNone/>
-            </a:pPr>
-            <a:r>
-              <a:rPr lang="en" sz="2200" b="1" dirty="0">
-                <a:latin typeface="Söhne"/>
-              </a:rPr>
-              <a:t>“Best Model” Results and Interpretation</a:t>
-            </a:r>
-            <a:endParaRPr sz="2200" b="1" dirty="0">
-              <a:latin typeface="Söhne"/>
-            </a:endParaRPr>
+            <a:r>
+              <a:rPr lang="en" sz="2400" b="1"/>
+              <a:t>“Best Model” Results &amp; Interpretation</a:t>
+            </a:r>
+            <a:endParaRPr sz="2400" b="1"/>
           </a:p>
         </p:txBody>
       </p:sp>
@@ -10866,7 +11650,7 @@
         </p:spPr>
         <p:txBody>
           <a:bodyPr spcFirstLastPara="1" wrap="square" lIns="91425" tIns="91425" rIns="91425" bIns="91425" anchor="t" anchorCtr="0">
-            <a:normAutofit/>
+            <a:normAutofit lnSpcReduction="10000"/>
           </a:bodyPr>
           <a:lstStyle/>
           <a:p>
@@ -10874,14 +11658,14 @@
               <a:buNone/>
             </a:pPr>
             <a:r>
-              <a:rPr lang="en-GB" sz="1300" dirty="0">
+              <a:rPr lang="en-GB" sz="1300">
                 <a:cs typeface="Arial"/>
                 <a:sym typeface="Arial"/>
               </a:rPr>
               <a:t>Our best model (</a:t>
             </a:r>
             <a:r>
-              <a:rPr lang="en-GB" sz="1300" dirty="0">
+              <a:rPr lang="en-GB" sz="1300">
                 <a:latin typeface="Consolas" panose="020B0609020204030204" pitchFamily="49" charset="0"/>
                 <a:cs typeface="Arial"/>
                 <a:sym typeface="Arial"/>
@@ -10889,14 +11673,14 @@
               <a:t>stepwise, pool=3000, target = cum_volume_500, horizon = 15</a:t>
             </a:r>
             <a:r>
-              <a:rPr lang="en-GB" sz="1300" dirty="0">
+              <a:rPr lang="en-GB" sz="1300">
                 <a:cs typeface="Arial"/>
                 <a:sym typeface="Arial"/>
               </a:rPr>
               <a:t>) shows a significant overall relationship with </a:t>
             </a:r>
             <a:r>
-              <a:rPr lang="en-GB" sz="1300" dirty="0">
+              <a:rPr lang="en-GB" sz="1300">
                 <a:latin typeface="Consolas" panose="020B0609020204030204" pitchFamily="49" charset="0"/>
                 <a:cs typeface="Arial"/>
                 <a:sym typeface="Arial"/>
@@ -10904,7 +11688,7 @@
               <a:t>F-statistic = 57.38, p &lt; 0.001</a:t>
             </a:r>
             <a:r>
-              <a:rPr lang="en-GB" sz="1300" dirty="0">
+              <a:rPr lang="en-GB" sz="1300">
                 <a:cs typeface="Arial"/>
                 <a:sym typeface="Arial"/>
               </a:rPr>
@@ -10916,33 +11700,33 @@
               <a:buNone/>
             </a:pPr>
             <a:r>
-              <a:rPr lang="en-GB" sz="1300" dirty="0">
+              <a:rPr lang="en-GB" sz="1300">
                 <a:cs typeface="Arial"/>
                 <a:sym typeface="Arial"/>
               </a:rPr>
               <a:t>The model explains (</a:t>
             </a:r>
             <a:r>
-              <a:rPr lang="en-GB" sz="1300" dirty="0">
+              <a:rPr lang="en-GB" sz="1300">
                 <a:cs typeface="Arial"/>
               </a:rPr>
               <a:t>R-squared value)</a:t>
             </a:r>
             <a:r>
-              <a:rPr lang="en-GB" sz="1300" dirty="0">
+              <a:rPr lang="en-GB" sz="1300">
                 <a:cs typeface="Arial"/>
                 <a:sym typeface="Arial"/>
               </a:rPr>
               <a:t> 23.8% of the variance in the target variable (</a:t>
             </a:r>
             <a:r>
-              <a:rPr lang="en-GB" sz="1300" dirty="0">
+              <a:rPr lang="en-GB" sz="1300">
                 <a:cs typeface="Arial"/>
               </a:rPr>
               <a:t>log of 'cum_volume_500’), considered a good proportion given the complexity of the data and </a:t>
             </a:r>
             <a:r>
-              <a:rPr lang="en-GB" sz="1300" dirty="0">
+              <a:rPr lang="en-GB" sz="1300">
                 <a:cs typeface="Arial"/>
                 <a:sym typeface="Arial"/>
               </a:rPr>
@@ -10953,7 +11737,7 @@
             <a:pPr marL="114300" indent="0" algn="l">
               <a:buNone/>
             </a:pPr>
-            <a:endParaRPr lang="en-GB" sz="1400" b="0" i="0" dirty="0">
+            <a:endParaRPr lang="en-GB" sz="1400" b="0" i="0">
               <a:solidFill>
                 <a:srgbClr val="374151"/>
               </a:solidFill>
@@ -10965,7 +11749,7 @@
             <a:pPr marL="114300" indent="0" algn="l">
               <a:buNone/>
             </a:pPr>
-            <a:endParaRPr lang="en-GB" sz="1400" dirty="0">
+            <a:endParaRPr lang="en-GB" sz="1400">
               <a:solidFill>
                 <a:srgbClr val="374151"/>
               </a:solidFill>
@@ -10976,7 +11760,7 @@
             <a:pPr marL="114300" indent="0" algn="l">
               <a:buNone/>
             </a:pPr>
-            <a:endParaRPr lang="en-GB" sz="1400" b="0" i="0" dirty="0">
+            <a:endParaRPr lang="en-GB" sz="1400" b="0" i="0">
               <a:solidFill>
                 <a:srgbClr val="374151"/>
               </a:solidFill>
@@ -10988,7 +11772,7 @@
             <a:pPr marL="114300" indent="0" algn="l">
               <a:buNone/>
             </a:pPr>
-            <a:endParaRPr lang="en-GB" sz="1400" dirty="0">
+            <a:endParaRPr lang="en-GB" sz="1400">
               <a:solidFill>
                 <a:srgbClr val="374151"/>
               </a:solidFill>
@@ -10999,7 +11783,7 @@
             <a:pPr marL="114300" indent="0" algn="l">
               <a:buNone/>
             </a:pPr>
-            <a:endParaRPr lang="en-GB" sz="1400" b="0" i="0" dirty="0">
+            <a:endParaRPr lang="en-GB" sz="1400" b="0" i="0">
               <a:solidFill>
                 <a:srgbClr val="374151"/>
               </a:solidFill>
@@ -11011,7 +11795,7 @@
             <a:pPr marL="114300" indent="0" algn="l">
               <a:buNone/>
             </a:pPr>
-            <a:endParaRPr lang="en-GB" sz="1400" b="0" i="0" dirty="0">
+            <a:endParaRPr lang="en-GB" sz="1400" b="0" i="0">
               <a:solidFill>
                 <a:srgbClr val="374151"/>
               </a:solidFill>
@@ -11023,7 +11807,7 @@
             <a:pPr marL="114300" indent="0" algn="l">
               <a:buNone/>
             </a:pPr>
-            <a:endParaRPr lang="en-GB" sz="1400" b="0" i="0" dirty="0">
+            <a:endParaRPr lang="en-GB" sz="1400" b="0" i="0">
               <a:solidFill>
                 <a:srgbClr val="374151"/>
               </a:solidFill>
@@ -11035,7 +11819,7 @@
             <a:pPr marL="114300" indent="0" algn="l">
               <a:buNone/>
             </a:pPr>
-            <a:endParaRPr lang="en-GB" sz="1400" b="0" i="0" dirty="0">
+            <a:endParaRPr lang="en-GB" sz="1400" b="0" i="0">
               <a:solidFill>
                 <a:srgbClr val="374151"/>
               </a:solidFill>
@@ -11048,7 +11832,7 @@
               <a:buNone/>
             </a:pPr>
             <a:r>
-              <a:rPr lang="en-GB" sz="1300" b="1" dirty="0">
+              <a:rPr lang="en-GB" sz="1300" b="1">
                 <a:cs typeface="Arial"/>
               </a:rPr>
               <a:t>Predictor Interpretation:</a:t>
@@ -11060,7 +11844,7 @@
               <a:buChar char="•"/>
             </a:pPr>
             <a:r>
-              <a:rPr lang="en-GB" sz="1300" dirty="0">
+              <a:rPr lang="en-GB" sz="1300">
                 <a:cs typeface="Arial"/>
               </a:rPr>
               <a:t>A mint operation in the 'same' pool (3000) triggers effects on the cumulative volume in the 'other' pool (500).</a:t>
@@ -11072,20 +11856,20 @@
               <a:buChar char="•"/>
             </a:pPr>
             <a:r>
-              <a:rPr lang="en-GB" sz="1300" dirty="0">
+              <a:rPr lang="en-GB" sz="1300">
                 <a:cs typeface="Arial"/>
               </a:rPr>
               <a:t>Each predictor corresponds to a change in the log of </a:t>
             </a:r>
             <a:r>
-              <a:rPr lang="en-GB" sz="1300" dirty="0">
+              <a:rPr lang="en-GB" sz="1300">
                 <a:latin typeface="Consolas" panose="020B0609020204030204" pitchFamily="49" charset="0"/>
                 <a:cs typeface="Arial"/>
               </a:rPr>
               <a:t>cum_volume_500</a:t>
             </a:r>
             <a:r>
-              <a:rPr lang="en-GB" sz="1300" dirty="0">
+              <a:rPr lang="en-GB" sz="1300">
                 <a:cs typeface="Arial"/>
               </a:rPr>
               <a:t> for a one standard deviation increase in the respective predictor.</a:t>
@@ -11097,7 +11881,7 @@
               <a:buChar char="•"/>
             </a:pPr>
             <a:r>
-              <a:rPr lang="en-GB" sz="1300" dirty="0">
+              <a:rPr lang="en-GB" sz="1300">
                 <a:cs typeface="Arial"/>
               </a:rPr>
               <a:t>Interpretation of significant predictors reveals dynamics between pools and other factors.</a:t>
@@ -11121,7 +11905,7 @@
         </p:blipFill>
         <p:spPr>
           <a:xfrm>
-            <a:off x="1828994" y="2015959"/>
+            <a:off x="2597090" y="1906231"/>
             <a:ext cx="5735588" cy="1807896"/>
           </a:xfrm>
           <a:prstGeom prst="rect">
@@ -11146,7 +11930,7 @@
 </p:sld>
 </file>
 
-<file path=ppt/slides/slide16.xml><?xml version="1.0" encoding="utf-8"?>
+<file path=ppt/slides/slide15.xml><?xml version="1.0" encoding="utf-8"?>
 <p:sld xmlns:a="http://schemas.openxmlformats.org/drawingml/2006/main" xmlns:r="http://schemas.openxmlformats.org/officeDocument/2006/relationships" xmlns:p="http://schemas.openxmlformats.org/presentationml/2006/main">
   <p:cSld>
     <p:spTree>
@@ -11179,20 +11963,23 @@
             <p:ph type="title"/>
           </p:nvPr>
         </p:nvSpPr>
-        <p:spPr/>
+        <p:spPr>
+          <a:noFill/>
+          <a:ln>
+            <a:noFill/>
+          </a:ln>
+        </p:spPr>
         <p:txBody>
-          <a:bodyPr>
+          <a:bodyPr spcFirstLastPara="1" wrap="square" lIns="91425" tIns="91425" rIns="91425" bIns="91425" anchor="t" anchorCtr="0">
             <a:normAutofit/>
           </a:bodyPr>
           <a:lstStyle/>
           <a:p>
             <a:r>
-              <a:rPr lang="en" sz="2200" b="1" dirty="0">
-                <a:latin typeface="Söhne"/>
-              </a:rPr>
-              <a:t>Key Findings and Conclusions</a:t>
-            </a:r>
-            <a:endParaRPr lang="en-GB" sz="2200" dirty="0"/>
+              <a:rPr lang="en" sz="2400" b="1"/>
+              <a:t>Key Findings &amp; Conclusions</a:t>
+            </a:r>
+            <a:endParaRPr lang="en-GB" sz="2400" b="1"/>
           </a:p>
         </p:txBody>
       </p:sp>
@@ -11211,7 +11998,7 @@
         <p:spPr>
           <a:xfrm>
             <a:off x="311700" y="927670"/>
-            <a:ext cx="8416664" cy="2508379"/>
+            <a:ext cx="8416664" cy="2092881"/>
           </a:xfrm>
           <a:prstGeom prst="rect">
             <a:avLst/>
@@ -11226,7 +12013,7 @@
           <a:p>
             <a:pPr algn="l"/>
             <a:r>
-              <a:rPr lang="en-GB" sz="1300" b="1" dirty="0">
+              <a:rPr lang="en-GB" sz="1300" b="1">
                 <a:solidFill>
                   <a:schemeClr val="accent3"/>
                 </a:solidFill>
@@ -11242,7 +12029,7 @@
               <a:buChar char="•"/>
             </a:pPr>
             <a:r>
-              <a:rPr lang="en-GB" sz="1300" dirty="0">
+              <a:rPr lang="en-GB" sz="1300">
                 <a:solidFill>
                   <a:schemeClr val="accent3"/>
                 </a:solidFill>
@@ -11258,7 +12045,7 @@
               <a:buChar char="•"/>
             </a:pPr>
             <a:r>
-              <a:rPr lang="en-US" altLang="en-US" sz="1300" dirty="0">
+              <a:rPr lang="en-US" altLang="en-US" sz="1300">
                 <a:solidFill>
                   <a:schemeClr val="accent3"/>
                 </a:solidFill>
@@ -11266,7 +12053,7 @@
               </a:rPr>
               <a:t>Reduced minting frequency in 'same' and 'other' pools leads to lower cumulative volume.</a:t>
             </a:r>
-            <a:endParaRPr lang="en-GB" sz="1300" dirty="0">
+            <a:endParaRPr lang="en-GB" sz="1300">
               <a:solidFill>
                 <a:schemeClr val="accent3"/>
               </a:solidFill>
@@ -11280,7 +12067,7 @@
               <a:buChar char="•"/>
             </a:pPr>
             <a:r>
-              <a:rPr lang="en-GB" sz="1300" dirty="0">
+              <a:rPr lang="en-GB" sz="1300">
                 <a:solidFill>
                   <a:schemeClr val="accent3"/>
                 </a:solidFill>
@@ -11290,7 +12077,7 @@
               <a:t>Increased BTC trading volume on </a:t>
             </a:r>
             <a:r>
-              <a:rPr lang="en-GB" sz="1300" dirty="0" err="1">
+              <a:rPr lang="en-GB" sz="1300" err="1">
                 <a:solidFill>
                   <a:schemeClr val="accent3"/>
                 </a:solidFill>
@@ -11300,7 +12087,7 @@
               <a:t>Binance</a:t>
             </a:r>
             <a:r>
-              <a:rPr lang="en-GB" sz="1300" dirty="0">
+              <a:rPr lang="en-GB" sz="1300">
                 <a:solidFill>
                   <a:schemeClr val="accent3"/>
                 </a:solidFill>
@@ -11312,7 +12099,7 @@
           </a:p>
           <a:p>
             <a:pPr algn="l"/>
-            <a:endParaRPr lang="en-GB" sz="1300" dirty="0">
+            <a:endParaRPr lang="en-GB" sz="1300">
               <a:solidFill>
                 <a:schemeClr val="accent3"/>
               </a:solidFill>
@@ -11323,7 +12110,7 @@
           <a:p>
             <a:pPr algn="l"/>
             <a:r>
-              <a:rPr lang="en-GB" sz="1300" b="1" dirty="0">
+              <a:rPr lang="en-GB" sz="1300" b="1">
                 <a:solidFill>
                   <a:schemeClr val="accent3"/>
                 </a:solidFill>
@@ -11339,7 +12126,7 @@
               <a:buChar char="•"/>
             </a:pPr>
             <a:r>
-              <a:rPr lang="en-GB" sz="1300" dirty="0">
+              <a:rPr lang="en-GB" sz="1300">
                 <a:solidFill>
                   <a:schemeClr val="accent3"/>
                 </a:solidFill>
@@ -11355,7 +12142,7 @@
               <a:buChar char="•"/>
             </a:pPr>
             <a:r>
-              <a:rPr lang="en-GB" sz="1300" dirty="0">
+              <a:rPr lang="en-GB" sz="1300">
                 <a:solidFill>
                   <a:schemeClr val="accent3"/>
                 </a:solidFill>
@@ -11371,7 +12158,7 @@
               <a:buChar char="•"/>
             </a:pPr>
             <a:r>
-              <a:rPr lang="en-GB" sz="1300" dirty="0">
+              <a:rPr lang="en-GB" sz="1300">
                 <a:solidFill>
                   <a:schemeClr val="accent3"/>
                 </a:solidFill>
@@ -11380,26 +12167,6 @@
               </a:rPr>
               <a:t>These insights offer strategic guidance for liquidity providers, traders, and architects of decentralized exchanges.</a:t>
             </a:r>
-          </a:p>
-          <a:p>
-            <a:pPr algn="l"/>
-            <a:endParaRPr lang="en-GB" sz="1300" dirty="0">
-              <a:solidFill>
-                <a:schemeClr val="accent3"/>
-              </a:solidFill>
-              <a:latin typeface="Proxima Nova"/>
-              <a:sym typeface="Proxima Nova"/>
-            </a:endParaRPr>
-          </a:p>
-          <a:p>
-            <a:pPr algn="l"/>
-            <a:endParaRPr lang="en-GB" sz="1300" dirty="0">
-              <a:solidFill>
-                <a:schemeClr val="accent3"/>
-              </a:solidFill>
-              <a:latin typeface="Proxima Nova"/>
-              <a:sym typeface="Proxima Nova"/>
-            </a:endParaRPr>
           </a:p>
         </p:txBody>
       </p:sp>
@@ -11418,56 +12185,58 @@
           <p:nvPr>
             <p:extLst>
               <p:ext uri="{D42A27DB-BD31-4B8C-83A1-F6EECF244321}">
-                <p14:modId xmlns:p14="http://schemas.microsoft.com/office/powerpoint/2010/main" val="632342790"/>
+                <p14:modId xmlns:p14="http://schemas.microsoft.com/office/powerpoint/2010/main" val="1159277803"/>
               </p:ext>
             </p:extLst>
           </p:nvPr>
         </p:nvGraphicFramePr>
         <p:xfrm>
-          <a:off x="5018796" y="3085684"/>
-          <a:ext cx="3894456" cy="1881176"/>
+          <a:off x="4830488" y="3085684"/>
+          <a:ext cx="4186700" cy="1806843"/>
         </p:xfrm>
         <a:graphic>
           <a:graphicData uri="http://schemas.openxmlformats.org/drawingml/2006/table">
             <a:tbl>
-              <a:tblPr/>
+              <a:tblPr firstRow="1" bandRow="1">
+                <a:tableStyleId>{D27102A9-8310-4765-A935-A1911B00CA55}</a:tableStyleId>
+              </a:tblPr>
               <a:tblGrid>
-                <a:gridCol w="796638">
+                <a:gridCol w="946469">
                   <a:extLst>
                     <a:ext uri="{9D8B030D-6E8A-4147-A177-3AD203B41FA5}">
                       <a16:colId xmlns:a16="http://schemas.microsoft.com/office/drawing/2014/main" val="211707548"/>
                     </a:ext>
                   </a:extLst>
                 </a:gridCol>
-                <a:gridCol w="533400">
+                <a:gridCol w="555477">
                   <a:extLst>
                     <a:ext uri="{9D8B030D-6E8A-4147-A177-3AD203B41FA5}">
                       <a16:colId xmlns:a16="http://schemas.microsoft.com/office/drawing/2014/main" val="2359908533"/>
                     </a:ext>
                   </a:extLst>
                 </a:gridCol>
-                <a:gridCol w="1309254">
+                <a:gridCol w="1371014">
                   <a:extLst>
                     <a:ext uri="{9D8B030D-6E8A-4147-A177-3AD203B41FA5}">
                       <a16:colId xmlns:a16="http://schemas.microsoft.com/office/drawing/2014/main" val="49709642"/>
                     </a:ext>
                   </a:extLst>
                 </a:gridCol>
-                <a:gridCol w="332509">
+                <a:gridCol w="321848">
                   <a:extLst>
                     <a:ext uri="{9D8B030D-6E8A-4147-A177-3AD203B41FA5}">
                       <a16:colId xmlns:a16="http://schemas.microsoft.com/office/drawing/2014/main" val="3383975040"/>
                     </a:ext>
                   </a:extLst>
                 </a:gridCol>
-                <a:gridCol w="284018">
+                <a:gridCol w="358128">
                   <a:extLst>
                     <a:ext uri="{9D8B030D-6E8A-4147-A177-3AD203B41FA5}">
                       <a16:colId xmlns:a16="http://schemas.microsoft.com/office/drawing/2014/main" val="4228597467"/>
                     </a:ext>
                   </a:extLst>
                 </a:gridCol>
-                <a:gridCol w="638637">
+                <a:gridCol w="633764">
                   <a:extLst>
                     <a:ext uri="{9D8B030D-6E8A-4147-A177-3AD203B41FA5}">
                       <a16:colId xmlns:a16="http://schemas.microsoft.com/office/drawing/2014/main" val="2771905269"/>
@@ -11483,55 +12252,18 @@
                     <a:p>
                       <a:pPr fontAlgn="b"/>
                       <a:r>
-                        <a:rPr lang="en-GB" b="1">
-                          <a:effectLst/>
-                          <a:latin typeface="Agency FB" panose="020B0503020202020204" pitchFamily="34" charset="0"/>
+                        <a:rPr lang="en-GB" sz="1050" b="1" i="0" u="none" strike="noStrike" cap="none">
+                          <a:solidFill>
+                            <a:schemeClr val="accent3"/>
+                          </a:solidFill>
+                          <a:latin typeface="Proxima Nova"/>
+                          <a:sym typeface="Proxima Nova"/>
                         </a:rPr>
                         <a:t>Run</a:t>
                       </a:r>
                     </a:p>
                   </a:txBody>
-                  <a:tcPr anchor="b">
-                    <a:lnL w="9525" cap="flat" cmpd="sng" algn="ctr">
-                      <a:solidFill>
-                        <a:srgbClr val="D9D9E3"/>
-                      </a:solidFill>
-                      <a:prstDash val="solid"/>
-                      <a:round/>
-                      <a:headEnd type="none" w="med" len="med"/>
-                      <a:tailEnd type="none" w="med" len="med"/>
-                    </a:lnL>
-                    <a:lnR w="9525" cap="flat" cmpd="sng" algn="ctr">
-                      <a:solidFill>
-                        <a:srgbClr val="D9D9E3"/>
-                      </a:solidFill>
-                      <a:prstDash val="solid"/>
-                      <a:round/>
-                      <a:headEnd type="none" w="med" len="med"/>
-                      <a:tailEnd type="none" w="med" len="med"/>
-                    </a:lnR>
-                    <a:lnT w="9525" cap="flat" cmpd="sng" algn="ctr">
-                      <a:solidFill>
-                        <a:srgbClr val="D9D9E3"/>
-                      </a:solidFill>
-                      <a:prstDash val="solid"/>
-                      <a:round/>
-                      <a:headEnd type="none" w="med" len="med"/>
-                      <a:tailEnd type="none" w="med" len="med"/>
-                    </a:lnT>
-                    <a:lnB w="12700" cap="flat" cmpd="sng" algn="ctr">
-                      <a:solidFill>
-                        <a:srgbClr val="D9D9E3"/>
-                      </a:solidFill>
-                      <a:prstDash val="solid"/>
-                      <a:round/>
-                      <a:headEnd type="none" w="med" len="med"/>
-                      <a:tailEnd type="none" w="med" len="med"/>
-                    </a:lnB>
-                    <a:solidFill>
-                      <a:srgbClr val="F7F7F8"/>
-                    </a:solidFill>
-                  </a:tcPr>
+                  <a:tcPr anchor="b"/>
                 </a:tc>
                 <a:tc>
                   <a:txBody>
@@ -11540,55 +12272,18 @@
                     <a:p>
                       <a:pPr fontAlgn="b"/>
                       <a:r>
-                        <a:rPr lang="en-GB" b="1" dirty="0">
-                          <a:effectLst/>
-                          <a:latin typeface="Agency FB" panose="020B0503020202020204" pitchFamily="34" charset="0"/>
+                        <a:rPr lang="en-GB" sz="1050" b="1" i="0" u="none" strike="noStrike" cap="none">
+                          <a:solidFill>
+                            <a:schemeClr val="accent3"/>
+                          </a:solidFill>
+                          <a:latin typeface="Proxima Nova"/>
+                          <a:sym typeface="Proxima Nova"/>
                         </a:rPr>
                         <a:t>Pools</a:t>
                       </a:r>
                     </a:p>
                   </a:txBody>
-                  <a:tcPr anchor="b">
-                    <a:lnL w="9525" cap="flat" cmpd="sng" algn="ctr">
-                      <a:solidFill>
-                        <a:srgbClr val="D9D9E3"/>
-                      </a:solidFill>
-                      <a:prstDash val="solid"/>
-                      <a:round/>
-                      <a:headEnd type="none" w="med" len="med"/>
-                      <a:tailEnd type="none" w="med" len="med"/>
-                    </a:lnL>
-                    <a:lnR w="9525" cap="flat" cmpd="sng" algn="ctr">
-                      <a:solidFill>
-                        <a:srgbClr val="D9D9E3"/>
-                      </a:solidFill>
-                      <a:prstDash val="solid"/>
-                      <a:round/>
-                      <a:headEnd type="none" w="med" len="med"/>
-                      <a:tailEnd type="none" w="med" len="med"/>
-                    </a:lnR>
-                    <a:lnT w="9525" cap="flat" cmpd="sng" algn="ctr">
-                      <a:solidFill>
-                        <a:srgbClr val="D9D9E3"/>
-                      </a:solidFill>
-                      <a:prstDash val="solid"/>
-                      <a:round/>
-                      <a:headEnd type="none" w="med" len="med"/>
-                      <a:tailEnd type="none" w="med" len="med"/>
-                    </a:lnT>
-                    <a:lnB w="12700" cap="flat" cmpd="sng" algn="ctr">
-                      <a:solidFill>
-                        <a:srgbClr val="D9D9E3"/>
-                      </a:solidFill>
-                      <a:prstDash val="solid"/>
-                      <a:round/>
-                      <a:headEnd type="none" w="med" len="med"/>
-                      <a:tailEnd type="none" w="med" len="med"/>
-                    </a:lnB>
-                    <a:solidFill>
-                      <a:srgbClr val="F7F7F8"/>
-                    </a:solidFill>
-                  </a:tcPr>
+                  <a:tcPr anchor="b"/>
                 </a:tc>
                 <a:tc>
                   <a:txBody>
@@ -11597,226 +12292,78 @@
                     <a:p>
                       <a:pPr fontAlgn="b"/>
                       <a:r>
-                        <a:rPr lang="en-GB" b="1">
-                          <a:effectLst/>
-                          <a:latin typeface="Agency FB" panose="020B0503020202020204" pitchFamily="34" charset="0"/>
+                        <a:rPr lang="en-GB" sz="1050" b="1" i="0" u="none" strike="noStrike" cap="none">
+                          <a:solidFill>
+                            <a:schemeClr val="accent3"/>
+                          </a:solidFill>
+                          <a:latin typeface="Proxima Nova"/>
+                          <a:sym typeface="Proxima Nova"/>
                         </a:rPr>
                         <a:t>Target Variables</a:t>
                       </a:r>
                     </a:p>
                   </a:txBody>
-                  <a:tcPr anchor="b">
-                    <a:lnL w="9525" cap="flat" cmpd="sng" algn="ctr">
-                      <a:solidFill>
-                        <a:srgbClr val="D9D9E3"/>
-                      </a:solidFill>
-                      <a:prstDash val="solid"/>
-                      <a:round/>
-                      <a:headEnd type="none" w="med" len="med"/>
-                      <a:tailEnd type="none" w="med" len="med"/>
-                    </a:lnL>
-                    <a:lnR w="9525" cap="flat" cmpd="sng" algn="ctr">
-                      <a:solidFill>
-                        <a:srgbClr val="D9D9E3"/>
-                      </a:solidFill>
-                      <a:prstDash val="solid"/>
-                      <a:round/>
-                      <a:headEnd type="none" w="med" len="med"/>
-                      <a:tailEnd type="none" w="med" len="med"/>
-                    </a:lnR>
-                    <a:lnT w="9525" cap="flat" cmpd="sng" algn="ctr">
-                      <a:solidFill>
-                        <a:srgbClr val="D9D9E3"/>
-                      </a:solidFill>
-                      <a:prstDash val="solid"/>
-                      <a:round/>
-                      <a:headEnd type="none" w="med" len="med"/>
-                      <a:tailEnd type="none" w="med" len="med"/>
-                    </a:lnT>
-                    <a:lnB w="12700" cap="flat" cmpd="sng" algn="ctr">
-                      <a:solidFill>
-                        <a:srgbClr val="D9D9E3"/>
-                      </a:solidFill>
-                      <a:prstDash val="solid"/>
-                      <a:round/>
-                      <a:headEnd type="none" w="med" len="med"/>
-                      <a:tailEnd type="none" w="med" len="med"/>
-                    </a:lnB>
-                    <a:solidFill>
-                      <a:srgbClr val="F7F7F8"/>
-                    </a:solidFill>
-                  </a:tcPr>
+                  <a:tcPr anchor="b"/>
                 </a:tc>
                 <a:tc>
                   <a:txBody>
                     <a:bodyPr/>
                     <a:lstStyle/>
                     <a:p>
-                      <a:pPr fontAlgn="b"/>
+                      <a:pPr algn="ctr" fontAlgn="b"/>
                       <a:r>
-                        <a:rPr lang="en-GB" b="1">
-                          <a:effectLst/>
-                          <a:latin typeface="Agency FB" panose="020B0503020202020204" pitchFamily="34" charset="0"/>
+                        <a:rPr lang="en-GB" sz="1050" b="1" i="0" u="none" strike="noStrike" cap="none">
+                          <a:solidFill>
+                            <a:schemeClr val="accent3"/>
+                          </a:solidFill>
+                          <a:latin typeface="Proxima Nova"/>
+                          <a:sym typeface="Proxima Nova"/>
                         </a:rPr>
                         <a:t>M</a:t>
                       </a:r>
                     </a:p>
                   </a:txBody>
-                  <a:tcPr anchor="b">
-                    <a:lnL w="9525" cap="flat" cmpd="sng" algn="ctr">
-                      <a:solidFill>
-                        <a:srgbClr val="D9D9E3"/>
-                      </a:solidFill>
-                      <a:prstDash val="solid"/>
-                      <a:round/>
-                      <a:headEnd type="none" w="med" len="med"/>
-                      <a:tailEnd type="none" w="med" len="med"/>
-                    </a:lnL>
-                    <a:lnR w="9525" cap="flat" cmpd="sng" algn="ctr">
-                      <a:solidFill>
-                        <a:srgbClr val="D9D9E3"/>
-                      </a:solidFill>
-                      <a:prstDash val="solid"/>
-                      <a:round/>
-                      <a:headEnd type="none" w="med" len="med"/>
-                      <a:tailEnd type="none" w="med" len="med"/>
-                    </a:lnR>
-                    <a:lnT w="9525" cap="flat" cmpd="sng" algn="ctr">
-                      <a:solidFill>
-                        <a:srgbClr val="D9D9E3"/>
-                      </a:solidFill>
-                      <a:prstDash val="solid"/>
-                      <a:round/>
-                      <a:headEnd type="none" w="med" len="med"/>
-                      <a:tailEnd type="none" w="med" len="med"/>
-                    </a:lnT>
-                    <a:lnB w="12700" cap="flat" cmpd="sng" algn="ctr">
-                      <a:solidFill>
-                        <a:srgbClr val="D9D9E3"/>
-                      </a:solidFill>
-                      <a:prstDash val="solid"/>
-                      <a:round/>
-                      <a:headEnd type="none" w="med" len="med"/>
-                      <a:tailEnd type="none" w="med" len="med"/>
-                    </a:lnB>
-                    <a:solidFill>
-                      <a:srgbClr val="F7F7F8"/>
-                    </a:solidFill>
-                  </a:tcPr>
+                  <a:tcPr anchor="b"/>
                 </a:tc>
                 <a:tc>
                   <a:txBody>
                     <a:bodyPr/>
                     <a:lstStyle/>
                     <a:p>
-                      <a:pPr fontAlgn="b"/>
+                      <a:pPr algn="ctr" fontAlgn="b"/>
                       <a:r>
-                        <a:rPr lang="en-GB" b="1">
-                          <a:effectLst/>
-                          <a:latin typeface="Agency FB" panose="020B0503020202020204" pitchFamily="34" charset="0"/>
+                        <a:rPr lang="en-GB" sz="1050" b="1" i="0" u="none" strike="noStrike" cap="none">
+                          <a:solidFill>
+                            <a:schemeClr val="accent3"/>
+                          </a:solidFill>
+                          <a:latin typeface="Proxima Nova"/>
+                          <a:sym typeface="Proxima Nova"/>
                         </a:rPr>
                         <a:t>T</a:t>
                       </a:r>
                     </a:p>
                   </a:txBody>
-                  <a:tcPr anchor="b">
-                    <a:lnL w="9525" cap="flat" cmpd="sng" algn="ctr">
-                      <a:solidFill>
-                        <a:srgbClr val="D9D9E3"/>
-                      </a:solidFill>
-                      <a:prstDash val="solid"/>
-                      <a:round/>
-                      <a:headEnd type="none" w="med" len="med"/>
-                      <a:tailEnd type="none" w="med" len="med"/>
-                    </a:lnL>
-                    <a:lnR w="9525" cap="flat" cmpd="sng" algn="ctr">
-                      <a:solidFill>
-                        <a:srgbClr val="D9D9E3"/>
-                      </a:solidFill>
-                      <a:prstDash val="solid"/>
-                      <a:round/>
-                      <a:headEnd type="none" w="med" len="med"/>
-                      <a:tailEnd type="none" w="med" len="med"/>
-                    </a:lnR>
-                    <a:lnT w="9525" cap="flat" cmpd="sng" algn="ctr">
-                      <a:solidFill>
-                        <a:srgbClr val="D9D9E3"/>
-                      </a:solidFill>
-                      <a:prstDash val="solid"/>
-                      <a:round/>
-                      <a:headEnd type="none" w="med" len="med"/>
-                      <a:tailEnd type="none" w="med" len="med"/>
-                    </a:lnT>
-                    <a:lnB w="12700" cap="flat" cmpd="sng" algn="ctr">
-                      <a:solidFill>
-                        <a:srgbClr val="D9D9E3"/>
-                      </a:solidFill>
-                      <a:prstDash val="solid"/>
-                      <a:round/>
-                      <a:headEnd type="none" w="med" len="med"/>
-                      <a:tailEnd type="none" w="med" len="med"/>
-                    </a:lnB>
-                    <a:solidFill>
-                      <a:srgbClr val="F7F7F8"/>
-                    </a:solidFill>
-                  </a:tcPr>
+                  <a:tcPr anchor="b"/>
                 </a:tc>
                 <a:tc>
                   <a:txBody>
                     <a:bodyPr/>
                     <a:lstStyle/>
                     <a:p>
-                      <a:pPr fontAlgn="b"/>
+                      <a:pPr algn="ctr" fontAlgn="b"/>
                       <a:r>
-                        <a:rPr lang="en-GB" b="1">
-                          <a:effectLst/>
-                          <a:latin typeface="Agency FB" panose="020B0503020202020204" pitchFamily="34" charset="0"/>
+                        <a:rPr lang="en-GB" sz="1050" b="1" i="0" u="none" strike="noStrike" cap="none">
+                          <a:solidFill>
+                            <a:schemeClr val="accent3"/>
+                          </a:solidFill>
+                          <a:latin typeface="Proxima Nova"/>
+                          <a:sym typeface="Proxima Nova"/>
                         </a:rPr>
                         <a:t>K (CV)</a:t>
                       </a:r>
                     </a:p>
                   </a:txBody>
-                  <a:tcPr anchor="b">
-                    <a:lnL w="9525" cap="flat" cmpd="sng" algn="ctr">
-                      <a:solidFill>
-                        <a:srgbClr val="D9D9E3"/>
-                      </a:solidFill>
-                      <a:prstDash val="solid"/>
-                      <a:round/>
-                      <a:headEnd type="none" w="med" len="med"/>
-                      <a:tailEnd type="none" w="med" len="med"/>
-                    </a:lnL>
-                    <a:lnR w="9525" cap="flat" cmpd="sng" algn="ctr">
-                      <a:solidFill>
-                        <a:srgbClr val="D9D9E3"/>
-                      </a:solidFill>
-                      <a:prstDash val="solid"/>
-                      <a:round/>
-                      <a:headEnd type="none" w="med" len="med"/>
-                      <a:tailEnd type="none" w="med" len="med"/>
-                    </a:lnR>
-                    <a:lnT w="9525" cap="flat" cmpd="sng" algn="ctr">
-                      <a:solidFill>
-                        <a:srgbClr val="D9D9E3"/>
-                      </a:solidFill>
-                      <a:prstDash val="solid"/>
-                      <a:round/>
-                      <a:headEnd type="none" w="med" len="med"/>
-                      <a:tailEnd type="none" w="med" len="med"/>
-                    </a:lnT>
-                    <a:lnB w="12700" cap="flat" cmpd="sng" algn="ctr">
-                      <a:solidFill>
-                        <a:srgbClr val="D9D9E3"/>
-                      </a:solidFill>
-                      <a:prstDash val="solid"/>
-                      <a:round/>
-                      <a:headEnd type="none" w="med" len="med"/>
-                      <a:tailEnd type="none" w="med" len="med"/>
-                    </a:lnB>
-                    <a:solidFill>
-                      <a:srgbClr val="F7F7F8"/>
-                    </a:solidFill>
-                  </a:tcPr>
+                  <a:tcPr anchor="b"/>
                 </a:tc>
                 <a:extLst>
                   <a:ext uri="{0D108BD9-81ED-4DB2-BD59-A6C34878D82A}">
@@ -11832,55 +12379,18 @@
                     <a:p>
                       <a:pPr fontAlgn="base"/>
                       <a:r>
-                        <a:rPr lang="en-GB">
-                          <a:effectLst/>
-                          <a:latin typeface="Agency FB" panose="020B0503020202020204" pitchFamily="34" charset="0"/>
+                        <a:rPr lang="en-GB" sz="1050" b="0" i="0" u="none" strike="noStrike" cap="none">
+                          <a:solidFill>
+                            <a:schemeClr val="accent3"/>
+                          </a:solidFill>
+                          <a:latin typeface="Proxima Nova"/>
+                          <a:sym typeface="Proxima Nova"/>
                         </a:rPr>
-                        <a:t>Best Horizon Run</a:t>
+                        <a:t>Best Horizon</a:t>
                       </a:r>
                     </a:p>
                   </a:txBody>
-                  <a:tcPr anchor="ctr">
-                    <a:lnL w="9525" cap="flat" cmpd="sng" algn="ctr">
-                      <a:solidFill>
-                        <a:srgbClr val="D9D9E3"/>
-                      </a:solidFill>
-                      <a:prstDash val="solid"/>
-                      <a:round/>
-                      <a:headEnd type="none" w="med" len="med"/>
-                      <a:tailEnd type="none" w="med" len="med"/>
-                    </a:lnL>
-                    <a:lnR w="9525" cap="flat" cmpd="sng" algn="ctr">
-                      <a:solidFill>
-                        <a:srgbClr val="D9D9E3"/>
-                      </a:solidFill>
-                      <a:prstDash val="solid"/>
-                      <a:round/>
-                      <a:headEnd type="none" w="med" len="med"/>
-                      <a:tailEnd type="none" w="med" len="med"/>
-                    </a:lnR>
-                    <a:lnT w="12700" cap="flat" cmpd="sng" algn="ctr">
-                      <a:solidFill>
-                        <a:srgbClr val="D9D9E3"/>
-                      </a:solidFill>
-                      <a:prstDash val="solid"/>
-                      <a:round/>
-                      <a:headEnd type="none" w="med" len="med"/>
-                      <a:tailEnd type="none" w="med" len="med"/>
-                    </a:lnT>
-                    <a:lnB w="12700" cap="flat" cmpd="sng" algn="ctr">
-                      <a:solidFill>
-                        <a:srgbClr val="D9D9E3"/>
-                      </a:solidFill>
-                      <a:prstDash val="solid"/>
-                      <a:round/>
-                      <a:headEnd type="none" w="med" len="med"/>
-                      <a:tailEnd type="none" w="med" len="med"/>
-                    </a:lnB>
-                    <a:solidFill>
-                      <a:srgbClr val="F7F7F8"/>
-                    </a:solidFill>
-                  </a:tcPr>
+                  <a:tcPr anchor="ctr"/>
                 </a:tc>
                 <a:tc>
                   <a:txBody>
@@ -11889,55 +12399,18 @@
                     <a:p>
                       <a:pPr fontAlgn="base"/>
                       <a:r>
-                        <a:rPr lang="en-GB" dirty="0">
-                          <a:effectLst/>
-                          <a:latin typeface="Agency FB" panose="020B0503020202020204" pitchFamily="34" charset="0"/>
+                        <a:rPr lang="en-GB" sz="1050" b="0" i="0" u="none" strike="noStrike" cap="none">
+                          <a:solidFill>
+                            <a:schemeClr val="accent3"/>
+                          </a:solidFill>
+                          <a:latin typeface="Proxima Nova"/>
+                          <a:sym typeface="Proxima Nova"/>
                         </a:rPr>
                         <a:t>3000</a:t>
                       </a:r>
                     </a:p>
                   </a:txBody>
-                  <a:tcPr anchor="ctr">
-                    <a:lnL w="9525" cap="flat" cmpd="sng" algn="ctr">
-                      <a:solidFill>
-                        <a:srgbClr val="D9D9E3"/>
-                      </a:solidFill>
-                      <a:prstDash val="solid"/>
-                      <a:round/>
-                      <a:headEnd type="none" w="med" len="med"/>
-                      <a:tailEnd type="none" w="med" len="med"/>
-                    </a:lnL>
-                    <a:lnR w="9525" cap="flat" cmpd="sng" algn="ctr">
-                      <a:solidFill>
-                        <a:srgbClr val="D9D9E3"/>
-                      </a:solidFill>
-                      <a:prstDash val="solid"/>
-                      <a:round/>
-                      <a:headEnd type="none" w="med" len="med"/>
-                      <a:tailEnd type="none" w="med" len="med"/>
-                    </a:lnR>
-                    <a:lnT w="12700" cap="flat" cmpd="sng" algn="ctr">
-                      <a:solidFill>
-                        <a:srgbClr val="D9D9E3"/>
-                      </a:solidFill>
-                      <a:prstDash val="solid"/>
-                      <a:round/>
-                      <a:headEnd type="none" w="med" len="med"/>
-                      <a:tailEnd type="none" w="med" len="med"/>
-                    </a:lnT>
-                    <a:lnB w="12700" cap="flat" cmpd="sng" algn="ctr">
-                      <a:solidFill>
-                        <a:srgbClr val="D9D9E3"/>
-                      </a:solidFill>
-                      <a:prstDash val="solid"/>
-                      <a:round/>
-                      <a:headEnd type="none" w="med" len="med"/>
-                      <a:tailEnd type="none" w="med" len="med"/>
-                    </a:lnB>
-                    <a:solidFill>
-                      <a:srgbClr val="F7F7F8"/>
-                    </a:solidFill>
-                  </a:tcPr>
+                  <a:tcPr anchor="ctr"/>
                 </a:tc>
                 <a:tc>
                   <a:txBody>
@@ -11946,226 +12419,78 @@
                     <a:p>
                       <a:pPr fontAlgn="base"/>
                       <a:r>
-                        <a:rPr lang="en-GB" dirty="0">
-                          <a:effectLst/>
-                          <a:latin typeface="Agency FB" panose="020B0503020202020204" pitchFamily="34" charset="0"/>
+                        <a:rPr lang="en-GB" sz="1050" b="0" i="0" u="none" strike="noStrike" cap="none">
+                          <a:solidFill>
+                            <a:schemeClr val="accent3"/>
+                          </a:solidFill>
+                          <a:latin typeface="Proxima Nova"/>
+                          <a:sym typeface="Proxima Nova"/>
                         </a:rPr>
                         <a:t>cum_volume_500</a:t>
                       </a:r>
                     </a:p>
                   </a:txBody>
-                  <a:tcPr anchor="ctr">
-                    <a:lnL w="9525" cap="flat" cmpd="sng" algn="ctr">
-                      <a:solidFill>
-                        <a:srgbClr val="D9D9E3"/>
-                      </a:solidFill>
-                      <a:prstDash val="solid"/>
-                      <a:round/>
-                      <a:headEnd type="none" w="med" len="med"/>
-                      <a:tailEnd type="none" w="med" len="med"/>
-                    </a:lnL>
-                    <a:lnR w="9525" cap="flat" cmpd="sng" algn="ctr">
-                      <a:solidFill>
-                        <a:srgbClr val="D9D9E3"/>
-                      </a:solidFill>
-                      <a:prstDash val="solid"/>
-                      <a:round/>
-                      <a:headEnd type="none" w="med" len="med"/>
-                      <a:tailEnd type="none" w="med" len="med"/>
-                    </a:lnR>
-                    <a:lnT w="12700" cap="flat" cmpd="sng" algn="ctr">
-                      <a:solidFill>
-                        <a:srgbClr val="D9D9E3"/>
-                      </a:solidFill>
-                      <a:prstDash val="solid"/>
-                      <a:round/>
-                      <a:headEnd type="none" w="med" len="med"/>
-                      <a:tailEnd type="none" w="med" len="med"/>
-                    </a:lnT>
-                    <a:lnB w="12700" cap="flat" cmpd="sng" algn="ctr">
-                      <a:solidFill>
-                        <a:srgbClr val="D9D9E3"/>
-                      </a:solidFill>
-                      <a:prstDash val="solid"/>
-                      <a:round/>
-                      <a:headEnd type="none" w="med" len="med"/>
-                      <a:tailEnd type="none" w="med" len="med"/>
-                    </a:lnB>
-                    <a:solidFill>
-                      <a:srgbClr val="F7F7F8"/>
-                    </a:solidFill>
-                  </a:tcPr>
+                  <a:tcPr anchor="ctr"/>
                 </a:tc>
                 <a:tc>
                   <a:txBody>
                     <a:bodyPr/>
                     <a:lstStyle/>
                     <a:p>
-                      <a:pPr fontAlgn="base"/>
+                      <a:pPr algn="ctr" fontAlgn="base"/>
                       <a:r>
-                        <a:rPr lang="en-GB">
-                          <a:effectLst/>
-                          <a:latin typeface="Agency FB" panose="020B0503020202020204" pitchFamily="34" charset="0"/>
+                        <a:rPr lang="en-GB" sz="1050" b="0" i="0" u="none" strike="noStrike" cap="none">
+                          <a:solidFill>
+                            <a:schemeClr val="accent3"/>
+                          </a:solidFill>
+                          <a:latin typeface="Proxima Nova"/>
+                          <a:sym typeface="Proxima Nova"/>
                         </a:rPr>
                         <a:t>10</a:t>
                       </a:r>
                     </a:p>
                   </a:txBody>
-                  <a:tcPr anchor="ctr">
-                    <a:lnL w="9525" cap="flat" cmpd="sng" algn="ctr">
-                      <a:solidFill>
-                        <a:srgbClr val="D9D9E3"/>
-                      </a:solidFill>
-                      <a:prstDash val="solid"/>
-                      <a:round/>
-                      <a:headEnd type="none" w="med" len="med"/>
-                      <a:tailEnd type="none" w="med" len="med"/>
-                    </a:lnL>
-                    <a:lnR w="9525" cap="flat" cmpd="sng" algn="ctr">
-                      <a:solidFill>
-                        <a:srgbClr val="D9D9E3"/>
-                      </a:solidFill>
-                      <a:prstDash val="solid"/>
-                      <a:round/>
-                      <a:headEnd type="none" w="med" len="med"/>
-                      <a:tailEnd type="none" w="med" len="med"/>
-                    </a:lnR>
-                    <a:lnT w="12700" cap="flat" cmpd="sng" algn="ctr">
-                      <a:solidFill>
-                        <a:srgbClr val="D9D9E3"/>
-                      </a:solidFill>
-                      <a:prstDash val="solid"/>
-                      <a:round/>
-                      <a:headEnd type="none" w="med" len="med"/>
-                      <a:tailEnd type="none" w="med" len="med"/>
-                    </a:lnT>
-                    <a:lnB w="12700" cap="flat" cmpd="sng" algn="ctr">
-                      <a:solidFill>
-                        <a:srgbClr val="D9D9E3"/>
-                      </a:solidFill>
-                      <a:prstDash val="solid"/>
-                      <a:round/>
-                      <a:headEnd type="none" w="med" len="med"/>
-                      <a:tailEnd type="none" w="med" len="med"/>
-                    </a:lnB>
-                    <a:solidFill>
-                      <a:srgbClr val="F7F7F8"/>
-                    </a:solidFill>
-                  </a:tcPr>
+                  <a:tcPr anchor="ctr"/>
                 </a:tc>
                 <a:tc>
                   <a:txBody>
                     <a:bodyPr/>
                     <a:lstStyle/>
                     <a:p>
-                      <a:pPr fontAlgn="base"/>
+                      <a:pPr algn="ctr" fontAlgn="base"/>
                       <a:r>
-                        <a:rPr lang="en-GB">
-                          <a:effectLst/>
-                          <a:latin typeface="Agency FB" panose="020B0503020202020204" pitchFamily="34" charset="0"/>
+                        <a:rPr lang="en-GB" sz="1050" b="0" i="0" u="none" strike="noStrike" cap="none">
+                          <a:solidFill>
+                            <a:schemeClr val="accent3"/>
+                          </a:solidFill>
+                          <a:latin typeface="Proxima Nova"/>
+                          <a:sym typeface="Proxima Nova"/>
                         </a:rPr>
                         <a:t>3</a:t>
                       </a:r>
                     </a:p>
                   </a:txBody>
-                  <a:tcPr anchor="ctr">
-                    <a:lnL w="9525" cap="flat" cmpd="sng" algn="ctr">
-                      <a:solidFill>
-                        <a:srgbClr val="D9D9E3"/>
-                      </a:solidFill>
-                      <a:prstDash val="solid"/>
-                      <a:round/>
-                      <a:headEnd type="none" w="med" len="med"/>
-                      <a:tailEnd type="none" w="med" len="med"/>
-                    </a:lnL>
-                    <a:lnR w="9525" cap="flat" cmpd="sng" algn="ctr">
-                      <a:solidFill>
-                        <a:srgbClr val="D9D9E3"/>
-                      </a:solidFill>
-                      <a:prstDash val="solid"/>
-                      <a:round/>
-                      <a:headEnd type="none" w="med" len="med"/>
-                      <a:tailEnd type="none" w="med" len="med"/>
-                    </a:lnR>
-                    <a:lnT w="12700" cap="flat" cmpd="sng" algn="ctr">
-                      <a:solidFill>
-                        <a:srgbClr val="D9D9E3"/>
-                      </a:solidFill>
-                      <a:prstDash val="solid"/>
-                      <a:round/>
-                      <a:headEnd type="none" w="med" len="med"/>
-                      <a:tailEnd type="none" w="med" len="med"/>
-                    </a:lnT>
-                    <a:lnB w="12700" cap="flat" cmpd="sng" algn="ctr">
-                      <a:solidFill>
-                        <a:srgbClr val="D9D9E3"/>
-                      </a:solidFill>
-                      <a:prstDash val="solid"/>
-                      <a:round/>
-                      <a:headEnd type="none" w="med" len="med"/>
-                      <a:tailEnd type="none" w="med" len="med"/>
-                    </a:lnB>
-                    <a:solidFill>
-                      <a:srgbClr val="F7F7F8"/>
-                    </a:solidFill>
-                  </a:tcPr>
+                  <a:tcPr anchor="ctr"/>
                 </a:tc>
                 <a:tc>
                   <a:txBody>
                     <a:bodyPr/>
                     <a:lstStyle/>
                     <a:p>
-                      <a:pPr fontAlgn="base"/>
+                      <a:pPr algn="ctr" fontAlgn="base"/>
                       <a:r>
-                        <a:rPr lang="en-GB">
-                          <a:effectLst/>
-                          <a:latin typeface="Agency FB" panose="020B0503020202020204" pitchFamily="34" charset="0"/>
+                        <a:rPr lang="en-GB" sz="1050" b="0" i="0" u="none" strike="noStrike" cap="none">
+                          <a:solidFill>
+                            <a:schemeClr val="accent3"/>
+                          </a:solidFill>
+                          <a:latin typeface="Proxima Nova"/>
+                          <a:sym typeface="Proxima Nova"/>
                         </a:rPr>
                         <a:t>5</a:t>
                       </a:r>
                     </a:p>
                   </a:txBody>
-                  <a:tcPr anchor="ctr">
-                    <a:lnL w="9525" cap="flat" cmpd="sng" algn="ctr">
-                      <a:solidFill>
-                        <a:srgbClr val="D9D9E3"/>
-                      </a:solidFill>
-                      <a:prstDash val="solid"/>
-                      <a:round/>
-                      <a:headEnd type="none" w="med" len="med"/>
-                      <a:tailEnd type="none" w="med" len="med"/>
-                    </a:lnL>
-                    <a:lnR w="9525" cap="flat" cmpd="sng" algn="ctr">
-                      <a:solidFill>
-                        <a:srgbClr val="D9D9E3"/>
-                      </a:solidFill>
-                      <a:prstDash val="solid"/>
-                      <a:round/>
-                      <a:headEnd type="none" w="med" len="med"/>
-                      <a:tailEnd type="none" w="med" len="med"/>
-                    </a:lnR>
-                    <a:lnT w="12700" cap="flat" cmpd="sng" algn="ctr">
-                      <a:solidFill>
-                        <a:srgbClr val="D9D9E3"/>
-                      </a:solidFill>
-                      <a:prstDash val="solid"/>
-                      <a:round/>
-                      <a:headEnd type="none" w="med" len="med"/>
-                      <a:tailEnd type="none" w="med" len="med"/>
-                    </a:lnT>
-                    <a:lnB w="12700" cap="flat" cmpd="sng" algn="ctr">
-                      <a:solidFill>
-                        <a:srgbClr val="D9D9E3"/>
-                      </a:solidFill>
-                      <a:prstDash val="solid"/>
-                      <a:round/>
-                      <a:headEnd type="none" w="med" len="med"/>
-                      <a:tailEnd type="none" w="med" len="med"/>
-                    </a:lnB>
-                    <a:solidFill>
-                      <a:srgbClr val="F7F7F8"/>
-                    </a:solidFill>
-                  </a:tcPr>
+                  <a:tcPr anchor="ctr"/>
                 </a:tc>
                 <a:extLst>
                   <a:ext uri="{0D108BD9-81ED-4DB2-BD59-A6C34878D82A}">
@@ -12181,55 +12506,18 @@
                     <a:p>
                       <a:pPr fontAlgn="base"/>
                       <a:r>
-                        <a:rPr lang="en-GB">
-                          <a:effectLst/>
-                          <a:latin typeface="Agency FB" panose="020B0503020202020204" pitchFamily="34" charset="0"/>
+                        <a:rPr lang="en-GB" sz="1050" b="0" i="0" u="none" strike="noStrike" cap="none">
+                          <a:solidFill>
+                            <a:schemeClr val="accent3"/>
+                          </a:solidFill>
+                          <a:latin typeface="Proxima Nova"/>
+                          <a:sym typeface="Proxima Nova"/>
                         </a:rPr>
-                        <a:t>All Horizon Runs</a:t>
+                        <a:t>All Horizon</a:t>
                       </a:r>
                     </a:p>
                   </a:txBody>
-                  <a:tcPr anchor="ctr">
-                    <a:lnL w="9525" cap="flat" cmpd="sng" algn="ctr">
-                      <a:solidFill>
-                        <a:srgbClr val="D9D9E3"/>
-                      </a:solidFill>
-                      <a:prstDash val="solid"/>
-                      <a:round/>
-                      <a:headEnd type="none" w="med" len="med"/>
-                      <a:tailEnd type="none" w="med" len="med"/>
-                    </a:lnL>
-                    <a:lnR w="9525" cap="flat" cmpd="sng" algn="ctr">
-                      <a:solidFill>
-                        <a:srgbClr val="D9D9E3"/>
-                      </a:solidFill>
-                      <a:prstDash val="solid"/>
-                      <a:round/>
-                      <a:headEnd type="none" w="med" len="med"/>
-                      <a:tailEnd type="none" w="med" len="med"/>
-                    </a:lnR>
-                    <a:lnT w="12700" cap="flat" cmpd="sng" algn="ctr">
-                      <a:solidFill>
-                        <a:srgbClr val="D9D9E3"/>
-                      </a:solidFill>
-                      <a:prstDash val="solid"/>
-                      <a:round/>
-                      <a:headEnd type="none" w="med" len="med"/>
-                      <a:tailEnd type="none" w="med" len="med"/>
-                    </a:lnT>
-                    <a:lnB w="9525" cap="flat" cmpd="sng" algn="ctr">
-                      <a:solidFill>
-                        <a:srgbClr val="D9D9E3"/>
-                      </a:solidFill>
-                      <a:prstDash val="solid"/>
-                      <a:round/>
-                      <a:headEnd type="none" w="med" len="med"/>
-                      <a:tailEnd type="none" w="med" len="med"/>
-                    </a:lnB>
-                    <a:solidFill>
-                      <a:srgbClr val="F7F7F8"/>
-                    </a:solidFill>
-                  </a:tcPr>
+                  <a:tcPr anchor="ctr"/>
                 </a:tc>
                 <a:tc>
                   <a:txBody>
@@ -12238,55 +12526,18 @@
                     <a:p>
                       <a:pPr fontAlgn="base"/>
                       <a:r>
-                        <a:rPr lang="en-GB">
-                          <a:effectLst/>
-                          <a:latin typeface="Agency FB" panose="020B0503020202020204" pitchFamily="34" charset="0"/>
+                        <a:rPr lang="en-GB" sz="1050" b="0" i="0" u="none" strike="noStrike" cap="none">
+                          <a:solidFill>
+                            <a:schemeClr val="accent3"/>
+                          </a:solidFill>
+                          <a:latin typeface="Proxima Nova"/>
+                          <a:sym typeface="Proxima Nova"/>
                         </a:rPr>
                         <a:t>3000, 500</a:t>
                       </a:r>
                     </a:p>
                   </a:txBody>
-                  <a:tcPr anchor="ctr">
-                    <a:lnL w="9525" cap="flat" cmpd="sng" algn="ctr">
-                      <a:solidFill>
-                        <a:srgbClr val="D9D9E3"/>
-                      </a:solidFill>
-                      <a:prstDash val="solid"/>
-                      <a:round/>
-                      <a:headEnd type="none" w="med" len="med"/>
-                      <a:tailEnd type="none" w="med" len="med"/>
-                    </a:lnL>
-                    <a:lnR w="9525" cap="flat" cmpd="sng" algn="ctr">
-                      <a:solidFill>
-                        <a:srgbClr val="D9D9E3"/>
-                      </a:solidFill>
-                      <a:prstDash val="solid"/>
-                      <a:round/>
-                      <a:headEnd type="none" w="med" len="med"/>
-                      <a:tailEnd type="none" w="med" len="med"/>
-                    </a:lnR>
-                    <a:lnT w="12700" cap="flat" cmpd="sng" algn="ctr">
-                      <a:solidFill>
-                        <a:srgbClr val="D9D9E3"/>
-                      </a:solidFill>
-                      <a:prstDash val="solid"/>
-                      <a:round/>
-                      <a:headEnd type="none" w="med" len="med"/>
-                      <a:tailEnd type="none" w="med" len="med"/>
-                    </a:lnT>
-                    <a:lnB w="9525" cap="flat" cmpd="sng" algn="ctr">
-                      <a:solidFill>
-                        <a:srgbClr val="D9D9E3"/>
-                      </a:solidFill>
-                      <a:prstDash val="solid"/>
-                      <a:round/>
-                      <a:headEnd type="none" w="med" len="med"/>
-                      <a:tailEnd type="none" w="med" len="med"/>
-                    </a:lnB>
-                    <a:solidFill>
-                      <a:srgbClr val="F7F7F8"/>
-                    </a:solidFill>
-                  </a:tcPr>
+                  <a:tcPr anchor="ctr"/>
                 </a:tc>
                 <a:tc>
                   <a:txBody>
@@ -12295,226 +12546,78 @@
                     <a:p>
                       <a:pPr fontAlgn="base"/>
                       <a:r>
-                        <a:rPr lang="pt-BR">
-                          <a:effectLst/>
-                          <a:latin typeface="Agency FB" panose="020B0503020202020204" pitchFamily="34" charset="0"/>
+                        <a:rPr lang="pt-BR" sz="1050" b="0" i="0" u="none" strike="noStrike" cap="none">
+                          <a:solidFill>
+                            <a:schemeClr val="accent3"/>
+                          </a:solidFill>
+                          <a:latin typeface="Proxima Nova"/>
+                          <a:sym typeface="Proxima Nova"/>
                         </a:rPr>
                         <a:t>cum_volume_500, cum_volume_3000, cum_volume_both</a:t>
                       </a:r>
                     </a:p>
                   </a:txBody>
-                  <a:tcPr anchor="ctr">
-                    <a:lnL w="9525" cap="flat" cmpd="sng" algn="ctr">
-                      <a:solidFill>
-                        <a:srgbClr val="D9D9E3"/>
-                      </a:solidFill>
-                      <a:prstDash val="solid"/>
-                      <a:round/>
-                      <a:headEnd type="none" w="med" len="med"/>
-                      <a:tailEnd type="none" w="med" len="med"/>
-                    </a:lnL>
-                    <a:lnR w="9525" cap="flat" cmpd="sng" algn="ctr">
-                      <a:solidFill>
-                        <a:srgbClr val="D9D9E3"/>
-                      </a:solidFill>
-                      <a:prstDash val="solid"/>
-                      <a:round/>
-                      <a:headEnd type="none" w="med" len="med"/>
-                      <a:tailEnd type="none" w="med" len="med"/>
-                    </a:lnR>
-                    <a:lnT w="12700" cap="flat" cmpd="sng" algn="ctr">
-                      <a:solidFill>
-                        <a:srgbClr val="D9D9E3"/>
-                      </a:solidFill>
-                      <a:prstDash val="solid"/>
-                      <a:round/>
-                      <a:headEnd type="none" w="med" len="med"/>
-                      <a:tailEnd type="none" w="med" len="med"/>
-                    </a:lnT>
-                    <a:lnB w="9525" cap="flat" cmpd="sng" algn="ctr">
-                      <a:solidFill>
-                        <a:srgbClr val="D9D9E3"/>
-                      </a:solidFill>
-                      <a:prstDash val="solid"/>
-                      <a:round/>
-                      <a:headEnd type="none" w="med" len="med"/>
-                      <a:tailEnd type="none" w="med" len="med"/>
-                    </a:lnB>
-                    <a:solidFill>
-                      <a:srgbClr val="F7F7F8"/>
-                    </a:solidFill>
-                  </a:tcPr>
+                  <a:tcPr anchor="ctr"/>
                 </a:tc>
                 <a:tc>
                   <a:txBody>
                     <a:bodyPr/>
                     <a:lstStyle/>
                     <a:p>
-                      <a:pPr fontAlgn="base"/>
+                      <a:pPr algn="ctr" fontAlgn="base"/>
                       <a:r>
-                        <a:rPr lang="en-GB" dirty="0">
-                          <a:effectLst/>
-                          <a:latin typeface="Agency FB" panose="020B0503020202020204" pitchFamily="34" charset="0"/>
+                        <a:rPr lang="en-GB" sz="1050" b="0" i="0" u="none" strike="noStrike" cap="none">
+                          <a:solidFill>
+                            <a:schemeClr val="accent3"/>
+                          </a:solidFill>
+                          <a:latin typeface="Proxima Nova"/>
+                          <a:sym typeface="Proxima Nova"/>
                         </a:rPr>
                         <a:t>10</a:t>
                       </a:r>
                     </a:p>
                   </a:txBody>
-                  <a:tcPr anchor="ctr">
-                    <a:lnL w="9525" cap="flat" cmpd="sng" algn="ctr">
-                      <a:solidFill>
-                        <a:srgbClr val="D9D9E3"/>
-                      </a:solidFill>
-                      <a:prstDash val="solid"/>
-                      <a:round/>
-                      <a:headEnd type="none" w="med" len="med"/>
-                      <a:tailEnd type="none" w="med" len="med"/>
-                    </a:lnL>
-                    <a:lnR w="9525" cap="flat" cmpd="sng" algn="ctr">
-                      <a:solidFill>
-                        <a:srgbClr val="D9D9E3"/>
-                      </a:solidFill>
-                      <a:prstDash val="solid"/>
-                      <a:round/>
-                      <a:headEnd type="none" w="med" len="med"/>
-                      <a:tailEnd type="none" w="med" len="med"/>
-                    </a:lnR>
-                    <a:lnT w="12700" cap="flat" cmpd="sng" algn="ctr">
-                      <a:solidFill>
-                        <a:srgbClr val="D9D9E3"/>
-                      </a:solidFill>
-                      <a:prstDash val="solid"/>
-                      <a:round/>
-                      <a:headEnd type="none" w="med" len="med"/>
-                      <a:tailEnd type="none" w="med" len="med"/>
-                    </a:lnT>
-                    <a:lnB w="9525" cap="flat" cmpd="sng" algn="ctr">
-                      <a:solidFill>
-                        <a:srgbClr val="D9D9E3"/>
-                      </a:solidFill>
-                      <a:prstDash val="solid"/>
-                      <a:round/>
-                      <a:headEnd type="none" w="med" len="med"/>
-                      <a:tailEnd type="none" w="med" len="med"/>
-                    </a:lnB>
-                    <a:solidFill>
-                      <a:srgbClr val="F7F7F8"/>
-                    </a:solidFill>
-                  </a:tcPr>
+                  <a:tcPr anchor="ctr"/>
                 </a:tc>
                 <a:tc>
                   <a:txBody>
                     <a:bodyPr/>
                     <a:lstStyle/>
                     <a:p>
-                      <a:pPr fontAlgn="base"/>
+                      <a:pPr algn="ctr" fontAlgn="base"/>
                       <a:r>
-                        <a:rPr lang="en-GB">
-                          <a:effectLst/>
-                          <a:latin typeface="Agency FB" panose="020B0503020202020204" pitchFamily="34" charset="0"/>
+                        <a:rPr lang="en-GB" sz="1050" b="0" i="0" u="none" strike="noStrike" cap="none">
+                          <a:solidFill>
+                            <a:schemeClr val="accent3"/>
+                          </a:solidFill>
+                          <a:latin typeface="Proxima Nova"/>
+                          <a:sym typeface="Proxima Nova"/>
                         </a:rPr>
                         <a:t>3</a:t>
                       </a:r>
                     </a:p>
                   </a:txBody>
-                  <a:tcPr anchor="ctr">
-                    <a:lnL w="9525" cap="flat" cmpd="sng" algn="ctr">
-                      <a:solidFill>
-                        <a:srgbClr val="D9D9E3"/>
-                      </a:solidFill>
-                      <a:prstDash val="solid"/>
-                      <a:round/>
-                      <a:headEnd type="none" w="med" len="med"/>
-                      <a:tailEnd type="none" w="med" len="med"/>
-                    </a:lnL>
-                    <a:lnR w="9525" cap="flat" cmpd="sng" algn="ctr">
-                      <a:solidFill>
-                        <a:srgbClr val="D9D9E3"/>
-                      </a:solidFill>
-                      <a:prstDash val="solid"/>
-                      <a:round/>
-                      <a:headEnd type="none" w="med" len="med"/>
-                      <a:tailEnd type="none" w="med" len="med"/>
-                    </a:lnR>
-                    <a:lnT w="12700" cap="flat" cmpd="sng" algn="ctr">
-                      <a:solidFill>
-                        <a:srgbClr val="D9D9E3"/>
-                      </a:solidFill>
-                      <a:prstDash val="solid"/>
-                      <a:round/>
-                      <a:headEnd type="none" w="med" len="med"/>
-                      <a:tailEnd type="none" w="med" len="med"/>
-                    </a:lnT>
-                    <a:lnB w="9525" cap="flat" cmpd="sng" algn="ctr">
-                      <a:solidFill>
-                        <a:srgbClr val="D9D9E3"/>
-                      </a:solidFill>
-                      <a:prstDash val="solid"/>
-                      <a:round/>
-                      <a:headEnd type="none" w="med" len="med"/>
-                      <a:tailEnd type="none" w="med" len="med"/>
-                    </a:lnB>
-                    <a:solidFill>
-                      <a:srgbClr val="F7F7F8"/>
-                    </a:solidFill>
-                  </a:tcPr>
+                  <a:tcPr anchor="ctr"/>
                 </a:tc>
                 <a:tc>
                   <a:txBody>
                     <a:bodyPr/>
                     <a:lstStyle/>
                     <a:p>
-                      <a:pPr fontAlgn="base"/>
+                      <a:pPr algn="ctr" fontAlgn="base"/>
                       <a:r>
-                        <a:rPr lang="en-GB" dirty="0">
-                          <a:effectLst/>
-                          <a:latin typeface="Agency FB" panose="020B0503020202020204" pitchFamily="34" charset="0"/>
+                        <a:rPr lang="en-GB" sz="1050" b="0" i="0" u="none" strike="noStrike" cap="none">
+                          <a:solidFill>
+                            <a:schemeClr val="accent3"/>
+                          </a:solidFill>
+                          <a:latin typeface="Proxima Nova"/>
+                          <a:sym typeface="Proxima Nova"/>
                         </a:rPr>
                         <a:t>5</a:t>
                       </a:r>
                     </a:p>
                   </a:txBody>
-                  <a:tcPr anchor="ctr">
-                    <a:lnL w="9525" cap="flat" cmpd="sng" algn="ctr">
-                      <a:solidFill>
-                        <a:srgbClr val="D9D9E3"/>
-                      </a:solidFill>
-                      <a:prstDash val="solid"/>
-                      <a:round/>
-                      <a:headEnd type="none" w="med" len="med"/>
-                      <a:tailEnd type="none" w="med" len="med"/>
-                    </a:lnL>
-                    <a:lnR w="9525" cap="flat" cmpd="sng" algn="ctr">
-                      <a:solidFill>
-                        <a:srgbClr val="D9D9E3"/>
-                      </a:solidFill>
-                      <a:prstDash val="solid"/>
-                      <a:round/>
-                      <a:headEnd type="none" w="med" len="med"/>
-                      <a:tailEnd type="none" w="med" len="med"/>
-                    </a:lnR>
-                    <a:lnT w="12700" cap="flat" cmpd="sng" algn="ctr">
-                      <a:solidFill>
-                        <a:srgbClr val="D9D9E3"/>
-                      </a:solidFill>
-                      <a:prstDash val="solid"/>
-                      <a:round/>
-                      <a:headEnd type="none" w="med" len="med"/>
-                      <a:tailEnd type="none" w="med" len="med"/>
-                    </a:lnT>
-                    <a:lnB w="9525" cap="flat" cmpd="sng" algn="ctr">
-                      <a:solidFill>
-                        <a:srgbClr val="D9D9E3"/>
-                      </a:solidFill>
-                      <a:prstDash val="solid"/>
-                      <a:round/>
-                      <a:headEnd type="none" w="med" len="med"/>
-                      <a:tailEnd type="none" w="med" len="med"/>
-                    </a:lnB>
-                    <a:solidFill>
-                      <a:srgbClr val="F7F7F8"/>
-                    </a:solidFill>
-                  </a:tcPr>
+                  <a:tcPr anchor="ctr"/>
                 </a:tc>
                 <a:extLst>
                   <a:ext uri="{0D108BD9-81ED-4DB2-BD59-A6C34878D82A}">
@@ -12541,7 +12644,7 @@
         <p:spPr>
           <a:xfrm>
             <a:off x="126812" y="3366422"/>
-            <a:ext cx="4707096" cy="1600438"/>
+            <a:ext cx="4518787" cy="1600438"/>
           </a:xfrm>
           <a:prstGeom prst="rect">
             <a:avLst/>
@@ -12568,7 +12671,7 @@
           <a:lstStyle/>
           <a:p>
             <a:r>
-              <a:rPr lang="en-GB" sz="1400" b="1" dirty="0">
+              <a:rPr lang="en-GB" sz="1400" b="1">
                 <a:solidFill>
                   <a:schemeClr val="accent3"/>
                 </a:solidFill>
@@ -12576,7 +12679,7 @@
               </a:rPr>
               <a:t>Future Research Recommendations</a:t>
             </a:r>
-            <a:endParaRPr lang="en-GB" sz="1400" b="1" dirty="0">
+            <a:endParaRPr lang="en-GB" sz="1400" b="1">
               <a:solidFill>
                 <a:schemeClr val="accent3"/>
               </a:solidFill>
@@ -12590,7 +12693,7 @@
               <a:buChar char="-"/>
             </a:pPr>
             <a:r>
-              <a:rPr lang="en-GB" sz="1200" dirty="0">
+              <a:rPr lang="en-GB" sz="1200">
                 <a:solidFill>
                   <a:schemeClr val="accent3"/>
                 </a:solidFill>
@@ -12605,7 +12708,7 @@
               <a:buChar char="-"/>
             </a:pPr>
             <a:r>
-              <a:rPr lang="en-GB" sz="1200" dirty="0">
+              <a:rPr lang="en-GB" sz="1200">
                 <a:solidFill>
                   <a:schemeClr val="accent3"/>
                 </a:solidFill>
@@ -12620,7 +12723,7 @@
               <a:buChar char="-"/>
             </a:pPr>
             <a:r>
-              <a:rPr lang="en-GB" sz="1200" dirty="0">
+              <a:rPr lang="en-GB" sz="1200">
                 <a:solidFill>
                   <a:schemeClr val="accent3"/>
                 </a:solidFill>
@@ -12635,7 +12738,7 @@
               <a:buChar char="-"/>
             </a:pPr>
             <a:r>
-              <a:rPr lang="en-GB" sz="1200" dirty="0">
+              <a:rPr lang="en-GB" sz="1200">
                 <a:solidFill>
                   <a:schemeClr val="accent3"/>
                 </a:solidFill>
@@ -12650,7 +12753,7 @@
               <a:buChar char="-"/>
             </a:pPr>
             <a:r>
-              <a:rPr lang="en-GB" sz="1200" dirty="0">
+              <a:rPr lang="en-GB" sz="1200">
                 <a:solidFill>
                   <a:schemeClr val="accent3"/>
                 </a:solidFill>
@@ -12665,7 +12768,7 @@
               <a:buChar char="-"/>
             </a:pPr>
             <a:r>
-              <a:rPr lang="en-GB" sz="1200" dirty="0" err="1">
+              <a:rPr lang="en-GB" sz="1200" err="1">
                 <a:solidFill>
                   <a:schemeClr val="accent3"/>
                 </a:solidFill>
@@ -12674,7 +12777,7 @@
               <a:t>Analyze</a:t>
             </a:r>
             <a:r>
-              <a:rPr lang="en-GB" sz="1200" dirty="0">
+              <a:rPr lang="en-GB" sz="1200">
                 <a:solidFill>
                   <a:schemeClr val="accent3"/>
                 </a:solidFill>
@@ -12726,7 +12829,7 @@
               <a:buNone/>
             </a:pPr>
             <a:r>
-              <a:rPr lang="en" sz="1000" dirty="0">
+              <a:rPr lang="en" sz="1000">
                 <a:latin typeface="Proxima Nova"/>
                 <a:ea typeface="Proxima Nova"/>
                 <a:cs typeface="Proxima Nova"/>
@@ -12734,6 +12837,520 @@
               </a:rPr>
               <a:t>Run Parameters for Replicability</a:t>
             </a:r>
+          </a:p>
+        </p:txBody>
+      </p:sp>
+    </p:spTree>
+  </p:cSld>
+  <p:clrMapOvr>
+    <a:masterClrMapping/>
+  </p:clrMapOvr>
+</p:sld>
+</file>
+
+<file path=ppt/slides/slide16.xml><?xml version="1.0" encoding="utf-8"?>
+<p:sld xmlns:a="http://schemas.openxmlformats.org/drawingml/2006/main" xmlns:r="http://schemas.openxmlformats.org/officeDocument/2006/relationships" xmlns:p="http://schemas.openxmlformats.org/presentationml/2006/main">
+  <p:cSld>
+    <p:spTree>
+      <p:nvGrpSpPr>
+        <p:cNvPr id="1" name="Shape 177"/>
+        <p:cNvGrpSpPr/>
+        <p:nvPr/>
+      </p:nvGrpSpPr>
+      <p:grpSpPr>
+        <a:xfrm>
+          <a:off x="0" y="0"/>
+          <a:ext cx="0" cy="0"/>
+          <a:chOff x="0" y="0"/>
+          <a:chExt cx="0" cy="0"/>
+        </a:xfrm>
+      </p:grpSpPr>
+      <p:sp>
+        <p:nvSpPr>
+          <p:cNvPr id="178" name="Google Shape;178;p30"/>
+          <p:cNvSpPr txBox="1">
+            <a:spLocks noGrp="1"/>
+          </p:cNvSpPr>
+          <p:nvPr>
+            <p:ph type="title"/>
+          </p:nvPr>
+        </p:nvSpPr>
+        <p:spPr>
+          <a:xfrm>
+            <a:off x="311700" y="445025"/>
+            <a:ext cx="8520600" cy="572700"/>
+          </a:xfrm>
+          <a:prstGeom prst="rect">
+            <a:avLst/>
+          </a:prstGeom>
+          <a:noFill/>
+          <a:ln>
+            <a:noFill/>
+          </a:ln>
+        </p:spPr>
+        <p:txBody>
+          <a:bodyPr spcFirstLastPara="1" wrap="square" lIns="91425" tIns="91425" rIns="91425" bIns="91425" anchor="t" anchorCtr="0">
+            <a:normAutofit/>
+          </a:bodyPr>
+          <a:lstStyle/>
+          <a:p>
+            <a:r>
+              <a:rPr lang="en" sz="2400" b="1"/>
+              <a:t>References</a:t>
+            </a:r>
+            <a:endParaRPr sz="2400" b="1"/>
+          </a:p>
+        </p:txBody>
+      </p:sp>
+      <p:sp>
+        <p:nvSpPr>
+          <p:cNvPr id="179" name="Google Shape;179;p30"/>
+          <p:cNvSpPr txBox="1">
+            <a:spLocks noGrp="1"/>
+          </p:cNvSpPr>
+          <p:nvPr>
+            <p:ph type="body" idx="1"/>
+          </p:nvPr>
+        </p:nvSpPr>
+        <p:spPr>
+          <a:xfrm>
+            <a:off x="311700" y="1017725"/>
+            <a:ext cx="8520600" cy="4125900"/>
+          </a:xfrm>
+          <a:prstGeom prst="rect">
+            <a:avLst/>
+          </a:prstGeom>
+        </p:spPr>
+        <p:txBody>
+          <a:bodyPr spcFirstLastPara="1" wrap="square" lIns="91425" tIns="91425" rIns="91425" bIns="91425" anchor="t" anchorCtr="0">
+            <a:normAutofit/>
+          </a:bodyPr>
+          <a:lstStyle/>
+          <a:p>
+            <a:pPr marL="0" lvl="0" indent="0" algn="l" rtl="0">
+              <a:spcBef>
+                <a:spcPts val="0"/>
+              </a:spcBef>
+              <a:spcAft>
+                <a:spcPts val="0"/>
+              </a:spcAft>
+              <a:buNone/>
+            </a:pPr>
+            <a:r>
+              <a:rPr lang="en-GB" sz="1100"/>
+              <a:t>Andreas A Aigner and Gurvinder Dhaliwal. </a:t>
+            </a:r>
+            <a:r>
+              <a:rPr lang="en-GB" sz="1100" err="1"/>
+              <a:t>Uniswap</a:t>
+            </a:r>
+            <a:r>
+              <a:rPr lang="en-GB" sz="1100"/>
+              <a:t>: Impermanent loss and risk profile of a liquidity provider, 2021. </a:t>
+            </a:r>
+            <a:r>
+              <a:rPr lang="en-GB" sz="1100">
+                <a:hlinkClick r:id="rId3"/>
+              </a:rPr>
+              <a:t>https://github.com/atiselsts/uniswap-v3-liquidity-math/blob/</a:t>
+            </a:r>
+            <a:r>
+              <a:rPr lang="en-GB" sz="1100"/>
+              <a:t>.</a:t>
+            </a:r>
+          </a:p>
+          <a:p>
+            <a:pPr marL="0" lvl="0" indent="0" algn="l" rtl="0">
+              <a:spcBef>
+                <a:spcPts val="0"/>
+              </a:spcBef>
+              <a:spcAft>
+                <a:spcPts val="0"/>
+              </a:spcAft>
+              <a:buNone/>
+            </a:pPr>
+            <a:endParaRPr lang="en-GB" sz="1100"/>
+          </a:p>
+          <a:p>
+            <a:pPr marL="0" lvl="0" indent="0" algn="l" rtl="0">
+              <a:spcBef>
+                <a:spcPts val="0"/>
+              </a:spcBef>
+              <a:spcAft>
+                <a:spcPts val="0"/>
+              </a:spcAft>
+              <a:buNone/>
+            </a:pPr>
+            <a:r>
+              <a:rPr lang="en-GB" sz="1100" err="1"/>
+              <a:t>Atis</a:t>
+            </a:r>
+            <a:r>
+              <a:rPr lang="en-GB" sz="1100"/>
+              <a:t> </a:t>
+            </a:r>
+            <a:r>
+              <a:rPr lang="en-GB" sz="1100" err="1"/>
+              <a:t>Elsts</a:t>
+            </a:r>
+            <a:r>
+              <a:rPr lang="en-GB" sz="1100"/>
+              <a:t>. Liquidity math in </a:t>
+            </a:r>
+            <a:r>
+              <a:rPr lang="en-GB" sz="1100" err="1"/>
+              <a:t>uniswap</a:t>
+            </a:r>
+            <a:r>
+              <a:rPr lang="en-GB" sz="1100"/>
+              <a:t> v3 technical note, 2021. </a:t>
+            </a:r>
+          </a:p>
+          <a:p>
+            <a:pPr marL="0" lvl="0" indent="0" algn="l" rtl="0">
+              <a:spcBef>
+                <a:spcPts val="0"/>
+              </a:spcBef>
+              <a:spcAft>
+                <a:spcPts val="0"/>
+              </a:spcAft>
+              <a:buNone/>
+            </a:pPr>
+            <a:r>
+              <a:rPr lang="en-GB" sz="1100">
+                <a:hlinkClick r:id="rId3"/>
+              </a:rPr>
+              <a:t>https://github.com/atiselsts/uniswap-v3-liquidity-math/blob/</a:t>
+            </a:r>
+            <a:r>
+              <a:rPr lang="en-GB" sz="1100"/>
+              <a:t>.</a:t>
+            </a:r>
+          </a:p>
+          <a:p>
+            <a:pPr marL="0" lvl="0" indent="0" algn="l" rtl="0">
+              <a:spcBef>
+                <a:spcPts val="0"/>
+              </a:spcBef>
+              <a:spcAft>
+                <a:spcPts val="0"/>
+              </a:spcAft>
+              <a:buNone/>
+            </a:pPr>
+            <a:endParaRPr lang="en-GB" sz="1100"/>
+          </a:p>
+          <a:p>
+            <a:pPr marL="0" lvl="0" indent="0" algn="l" rtl="0">
+              <a:spcBef>
+                <a:spcPts val="0"/>
+              </a:spcBef>
+              <a:spcAft>
+                <a:spcPts val="0"/>
+              </a:spcAft>
+              <a:buNone/>
+            </a:pPr>
+            <a:r>
+              <a:rPr lang="en-GB" sz="1100" err="1"/>
+              <a:t>Lioba</a:t>
+            </a:r>
+            <a:r>
+              <a:rPr lang="en-GB" sz="1100"/>
+              <a:t> </a:t>
+            </a:r>
+            <a:r>
+              <a:rPr lang="en-GB" sz="1100" err="1"/>
+              <a:t>Heimbach</a:t>
+            </a:r>
+            <a:r>
+              <a:rPr lang="en-GB" sz="1100"/>
+              <a:t>, Eric </a:t>
+            </a:r>
+            <a:r>
+              <a:rPr lang="en-GB" sz="1100" err="1"/>
+              <a:t>Schertenleib</a:t>
+            </a:r>
+            <a:r>
+              <a:rPr lang="en-GB" sz="1100"/>
+              <a:t>, and Roger </a:t>
+            </a:r>
+            <a:r>
+              <a:rPr lang="en-GB" sz="1100" err="1"/>
+              <a:t>Wattenhofer</a:t>
+            </a:r>
+            <a:r>
+              <a:rPr lang="en-GB" sz="1100"/>
+              <a:t>. Risks and returns of </a:t>
+            </a:r>
+            <a:r>
+              <a:rPr lang="en-GB" sz="1100" err="1"/>
+              <a:t>uniswap</a:t>
+            </a:r>
+            <a:r>
+              <a:rPr lang="en-GB" sz="1100"/>
+              <a:t> v3 liquidity providers. 2022. </a:t>
+            </a:r>
+          </a:p>
+          <a:p>
+            <a:pPr marL="0" lvl="0" indent="0" algn="l" rtl="0">
+              <a:spcBef>
+                <a:spcPts val="0"/>
+              </a:spcBef>
+              <a:spcAft>
+                <a:spcPts val="0"/>
+              </a:spcAft>
+              <a:buNone/>
+            </a:pPr>
+            <a:r>
+              <a:rPr lang="en-GB" sz="1100">
+                <a:hlinkClick r:id="rId4"/>
+              </a:rPr>
+              <a:t>http://arxiv.org/abs/2205.08904http://dx.doi.org/10.1145/3558535.3559772</a:t>
+            </a:r>
+            <a:r>
+              <a:rPr lang="en-GB" sz="1100"/>
+              <a:t>.</a:t>
+            </a:r>
+          </a:p>
+          <a:p>
+            <a:pPr marL="0" lvl="0" indent="0" algn="l" rtl="0">
+              <a:spcBef>
+                <a:spcPts val="0"/>
+              </a:spcBef>
+              <a:spcAft>
+                <a:spcPts val="0"/>
+              </a:spcAft>
+              <a:buNone/>
+            </a:pPr>
+            <a:endParaRPr lang="en-GB" sz="1100"/>
+          </a:p>
+          <a:p>
+            <a:pPr marL="0" lvl="0" indent="0" algn="l" rtl="0">
+              <a:spcBef>
+                <a:spcPts val="0"/>
+              </a:spcBef>
+              <a:spcAft>
+                <a:spcPts val="0"/>
+              </a:spcAft>
+              <a:buNone/>
+            </a:pPr>
+            <a:r>
+              <a:rPr lang="en-GB" sz="1100"/>
+              <a:t>Igor Makarov. Cryptocurrencies and decentralized finance (defi), 2022.</a:t>
+            </a:r>
+          </a:p>
+          <a:p>
+            <a:pPr marL="0" lvl="0" indent="0" algn="l" rtl="0">
+              <a:spcBef>
+                <a:spcPts val="0"/>
+              </a:spcBef>
+              <a:spcAft>
+                <a:spcPts val="0"/>
+              </a:spcAft>
+              <a:buNone/>
+            </a:pPr>
+            <a:r>
+              <a:rPr lang="en-GB" sz="1100"/>
+              <a:t>Deborah </a:t>
+            </a:r>
+            <a:r>
+              <a:rPr lang="en-GB" sz="1100" err="1"/>
+              <a:t>Miori</a:t>
+            </a:r>
+            <a:r>
+              <a:rPr lang="en-GB" sz="1100"/>
+              <a:t>, Mihai </a:t>
+            </a:r>
+            <a:r>
+              <a:rPr lang="en-GB" sz="1100" err="1"/>
+              <a:t>Cucuringu</a:t>
+            </a:r>
+            <a:r>
+              <a:rPr lang="en-GB" sz="1100"/>
+              <a:t>. Defi: data-driven characterisation of </a:t>
+            </a:r>
+            <a:r>
+              <a:rPr lang="en-GB" sz="1100" err="1"/>
+              <a:t>uniswap</a:t>
+            </a:r>
+            <a:r>
+              <a:rPr lang="en-GB" sz="1100"/>
+              <a:t> v3 ecosystem an ideal crypto law for liquidity pools. 2022. </a:t>
+            </a:r>
+          </a:p>
+          <a:p>
+            <a:pPr marL="0" lvl="0" indent="0" algn="l" rtl="0">
+              <a:spcBef>
+                <a:spcPts val="0"/>
+              </a:spcBef>
+              <a:spcAft>
+                <a:spcPts val="0"/>
+              </a:spcAft>
+              <a:buNone/>
+            </a:pPr>
+            <a:r>
+              <a:rPr lang="en-GB" sz="1100">
+                <a:hlinkClick r:id="rId5"/>
+              </a:rPr>
+              <a:t>http://arxiv.org/abs/2301.13009</a:t>
+            </a:r>
+            <a:r>
+              <a:rPr lang="en-GB" sz="1100"/>
+              <a:t>.</a:t>
+            </a:r>
+          </a:p>
+          <a:p>
+            <a:pPr marL="0" lvl="0" indent="0" algn="l" rtl="0">
+              <a:spcBef>
+                <a:spcPts val="0"/>
+              </a:spcBef>
+              <a:spcAft>
+                <a:spcPts val="0"/>
+              </a:spcAft>
+              <a:buNone/>
+            </a:pPr>
+            <a:endParaRPr lang="en-GB" sz="1100"/>
+          </a:p>
+          <a:p>
+            <a:pPr marL="0" lvl="0" indent="0" algn="l" rtl="0">
+              <a:spcBef>
+                <a:spcPts val="0"/>
+              </a:spcBef>
+              <a:spcAft>
+                <a:spcPts val="0"/>
+              </a:spcAft>
+              <a:buNone/>
+            </a:pPr>
+            <a:r>
+              <a:rPr lang="en-GB" sz="1100"/>
+              <a:t>Deborah </a:t>
+            </a:r>
+            <a:r>
+              <a:rPr lang="en-GB" sz="1100" err="1"/>
+              <a:t>Miori</a:t>
+            </a:r>
+            <a:r>
+              <a:rPr lang="en-GB" sz="1100"/>
+              <a:t> and Mihai </a:t>
+            </a:r>
+            <a:r>
+              <a:rPr lang="en-GB" sz="1100" err="1"/>
+              <a:t>Cucuringu</a:t>
+            </a:r>
+            <a:r>
+              <a:rPr lang="en-GB" sz="1100"/>
+              <a:t>. Defi: </a:t>
+            </a:r>
+            <a:r>
+              <a:rPr lang="en-GB" sz="1100" err="1"/>
+              <a:t>modeling</a:t>
+            </a:r>
+            <a:r>
+              <a:rPr lang="en-GB" sz="1100"/>
+              <a:t> and forecasting trading volume on </a:t>
+            </a:r>
+            <a:r>
+              <a:rPr lang="en-GB" sz="1100" err="1"/>
+              <a:t>uniswap</a:t>
+            </a:r>
+            <a:r>
+              <a:rPr lang="en-GB" sz="1100"/>
+              <a:t> v3 liquidity pools, 2023. </a:t>
+            </a:r>
+          </a:p>
+          <a:p>
+            <a:pPr marL="0" lvl="0" indent="0" algn="l" rtl="0">
+              <a:spcBef>
+                <a:spcPts val="0"/>
+              </a:spcBef>
+              <a:spcAft>
+                <a:spcPts val="0"/>
+              </a:spcAft>
+              <a:buNone/>
+            </a:pPr>
+            <a:r>
+              <a:rPr lang="en-GB" sz="1100">
+                <a:hlinkClick r:id="rId6"/>
+              </a:rPr>
+              <a:t>https://ssrn.com/abstract=4445351</a:t>
+            </a:r>
+            <a:r>
+              <a:rPr lang="en-GB" sz="1100"/>
+              <a:t> </a:t>
+            </a:r>
+          </a:p>
+          <a:p>
+            <a:pPr marL="0" lvl="0" indent="0" algn="l" rtl="0">
+              <a:spcBef>
+                <a:spcPts val="0"/>
+              </a:spcBef>
+              <a:spcAft>
+                <a:spcPts val="0"/>
+              </a:spcAft>
+              <a:buNone/>
+            </a:pPr>
+            <a:r>
+              <a:rPr lang="en-GB" sz="1100" i="1"/>
+              <a:t>Note: This project is inspired by the above paper, from which the main methodology is borrowed, replicated, and expanded.</a:t>
+            </a:r>
+          </a:p>
+          <a:p>
+            <a:pPr marL="0" lvl="0" indent="0" algn="l" rtl="0">
+              <a:spcBef>
+                <a:spcPts val="0"/>
+              </a:spcBef>
+              <a:spcAft>
+                <a:spcPts val="0"/>
+              </a:spcAft>
+              <a:buNone/>
+            </a:pPr>
+            <a:endParaRPr lang="en-GB" sz="1100"/>
+          </a:p>
+          <a:p>
+            <a:pPr marL="0" indent="0">
+              <a:lnSpc>
+                <a:spcPct val="125000"/>
+              </a:lnSpc>
+              <a:buNone/>
+            </a:pPr>
+            <a:r>
+              <a:rPr lang="en-GB" sz="1100" err="1"/>
+              <a:t>Jiahua</a:t>
+            </a:r>
+            <a:r>
+              <a:rPr lang="en-GB" sz="1100"/>
+              <a:t> Xu and Yebo Feng. Reap the harvest on blockchain: A survey of yield farming protocols. IEEE Transactions on Network and Service Management, 20:858–869, 3 2023.</a:t>
+            </a:r>
+          </a:p>
+          <a:p>
+            <a:pPr marL="0" indent="0">
+              <a:lnSpc>
+                <a:spcPct val="125000"/>
+              </a:lnSpc>
+              <a:buNone/>
+            </a:pPr>
+            <a:r>
+              <a:rPr lang="en-GB" sz="1100">
+                <a:hlinkClick r:id="rId7"/>
+              </a:rPr>
+              <a:t>http://dx.doi.org/10.1109/TNSM.2022.3222815</a:t>
+            </a:r>
+            <a:r>
+              <a:rPr lang="en-GB" sz="1100"/>
+              <a:t> </a:t>
+            </a:r>
+          </a:p>
+          <a:p>
+            <a:pPr marL="228600" lvl="0" indent="-228600" algn="l" rtl="0">
+              <a:spcBef>
+                <a:spcPts val="0"/>
+              </a:spcBef>
+              <a:spcAft>
+                <a:spcPts val="0"/>
+              </a:spcAft>
+              <a:buFont typeface="+mj-lt"/>
+              <a:buAutoNum type="arabicPeriod"/>
+            </a:pPr>
+            <a:endParaRPr lang="en-GB" sz="1100"/>
           </a:p>
         </p:txBody>
       </p:sp>
@@ -12780,27 +13397,22 @@
           <a:prstGeom prst="rect">
             <a:avLst/>
           </a:prstGeom>
+          <a:noFill/>
+          <a:ln>
+            <a:noFill/>
+          </a:ln>
         </p:spPr>
         <p:txBody>
           <a:bodyPr spcFirstLastPara="1" wrap="square" lIns="91425" tIns="91425" rIns="91425" bIns="91425" anchor="t" anchorCtr="0">
-            <a:normAutofit fontScale="90000"/>
+            <a:normAutofit/>
           </a:bodyPr>
           <a:lstStyle/>
           <a:p>
-            <a:pPr marL="0" lvl="0" indent="0" algn="l" rtl="0">
-              <a:spcBef>
-                <a:spcPts val="0"/>
-              </a:spcBef>
-              <a:spcAft>
-                <a:spcPts val="0"/>
-              </a:spcAft>
-              <a:buNone/>
-            </a:pPr>
-            <a:r>
-              <a:rPr lang="en" dirty="0"/>
+            <a:r>
+              <a:rPr lang="en" sz="2400" b="1"/>
               <a:t>References</a:t>
             </a:r>
-            <a:endParaRPr dirty="0"/>
+            <a:endParaRPr sz="2400" b="1"/>
           </a:p>
         </p:txBody>
       </p:sp>
@@ -12825,7 +13437,7 @@
         </p:spPr>
         <p:txBody>
           <a:bodyPr spcFirstLastPara="1" wrap="square" lIns="91425" tIns="91425" rIns="91425" bIns="91425" anchor="t" anchorCtr="0">
-            <a:normAutofit lnSpcReduction="10000"/>
+            <a:normAutofit/>
           </a:bodyPr>
           <a:lstStyle/>
           <a:p>
@@ -12839,8 +13451,22 @@
               <a:buNone/>
             </a:pPr>
             <a:r>
-              <a:rPr lang="en-GB" sz="1100" dirty="0"/>
-              <a:t>Andreas A Aigner and Gurvinder Dhaliwal. Uniswap: Impermanent loss and risk profile of a liquidity provider, 2021. https://github.com/atiselsts/uniswap-v3-liquidity-math/blob/.</a:t>
+              <a:rPr lang="en-GB" sz="1100" err="1"/>
+              <a:t>binance</a:t>
+            </a:r>
+            <a:r>
+              <a:rPr lang="en-GB" sz="1100"/>
+              <a:t>-public-data. </a:t>
+            </a:r>
+            <a:r>
+              <a:rPr lang="en-GB" sz="1100">
+                <a:hlinkClick r:id="rId3"/>
+              </a:rPr>
+              <a:t>https://github.com/binance/binance-public-data/blob/master/python/README.md</a:t>
+            </a:r>
+            <a:r>
+              <a:rPr lang="en-GB" sz="1100"/>
+              <a:t> </a:t>
             </a:r>
           </a:p>
           <a:p>
@@ -12853,7 +13479,7 @@
               </a:spcAft>
               <a:buNone/>
             </a:pPr>
-            <a:endParaRPr lang="en-GB" sz="1100" dirty="0"/>
+            <a:endParaRPr lang="en-GB" sz="1100"/>
           </a:p>
           <a:p>
             <a:pPr marL="0" lvl="0" indent="0" algn="l" rtl="0">
@@ -12866,29 +13492,23 @@
               <a:buNone/>
             </a:pPr>
             <a:r>
-              <a:rPr lang="en-GB" sz="1100" dirty="0" err="1"/>
-              <a:t>Atis</a:t>
-            </a:r>
-            <a:r>
-              <a:rPr lang="en-GB" sz="1100" dirty="0"/>
+              <a:rPr lang="en-GB" sz="1100" err="1"/>
+              <a:t>etherscanapi</a:t>
+            </a:r>
+            <a:r>
+              <a:rPr lang="en-GB" sz="1100"/>
+              <a:t>. </a:t>
+            </a:r>
+            <a:r>
+              <a:rPr lang="en-GB" sz="1100">
+                <a:hlinkClick r:id="rId4"/>
+              </a:rPr>
+              <a:t>https://api.etherscan.io/api</a:t>
+            </a:r>
+            <a:r>
+              <a:rPr lang="en-GB" sz="1100"/>
               <a:t> </a:t>
             </a:r>
-            <a:r>
-              <a:rPr lang="en-GB" sz="1100" dirty="0" err="1"/>
-              <a:t>Elsts</a:t>
-            </a:r>
-            <a:r>
-              <a:rPr lang="en-GB" sz="1100" dirty="0"/>
-              <a:t>. Liquidity math in </a:t>
-            </a:r>
-            <a:r>
-              <a:rPr lang="en-GB" sz="1100" dirty="0" err="1"/>
-              <a:t>uniswap</a:t>
-            </a:r>
-            <a:r>
-              <a:rPr lang="en-GB" sz="1100" dirty="0"/>
-              <a:t> v3 technical note, 2021. </a:t>
-            </a:r>
           </a:p>
           <a:p>
             <a:pPr marL="0" lvl="0" indent="0" algn="l" rtl="0">
@@ -12900,10 +13520,7 @@
               </a:spcAft>
               <a:buNone/>
             </a:pPr>
-            <a:r>
-              <a:rPr lang="en-GB" sz="1100" dirty="0"/>
-              <a:t>https://github.com/atiselsts/uniswap-v3-liquidity-math/blob/.</a:t>
-            </a:r>
+            <a:endParaRPr lang="en-GB" sz="1100"/>
           </a:p>
           <a:p>
             <a:pPr marL="0" lvl="0" indent="0" algn="l" rtl="0">
@@ -12915,7 +13532,21 @@
               </a:spcAft>
               <a:buNone/>
             </a:pPr>
-            <a:endParaRPr lang="en-GB" sz="1100" dirty="0"/>
+            <a:r>
+              <a:rPr lang="en-GB" sz="1100" err="1"/>
+              <a:t>Uniswapapi</a:t>
+            </a:r>
+            <a:r>
+              <a:rPr lang="en-GB" sz="1100"/>
+              <a:t>. </a:t>
+            </a:r>
+            <a:r>
+              <a:rPr lang="en-GB" sz="1100">
+                <a:hlinkClick r:id="rId5"/>
+              </a:rPr>
+              <a:t>https://api.thegraph.com/subgraphs/name/uniswap/uniswap-v3</a:t>
+            </a:r>
+            <a:endParaRPr lang="en-GB" sz="1100"/>
           </a:p>
           <a:p>
             <a:pPr marL="0" lvl="0" indent="0" algn="l" rtl="0">
@@ -12927,46 +13558,7 @@
               </a:spcAft>
               <a:buNone/>
             </a:pPr>
-            <a:r>
-              <a:rPr lang="en-GB" sz="1100" dirty="0" err="1"/>
-              <a:t>Lioba</a:t>
-            </a:r>
-            <a:r>
-              <a:rPr lang="en-GB" sz="1100" dirty="0"/>
-              <a:t> </a:t>
-            </a:r>
-            <a:r>
-              <a:rPr lang="en-GB" sz="1100" dirty="0" err="1"/>
-              <a:t>Heimbach</a:t>
-            </a:r>
-            <a:r>
-              <a:rPr lang="en-GB" sz="1100" dirty="0"/>
-              <a:t>, Eric </a:t>
-            </a:r>
-            <a:r>
-              <a:rPr lang="en-GB" sz="1100" dirty="0" err="1"/>
-              <a:t>Schertenleib</a:t>
-            </a:r>
-            <a:r>
-              <a:rPr lang="en-GB" sz="1100" dirty="0"/>
-              <a:t>, and Roger </a:t>
-            </a:r>
-            <a:r>
-              <a:rPr lang="en-GB" sz="1100" dirty="0" err="1"/>
-              <a:t>Wattenhofer</a:t>
-            </a:r>
-            <a:r>
-              <a:rPr lang="en-GB" sz="1100" dirty="0"/>
-              <a:t>. Risks and returns of </a:t>
-            </a:r>
-            <a:r>
-              <a:rPr lang="en-GB" sz="1100" dirty="0" err="1"/>
-              <a:t>uniswap</a:t>
-            </a:r>
-            <a:r>
-              <a:rPr lang="en-GB" sz="1100" dirty="0"/>
-              <a:t> v3 liquidity providers. 2022. </a:t>
-            </a:r>
+            <a:endParaRPr lang="en-GB" sz="1100"/>
           </a:p>
           <a:p>
             <a:pPr marL="0" lvl="0" indent="0" algn="l" rtl="0">
@@ -12978,10 +13570,7 @@
               </a:spcAft>
               <a:buNone/>
             </a:pPr>
-            <a:r>
-              <a:rPr lang="en-GB" sz="1100" dirty="0"/>
-              <a:t>http://arxiv.org/abs/2205.08904http://dx.doi.org/10.1145/3558535.3559772.</a:t>
-            </a:r>
+            <a:endParaRPr lang="en-GB" sz="1100"/>
           </a:p>
           <a:p>
             <a:pPr marL="0" lvl="0" indent="0" algn="l" rtl="0">
@@ -12993,7 +13582,7 @@
               </a:spcAft>
               <a:buNone/>
             </a:pPr>
-            <a:endParaRPr lang="en-GB" sz="1100" dirty="0"/>
+            <a:endParaRPr lang="en-GB" sz="1500"/>
           </a:p>
           <a:p>
             <a:pPr marL="0" lvl="0" indent="0" algn="l" rtl="0">
@@ -13005,10 +13594,7 @@
               </a:spcAft>
               <a:buNone/>
             </a:pPr>
-            <a:r>
-              <a:rPr lang="en-GB" sz="1100" dirty="0"/>
-              <a:t>Igor Makarov. Cryptocurrencies and decentralized finance (defi), 2022.</a:t>
-            </a:r>
+            <a:endParaRPr lang="en-GB" sz="1100"/>
           </a:p>
           <a:p>
             <a:pPr marL="0" lvl="0" indent="0" algn="l" rtl="0">
@@ -13021,32 +13607,8 @@
               <a:buNone/>
             </a:pPr>
             <a:r>
-              <a:rPr lang="en-GB" sz="1100" dirty="0"/>
-              <a:t>Deborah </a:t>
-            </a:r>
-            <a:r>
-              <a:rPr lang="en-GB" sz="1100" dirty="0" err="1"/>
-              <a:t>Miori</a:t>
-            </a:r>
-            <a:r>
-              <a:rPr lang="en-GB" sz="1100" dirty="0"/>
-              <a:t>, Mihai </a:t>
-            </a:r>
-            <a:r>
-              <a:rPr lang="en-GB" sz="1100" dirty="0" err="1"/>
-              <a:t>Cucuringu</a:t>
-            </a:r>
-            <a:r>
-              <a:rPr lang="en-GB" sz="1100" dirty="0"/>
-              <a:t>. Defi: data-driven characterisation of </a:t>
-            </a:r>
-            <a:r>
-              <a:rPr lang="en-GB" sz="1100" dirty="0" err="1"/>
-              <a:t>uniswap</a:t>
-            </a:r>
-            <a:r>
-              <a:rPr lang="en-GB" sz="1100" dirty="0"/>
-              <a:t> v3 ecosystem an ideal crypto law for liquidity pools. 2022. </a:t>
+              <a:rPr lang="en-GB" sz="1100"/>
+              <a:t>Matias Vizcaino, Walter Jack Simmons, and Vitor de Matos Castilho. Data extracted and cleansed. </a:t>
             </a:r>
           </a:p>
           <a:p>
@@ -13060,8 +13622,14 @@
               <a:buNone/>
             </a:pPr>
             <a:r>
-              <a:rPr lang="en-GB" sz="1100" dirty="0"/>
-              <a:t>http://arxiv.org/abs/2301.13009.</a:t>
+              <a:rPr lang="en-GB" sz="1100">
+                <a:hlinkClick r:id="rId6"/>
+              </a:rPr>
+              <a:t>https://drive.google.com/drive/folders/1y5ZwLZK9GQYsCNYSY--4VQMg80dnuwuU?usp=sharing</a:t>
+            </a:r>
+            <a:r>
+              <a:rPr lang="en-GB" sz="1100"/>
+              <a:t>.</a:t>
             </a:r>
           </a:p>
           <a:p>
@@ -13074,7 +13642,10 @@
               </a:spcAft>
               <a:buNone/>
             </a:pPr>
-            <a:endParaRPr lang="en-GB" sz="1100" dirty="0"/>
+            <a:r>
+              <a:rPr lang="en-GB" sz="1100"/>
+              <a:t>Note: The dataset used in this project was obtained through data extraction and cleansing processes.</a:t>
+            </a:r>
           </a:p>
           <a:p>
             <a:pPr marL="0" lvl="0" indent="0" algn="l" rtl="0">
@@ -13086,84 +13657,7 @@
               </a:spcAft>
               <a:buNone/>
             </a:pPr>
-            <a:r>
-              <a:rPr lang="en-GB" sz="1100" dirty="0"/>
-              <a:t>Deborah </a:t>
-            </a:r>
-            <a:r>
-              <a:rPr lang="en-GB" sz="1100" dirty="0" err="1"/>
-              <a:t>Miori</a:t>
-            </a:r>
-            <a:r>
-              <a:rPr lang="en-GB" sz="1100" dirty="0"/>
-              <a:t> and Mihai </a:t>
-            </a:r>
-            <a:r>
-              <a:rPr lang="en-GB" sz="1100" dirty="0" err="1"/>
-              <a:t>Cucuringu</a:t>
-            </a:r>
-            <a:r>
-              <a:rPr lang="en-GB" sz="1100" dirty="0"/>
-              <a:t>. Defi: </a:t>
-            </a:r>
-            <a:r>
-              <a:rPr lang="en-GB" sz="1100" dirty="0" err="1"/>
-              <a:t>modeling</a:t>
-            </a:r>
-            <a:r>
-              <a:rPr lang="en-GB" sz="1100" dirty="0"/>
-              <a:t> and forecasting trading volume on </a:t>
-            </a:r>
-            <a:r>
-              <a:rPr lang="en-GB" sz="1100" dirty="0" err="1"/>
-              <a:t>uniswap</a:t>
-            </a:r>
-            <a:r>
-              <a:rPr lang="en-GB" sz="1100" dirty="0"/>
-              <a:t> v3 liquidity pools, 2023. </a:t>
-            </a:r>
-          </a:p>
-          <a:p>
-            <a:pPr marL="0" lvl="0" indent="0" algn="l" rtl="0">
-              <a:spcBef>
-                <a:spcPts val="0"/>
-              </a:spcBef>
-              <a:spcAft>
-                <a:spcPts val="0"/>
-              </a:spcAft>
-              <a:buNone/>
-            </a:pPr>
-            <a:r>
-              <a:rPr lang="en-GB" sz="1100" dirty="0"/>
-              <a:t>https://ssrn.com/abstract=4445351</a:t>
-            </a:r>
-          </a:p>
-          <a:p>
-            <a:pPr marL="0" lvl="0" indent="0" algn="l" rtl="0">
-              <a:spcBef>
-                <a:spcPts val="0"/>
-              </a:spcBef>
-              <a:spcAft>
-                <a:spcPts val="0"/>
-              </a:spcAft>
-              <a:buNone/>
-            </a:pPr>
-            <a:r>
-              <a:rPr lang="en-GB" sz="1100" dirty="0"/>
-              <a:t>Note: This project is inspired by the above paper, from which the main methodology is borrowed, replicated, and expanded.</a:t>
-            </a:r>
-          </a:p>
-          <a:p>
-            <a:pPr marL="0" lvl="0" indent="0" algn="l" rtl="0">
-              <a:spcBef>
-                <a:spcPts val="0"/>
-              </a:spcBef>
-              <a:spcAft>
-                <a:spcPts val="0"/>
-              </a:spcAft>
-              <a:buNone/>
-            </a:pPr>
-            <a:endParaRPr lang="en-GB" sz="1100" dirty="0"/>
+            <a:endParaRPr lang="en-GB" sz="1100"/>
           </a:p>
           <a:p>
             <a:pPr marL="0" indent="0">
@@ -13173,12 +13667,8 @@
               <a:buNone/>
             </a:pPr>
             <a:r>
-              <a:rPr lang="en-GB" sz="1100" dirty="0" err="1"/>
-              <a:t>Jiahua</a:t>
-            </a:r>
-            <a:r>
-              <a:rPr lang="en-GB" sz="1100" dirty="0"/>
-              <a:t> Xu and Yebo Feng. Reap the harvest on blockchain: A survey of yield farming protocols. IEEE Transactions on Network and Service Management, 20:858–869, 3 2023.</a:t>
+              <a:rPr lang="en-GB" sz="1100"/>
+              <a:t>Matias Vizcaino, Walter Jack Simmons, and Vitor de Matos Castilho. Team111repo. </a:t>
             </a:r>
           </a:p>
           <a:p>
@@ -13189,355 +13679,313 @@
               <a:buNone/>
             </a:pPr>
             <a:r>
-              <a:rPr lang="en-GB" sz="1100" dirty="0"/>
-              <a:t>http://dx.doi.org/10.1109/TNSM.2022.3222815</a:t>
-            </a:r>
-          </a:p>
-          <a:p>
-            <a:pPr marL="0" lvl="0" indent="0" algn="l" rtl="0">
-              <a:spcBef>
-                <a:spcPts val="0"/>
-              </a:spcBef>
-              <a:spcAft>
-                <a:spcPts val="0"/>
-              </a:spcAft>
-              <a:buNone/>
-            </a:pPr>
-            <a:endParaRPr lang="en-GB" sz="1100" dirty="0"/>
+              <a:rPr lang="en-GB" sz="1100">
+                <a:hlinkClick r:id="rId7"/>
+              </a:rPr>
+              <a:t>https://github.gatech.edu/MGT-6203-Summer-2023-Canvas/Team-111</a:t>
+            </a:r>
+            <a:r>
+              <a:rPr lang="en-GB" sz="1100"/>
+              <a:t>.</a:t>
+            </a:r>
+          </a:p>
+          <a:p>
+            <a:pPr marL="0" indent="0">
+              <a:lnSpc>
+                <a:spcPct val="125000"/>
+              </a:lnSpc>
+              <a:buNone/>
+            </a:pPr>
+            <a:r>
+              <a:rPr lang="en-GB" sz="1100"/>
+              <a:t>Note: The GitHub repository associated with this project contains the code and additional details.</a:t>
+            </a:r>
           </a:p>
         </p:txBody>
       </p:sp>
-    </p:spTree>
-  </p:cSld>
-  <p:clrMapOvr>
-    <a:masterClrMapping/>
-  </p:clrMapOvr>
-</p:sld>
-</file>
-
-<file path=ppt/slides/slide18.xml><?xml version="1.0" encoding="utf-8"?>
-<p:sld xmlns:a="http://schemas.openxmlformats.org/drawingml/2006/main" xmlns:r="http://schemas.openxmlformats.org/officeDocument/2006/relationships" xmlns:p="http://schemas.openxmlformats.org/presentationml/2006/main">
-  <p:cSld>
-    <p:spTree>
-      <p:nvGrpSpPr>
-        <p:cNvPr id="1" name="Shape 177"/>
-        <p:cNvGrpSpPr/>
-        <p:nvPr/>
-      </p:nvGrpSpPr>
-      <p:grpSpPr>
-        <a:xfrm>
-          <a:off x="0" y="0"/>
-          <a:ext cx="0" cy="0"/>
-          <a:chOff x="0" y="0"/>
-          <a:chExt cx="0" cy="0"/>
-        </a:xfrm>
-      </p:grpSpPr>
       <p:sp>
         <p:nvSpPr>
-          <p:cNvPr id="178" name="Google Shape;178;p30"/>
+          <p:cNvPr id="2" name="Google Shape;178;p30">
+            <a:extLst>
+              <a:ext uri="{FF2B5EF4-FFF2-40B4-BE49-F238E27FC236}">
+                <a16:creationId xmlns:a16="http://schemas.microsoft.com/office/drawing/2014/main" id="{0E9E573E-03FC-ADD4-0872-DA9FC670B716}"/>
+              </a:ext>
+            </a:extLst>
+          </p:cNvPr>
           <p:cNvSpPr txBox="1">
-            <a:spLocks noGrp="1"/>
+            <a:spLocks/>
           </p:cNvSpPr>
-          <p:nvPr>
-            <p:ph type="title"/>
-          </p:nvPr>
+          <p:nvPr/>
         </p:nvSpPr>
         <p:spPr>
           <a:xfrm>
-            <a:off x="311700" y="445025"/>
+            <a:off x="311700" y="2374950"/>
             <a:ext cx="8520600" cy="572700"/>
           </a:xfrm>
           <a:prstGeom prst="rect">
             <a:avLst/>
           </a:prstGeom>
+          <a:noFill/>
+          <a:ln>
+            <a:noFill/>
+          </a:ln>
         </p:spPr>
         <p:txBody>
           <a:bodyPr spcFirstLastPara="1" wrap="square" lIns="91425" tIns="91425" rIns="91425" bIns="91425" anchor="t" anchorCtr="0">
-            <a:normAutofit fontScale="90000"/>
+            <a:normAutofit/>
           </a:bodyPr>
-          <a:lstStyle/>
-          <a:p>
-            <a:pPr marL="0" lvl="0" indent="0" algn="l" rtl="0">
-              <a:spcBef>
-                <a:spcPts val="0"/>
-              </a:spcBef>
-              <a:spcAft>
-                <a:spcPts val="0"/>
-              </a:spcAft>
-              <a:buNone/>
-            </a:pPr>
-            <a:r>
-              <a:rPr lang="en"/>
-              <a:t>References</a:t>
-            </a:r>
-            <a:endParaRPr/>
-          </a:p>
-        </p:txBody>
-      </p:sp>
-      <p:sp>
-        <p:nvSpPr>
-          <p:cNvPr id="179" name="Google Shape;179;p30"/>
-          <p:cNvSpPr txBox="1">
-            <a:spLocks noGrp="1"/>
-          </p:cNvSpPr>
-          <p:nvPr>
-            <p:ph type="body" idx="1"/>
-          </p:nvPr>
-        </p:nvSpPr>
-        <p:spPr>
-          <a:xfrm>
-            <a:off x="311700" y="1017725"/>
-            <a:ext cx="8520600" cy="4125900"/>
-          </a:xfrm>
-          <a:prstGeom prst="rect">
-            <a:avLst/>
-          </a:prstGeom>
-        </p:spPr>
-        <p:txBody>
-          <a:bodyPr spcFirstLastPara="1" wrap="square" lIns="91425" tIns="91425" rIns="91425" bIns="91425" anchor="t" anchorCtr="0">
-            <a:normAutofit lnSpcReduction="10000"/>
-          </a:bodyPr>
-          <a:lstStyle/>
-          <a:p>
-            <a:pPr marL="0" lvl="0" indent="0" algn="l" rtl="0">
-              <a:spcBef>
-                <a:spcPts val="0"/>
-              </a:spcBef>
-              <a:spcAft>
-                <a:spcPts val="0"/>
-              </a:spcAft>
-              <a:buNone/>
-            </a:pPr>
-            <a:r>
-              <a:rPr lang="en-GB" sz="1100" dirty="0" err="1"/>
-              <a:t>binance</a:t>
-            </a:r>
-            <a:r>
-              <a:rPr lang="en-GB" sz="1100" dirty="0"/>
-              <a:t>-public-data. https://github.com/binance/binance-public-data/blob/master/python/README.md</a:t>
-            </a:r>
-          </a:p>
-          <a:p>
-            <a:pPr marL="0" lvl="0" indent="0" algn="l" rtl="0">
-              <a:spcBef>
-                <a:spcPts val="0"/>
-              </a:spcBef>
-              <a:spcAft>
-                <a:spcPts val="0"/>
-              </a:spcAft>
-              <a:buNone/>
-            </a:pPr>
-            <a:endParaRPr lang="en-GB" sz="1100" dirty="0"/>
-          </a:p>
-          <a:p>
-            <a:pPr marL="0" lvl="0" indent="0" algn="l" rtl="0">
-              <a:spcBef>
-                <a:spcPts val="0"/>
-              </a:spcBef>
-              <a:spcAft>
-                <a:spcPts val="0"/>
-              </a:spcAft>
-              <a:buNone/>
-            </a:pPr>
-            <a:r>
-              <a:rPr lang="en-GB" sz="1100" dirty="0" err="1"/>
-              <a:t>etherscanapi</a:t>
-            </a:r>
-            <a:r>
-              <a:rPr lang="en-GB" sz="1100" dirty="0"/>
-              <a:t>. https://api.etherscan.io/api</a:t>
-            </a:r>
-          </a:p>
-          <a:p>
-            <a:pPr marL="0" lvl="0" indent="0" algn="l" rtl="0">
-              <a:spcBef>
-                <a:spcPts val="0"/>
-              </a:spcBef>
-              <a:spcAft>
-                <a:spcPts val="0"/>
-              </a:spcAft>
-              <a:buNone/>
-            </a:pPr>
-            <a:endParaRPr lang="en-GB" sz="1100" dirty="0"/>
-          </a:p>
-          <a:p>
-            <a:pPr marL="0" lvl="0" indent="0" algn="l" rtl="0">
-              <a:spcBef>
-                <a:spcPts val="0"/>
-              </a:spcBef>
-              <a:spcAft>
-                <a:spcPts val="0"/>
-              </a:spcAft>
-              <a:buNone/>
-            </a:pPr>
-            <a:r>
-              <a:rPr lang="en-GB" sz="1100" dirty="0" err="1"/>
-              <a:t>Uniswapapi</a:t>
-            </a:r>
-            <a:r>
-              <a:rPr lang="en-GB" sz="1100" dirty="0"/>
-              <a:t>. </a:t>
-            </a:r>
-            <a:r>
-              <a:rPr lang="en-GB" sz="1100" dirty="0">
-                <a:hlinkClick r:id="rId3"/>
-              </a:rPr>
-              <a:t>https://api.thegraph.com/subgraphs/name/uniswap/uniswap-v3</a:t>
-            </a:r>
-            <a:endParaRPr lang="en-GB" sz="1100" dirty="0"/>
-          </a:p>
-          <a:p>
-            <a:pPr marL="0" lvl="0" indent="0" algn="l" rtl="0">
-              <a:spcBef>
-                <a:spcPts val="0"/>
-              </a:spcBef>
-              <a:spcAft>
-                <a:spcPts val="0"/>
-              </a:spcAft>
-              <a:buNone/>
-            </a:pPr>
-            <a:endParaRPr lang="en-GB" sz="1100" dirty="0"/>
-          </a:p>
-          <a:p>
-            <a:pPr marL="0" lvl="0" indent="0" algn="l" rtl="0">
-              <a:spcBef>
-                <a:spcPts val="0"/>
-              </a:spcBef>
-              <a:spcAft>
-                <a:spcPts val="0"/>
-              </a:spcAft>
-              <a:buNone/>
-            </a:pPr>
-            <a:endParaRPr lang="en-GB" sz="1100" dirty="0"/>
-          </a:p>
-          <a:p>
-            <a:pPr marL="0" lvl="0" indent="0" algn="l" rtl="0">
-              <a:spcBef>
-                <a:spcPts val="0"/>
-              </a:spcBef>
-              <a:spcAft>
-                <a:spcPts val="0"/>
-              </a:spcAft>
-              <a:buNone/>
-            </a:pPr>
-            <a:endParaRPr lang="en-GB" sz="1500" dirty="0"/>
-          </a:p>
-          <a:p>
-            <a:pPr marL="0" lvl="0" indent="0" algn="l" rtl="0">
-              <a:spcBef>
-                <a:spcPts val="0"/>
-              </a:spcBef>
-              <a:spcAft>
-                <a:spcPts val="0"/>
-              </a:spcAft>
-              <a:buNone/>
-            </a:pPr>
-            <a:endParaRPr lang="en-GB" sz="1100" dirty="0"/>
-          </a:p>
-          <a:p>
-            <a:pPr marL="0" lvl="0" indent="0" algn="l" rtl="0">
-              <a:spcBef>
-                <a:spcPts val="0"/>
-              </a:spcBef>
-              <a:spcAft>
-                <a:spcPts val="0"/>
-              </a:spcAft>
-              <a:buNone/>
-            </a:pPr>
-            <a:r>
-              <a:rPr lang="en-GB" sz="1100" dirty="0"/>
-              <a:t>Matias Vizcaino, Walter Jack Simmons, and Vitor de Matos Castilho. Data extracted and cleansed. </a:t>
-            </a:r>
-          </a:p>
-          <a:p>
-            <a:pPr marL="0" lvl="0" indent="0" algn="l" rtl="0">
-              <a:spcBef>
-                <a:spcPts val="0"/>
-              </a:spcBef>
-              <a:spcAft>
-                <a:spcPts val="0"/>
-              </a:spcAft>
-              <a:buNone/>
-            </a:pPr>
-            <a:r>
-              <a:rPr lang="en-GB" sz="1100" dirty="0"/>
-              <a:t>https://drive.google.com/drive/folders/1y5ZwLZK9GQYsCNYSY--4VQMg80dnuwuU?usp=sharing.</a:t>
-            </a:r>
-          </a:p>
-          <a:p>
-            <a:pPr marL="0" lvl="0" indent="0" algn="l" rtl="0">
-              <a:spcBef>
-                <a:spcPts val="0"/>
-              </a:spcBef>
-              <a:spcAft>
-                <a:spcPts val="0"/>
-              </a:spcAft>
-              <a:buNone/>
-            </a:pPr>
-            <a:r>
-              <a:rPr lang="en-GB" sz="1100" dirty="0"/>
-              <a:t>Note: The dataset used in this project was obtained through data extraction and cleansing processes.</a:t>
-            </a:r>
-          </a:p>
-          <a:p>
-            <a:pPr marL="0" lvl="0" indent="0" algn="l" rtl="0">
-              <a:spcBef>
-                <a:spcPts val="0"/>
-              </a:spcBef>
-              <a:spcAft>
-                <a:spcPts val="0"/>
-              </a:spcAft>
-              <a:buNone/>
-            </a:pPr>
-            <a:endParaRPr lang="en-GB" sz="1100" dirty="0"/>
-          </a:p>
-          <a:p>
-            <a:pPr marL="0" indent="0">
+          <a:lstStyle>
+            <a:defPPr marR="0" lvl="0" algn="l" rtl="0">
               <a:lnSpc>
-                <a:spcPct val="125000"/>
+                <a:spcPct val="100000"/>
               </a:lnSpc>
-              <a:buNone/>
-            </a:pPr>
-            <a:r>
-              <a:rPr lang="en-GB" sz="1100" dirty="0"/>
-              <a:t>Matias Vizcaino, Walter Jack Simmons, and Vitor de Matos Castilho. Team111repo. </a:t>
-            </a:r>
-          </a:p>
-          <a:p>
-            <a:pPr marL="0" indent="0">
+              <a:spcBef>
+                <a:spcPts val="0"/>
+              </a:spcBef>
+              <a:spcAft>
+                <a:spcPts val="0"/>
+              </a:spcAft>
+            </a:defPPr>
+            <a:lvl1pPr marR="0" lvl="0" algn="l" rtl="0">
               <a:lnSpc>
-                <a:spcPct val="125000"/>
+                <a:spcPct val="100000"/>
               </a:lnSpc>
-              <a:buNone/>
-            </a:pPr>
-            <a:r>
-              <a:rPr lang="en-GB" sz="1100" dirty="0"/>
-              <a:t>https://github.gatech.edu/MGT-6203-Summer-2023-Canvas/Team-111.</a:t>
-            </a:r>
-          </a:p>
-          <a:p>
-            <a:pPr marL="0" indent="0">
+              <a:spcBef>
+                <a:spcPts val="0"/>
+              </a:spcBef>
+              <a:spcAft>
+                <a:spcPts val="0"/>
+              </a:spcAft>
+              <a:buClr>
+                <a:schemeClr val="dk1"/>
+              </a:buClr>
+              <a:buSzPts val="2800"/>
+              <a:buFont typeface="Proxima Nova"/>
+              <a:buNone/>
+              <a:defRPr sz="2800" b="0" i="0" u="none" strike="noStrike" cap="none">
+                <a:solidFill>
+                  <a:schemeClr val="dk1"/>
+                </a:solidFill>
+                <a:latin typeface="Proxima Nova"/>
+                <a:ea typeface="Proxima Nova"/>
+                <a:cs typeface="Proxima Nova"/>
+                <a:sym typeface="Proxima Nova"/>
+              </a:defRPr>
+            </a:lvl1pPr>
+            <a:lvl2pPr marR="0" lvl="1" algn="l" rtl="0">
               <a:lnSpc>
-                <a:spcPct val="125000"/>
+                <a:spcPct val="100000"/>
               </a:lnSpc>
-              <a:buNone/>
-            </a:pPr>
-            <a:r>
-              <a:rPr lang="en-GB" sz="1100" dirty="0"/>
-              <a:t>Note: The GitHub repository associated with this project contains the code and additional details.</a:t>
-            </a:r>
-          </a:p>
-          <a:p>
-            <a:pPr marL="0" lvl="0" indent="0" algn="l" rtl="0">
-              <a:spcBef>
-                <a:spcPts val="0"/>
-              </a:spcBef>
-              <a:spcAft>
-                <a:spcPts val="0"/>
-              </a:spcAft>
-              <a:buNone/>
-            </a:pPr>
-            <a:endParaRPr lang="en-GB" sz="1100" dirty="0"/>
+              <a:spcBef>
+                <a:spcPts val="0"/>
+              </a:spcBef>
+              <a:spcAft>
+                <a:spcPts val="0"/>
+              </a:spcAft>
+              <a:buClr>
+                <a:schemeClr val="dk1"/>
+              </a:buClr>
+              <a:buSzPts val="2800"/>
+              <a:buFont typeface="Proxima Nova"/>
+              <a:buNone/>
+              <a:defRPr sz="2800" b="0" i="0" u="none" strike="noStrike" cap="none">
+                <a:solidFill>
+                  <a:schemeClr val="dk1"/>
+                </a:solidFill>
+                <a:latin typeface="Proxima Nova"/>
+                <a:ea typeface="Proxima Nova"/>
+                <a:cs typeface="Proxima Nova"/>
+                <a:sym typeface="Proxima Nova"/>
+              </a:defRPr>
+            </a:lvl2pPr>
+            <a:lvl3pPr marR="0" lvl="2" algn="l" rtl="0">
+              <a:lnSpc>
+                <a:spcPct val="100000"/>
+              </a:lnSpc>
+              <a:spcBef>
+                <a:spcPts val="0"/>
+              </a:spcBef>
+              <a:spcAft>
+                <a:spcPts val="0"/>
+              </a:spcAft>
+              <a:buClr>
+                <a:schemeClr val="dk1"/>
+              </a:buClr>
+              <a:buSzPts val="2800"/>
+              <a:buFont typeface="Proxima Nova"/>
+              <a:buNone/>
+              <a:defRPr sz="2800" b="0" i="0" u="none" strike="noStrike" cap="none">
+                <a:solidFill>
+                  <a:schemeClr val="dk1"/>
+                </a:solidFill>
+                <a:latin typeface="Proxima Nova"/>
+                <a:ea typeface="Proxima Nova"/>
+                <a:cs typeface="Proxima Nova"/>
+                <a:sym typeface="Proxima Nova"/>
+              </a:defRPr>
+            </a:lvl3pPr>
+            <a:lvl4pPr marR="0" lvl="3" algn="l" rtl="0">
+              <a:lnSpc>
+                <a:spcPct val="100000"/>
+              </a:lnSpc>
+              <a:spcBef>
+                <a:spcPts val="0"/>
+              </a:spcBef>
+              <a:spcAft>
+                <a:spcPts val="0"/>
+              </a:spcAft>
+              <a:buClr>
+                <a:schemeClr val="dk1"/>
+              </a:buClr>
+              <a:buSzPts val="2800"/>
+              <a:buFont typeface="Proxima Nova"/>
+              <a:buNone/>
+              <a:defRPr sz="2800" b="0" i="0" u="none" strike="noStrike" cap="none">
+                <a:solidFill>
+                  <a:schemeClr val="dk1"/>
+                </a:solidFill>
+                <a:latin typeface="Proxima Nova"/>
+                <a:ea typeface="Proxima Nova"/>
+                <a:cs typeface="Proxima Nova"/>
+                <a:sym typeface="Proxima Nova"/>
+              </a:defRPr>
+            </a:lvl4pPr>
+            <a:lvl5pPr marR="0" lvl="4" algn="l" rtl="0">
+              <a:lnSpc>
+                <a:spcPct val="100000"/>
+              </a:lnSpc>
+              <a:spcBef>
+                <a:spcPts val="0"/>
+              </a:spcBef>
+              <a:spcAft>
+                <a:spcPts val="0"/>
+              </a:spcAft>
+              <a:buClr>
+                <a:schemeClr val="dk1"/>
+              </a:buClr>
+              <a:buSzPts val="2800"/>
+              <a:buFont typeface="Proxima Nova"/>
+              <a:buNone/>
+              <a:defRPr sz="2800" b="0" i="0" u="none" strike="noStrike" cap="none">
+                <a:solidFill>
+                  <a:schemeClr val="dk1"/>
+                </a:solidFill>
+                <a:latin typeface="Proxima Nova"/>
+                <a:ea typeface="Proxima Nova"/>
+                <a:cs typeface="Proxima Nova"/>
+                <a:sym typeface="Proxima Nova"/>
+              </a:defRPr>
+            </a:lvl5pPr>
+            <a:lvl6pPr marR="0" lvl="5" algn="l" rtl="0">
+              <a:lnSpc>
+                <a:spcPct val="100000"/>
+              </a:lnSpc>
+              <a:spcBef>
+                <a:spcPts val="0"/>
+              </a:spcBef>
+              <a:spcAft>
+                <a:spcPts val="0"/>
+              </a:spcAft>
+              <a:buClr>
+                <a:schemeClr val="dk1"/>
+              </a:buClr>
+              <a:buSzPts val="2800"/>
+              <a:buFont typeface="Proxima Nova"/>
+              <a:buNone/>
+              <a:defRPr sz="2800" b="0" i="0" u="none" strike="noStrike" cap="none">
+                <a:solidFill>
+                  <a:schemeClr val="dk1"/>
+                </a:solidFill>
+                <a:latin typeface="Proxima Nova"/>
+                <a:ea typeface="Proxima Nova"/>
+                <a:cs typeface="Proxima Nova"/>
+                <a:sym typeface="Proxima Nova"/>
+              </a:defRPr>
+            </a:lvl6pPr>
+            <a:lvl7pPr marR="0" lvl="6" algn="l" rtl="0">
+              <a:lnSpc>
+                <a:spcPct val="100000"/>
+              </a:lnSpc>
+              <a:spcBef>
+                <a:spcPts val="0"/>
+              </a:spcBef>
+              <a:spcAft>
+                <a:spcPts val="0"/>
+              </a:spcAft>
+              <a:buClr>
+                <a:schemeClr val="dk1"/>
+              </a:buClr>
+              <a:buSzPts val="2800"/>
+              <a:buFont typeface="Proxima Nova"/>
+              <a:buNone/>
+              <a:defRPr sz="2800" b="0" i="0" u="none" strike="noStrike" cap="none">
+                <a:solidFill>
+                  <a:schemeClr val="dk1"/>
+                </a:solidFill>
+                <a:latin typeface="Proxima Nova"/>
+                <a:ea typeface="Proxima Nova"/>
+                <a:cs typeface="Proxima Nova"/>
+                <a:sym typeface="Proxima Nova"/>
+              </a:defRPr>
+            </a:lvl7pPr>
+            <a:lvl8pPr marR="0" lvl="7" algn="l" rtl="0">
+              <a:lnSpc>
+                <a:spcPct val="100000"/>
+              </a:lnSpc>
+              <a:spcBef>
+                <a:spcPts val="0"/>
+              </a:spcBef>
+              <a:spcAft>
+                <a:spcPts val="0"/>
+              </a:spcAft>
+              <a:buClr>
+                <a:schemeClr val="dk1"/>
+              </a:buClr>
+              <a:buSzPts val="2800"/>
+              <a:buFont typeface="Proxima Nova"/>
+              <a:buNone/>
+              <a:defRPr sz="2800" b="0" i="0" u="none" strike="noStrike" cap="none">
+                <a:solidFill>
+                  <a:schemeClr val="dk1"/>
+                </a:solidFill>
+                <a:latin typeface="Proxima Nova"/>
+                <a:ea typeface="Proxima Nova"/>
+                <a:cs typeface="Proxima Nova"/>
+                <a:sym typeface="Proxima Nova"/>
+              </a:defRPr>
+            </a:lvl8pPr>
+            <a:lvl9pPr marR="0" lvl="8" algn="l" rtl="0">
+              <a:lnSpc>
+                <a:spcPct val="100000"/>
+              </a:lnSpc>
+              <a:spcBef>
+                <a:spcPts val="0"/>
+              </a:spcBef>
+              <a:spcAft>
+                <a:spcPts val="0"/>
+              </a:spcAft>
+              <a:buClr>
+                <a:schemeClr val="dk1"/>
+              </a:buClr>
+              <a:buSzPts val="2800"/>
+              <a:buFont typeface="Proxima Nova"/>
+              <a:buNone/>
+              <a:defRPr sz="2800" b="0" i="0" u="none" strike="noStrike" cap="none">
+                <a:solidFill>
+                  <a:schemeClr val="dk1"/>
+                </a:solidFill>
+                <a:latin typeface="Proxima Nova"/>
+                <a:ea typeface="Proxima Nova"/>
+                <a:cs typeface="Proxima Nova"/>
+                <a:sym typeface="Proxima Nova"/>
+              </a:defRPr>
+            </a:lvl9pPr>
+          </a:lstStyle>
+          <a:p>
+            <a:r>
+              <a:rPr lang="en-US" sz="2400" b="1"/>
+              <a:t>Datasets &amp; Code</a:t>
+            </a:r>
           </a:p>
         </p:txBody>
       </p:sp>
@@ -13589,31 +14037,22 @@
           <a:prstGeom prst="rect">
             <a:avLst/>
           </a:prstGeom>
+          <a:noFill/>
+          <a:ln>
+            <a:noFill/>
+          </a:ln>
         </p:spPr>
         <p:txBody>
           <a:bodyPr spcFirstLastPara="1" wrap="square" lIns="91425" tIns="91425" rIns="91425" bIns="91425" anchor="t" anchorCtr="0">
-            <a:normAutofit fontScale="90000"/>
+            <a:normAutofit/>
           </a:bodyPr>
           <a:lstStyle/>
           <a:p>
-            <a:pPr marL="0" lvl="0" indent="0" algn="l" rtl="0">
-              <a:spcBef>
-                <a:spcPts val="0"/>
-              </a:spcBef>
-              <a:spcAft>
-                <a:spcPts val="0"/>
-              </a:spcAft>
-              <a:buNone/>
-            </a:pPr>
-            <a:r>
-              <a:rPr lang="en" sz="2400" b="1" dirty="0">
-                <a:latin typeface="Söhne"/>
-              </a:rPr>
+            <a:r>
+              <a:rPr lang="en" sz="2400" b="1"/>
               <a:t>Background</a:t>
             </a:r>
-            <a:endParaRPr sz="2400" b="1" dirty="0">
-              <a:latin typeface="Söhne"/>
-            </a:endParaRPr>
+            <a:endParaRPr sz="2400" b="1"/>
           </a:p>
         </p:txBody>
       </p:sp>
@@ -13630,7 +14069,7 @@
         <p:spPr>
           <a:xfrm>
             <a:off x="102317" y="975623"/>
-            <a:ext cx="5080213" cy="3941700"/>
+            <a:ext cx="5370734" cy="3941700"/>
           </a:xfrm>
           <a:prstGeom prst="rect">
             <a:avLst/>
@@ -13638,7 +14077,7 @@
         </p:spPr>
         <p:txBody>
           <a:bodyPr spcFirstLastPara="1" wrap="square" lIns="91425" tIns="91425" rIns="91425" bIns="91425" anchor="t" anchorCtr="0">
-            <a:normAutofit fontScale="85000" lnSpcReduction="10000"/>
+            <a:normAutofit fontScale="92500" lnSpcReduction="10000"/>
           </a:bodyPr>
           <a:lstStyle/>
           <a:p>
@@ -13646,15 +14085,15 @@
               <a:buNone/>
             </a:pPr>
             <a:r>
-              <a:rPr lang="en-GB" sz="1300" dirty="0"/>
+              <a:rPr lang="en-GB" sz="1300"/>
               <a:t>- </a:t>
             </a:r>
             <a:r>
-              <a:rPr lang="en-GB" sz="1300" b="1" dirty="0"/>
+              <a:rPr lang="en-GB" sz="1300" b="1"/>
               <a:t>Decentralized Finance (DeFi)</a:t>
             </a:r>
             <a:r>
-              <a:rPr lang="en-GB" sz="1300" dirty="0"/>
+              <a:rPr lang="en-GB" sz="1300"/>
               <a:t>: Open-source, 24/7 financial system leveraging blockchain technology, mainly Ethereum, for transparent data and accessibility. </a:t>
             </a:r>
           </a:p>
@@ -13662,22 +14101,22 @@
             <a:pPr marL="114300" indent="0" algn="l">
               <a:buNone/>
             </a:pPr>
-            <a:endParaRPr lang="en-GB" sz="1300" dirty="0"/>
+            <a:endParaRPr lang="en-GB" sz="1300"/>
           </a:p>
           <a:p>
             <a:pPr marL="114300" indent="0" algn="l">
               <a:buNone/>
             </a:pPr>
             <a:r>
-              <a:rPr lang="en-GB" sz="1300" dirty="0"/>
+              <a:rPr lang="en-GB" sz="1300"/>
               <a:t>- </a:t>
             </a:r>
             <a:r>
-              <a:rPr lang="en-GB" sz="1300" b="1" dirty="0"/>
+              <a:rPr lang="en-GB" sz="1300" b="1"/>
               <a:t>Traditional vs DeFi</a:t>
             </a:r>
             <a:r>
-              <a:rPr lang="en-GB" sz="1300" dirty="0"/>
+              <a:rPr lang="en-GB" sz="1300"/>
               <a:t>: DeFi's 24/7 operation and instant transactions contrast traditional finance's intermediaries and banking hours. Notably, DeFi carries more risk due to its unregulated nature.</a:t>
             </a:r>
           </a:p>
@@ -13685,22 +14124,22 @@
             <a:pPr marL="114300" indent="0" algn="l">
               <a:buNone/>
             </a:pPr>
-            <a:endParaRPr lang="en-GB" sz="1300" dirty="0"/>
+            <a:endParaRPr lang="en-GB" sz="1300"/>
           </a:p>
           <a:p>
             <a:pPr marL="114300" indent="0" algn="l">
               <a:buNone/>
             </a:pPr>
             <a:r>
-              <a:rPr lang="en-GB" sz="1300" dirty="0"/>
+              <a:rPr lang="en-GB" sz="1300"/>
               <a:t>- </a:t>
             </a:r>
             <a:r>
-              <a:rPr lang="en-GB" sz="1300" b="1" dirty="0"/>
+              <a:rPr lang="en-GB" sz="1300" b="1"/>
               <a:t>Liquidity Pools</a:t>
             </a:r>
             <a:r>
-              <a:rPr lang="en-GB" sz="1300" dirty="0"/>
+              <a:rPr lang="en-GB" sz="1300"/>
               <a:t>: Shared funds in DeFi enabling seamless trading. Users contribute to these pools and earn trading fees.</a:t>
             </a:r>
           </a:p>
@@ -13708,22 +14147,22 @@
             <a:pPr marL="114300" indent="0" algn="l">
               <a:buNone/>
             </a:pPr>
-            <a:endParaRPr lang="en-GB" sz="1300" dirty="0"/>
+            <a:endParaRPr lang="en-GB" sz="1300"/>
           </a:p>
           <a:p>
             <a:pPr marL="114300" indent="0" algn="l">
               <a:buNone/>
             </a:pPr>
             <a:r>
-              <a:rPr lang="en-GB" sz="1300" dirty="0"/>
+              <a:rPr lang="en-GB" sz="1300"/>
               <a:t>- </a:t>
             </a:r>
             <a:r>
-              <a:rPr lang="en-GB" sz="1300" b="1" dirty="0"/>
+              <a:rPr lang="en-GB" sz="1300" b="1"/>
               <a:t>Uniswap</a:t>
             </a:r>
             <a:r>
-              <a:rPr lang="en-GB" sz="1300" dirty="0"/>
+              <a:rPr lang="en-GB" sz="1300"/>
               <a:t>: A key DeFi player, Uniswap uses an innovative market maker model on Ethereum. Our focus is on WBTC-WETH pools due to their significant liquidity and volumes.</a:t>
             </a:r>
           </a:p>
@@ -13731,30 +14170,30 @@
             <a:pPr marL="114300" indent="0" algn="l">
               <a:buNone/>
             </a:pPr>
-            <a:endParaRPr lang="en-GB" sz="1300" dirty="0"/>
+            <a:endParaRPr lang="en-GB" sz="1300"/>
           </a:p>
           <a:p>
             <a:pPr marL="114300" indent="0" algn="l">
               <a:buNone/>
             </a:pPr>
             <a:r>
-              <a:rPr lang="en-GB" sz="1300" dirty="0"/>
+              <a:rPr lang="en-GB" sz="1300"/>
               <a:t>Employing data engineering and predictive </a:t>
             </a:r>
             <a:r>
-              <a:rPr lang="en-GB" sz="1300" dirty="0" err="1"/>
+              <a:rPr lang="en-GB" sz="1300" err="1"/>
               <a:t>modeling</a:t>
             </a:r>
             <a:r>
-              <a:rPr lang="en-GB" sz="1300" dirty="0"/>
+              <a:rPr lang="en-GB" sz="1300"/>
               <a:t>, we </a:t>
             </a:r>
             <a:r>
-              <a:rPr lang="en-GB" sz="1300" dirty="0" err="1"/>
+              <a:rPr lang="en-GB" sz="1300" err="1"/>
               <a:t>analyze</a:t>
             </a:r>
             <a:r>
-              <a:rPr lang="en-GB" sz="1300" dirty="0"/>
+              <a:rPr lang="en-GB" sz="1300"/>
               <a:t> diverse data, select key features, evaluate risks, and apply mathematical equations. </a:t>
             </a:r>
           </a:p>
@@ -13763,10 +14202,10 @@
               <a:buNone/>
             </a:pPr>
             <a:r>
-              <a:rPr lang="en-GB" sz="1300" i="1" dirty="0"/>
+              <a:rPr lang="en-GB" sz="1300" i="1"/>
               <a:t>Our work serves as an open framework for continuous research in this rapidly evolving field.</a:t>
             </a:r>
-            <a:endParaRPr lang="en-GB" sz="1300" b="1" i="1" dirty="0"/>
+            <a:endParaRPr lang="en-GB" sz="1300" b="1" i="1"/>
           </a:p>
         </p:txBody>
       </p:sp>
@@ -13784,8 +14223,8 @@
         </p:nvGrpSpPr>
         <p:grpSpPr>
           <a:xfrm>
-            <a:off x="5170285" y="1158171"/>
-            <a:ext cx="3793605" cy="3309920"/>
+            <a:off x="5367425" y="1158172"/>
+            <a:ext cx="3596465" cy="3260318"/>
             <a:chOff x="5391913" y="1435463"/>
             <a:chExt cx="3181473" cy="3394348"/>
           </a:xfrm>
@@ -13934,7 +14373,7 @@
               <a:buNone/>
             </a:pPr>
             <a:r>
-              <a:rPr lang="en" sz="500" dirty="0">
+              <a:rPr lang="en" sz="500">
                 <a:solidFill>
                   <a:schemeClr val="accent3"/>
                 </a:solidFill>
@@ -13946,7 +14385,7 @@
               <a:t>Makarov, I., &amp; Schoar, A. (2022). Cryptocurrencies and Decentralized Finance (DeFi). In BPEA Conference Drafts, March 24-25, 2022. Retrieved from </a:t>
             </a:r>
             <a:r>
-              <a:rPr lang="en" sz="500" u="sng" dirty="0">
+              <a:rPr lang="en" sz="500" u="sng">
                 <a:solidFill>
                   <a:schemeClr val="accent5"/>
                 </a:solidFill>
@@ -13964,7 +14403,65 @@
               </a:rPr>
               <a:t>https://www.brookings.edu/wp-content/uploads/2022/03/SP22_BPEA_MakarovSchoar_conf-draft.pdf</a:t>
             </a:r>
-            <a:endParaRPr sz="400" dirty="0">
+            <a:endParaRPr sz="400">
+              <a:latin typeface="Proxima Nova"/>
+              <a:ea typeface="Proxima Nova"/>
+              <a:cs typeface="Proxima Nova"/>
+              <a:sym typeface="Proxima Nova"/>
+            </a:endParaRPr>
+          </a:p>
+        </p:txBody>
+      </p:sp>
+      <p:sp>
+        <p:nvSpPr>
+          <p:cNvPr id="7" name="Google Shape;112;p20">
+            <a:extLst>
+              <a:ext uri="{FF2B5EF4-FFF2-40B4-BE49-F238E27FC236}">
+                <a16:creationId xmlns:a16="http://schemas.microsoft.com/office/drawing/2014/main" id="{6AF1F334-DA88-5B97-C042-3BC70105DF27}"/>
+              </a:ext>
+            </a:extLst>
+          </p:cNvPr>
+          <p:cNvSpPr txBox="1"/>
+          <p:nvPr/>
+        </p:nvSpPr>
+        <p:spPr>
+          <a:xfrm>
+            <a:off x="6285260" y="848463"/>
+            <a:ext cx="2104526" cy="338524"/>
+          </a:xfrm>
+          <a:prstGeom prst="rect">
+            <a:avLst/>
+          </a:prstGeom>
+          <a:noFill/>
+          <a:ln>
+            <a:noFill/>
+          </a:ln>
+        </p:spPr>
+        <p:txBody>
+          <a:bodyPr spcFirstLastPara="1" wrap="square" lIns="91425" tIns="91425" rIns="91425" bIns="91425" anchor="t" anchorCtr="0">
+            <a:spAutoFit/>
+          </a:bodyPr>
+          <a:lstStyle/>
+          <a:p>
+            <a:pPr marL="0" lvl="0" indent="0" algn="l" rtl="0">
+              <a:spcBef>
+                <a:spcPts val="0"/>
+              </a:spcBef>
+              <a:spcAft>
+                <a:spcPts val="0"/>
+              </a:spcAft>
+              <a:buNone/>
+            </a:pPr>
+            <a:r>
+              <a:rPr lang="en" sz="1000">
+                <a:latin typeface="Proxima Nova"/>
+                <a:ea typeface="Proxima Nova"/>
+                <a:cs typeface="Proxima Nova"/>
+                <a:sym typeface="Proxima Nova"/>
+              </a:rPr>
+              <a:t>ETH and BTC Price Movement</a:t>
+            </a:r>
+            <a:endParaRPr sz="1000">
               <a:latin typeface="Proxima Nova"/>
               <a:ea typeface="Proxima Nova"/>
               <a:cs typeface="Proxima Nova"/>
@@ -14019,7 +14516,7 @@
         </p:spPr>
         <p:txBody>
           <a:bodyPr spcFirstLastPara="1" wrap="square" lIns="91425" tIns="91425" rIns="91425" bIns="91425" anchor="t" anchorCtr="0">
-            <a:normAutofit fontScale="90000"/>
+            <a:normAutofit/>
           </a:bodyPr>
           <a:lstStyle/>
           <a:p>
@@ -14033,10 +14530,10 @@
               <a:buNone/>
             </a:pPr>
             <a:r>
-              <a:rPr lang="en-GB" sz="2400" b="1" dirty="0"/>
+              <a:rPr lang="en-GB" sz="2400" b="1"/>
               <a:t>Literature Review: Key Takeaways</a:t>
             </a:r>
-            <a:endParaRPr sz="2400" b="1" dirty="0">
+            <a:endParaRPr sz="2400" b="1">
               <a:latin typeface="Söhne"/>
             </a:endParaRPr>
           </a:p>
@@ -14080,31 +14577,31 @@
               <a:buNone/>
             </a:pPr>
             <a:r>
-              <a:rPr lang="en-GB" sz="1300" dirty="0"/>
+              <a:rPr lang="en-GB" sz="1300"/>
               <a:t>Our study is primarily </a:t>
             </a:r>
             <a:r>
-              <a:rPr lang="en-GB" sz="1300" dirty="0" err="1"/>
+              <a:rPr lang="en-GB" sz="1300" err="1"/>
               <a:t>modeled</a:t>
             </a:r>
             <a:r>
-              <a:rPr lang="en-GB" sz="1300" dirty="0"/>
+              <a:rPr lang="en-GB" sz="1300"/>
               <a:t> after “</a:t>
             </a:r>
             <a:r>
-              <a:rPr lang="en-GB" sz="1300" dirty="0" err="1"/>
+              <a:rPr lang="en-GB" sz="1300" err="1"/>
               <a:t>Modeling</a:t>
             </a:r>
             <a:r>
-              <a:rPr lang="en-GB" sz="1300" dirty="0"/>
+              <a:rPr lang="en-GB" sz="1300"/>
               <a:t> and Forecasting Trading Volume on Uniswap v3 Liquidity Pools” (</a:t>
             </a:r>
             <a:r>
-              <a:rPr lang="en-GB" sz="1300" dirty="0" err="1"/>
+              <a:rPr lang="en-GB" sz="1300" err="1"/>
               <a:t>Miori</a:t>
             </a:r>
             <a:r>
-              <a:rPr lang="en-GB" sz="1300" dirty="0"/>
+              <a:rPr lang="en-GB" sz="1300"/>
               <a:t>, 2023).</a:t>
             </a:r>
           </a:p>
@@ -14122,31 +14619,31 @@
               <a:buNone/>
             </a:pPr>
             <a:r>
-              <a:rPr lang="en-GB" sz="1300" dirty="0"/>
+              <a:rPr lang="en-GB" sz="1300"/>
               <a:t>1. </a:t>
             </a:r>
             <a:r>
-              <a:rPr lang="en-GB" sz="1300" b="1" dirty="0"/>
+              <a:rPr lang="en-GB" sz="1300" b="1"/>
               <a:t>Uniswap &amp; Liquidity Pools</a:t>
             </a:r>
             <a:r>
-              <a:rPr lang="en-GB" sz="1300" dirty="0"/>
+              <a:rPr lang="en-GB" sz="1300"/>
               <a:t>: Central to DeFi, liquidity pools on Uniswap enable efficient trading (</a:t>
             </a:r>
             <a:r>
-              <a:rPr lang="en-GB" sz="1300" dirty="0" err="1"/>
+              <a:rPr lang="en-GB" sz="1300" err="1"/>
               <a:t>Miori</a:t>
             </a:r>
             <a:r>
-              <a:rPr lang="en-GB" sz="1300" dirty="0"/>
+              <a:rPr lang="en-GB" sz="1300"/>
               <a:t>, 2022; Aigner, 2021). Uniswap v3's refined CPMM model optimizes capital usage (</a:t>
             </a:r>
             <a:r>
-              <a:rPr lang="en-GB" sz="1300" dirty="0" err="1"/>
+              <a:rPr lang="en-GB" sz="1300" err="1"/>
               <a:t>Elsts</a:t>
             </a:r>
             <a:r>
-              <a:rPr lang="en-GB" sz="1300" dirty="0"/>
+              <a:rPr lang="en-GB" sz="1300"/>
               <a:t>, 2021).</a:t>
             </a:r>
           </a:p>
@@ -14164,23 +14661,23 @@
               <a:buNone/>
             </a:pPr>
             <a:r>
-              <a:rPr lang="en-GB" sz="1300" dirty="0"/>
+              <a:rPr lang="en-GB" sz="1300"/>
               <a:t>2. </a:t>
             </a:r>
             <a:r>
-              <a:rPr lang="en-GB" sz="1300" b="1" dirty="0"/>
+              <a:rPr lang="en-GB" sz="1300" b="1"/>
               <a:t>WBTC-WETH Pools</a:t>
             </a:r>
             <a:r>
-              <a:rPr lang="en-GB" sz="1300" dirty="0"/>
+              <a:rPr lang="en-GB" sz="1300"/>
               <a:t>: WBTC-WETH pools are of interest due to large trading volume/liquidity (</a:t>
             </a:r>
             <a:r>
-              <a:rPr lang="en-GB" sz="1300" dirty="0" err="1"/>
+              <a:rPr lang="en-GB" sz="1300" err="1"/>
               <a:t>Heimbach</a:t>
             </a:r>
             <a:r>
-              <a:rPr lang="en-GB" sz="1300" dirty="0"/>
+              <a:rPr lang="en-GB" sz="1300"/>
               <a:t>, 2022).</a:t>
             </a:r>
           </a:p>
@@ -14198,31 +14695,31 @@
               <a:buNone/>
             </a:pPr>
             <a:r>
-              <a:rPr lang="en-GB" sz="1300" dirty="0"/>
+              <a:rPr lang="en-GB" sz="1300"/>
               <a:t>3. </a:t>
             </a:r>
             <a:r>
-              <a:rPr lang="en-GB" sz="1300" b="1" dirty="0"/>
+              <a:rPr lang="en-GB" sz="1300" b="1"/>
               <a:t>Spillover Effects</a:t>
             </a:r>
             <a:r>
-              <a:rPr lang="en-GB" sz="1300" dirty="0"/>
+              <a:rPr lang="en-GB" sz="1300"/>
               <a:t>: Centralized exchanges like </a:t>
             </a:r>
             <a:r>
-              <a:rPr lang="en-GB" sz="1300" dirty="0" err="1"/>
+              <a:rPr lang="en-GB" sz="1300" err="1"/>
               <a:t>Binance</a:t>
             </a:r>
             <a:r>
-              <a:rPr lang="en-GB" sz="1300" dirty="0"/>
+              <a:rPr lang="en-GB" sz="1300"/>
               <a:t> can influence DEXs trading volume (</a:t>
             </a:r>
             <a:r>
-              <a:rPr lang="en-GB" sz="1300" dirty="0" err="1"/>
+              <a:rPr lang="en-GB" sz="1300" err="1"/>
               <a:t>Miori</a:t>
             </a:r>
             <a:r>
-              <a:rPr lang="en-GB" sz="1300" dirty="0"/>
+              <a:rPr lang="en-GB" sz="1300"/>
               <a:t>, 2023).</a:t>
             </a:r>
           </a:p>
@@ -14303,7 +14800,7 @@
               <a:buNone/>
             </a:pPr>
             <a:r>
-              <a:rPr lang="en-GB" sz="1300" dirty="0">
+              <a:rPr lang="en-GB" sz="1300">
                 <a:solidFill>
                   <a:schemeClr val="accent3"/>
                 </a:solidFill>
@@ -14313,7 +14810,7 @@
               <a:t>4. </a:t>
             </a:r>
             <a:r>
-              <a:rPr lang="en-GB" sz="1300" b="1" dirty="0">
+              <a:rPr lang="en-GB" sz="1300" b="1">
                 <a:solidFill>
                   <a:schemeClr val="accent3"/>
                 </a:solidFill>
@@ -14323,7 +14820,7 @@
               <a:t>Methodologies: </a:t>
             </a:r>
             <a:r>
-              <a:rPr lang="en-GB" sz="1300" dirty="0">
+              <a:rPr lang="en-GB" sz="1300">
                 <a:solidFill>
                   <a:schemeClr val="accent3"/>
                 </a:solidFill>
@@ -14333,7 +14830,7 @@
               <a:t>Research employs regression models (like OLS) to </a:t>
             </a:r>
             <a:r>
-              <a:rPr lang="en-GB" sz="1300" dirty="0" err="1">
+              <a:rPr lang="en-GB" sz="1300" err="1">
                 <a:solidFill>
                   <a:schemeClr val="accent3"/>
                 </a:solidFill>
@@ -14343,7 +14840,7 @@
               <a:t>analyze</a:t>
             </a:r>
             <a:r>
-              <a:rPr lang="en-GB" sz="1300" dirty="0">
+              <a:rPr lang="en-GB" sz="1300">
                 <a:solidFill>
                   <a:schemeClr val="accent3"/>
                 </a:solidFill>
@@ -14353,7 +14850,7 @@
               <a:t> liquidity pools, with suggestions for future non-linear models and exploration of additional factors (</a:t>
             </a:r>
             <a:r>
-              <a:rPr lang="en-GB" sz="1300" dirty="0" err="1">
+              <a:rPr lang="en-GB" sz="1300" err="1">
                 <a:solidFill>
                   <a:schemeClr val="accent3"/>
                 </a:solidFill>
@@ -14363,7 +14860,7 @@
               <a:t>Miori</a:t>
             </a:r>
             <a:r>
-              <a:rPr lang="en-GB" sz="1300" dirty="0">
+              <a:rPr lang="en-GB" sz="1300">
                 <a:solidFill>
                   <a:schemeClr val="accent3"/>
                 </a:solidFill>
@@ -14389,7 +14886,7 @@
         </p:nvSpPr>
         <p:spPr>
           <a:xfrm>
-            <a:off x="5444836" y="673829"/>
+            <a:off x="5444836" y="828695"/>
             <a:ext cx="3564000" cy="400200"/>
           </a:xfrm>
           <a:prstGeom prst="rect">
@@ -14416,11 +14913,11 @@
               <a:buNone/>
             </a:pPr>
             <a:r>
-              <a:rPr lang="en" sz="700" dirty="0"/>
+              <a:rPr lang="en" sz="700"/>
               <a:t>LeewayHertz. "What are Liquidity Pools?" Retrieved from</a:t>
             </a:r>
             <a:r>
-              <a:rPr lang="en" sz="700" dirty="0">
+              <a:rPr lang="en" sz="700">
                 <a:uFill>
                   <a:noFill/>
                 </a:uFill>
@@ -14429,7 +14926,7 @@
               <a:t> </a:t>
             </a:r>
             <a:r>
-              <a:rPr lang="en" sz="700" u="sng" dirty="0">
+              <a:rPr lang="en" sz="700" u="sng">
                 <a:solidFill>
                   <a:schemeClr val="hlink"/>
                 </a:solidFill>
@@ -14437,7 +14934,7 @@
               </a:rPr>
               <a:t>https://www.leewayhertz.com/what-are-liquidity-pools/</a:t>
             </a:r>
-            <a:endParaRPr sz="1000" dirty="0">
+            <a:endParaRPr sz="1000">
               <a:latin typeface="Proxima Nova"/>
               <a:ea typeface="Proxima Nova"/>
               <a:cs typeface="Proxima Nova"/>
@@ -14500,7 +14997,7 @@
               <a:buNone/>
             </a:pPr>
             <a:br>
-              <a:rPr lang="en-GB" sz="1400" b="1" i="0" dirty="0">
+              <a:rPr lang="en-GB" sz="1400" b="1" i="0">
                 <a:solidFill>
                   <a:srgbClr val="374151"/>
                 </a:solidFill>
@@ -14509,14 +15006,14 @@
               </a:rPr>
             </a:br>
             <a:r>
-              <a:rPr lang="en-GB" sz="2200" b="1" dirty="0">
+              <a:rPr lang="en-GB" sz="2200" b="1">
                 <a:solidFill>
                   <a:schemeClr val="dk1"/>
                 </a:solidFill>
               </a:rPr>
               <a:t>Problem Statement</a:t>
             </a:r>
-            <a:endParaRPr lang="en-GB" sz="1400" dirty="0">
+            <a:endParaRPr lang="en-GB" sz="1400">
               <a:solidFill>
                 <a:srgbClr val="374151"/>
               </a:solidFill>
@@ -14528,7 +15025,7 @@
               <a:buNone/>
             </a:pPr>
             <a:r>
-              <a:rPr lang="en-GB" sz="1300" dirty="0"/>
+              <a:rPr lang="en-GB" sz="1300"/>
               <a:t>The impact of liquidity injection into decentralized exchange (DEX) pools, particularly BTC-ETH pools on Uniswap, on trading volumes is not well understood. This gap extends to understanding the interplay between different DEX pools and the potential spillover effects from centralized exchanges. This lack of clarity hinders optimal decision-making for stakeholders in the DeFi ecosystem.</a:t>
             </a:r>
           </a:p>
@@ -14536,13 +15033,13 @@
             <a:pPr marL="114300" indent="0" algn="ctr">
               <a:buNone/>
             </a:pPr>
-            <a:endParaRPr lang="en-GB" sz="1300" dirty="0"/>
+            <a:endParaRPr lang="en-GB" sz="1300"/>
           </a:p>
           <a:p>
             <a:pPr marL="114300" indent="0" algn="ctr">
               <a:buNone/>
             </a:pPr>
-            <a:endParaRPr lang="en-GB" sz="1300" dirty="0"/>
+            <a:endParaRPr lang="en-GB" sz="1300"/>
           </a:p>
           <a:p>
             <a:pPr marL="114300" indent="0" algn="ctr">
@@ -14550,14 +15047,14 @@
               <a:buNone/>
             </a:pPr>
             <a:r>
-              <a:rPr lang="en-GB" sz="2200" b="1" dirty="0">
+              <a:rPr lang="en-GB" sz="2200" b="1">
                 <a:solidFill>
                   <a:schemeClr val="dk1"/>
                 </a:solidFill>
               </a:rPr>
               <a:t>Hypothesis</a:t>
             </a:r>
-            <a:endParaRPr lang="en-GB" sz="1400" dirty="0">
+            <a:endParaRPr lang="en-GB" sz="1400">
               <a:solidFill>
                 <a:srgbClr val="374151"/>
               </a:solidFill>
@@ -14570,7 +15067,7 @@
               <a:buNone/>
             </a:pPr>
             <a:r>
-              <a:rPr lang="en-GB" sz="1300" dirty="0"/>
+              <a:rPr lang="en-GB" sz="1300"/>
               <a:t>We anticipate that increased liquidity injections into DEX pools will positively correlate with trading volumes. </a:t>
             </a:r>
           </a:p>
@@ -14578,7 +15075,7 @@
             <a:pPr marL="114300" indent="0" algn="ctr">
               <a:buNone/>
             </a:pPr>
-            <a:endParaRPr lang="en-GB" sz="1300" dirty="0"/>
+            <a:endParaRPr lang="en-GB" sz="1300"/>
           </a:p>
         </p:txBody>
       </p:sp>
@@ -14866,7 +15363,7 @@
               <a:buNone/>
             </a:pPr>
             <a:r>
-              <a:rPr lang="en-GB" sz="1300" dirty="0"/>
+              <a:rPr lang="en-GB" sz="1300"/>
               <a:t>Furthermore, we expect inter-effects across different DEX pools and significant spillover effects from centralized exchanges. </a:t>
             </a:r>
           </a:p>
@@ -14875,21 +15372,21 @@
               <a:buFont typeface="Proxima Nova"/>
               <a:buNone/>
             </a:pPr>
-            <a:endParaRPr lang="en-GB" sz="1300" dirty="0"/>
+            <a:endParaRPr lang="en-GB" sz="1300"/>
           </a:p>
           <a:p>
             <a:pPr marL="114300" indent="0" algn="ctr">
               <a:buFont typeface="Proxima Nova"/>
               <a:buNone/>
             </a:pPr>
-            <a:endParaRPr lang="en-GB" sz="1300" dirty="0"/>
+            <a:endParaRPr lang="en-GB" sz="1300"/>
           </a:p>
           <a:p>
             <a:pPr marL="114300" indent="0" algn="ctr">
               <a:buFont typeface="Proxima Nova"/>
               <a:buNone/>
             </a:pPr>
-            <a:endParaRPr lang="en-GB" sz="1300" dirty="0"/>
+            <a:endParaRPr lang="en-GB" sz="1300"/>
           </a:p>
           <a:p>
             <a:pPr marL="114300" indent="0" algn="ctr">
@@ -14897,7 +15394,7 @@
               <a:buNone/>
             </a:pPr>
             <a:r>
-              <a:rPr lang="en-GB" sz="1300" i="1" dirty="0"/>
+              <a:rPr lang="en-GB" sz="1300" i="1"/>
               <a:t>Our research aims to quantify these effects and provide actionable insights and code for liquidity providers, traders, and platform architects in DeFi.</a:t>
             </a:r>
           </a:p>
@@ -14944,22 +15441,23 @@
             <p:ph type="title"/>
           </p:nvPr>
         </p:nvSpPr>
-        <p:spPr/>
+        <p:spPr>
+          <a:noFill/>
+          <a:ln>
+            <a:noFill/>
+          </a:ln>
+        </p:spPr>
         <p:txBody>
-          <a:bodyPr>
-            <a:normAutofit fontScale="90000"/>
+          <a:bodyPr spcFirstLastPara="1" wrap="square" lIns="91425" tIns="91425" rIns="91425" bIns="91425" anchor="t" anchorCtr="0">
+            <a:normAutofit/>
           </a:bodyPr>
           <a:lstStyle/>
           <a:p>
             <a:r>
-              <a:rPr lang="en" sz="2400" b="1" dirty="0">
-                <a:latin typeface="Söhne"/>
-              </a:rPr>
+              <a:rPr lang="en" sz="2400" b="1"/>
               <a:t>Analytical Methodology I</a:t>
             </a:r>
-            <a:endParaRPr lang="en-GB" sz="2400" b="1" dirty="0">
-              <a:latin typeface="Söhne"/>
-            </a:endParaRPr>
+            <a:endParaRPr lang="en-GB" sz="2400" b="1"/>
           </a:p>
         </p:txBody>
       </p:sp>
@@ -15005,7 +15503,7 @@
               <a:buNone/>
             </a:pPr>
             <a:r>
-              <a:rPr lang="en-GB" sz="1300" dirty="0">
+              <a:rPr lang="en-GB" sz="1300">
                 <a:solidFill>
                   <a:schemeClr val="accent3"/>
                 </a:solidFill>
@@ -15015,11 +15513,11 @@
               <a:t>From data collection to analysis, our rigorous approach, </a:t>
             </a:r>
             <a:r>
-              <a:rPr lang="en" sz="1300" dirty="0"/>
+              <a:rPr lang="en" sz="1300"/>
               <a:t>modeled after existing research,</a:t>
             </a:r>
             <a:r>
-              <a:rPr lang="en-GB" sz="1300" dirty="0">
+              <a:rPr lang="en-GB" sz="1300">
                 <a:solidFill>
                   <a:schemeClr val="accent3"/>
                 </a:solidFill>
@@ -15046,19 +15544,21 @@
           <p:nvPr>
             <p:extLst>
               <p:ext uri="{D42A27DB-BD31-4B8C-83A1-F6EECF244321}">
-                <p14:modId xmlns:p14="http://schemas.microsoft.com/office/powerpoint/2010/main" val="4166369477"/>
+                <p14:modId xmlns:p14="http://schemas.microsoft.com/office/powerpoint/2010/main" val="518699267"/>
               </p:ext>
             </p:extLst>
           </p:nvPr>
         </p:nvGraphicFramePr>
         <p:xfrm>
-          <a:off x="564204" y="1913106"/>
+          <a:off x="677693" y="1809739"/>
           <a:ext cx="7788613" cy="2768734"/>
         </p:xfrm>
         <a:graphic>
           <a:graphicData uri="http://schemas.openxmlformats.org/drawingml/2006/table">
             <a:tbl>
-              <a:tblPr/>
+              <a:tblPr firstRow="1" bandRow="1">
+                <a:tableStyleId>{D27102A9-8310-4765-A935-A1911B00CA55}</a:tableStyleId>
+              </a:tblPr>
               <a:tblGrid>
                 <a:gridCol w="2772646">
                   <a:extLst>
@@ -15090,47 +15590,7 @@
                       </a:r>
                     </a:p>
                   </a:txBody>
-                  <a:tcPr anchor="b">
-                    <a:lnL w="9525" cap="flat" cmpd="sng" algn="ctr">
-                      <a:solidFill>
-                        <a:srgbClr val="D9D9E3"/>
-                      </a:solidFill>
-                      <a:prstDash val="solid"/>
-                      <a:round/>
-                      <a:headEnd type="none" w="med" len="med"/>
-                      <a:tailEnd type="none" w="med" len="med"/>
-                    </a:lnL>
-                    <a:lnR w="9525" cap="flat" cmpd="sng" algn="ctr">
-                      <a:solidFill>
-                        <a:srgbClr val="D9D9E3"/>
-                      </a:solidFill>
-                      <a:prstDash val="solid"/>
-                      <a:round/>
-                      <a:headEnd type="none" w="med" len="med"/>
-                      <a:tailEnd type="none" w="med" len="med"/>
-                    </a:lnR>
-                    <a:lnT w="9525" cap="flat" cmpd="sng" algn="ctr">
-                      <a:solidFill>
-                        <a:srgbClr val="D9D9E3"/>
-                      </a:solidFill>
-                      <a:prstDash val="solid"/>
-                      <a:round/>
-                      <a:headEnd type="none" w="med" len="med"/>
-                      <a:tailEnd type="none" w="med" len="med"/>
-                    </a:lnT>
-                    <a:lnB w="12700" cap="flat" cmpd="sng" algn="ctr">
-                      <a:solidFill>
-                        <a:srgbClr val="D9D9E3"/>
-                      </a:solidFill>
-                      <a:prstDash val="solid"/>
-                      <a:round/>
-                      <a:headEnd type="none" w="med" len="med"/>
-                      <a:tailEnd type="none" w="med" len="med"/>
-                    </a:lnB>
-                    <a:solidFill>
-                      <a:srgbClr val="F7F7F8"/>
-                    </a:solidFill>
-                  </a:tcPr>
+                  <a:tcPr anchor="b"/>
                 </a:tc>
                 <a:tc>
                   <a:txBody>
@@ -15146,47 +15606,7 @@
                       </a:r>
                     </a:p>
                   </a:txBody>
-                  <a:tcPr anchor="b">
-                    <a:lnL w="9525" cap="flat" cmpd="sng" algn="ctr">
-                      <a:solidFill>
-                        <a:srgbClr val="D9D9E3"/>
-                      </a:solidFill>
-                      <a:prstDash val="solid"/>
-                      <a:round/>
-                      <a:headEnd type="none" w="med" len="med"/>
-                      <a:tailEnd type="none" w="med" len="med"/>
-                    </a:lnL>
-                    <a:lnR w="9525" cap="flat" cmpd="sng" algn="ctr">
-                      <a:solidFill>
-                        <a:srgbClr val="D9D9E3"/>
-                      </a:solidFill>
-                      <a:prstDash val="solid"/>
-                      <a:round/>
-                      <a:headEnd type="none" w="med" len="med"/>
-                      <a:tailEnd type="none" w="med" len="med"/>
-                    </a:lnR>
-                    <a:lnT w="9525" cap="flat" cmpd="sng" algn="ctr">
-                      <a:solidFill>
-                        <a:srgbClr val="D9D9E3"/>
-                      </a:solidFill>
-                      <a:prstDash val="solid"/>
-                      <a:round/>
-                      <a:headEnd type="none" w="med" len="med"/>
-                      <a:tailEnd type="none" w="med" len="med"/>
-                    </a:lnT>
-                    <a:lnB w="12700" cap="flat" cmpd="sng" algn="ctr">
-                      <a:solidFill>
-                        <a:srgbClr val="D9D9E3"/>
-                      </a:solidFill>
-                      <a:prstDash val="solid"/>
-                      <a:round/>
-                      <a:headEnd type="none" w="med" len="med"/>
-                      <a:tailEnd type="none" w="med" len="med"/>
-                    </a:lnB>
-                    <a:solidFill>
-                      <a:srgbClr val="F7F7F8"/>
-                    </a:solidFill>
-                  </a:tcPr>
+                  <a:tcPr anchor="b"/>
                 </a:tc>
                 <a:extLst>
                   <a:ext uri="{0D108BD9-81ED-4DB2-BD59-A6C34878D82A}">
@@ -15209,47 +15629,7 @@
                       </a:r>
                     </a:p>
                   </a:txBody>
-                  <a:tcPr anchor="ctr">
-                    <a:lnL w="9525" cap="flat" cmpd="sng" algn="ctr">
-                      <a:solidFill>
-                        <a:srgbClr val="D9D9E3"/>
-                      </a:solidFill>
-                      <a:prstDash val="solid"/>
-                      <a:round/>
-                      <a:headEnd type="none" w="med" len="med"/>
-                      <a:tailEnd type="none" w="med" len="med"/>
-                    </a:lnL>
-                    <a:lnR w="9525" cap="flat" cmpd="sng" algn="ctr">
-                      <a:solidFill>
-                        <a:srgbClr val="D9D9E3"/>
-                      </a:solidFill>
-                      <a:prstDash val="solid"/>
-                      <a:round/>
-                      <a:headEnd type="none" w="med" len="med"/>
-                      <a:tailEnd type="none" w="med" len="med"/>
-                    </a:lnR>
-                    <a:lnT w="12700" cap="flat" cmpd="sng" algn="ctr">
-                      <a:solidFill>
-                        <a:srgbClr val="D9D9E3"/>
-                      </a:solidFill>
-                      <a:prstDash val="solid"/>
-                      <a:round/>
-                      <a:headEnd type="none" w="med" len="med"/>
-                      <a:tailEnd type="none" w="med" len="med"/>
-                    </a:lnT>
-                    <a:lnB w="12700" cap="flat" cmpd="sng" algn="ctr">
-                      <a:solidFill>
-                        <a:srgbClr val="D9D9E3"/>
-                      </a:solidFill>
-                      <a:prstDash val="solid"/>
-                      <a:round/>
-                      <a:headEnd type="none" w="med" len="med"/>
-                      <a:tailEnd type="none" w="med" len="med"/>
-                    </a:lnB>
-                    <a:solidFill>
-                      <a:srgbClr val="F7F7F8"/>
-                    </a:solidFill>
-                  </a:tcPr>
+                  <a:tcPr anchor="ctr"/>
                 </a:tc>
                 <a:tc>
                   <a:txBody>
@@ -15258,78 +15638,38 @@
                     <a:p>
                       <a:pPr fontAlgn="base"/>
                       <a:r>
-                        <a:rPr lang="en-GB" sz="1200" dirty="0">
+                        <a:rPr lang="en-GB" sz="1200">
                           <a:effectLst/>
                         </a:rPr>
                         <a:t>Used Uniswap, </a:t>
                       </a:r>
                       <a:r>
-                        <a:rPr lang="en-GB" sz="1200" dirty="0" err="1">
+                        <a:rPr lang="en-GB" sz="1200" err="1">
                           <a:effectLst/>
                         </a:rPr>
                         <a:t>Etherscan</a:t>
                       </a:r>
                       <a:r>
-                        <a:rPr lang="en-GB" sz="1200" dirty="0">
+                        <a:rPr lang="en-GB" sz="1200">
                           <a:effectLst/>
                         </a:rPr>
                         <a:t> and </a:t>
                       </a:r>
                       <a:r>
-                        <a:rPr lang="en-GB" sz="1200" dirty="0" err="1">
+                        <a:rPr lang="en-GB" sz="1200" err="1">
                           <a:effectLst/>
                         </a:rPr>
                         <a:t>Binance</a:t>
                       </a:r>
                       <a:r>
-                        <a:rPr lang="en-GB" sz="1200" dirty="0">
+                        <a:rPr lang="en-GB" sz="1200">
                           <a:effectLst/>
                         </a:rPr>
                         <a:t> APIs</a:t>
                       </a:r>
                     </a:p>
                   </a:txBody>
-                  <a:tcPr anchor="ctr">
-                    <a:lnL w="9525" cap="flat" cmpd="sng" algn="ctr">
-                      <a:solidFill>
-                        <a:srgbClr val="D9D9E3"/>
-                      </a:solidFill>
-                      <a:prstDash val="solid"/>
-                      <a:round/>
-                      <a:headEnd type="none" w="med" len="med"/>
-                      <a:tailEnd type="none" w="med" len="med"/>
-                    </a:lnL>
-                    <a:lnR w="9525" cap="flat" cmpd="sng" algn="ctr">
-                      <a:solidFill>
-                        <a:srgbClr val="D9D9E3"/>
-                      </a:solidFill>
-                      <a:prstDash val="solid"/>
-                      <a:round/>
-                      <a:headEnd type="none" w="med" len="med"/>
-                      <a:tailEnd type="none" w="med" len="med"/>
-                    </a:lnR>
-                    <a:lnT w="12700" cap="flat" cmpd="sng" algn="ctr">
-                      <a:solidFill>
-                        <a:srgbClr val="D9D9E3"/>
-                      </a:solidFill>
-                      <a:prstDash val="solid"/>
-                      <a:round/>
-                      <a:headEnd type="none" w="med" len="med"/>
-                      <a:tailEnd type="none" w="med" len="med"/>
-                    </a:lnT>
-                    <a:lnB w="12700" cap="flat" cmpd="sng" algn="ctr">
-                      <a:solidFill>
-                        <a:srgbClr val="D9D9E3"/>
-                      </a:solidFill>
-                      <a:prstDash val="solid"/>
-                      <a:round/>
-                      <a:headEnd type="none" w="med" len="med"/>
-                      <a:tailEnd type="none" w="med" len="med"/>
-                    </a:lnB>
-                    <a:solidFill>
-                      <a:srgbClr val="F7F7F8"/>
-                    </a:solidFill>
-                  </a:tcPr>
+                  <a:tcPr anchor="ctr"/>
                 </a:tc>
                 <a:extLst>
                   <a:ext uri="{0D108BD9-81ED-4DB2-BD59-A6C34878D82A}">
@@ -15345,54 +15685,14 @@
                     <a:p>
                       <a:pPr fontAlgn="base"/>
                       <a:r>
-                        <a:rPr lang="en-GB" sz="1200" dirty="0">
+                        <a:rPr lang="en-GB" sz="1200">
                           <a:effectLst/>
                         </a:rPr>
                         <a:t>Data Preprocessing</a:t>
                       </a:r>
                     </a:p>
                   </a:txBody>
-                  <a:tcPr anchor="ctr">
-                    <a:lnL w="9525" cap="flat" cmpd="sng" algn="ctr">
-                      <a:solidFill>
-                        <a:srgbClr val="D9D9E3"/>
-                      </a:solidFill>
-                      <a:prstDash val="solid"/>
-                      <a:round/>
-                      <a:headEnd type="none" w="med" len="med"/>
-                      <a:tailEnd type="none" w="med" len="med"/>
-                    </a:lnL>
-                    <a:lnR w="9525" cap="flat" cmpd="sng" algn="ctr">
-                      <a:solidFill>
-                        <a:srgbClr val="D9D9E3"/>
-                      </a:solidFill>
-                      <a:prstDash val="solid"/>
-                      <a:round/>
-                      <a:headEnd type="none" w="med" len="med"/>
-                      <a:tailEnd type="none" w="med" len="med"/>
-                    </a:lnR>
-                    <a:lnT w="12700" cap="flat" cmpd="sng" algn="ctr">
-                      <a:solidFill>
-                        <a:srgbClr val="D9D9E3"/>
-                      </a:solidFill>
-                      <a:prstDash val="solid"/>
-                      <a:round/>
-                      <a:headEnd type="none" w="med" len="med"/>
-                      <a:tailEnd type="none" w="med" len="med"/>
-                    </a:lnT>
-                    <a:lnB w="12700" cap="flat" cmpd="sng" algn="ctr">
-                      <a:solidFill>
-                        <a:srgbClr val="D9D9E3"/>
-                      </a:solidFill>
-                      <a:prstDash val="solid"/>
-                      <a:round/>
-                      <a:headEnd type="none" w="med" len="med"/>
-                      <a:tailEnd type="none" w="med" len="med"/>
-                    </a:lnB>
-                    <a:solidFill>
-                      <a:srgbClr val="F7F7F8"/>
-                    </a:solidFill>
-                  </a:tcPr>
+                  <a:tcPr anchor="ctr"/>
                 </a:tc>
                 <a:tc>
                   <a:txBody>
@@ -15401,54 +15701,14 @@
                     <a:p>
                       <a:pPr fontAlgn="base"/>
                       <a:r>
-                        <a:rPr lang="en-GB" sz="1200" dirty="0">
+                        <a:rPr lang="en-GB" sz="1200">
                           <a:effectLst/>
                         </a:rPr>
                         <a:t>Ensured data consistency and handled missing values</a:t>
                       </a:r>
                     </a:p>
                   </a:txBody>
-                  <a:tcPr anchor="ctr">
-                    <a:lnL w="9525" cap="flat" cmpd="sng" algn="ctr">
-                      <a:solidFill>
-                        <a:srgbClr val="D9D9E3"/>
-                      </a:solidFill>
-                      <a:prstDash val="solid"/>
-                      <a:round/>
-                      <a:headEnd type="none" w="med" len="med"/>
-                      <a:tailEnd type="none" w="med" len="med"/>
-                    </a:lnL>
-                    <a:lnR w="9525" cap="flat" cmpd="sng" algn="ctr">
-                      <a:solidFill>
-                        <a:srgbClr val="D9D9E3"/>
-                      </a:solidFill>
-                      <a:prstDash val="solid"/>
-                      <a:round/>
-                      <a:headEnd type="none" w="med" len="med"/>
-                      <a:tailEnd type="none" w="med" len="med"/>
-                    </a:lnR>
-                    <a:lnT w="12700" cap="flat" cmpd="sng" algn="ctr">
-                      <a:solidFill>
-                        <a:srgbClr val="D9D9E3"/>
-                      </a:solidFill>
-                      <a:prstDash val="solid"/>
-                      <a:round/>
-                      <a:headEnd type="none" w="med" len="med"/>
-                      <a:tailEnd type="none" w="med" len="med"/>
-                    </a:lnT>
-                    <a:lnB w="12700" cap="flat" cmpd="sng" algn="ctr">
-                      <a:solidFill>
-                        <a:srgbClr val="D9D9E3"/>
-                      </a:solidFill>
-                      <a:prstDash val="solid"/>
-                      <a:round/>
-                      <a:headEnd type="none" w="med" len="med"/>
-                      <a:tailEnd type="none" w="med" len="med"/>
-                    </a:lnB>
-                    <a:solidFill>
-                      <a:srgbClr val="F7F7F8"/>
-                    </a:solidFill>
-                  </a:tcPr>
+                  <a:tcPr anchor="ctr"/>
                 </a:tc>
                 <a:extLst>
                   <a:ext uri="{0D108BD9-81ED-4DB2-BD59-A6C34878D82A}">
@@ -15471,47 +15731,7 @@
                       </a:r>
                     </a:p>
                   </a:txBody>
-                  <a:tcPr anchor="ctr">
-                    <a:lnL w="9525" cap="flat" cmpd="sng" algn="ctr">
-                      <a:solidFill>
-                        <a:srgbClr val="D9D9E3"/>
-                      </a:solidFill>
-                      <a:prstDash val="solid"/>
-                      <a:round/>
-                      <a:headEnd type="none" w="med" len="med"/>
-                      <a:tailEnd type="none" w="med" len="med"/>
-                    </a:lnL>
-                    <a:lnR w="9525" cap="flat" cmpd="sng" algn="ctr">
-                      <a:solidFill>
-                        <a:srgbClr val="D9D9E3"/>
-                      </a:solidFill>
-                      <a:prstDash val="solid"/>
-                      <a:round/>
-                      <a:headEnd type="none" w="med" len="med"/>
-                      <a:tailEnd type="none" w="med" len="med"/>
-                    </a:lnR>
-                    <a:lnT w="12700" cap="flat" cmpd="sng" algn="ctr">
-                      <a:solidFill>
-                        <a:srgbClr val="D9D9E3"/>
-                      </a:solidFill>
-                      <a:prstDash val="solid"/>
-                      <a:round/>
-                      <a:headEnd type="none" w="med" len="med"/>
-                      <a:tailEnd type="none" w="med" len="med"/>
-                    </a:lnT>
-                    <a:lnB w="12700" cap="flat" cmpd="sng" algn="ctr">
-                      <a:solidFill>
-                        <a:srgbClr val="D9D9E3"/>
-                      </a:solidFill>
-                      <a:prstDash val="solid"/>
-                      <a:round/>
-                      <a:headEnd type="none" w="med" len="med"/>
-                      <a:tailEnd type="none" w="med" len="med"/>
-                    </a:lnB>
-                    <a:solidFill>
-                      <a:srgbClr val="F7F7F8"/>
-                    </a:solidFill>
-                  </a:tcPr>
+                  <a:tcPr anchor="ctr"/>
                 </a:tc>
                 <a:tc>
                   <a:txBody>
@@ -15527,47 +15747,7 @@
                       </a:r>
                     </a:p>
                   </a:txBody>
-                  <a:tcPr anchor="ctr">
-                    <a:lnL w="9525" cap="flat" cmpd="sng" algn="ctr">
-                      <a:solidFill>
-                        <a:srgbClr val="D9D9E3"/>
-                      </a:solidFill>
-                      <a:prstDash val="solid"/>
-                      <a:round/>
-                      <a:headEnd type="none" w="med" len="med"/>
-                      <a:tailEnd type="none" w="med" len="med"/>
-                    </a:lnL>
-                    <a:lnR w="9525" cap="flat" cmpd="sng" algn="ctr">
-                      <a:solidFill>
-                        <a:srgbClr val="D9D9E3"/>
-                      </a:solidFill>
-                      <a:prstDash val="solid"/>
-                      <a:round/>
-                      <a:headEnd type="none" w="med" len="med"/>
-                      <a:tailEnd type="none" w="med" len="med"/>
-                    </a:lnR>
-                    <a:lnT w="12700" cap="flat" cmpd="sng" algn="ctr">
-                      <a:solidFill>
-                        <a:srgbClr val="D9D9E3"/>
-                      </a:solidFill>
-                      <a:prstDash val="solid"/>
-                      <a:round/>
-                      <a:headEnd type="none" w="med" len="med"/>
-                      <a:tailEnd type="none" w="med" len="med"/>
-                    </a:lnT>
-                    <a:lnB w="12700" cap="flat" cmpd="sng" algn="ctr">
-                      <a:solidFill>
-                        <a:srgbClr val="D9D9E3"/>
-                      </a:solidFill>
-                      <a:prstDash val="solid"/>
-                      <a:round/>
-                      <a:headEnd type="none" w="med" len="med"/>
-                      <a:tailEnd type="none" w="med" len="med"/>
-                    </a:lnB>
-                    <a:solidFill>
-                      <a:srgbClr val="F7F7F8"/>
-                    </a:solidFill>
-                  </a:tcPr>
+                  <a:tcPr anchor="ctr"/>
                 </a:tc>
                 <a:extLst>
                   <a:ext uri="{0D108BD9-81ED-4DB2-BD59-A6C34878D82A}">
@@ -15583,54 +15763,14 @@
                     <a:p>
                       <a:pPr fontAlgn="base"/>
                       <a:r>
-                        <a:rPr lang="en-GB" sz="1200" dirty="0">
+                        <a:rPr lang="en-GB" sz="1200">
                           <a:effectLst/>
                         </a:rPr>
                         <a:t>Features &amp; Model Construction</a:t>
                       </a:r>
                     </a:p>
                   </a:txBody>
-                  <a:tcPr anchor="ctr">
-                    <a:lnL w="9525" cap="flat" cmpd="sng" algn="ctr">
-                      <a:solidFill>
-                        <a:srgbClr val="D9D9E3"/>
-                      </a:solidFill>
-                      <a:prstDash val="solid"/>
-                      <a:round/>
-                      <a:headEnd type="none" w="med" len="med"/>
-                      <a:tailEnd type="none" w="med" len="med"/>
-                    </a:lnL>
-                    <a:lnR w="9525" cap="flat" cmpd="sng" algn="ctr">
-                      <a:solidFill>
-                        <a:srgbClr val="D9D9E3"/>
-                      </a:solidFill>
-                      <a:prstDash val="solid"/>
-                      <a:round/>
-                      <a:headEnd type="none" w="med" len="med"/>
-                      <a:tailEnd type="none" w="med" len="med"/>
-                    </a:lnR>
-                    <a:lnT w="12700" cap="flat" cmpd="sng" algn="ctr">
-                      <a:solidFill>
-                        <a:srgbClr val="D9D9E3"/>
-                      </a:solidFill>
-                      <a:prstDash val="solid"/>
-                      <a:round/>
-                      <a:headEnd type="none" w="med" len="med"/>
-                      <a:tailEnd type="none" w="med" len="med"/>
-                    </a:lnT>
-                    <a:lnB w="12700" cap="flat" cmpd="sng" algn="ctr">
-                      <a:solidFill>
-                        <a:srgbClr val="D9D9E3"/>
-                      </a:solidFill>
-                      <a:prstDash val="solid"/>
-                      <a:round/>
-                      <a:headEnd type="none" w="med" len="med"/>
-                      <a:tailEnd type="none" w="med" len="med"/>
-                    </a:lnB>
-                    <a:solidFill>
-                      <a:srgbClr val="F7F7F8"/>
-                    </a:solidFill>
-                  </a:tcPr>
+                  <a:tcPr anchor="ctr"/>
                 </a:tc>
                 <a:tc>
                   <a:txBody>
@@ -15646,47 +15786,7 @@
                       </a:r>
                     </a:p>
                   </a:txBody>
-                  <a:tcPr anchor="ctr">
-                    <a:lnL w="9525" cap="flat" cmpd="sng" algn="ctr">
-                      <a:solidFill>
-                        <a:srgbClr val="D9D9E3"/>
-                      </a:solidFill>
-                      <a:prstDash val="solid"/>
-                      <a:round/>
-                      <a:headEnd type="none" w="med" len="med"/>
-                      <a:tailEnd type="none" w="med" len="med"/>
-                    </a:lnL>
-                    <a:lnR w="9525" cap="flat" cmpd="sng" algn="ctr">
-                      <a:solidFill>
-                        <a:srgbClr val="D9D9E3"/>
-                      </a:solidFill>
-                      <a:prstDash val="solid"/>
-                      <a:round/>
-                      <a:headEnd type="none" w="med" len="med"/>
-                      <a:tailEnd type="none" w="med" len="med"/>
-                    </a:lnR>
-                    <a:lnT w="12700" cap="flat" cmpd="sng" algn="ctr">
-                      <a:solidFill>
-                        <a:srgbClr val="D9D9E3"/>
-                      </a:solidFill>
-                      <a:prstDash val="solid"/>
-                      <a:round/>
-                      <a:headEnd type="none" w="med" len="med"/>
-                      <a:tailEnd type="none" w="med" len="med"/>
-                    </a:lnT>
-                    <a:lnB w="12700" cap="flat" cmpd="sng" algn="ctr">
-                      <a:solidFill>
-                        <a:srgbClr val="D9D9E3"/>
-                      </a:solidFill>
-                      <a:prstDash val="solid"/>
-                      <a:round/>
-                      <a:headEnd type="none" w="med" len="med"/>
-                      <a:tailEnd type="none" w="med" len="med"/>
-                    </a:lnB>
-                    <a:solidFill>
-                      <a:srgbClr val="F7F7F8"/>
-                    </a:solidFill>
-                  </a:tcPr>
+                  <a:tcPr anchor="ctr"/>
                 </a:tc>
                 <a:extLst>
                   <a:ext uri="{0D108BD9-81ED-4DB2-BD59-A6C34878D82A}">
@@ -15709,47 +15809,7 @@
                       </a:r>
                     </a:p>
                   </a:txBody>
-                  <a:tcPr anchor="ctr">
-                    <a:lnL w="9525" cap="flat" cmpd="sng" algn="ctr">
-                      <a:solidFill>
-                        <a:srgbClr val="D9D9E3"/>
-                      </a:solidFill>
-                      <a:prstDash val="solid"/>
-                      <a:round/>
-                      <a:headEnd type="none" w="med" len="med"/>
-                      <a:tailEnd type="none" w="med" len="med"/>
-                    </a:lnL>
-                    <a:lnR w="9525" cap="flat" cmpd="sng" algn="ctr">
-                      <a:solidFill>
-                        <a:srgbClr val="D9D9E3"/>
-                      </a:solidFill>
-                      <a:prstDash val="solid"/>
-                      <a:round/>
-                      <a:headEnd type="none" w="med" len="med"/>
-                      <a:tailEnd type="none" w="med" len="med"/>
-                    </a:lnR>
-                    <a:lnT w="12700" cap="flat" cmpd="sng" algn="ctr">
-                      <a:solidFill>
-                        <a:srgbClr val="D9D9E3"/>
-                      </a:solidFill>
-                      <a:prstDash val="solid"/>
-                      <a:round/>
-                      <a:headEnd type="none" w="med" len="med"/>
-                      <a:tailEnd type="none" w="med" len="med"/>
-                    </a:lnT>
-                    <a:lnB w="12700" cap="flat" cmpd="sng" algn="ctr">
-                      <a:solidFill>
-                        <a:srgbClr val="D9D9E3"/>
-                      </a:solidFill>
-                      <a:prstDash val="solid"/>
-                      <a:round/>
-                      <a:headEnd type="none" w="med" len="med"/>
-                      <a:tailEnd type="none" w="med" len="med"/>
-                    </a:lnB>
-                    <a:solidFill>
-                      <a:srgbClr val="F7F7F8"/>
-                    </a:solidFill>
-                  </a:tcPr>
+                  <a:tcPr anchor="ctr"/>
                 </a:tc>
                 <a:tc>
                   <a:txBody>
@@ -15765,47 +15825,7 @@
                       </a:r>
                     </a:p>
                   </a:txBody>
-                  <a:tcPr anchor="ctr">
-                    <a:lnL w="9525" cap="flat" cmpd="sng" algn="ctr">
-                      <a:solidFill>
-                        <a:srgbClr val="D9D9E3"/>
-                      </a:solidFill>
-                      <a:prstDash val="solid"/>
-                      <a:round/>
-                      <a:headEnd type="none" w="med" len="med"/>
-                      <a:tailEnd type="none" w="med" len="med"/>
-                    </a:lnL>
-                    <a:lnR w="9525" cap="flat" cmpd="sng" algn="ctr">
-                      <a:solidFill>
-                        <a:srgbClr val="D9D9E3"/>
-                      </a:solidFill>
-                      <a:prstDash val="solid"/>
-                      <a:round/>
-                      <a:headEnd type="none" w="med" len="med"/>
-                      <a:tailEnd type="none" w="med" len="med"/>
-                    </a:lnR>
-                    <a:lnT w="12700" cap="flat" cmpd="sng" algn="ctr">
-                      <a:solidFill>
-                        <a:srgbClr val="D9D9E3"/>
-                      </a:solidFill>
-                      <a:prstDash val="solid"/>
-                      <a:round/>
-                      <a:headEnd type="none" w="med" len="med"/>
-                      <a:tailEnd type="none" w="med" len="med"/>
-                    </a:lnT>
-                    <a:lnB w="12700" cap="flat" cmpd="sng" algn="ctr">
-                      <a:solidFill>
-                        <a:srgbClr val="D9D9E3"/>
-                      </a:solidFill>
-                      <a:prstDash val="solid"/>
-                      <a:round/>
-                      <a:headEnd type="none" w="med" len="med"/>
-                      <a:tailEnd type="none" w="med" len="med"/>
-                    </a:lnB>
-                    <a:solidFill>
-                      <a:srgbClr val="F7F7F8"/>
-                    </a:solidFill>
-                  </a:tcPr>
+                  <a:tcPr anchor="ctr"/>
                 </a:tc>
                 <a:extLst>
                   <a:ext uri="{0D108BD9-81ED-4DB2-BD59-A6C34878D82A}">
@@ -15828,47 +15848,7 @@
                       </a:r>
                     </a:p>
                   </a:txBody>
-                  <a:tcPr anchor="ctr">
-                    <a:lnL w="9525" cap="flat" cmpd="sng" algn="ctr">
-                      <a:solidFill>
-                        <a:srgbClr val="D9D9E3"/>
-                      </a:solidFill>
-                      <a:prstDash val="solid"/>
-                      <a:round/>
-                      <a:headEnd type="none" w="med" len="med"/>
-                      <a:tailEnd type="none" w="med" len="med"/>
-                    </a:lnL>
-                    <a:lnR w="9525" cap="flat" cmpd="sng" algn="ctr">
-                      <a:solidFill>
-                        <a:srgbClr val="D9D9E3"/>
-                      </a:solidFill>
-                      <a:prstDash val="solid"/>
-                      <a:round/>
-                      <a:headEnd type="none" w="med" len="med"/>
-                      <a:tailEnd type="none" w="med" len="med"/>
-                    </a:lnR>
-                    <a:lnT w="12700" cap="flat" cmpd="sng" algn="ctr">
-                      <a:solidFill>
-                        <a:srgbClr val="D9D9E3"/>
-                      </a:solidFill>
-                      <a:prstDash val="solid"/>
-                      <a:round/>
-                      <a:headEnd type="none" w="med" len="med"/>
-                      <a:tailEnd type="none" w="med" len="med"/>
-                    </a:lnT>
-                    <a:lnB w="9525" cap="flat" cmpd="sng" algn="ctr">
-                      <a:solidFill>
-                        <a:srgbClr val="D9D9E3"/>
-                      </a:solidFill>
-                      <a:prstDash val="solid"/>
-                      <a:round/>
-                      <a:headEnd type="none" w="med" len="med"/>
-                      <a:tailEnd type="none" w="med" len="med"/>
-                    </a:lnB>
-                    <a:solidFill>
-                      <a:srgbClr val="F7F7F8"/>
-                    </a:solidFill>
-                  </a:tcPr>
+                  <a:tcPr anchor="ctr"/>
                 </a:tc>
                 <a:tc>
                   <a:txBody>
@@ -15877,54 +15857,14 @@
                     <a:p>
                       <a:pPr fontAlgn="base"/>
                       <a:r>
-                        <a:rPr lang="en-GB" sz="1200" dirty="0">
+                        <a:rPr lang="en-GB" sz="1200">
                           <a:effectLst/>
                         </a:rPr>
                         <a:t>Largely aligned with reference paper</a:t>
                       </a:r>
                     </a:p>
                   </a:txBody>
-                  <a:tcPr anchor="ctr">
-                    <a:lnL w="9525" cap="flat" cmpd="sng" algn="ctr">
-                      <a:solidFill>
-                        <a:srgbClr val="D9D9E3"/>
-                      </a:solidFill>
-                      <a:prstDash val="solid"/>
-                      <a:round/>
-                      <a:headEnd type="none" w="med" len="med"/>
-                      <a:tailEnd type="none" w="med" len="med"/>
-                    </a:lnL>
-                    <a:lnR w="9525" cap="flat" cmpd="sng" algn="ctr">
-                      <a:solidFill>
-                        <a:srgbClr val="D9D9E3"/>
-                      </a:solidFill>
-                      <a:prstDash val="solid"/>
-                      <a:round/>
-                      <a:headEnd type="none" w="med" len="med"/>
-                      <a:tailEnd type="none" w="med" len="med"/>
-                    </a:lnR>
-                    <a:lnT w="12700" cap="flat" cmpd="sng" algn="ctr">
-                      <a:solidFill>
-                        <a:srgbClr val="D9D9E3"/>
-                      </a:solidFill>
-                      <a:prstDash val="solid"/>
-                      <a:round/>
-                      <a:headEnd type="none" w="med" len="med"/>
-                      <a:tailEnd type="none" w="med" len="med"/>
-                    </a:lnT>
-                    <a:lnB w="9525" cap="flat" cmpd="sng" algn="ctr">
-                      <a:solidFill>
-                        <a:srgbClr val="D9D9E3"/>
-                      </a:solidFill>
-                      <a:prstDash val="solid"/>
-                      <a:round/>
-                      <a:headEnd type="none" w="med" len="med"/>
-                      <a:tailEnd type="none" w="med" len="med"/>
-                    </a:lnB>
-                    <a:solidFill>
-                      <a:srgbClr val="F7F7F8"/>
-                    </a:solidFill>
-                  </a:tcPr>
+                  <a:tcPr anchor="ctr"/>
                 </a:tc>
                 <a:extLst>
                   <a:ext uri="{0D108BD9-81ED-4DB2-BD59-A6C34878D82A}">
@@ -15968,43 +15908,6 @@
       </p:grpSpPr>
       <p:sp>
         <p:nvSpPr>
-          <p:cNvPr id="93" name="Google Shape;93;p18"/>
-          <p:cNvSpPr txBox="1">
-            <a:spLocks noGrp="1"/>
-          </p:cNvSpPr>
-          <p:nvPr>
-            <p:ph type="title"/>
-          </p:nvPr>
-        </p:nvSpPr>
-        <p:spPr>
-          <a:xfrm>
-            <a:off x="311700" y="445025"/>
-            <a:ext cx="8520600" cy="572700"/>
-          </a:xfrm>
-          <a:prstGeom prst="rect">
-            <a:avLst/>
-          </a:prstGeom>
-        </p:spPr>
-        <p:txBody>
-          <a:bodyPr spcFirstLastPara="1" wrap="square" lIns="91425" tIns="91425" rIns="91425" bIns="91425" anchor="t" anchorCtr="0">
-            <a:normAutofit fontScale="90000"/>
-          </a:bodyPr>
-          <a:lstStyle/>
-          <a:p>
-            <a:r>
-              <a:rPr lang="en" sz="2400" b="1" dirty="0">
-                <a:latin typeface="Söhne"/>
-              </a:rPr>
-              <a:t>Analytical Methodology II</a:t>
-            </a:r>
-            <a:endParaRPr sz="2400" b="1" dirty="0">
-              <a:latin typeface="Söhne"/>
-            </a:endParaRPr>
-          </a:p>
-        </p:txBody>
-      </p:sp>
-      <p:sp>
-        <p:nvSpPr>
           <p:cNvPr id="3" name="TextBox 2">
             <a:extLst>
               <a:ext uri="{FF2B5EF4-FFF2-40B4-BE49-F238E27FC236}">
@@ -16044,7 +15947,7 @@
               <a:buSzPts val="1800"/>
             </a:pPr>
             <a:r>
-              <a:rPr lang="en-GB" sz="1300" dirty="0">
+              <a:rPr lang="en-GB" sz="1300">
                 <a:solidFill>
                   <a:schemeClr val="accent3"/>
                 </a:solidFill>
@@ -16067,7 +15970,7 @@
               </a:buClr>
               <a:buSzPts val="1800"/>
             </a:pPr>
-            <a:endParaRPr lang="en-GB" sz="1300" dirty="0">
+            <a:endParaRPr lang="en-GB" sz="1300">
               <a:solidFill>
                 <a:schemeClr val="accent3"/>
               </a:solidFill>
@@ -16088,7 +15991,7 @@
               </a:buClr>
               <a:buSzPts val="1800"/>
             </a:pPr>
-            <a:endParaRPr lang="en-GB" sz="1300" dirty="0">
+            <a:endParaRPr lang="en-GB" sz="1300">
               <a:solidFill>
                 <a:schemeClr val="accent3"/>
               </a:solidFill>
@@ -16109,7 +16012,7 @@
               </a:buClr>
               <a:buSzPts val="1800"/>
             </a:pPr>
-            <a:endParaRPr lang="en-GB" sz="1300" dirty="0">
+            <a:endParaRPr lang="en-GB" sz="1300">
               <a:solidFill>
                 <a:schemeClr val="accent3"/>
               </a:solidFill>
@@ -16130,7 +16033,7 @@
               </a:buClr>
               <a:buSzPts val="1800"/>
             </a:pPr>
-            <a:endParaRPr lang="en-GB" sz="1300" dirty="0">
+            <a:endParaRPr lang="en-GB" sz="1300">
               <a:solidFill>
                 <a:schemeClr val="accent3"/>
               </a:solidFill>
@@ -16151,7 +16054,7 @@
               </a:buClr>
               <a:buSzPts val="1800"/>
             </a:pPr>
-            <a:endParaRPr lang="en-GB" sz="1300" dirty="0">
+            <a:endParaRPr lang="en-GB" sz="1300">
               <a:solidFill>
                 <a:schemeClr val="accent3"/>
               </a:solidFill>
@@ -16172,7 +16075,7 @@
               </a:buClr>
               <a:buSzPts val="1800"/>
             </a:pPr>
-            <a:endParaRPr lang="en-GB" sz="1300" dirty="0">
+            <a:endParaRPr lang="en-GB" sz="1300">
               <a:solidFill>
                 <a:schemeClr val="accent3"/>
               </a:solidFill>
@@ -16193,7 +16096,7 @@
               </a:buClr>
               <a:buSzPts val="1800"/>
             </a:pPr>
-            <a:endParaRPr lang="en-GB" sz="1300" dirty="0">
+            <a:endParaRPr lang="en-GB" sz="1300">
               <a:solidFill>
                 <a:schemeClr val="accent3"/>
               </a:solidFill>
@@ -16215,7 +16118,7 @@
               <a:buSzPts val="1800"/>
             </a:pPr>
             <a:r>
-              <a:rPr lang="en-GB" sz="1300" dirty="0">
+              <a:rPr lang="en-GB" sz="1300">
                 <a:solidFill>
                   <a:schemeClr val="accent3"/>
                 </a:solidFill>
@@ -16242,19 +16145,21 @@
           <p:nvPr>
             <p:extLst>
               <p:ext uri="{D42A27DB-BD31-4B8C-83A1-F6EECF244321}">
-                <p14:modId xmlns:p14="http://schemas.microsoft.com/office/powerpoint/2010/main" val="2992932249"/>
+                <p14:modId xmlns:p14="http://schemas.microsoft.com/office/powerpoint/2010/main" val="1435781384"/>
               </p:ext>
             </p:extLst>
           </p:nvPr>
         </p:nvGraphicFramePr>
         <p:xfrm>
           <a:off x="1312996" y="1972864"/>
-          <a:ext cx="6219692" cy="1645920"/>
+          <a:ext cx="6219692" cy="1356360"/>
         </p:xfrm>
         <a:graphic>
           <a:graphicData uri="http://schemas.openxmlformats.org/drawingml/2006/table">
             <a:tbl>
-              <a:tblPr/>
+              <a:tblPr firstRow="1" bandRow="1">
+                <a:tableStyleId>{D27102A9-8310-4765-A935-A1911B00CA55}</a:tableStyleId>
+              </a:tblPr>
               <a:tblGrid>
                 <a:gridCol w="3109846">
                   <a:extLst>
@@ -16279,54 +16184,18 @@
                     <a:p>
                       <a:pPr fontAlgn="b"/>
                       <a:r>
-                        <a:rPr lang="en-GB" b="1" dirty="0">
-                          <a:effectLst/>
+                        <a:rPr lang="en-GB" sz="1300" b="1" i="0" u="none" strike="noStrike" cap="none">
+                          <a:solidFill>
+                            <a:schemeClr val="tx1"/>
+                          </a:solidFill>
+                          <a:latin typeface="Proxima Nova"/>
+                          <a:sym typeface="Proxima Nova"/>
                         </a:rPr>
                         <a:t>Techniques</a:t>
                       </a:r>
                     </a:p>
                   </a:txBody>
-                  <a:tcPr anchor="b">
-                    <a:lnL w="9525" cap="flat" cmpd="sng" algn="ctr">
-                      <a:solidFill>
-                        <a:srgbClr val="D9D9E3"/>
-                      </a:solidFill>
-                      <a:prstDash val="solid"/>
-                      <a:round/>
-                      <a:headEnd type="none" w="med" len="med"/>
-                      <a:tailEnd type="none" w="med" len="med"/>
-                    </a:lnL>
-                    <a:lnR w="9525" cap="flat" cmpd="sng" algn="ctr">
-                      <a:solidFill>
-                        <a:srgbClr val="D9D9E3"/>
-                      </a:solidFill>
-                      <a:prstDash val="solid"/>
-                      <a:round/>
-                      <a:headEnd type="none" w="med" len="med"/>
-                      <a:tailEnd type="none" w="med" len="med"/>
-                    </a:lnR>
-                    <a:lnT w="9525" cap="flat" cmpd="sng" algn="ctr">
-                      <a:solidFill>
-                        <a:srgbClr val="D9D9E3"/>
-                      </a:solidFill>
-                      <a:prstDash val="solid"/>
-                      <a:round/>
-                      <a:headEnd type="none" w="med" len="med"/>
-                      <a:tailEnd type="none" w="med" len="med"/>
-                    </a:lnT>
-                    <a:lnB w="12700" cap="flat" cmpd="sng" algn="ctr">
-                      <a:solidFill>
-                        <a:srgbClr val="D9D9E3"/>
-                      </a:solidFill>
-                      <a:prstDash val="solid"/>
-                      <a:round/>
-                      <a:headEnd type="none" w="med" len="med"/>
-                      <a:tailEnd type="none" w="med" len="med"/>
-                    </a:lnB>
-                    <a:solidFill>
-                      <a:srgbClr val="F7F7F8"/>
-                    </a:solidFill>
-                  </a:tcPr>
+                  <a:tcPr anchor="b"/>
                 </a:tc>
                 <a:tc>
                   <a:txBody>
@@ -16335,54 +16204,18 @@
                     <a:p>
                       <a:pPr fontAlgn="b"/>
                       <a:r>
-                        <a:rPr lang="en-GB" b="1">
-                          <a:effectLst/>
+                        <a:rPr lang="en-GB" sz="1300" b="1" i="0" u="none" strike="noStrike" cap="none">
+                          <a:solidFill>
+                            <a:schemeClr val="tx1"/>
+                          </a:solidFill>
+                          <a:latin typeface="Proxima Nova"/>
+                          <a:sym typeface="Proxima Nova"/>
                         </a:rPr>
                         <a:t>Description</a:t>
                       </a:r>
                     </a:p>
                   </a:txBody>
-                  <a:tcPr anchor="b">
-                    <a:lnL w="9525" cap="flat" cmpd="sng" algn="ctr">
-                      <a:solidFill>
-                        <a:srgbClr val="D9D9E3"/>
-                      </a:solidFill>
-                      <a:prstDash val="solid"/>
-                      <a:round/>
-                      <a:headEnd type="none" w="med" len="med"/>
-                      <a:tailEnd type="none" w="med" len="med"/>
-                    </a:lnL>
-                    <a:lnR w="9525" cap="flat" cmpd="sng" algn="ctr">
-                      <a:solidFill>
-                        <a:srgbClr val="D9D9E3"/>
-                      </a:solidFill>
-                      <a:prstDash val="solid"/>
-                      <a:round/>
-                      <a:headEnd type="none" w="med" len="med"/>
-                      <a:tailEnd type="none" w="med" len="med"/>
-                    </a:lnR>
-                    <a:lnT w="9525" cap="flat" cmpd="sng" algn="ctr">
-                      <a:solidFill>
-                        <a:srgbClr val="D9D9E3"/>
-                      </a:solidFill>
-                      <a:prstDash val="solid"/>
-                      <a:round/>
-                      <a:headEnd type="none" w="med" len="med"/>
-                      <a:tailEnd type="none" w="med" len="med"/>
-                    </a:lnT>
-                    <a:lnB w="12700" cap="flat" cmpd="sng" algn="ctr">
-                      <a:solidFill>
-                        <a:srgbClr val="D9D9E3"/>
-                      </a:solidFill>
-                      <a:prstDash val="solid"/>
-                      <a:round/>
-                      <a:headEnd type="none" w="med" len="med"/>
-                      <a:tailEnd type="none" w="med" len="med"/>
-                    </a:lnB>
-                    <a:solidFill>
-                      <a:srgbClr val="F7F7F8"/>
-                    </a:solidFill>
-                  </a:tcPr>
+                  <a:tcPr anchor="b"/>
                 </a:tc>
                 <a:extLst>
                   <a:ext uri="{0D108BD9-81ED-4DB2-BD59-A6C34878D82A}">
@@ -16398,54 +16231,18 @@
                     <a:p>
                       <a:pPr fontAlgn="base"/>
                       <a:r>
-                        <a:rPr lang="en-GB" dirty="0">
-                          <a:effectLst/>
+                        <a:rPr lang="en-GB" sz="1300" b="0" i="0" u="none" strike="noStrike" cap="none">
+                          <a:solidFill>
+                            <a:schemeClr val="accent3"/>
+                          </a:solidFill>
+                          <a:latin typeface="Proxima Nova"/>
+                          <a:sym typeface="Proxima Nova"/>
                         </a:rPr>
                         <a:t>Feature Engineering</a:t>
                       </a:r>
                     </a:p>
                   </a:txBody>
-                  <a:tcPr anchor="ctr">
-                    <a:lnL w="9525" cap="flat" cmpd="sng" algn="ctr">
-                      <a:solidFill>
-                        <a:srgbClr val="D9D9E3"/>
-                      </a:solidFill>
-                      <a:prstDash val="solid"/>
-                      <a:round/>
-                      <a:headEnd type="none" w="med" len="med"/>
-                      <a:tailEnd type="none" w="med" len="med"/>
-                    </a:lnL>
-                    <a:lnR w="9525" cap="flat" cmpd="sng" algn="ctr">
-                      <a:solidFill>
-                        <a:srgbClr val="D9D9E3"/>
-                      </a:solidFill>
-                      <a:prstDash val="solid"/>
-                      <a:round/>
-                      <a:headEnd type="none" w="med" len="med"/>
-                      <a:tailEnd type="none" w="med" len="med"/>
-                    </a:lnR>
-                    <a:lnT w="12700" cap="flat" cmpd="sng" algn="ctr">
-                      <a:solidFill>
-                        <a:srgbClr val="D9D9E3"/>
-                      </a:solidFill>
-                      <a:prstDash val="solid"/>
-                      <a:round/>
-                      <a:headEnd type="none" w="med" len="med"/>
-                      <a:tailEnd type="none" w="med" len="med"/>
-                    </a:lnT>
-                    <a:lnB w="12700" cap="flat" cmpd="sng" algn="ctr">
-                      <a:solidFill>
-                        <a:srgbClr val="D9D9E3"/>
-                      </a:solidFill>
-                      <a:prstDash val="solid"/>
-                      <a:round/>
-                      <a:headEnd type="none" w="med" len="med"/>
-                      <a:tailEnd type="none" w="med" len="med"/>
-                    </a:lnB>
-                    <a:solidFill>
-                      <a:srgbClr val="F7F7F8"/>
-                    </a:solidFill>
-                  </a:tcPr>
+                  <a:tcPr anchor="ctr"/>
                 </a:tc>
                 <a:tc>
                   <a:txBody>
@@ -16454,54 +16251,18 @@
                     <a:p>
                       <a:pPr fontAlgn="base"/>
                       <a:r>
-                        <a:rPr lang="en-GB">
-                          <a:effectLst/>
+                        <a:rPr lang="en-GB" sz="1300" b="0" i="0" u="none" strike="noStrike" cap="none">
+                          <a:solidFill>
+                            <a:schemeClr val="accent3"/>
+                          </a:solidFill>
+                          <a:latin typeface="Proxima Nova"/>
+                          <a:sym typeface="Proxima Nova"/>
                         </a:rPr>
                         <a:t>Enhanced models with new features</a:t>
                       </a:r>
                     </a:p>
                   </a:txBody>
-                  <a:tcPr anchor="ctr">
-                    <a:lnL w="9525" cap="flat" cmpd="sng" algn="ctr">
-                      <a:solidFill>
-                        <a:srgbClr val="D9D9E3"/>
-                      </a:solidFill>
-                      <a:prstDash val="solid"/>
-                      <a:round/>
-                      <a:headEnd type="none" w="med" len="med"/>
-                      <a:tailEnd type="none" w="med" len="med"/>
-                    </a:lnL>
-                    <a:lnR w="9525" cap="flat" cmpd="sng" algn="ctr">
-                      <a:solidFill>
-                        <a:srgbClr val="D9D9E3"/>
-                      </a:solidFill>
-                      <a:prstDash val="solid"/>
-                      <a:round/>
-                      <a:headEnd type="none" w="med" len="med"/>
-                      <a:tailEnd type="none" w="med" len="med"/>
-                    </a:lnR>
-                    <a:lnT w="12700" cap="flat" cmpd="sng" algn="ctr">
-                      <a:solidFill>
-                        <a:srgbClr val="D9D9E3"/>
-                      </a:solidFill>
-                      <a:prstDash val="solid"/>
-                      <a:round/>
-                      <a:headEnd type="none" w="med" len="med"/>
-                      <a:tailEnd type="none" w="med" len="med"/>
-                    </a:lnT>
-                    <a:lnB w="12700" cap="flat" cmpd="sng" algn="ctr">
-                      <a:solidFill>
-                        <a:srgbClr val="D9D9E3"/>
-                      </a:solidFill>
-                      <a:prstDash val="solid"/>
-                      <a:round/>
-                      <a:headEnd type="none" w="med" len="med"/>
-                      <a:tailEnd type="none" w="med" len="med"/>
-                    </a:lnB>
-                    <a:solidFill>
-                      <a:srgbClr val="F7F7F8"/>
-                    </a:solidFill>
-                  </a:tcPr>
+                  <a:tcPr anchor="ctr"/>
                 </a:tc>
                 <a:extLst>
                   <a:ext uri="{0D108BD9-81ED-4DB2-BD59-A6C34878D82A}">
@@ -16517,54 +16278,18 @@
                     <a:p>
                       <a:pPr fontAlgn="base"/>
                       <a:r>
-                        <a:rPr lang="en-GB">
-                          <a:effectLst/>
+                        <a:rPr lang="en-GB" sz="1300" b="0" i="0" u="none" strike="noStrike" cap="none">
+                          <a:solidFill>
+                            <a:schemeClr val="accent3"/>
+                          </a:solidFill>
+                          <a:latin typeface="Proxima Nova"/>
+                          <a:sym typeface="Proxima Nova"/>
                         </a:rPr>
                         <a:t>Modelling and Optimization</a:t>
                       </a:r>
                     </a:p>
                   </a:txBody>
-                  <a:tcPr anchor="ctr">
-                    <a:lnL w="9525" cap="flat" cmpd="sng" algn="ctr">
-                      <a:solidFill>
-                        <a:srgbClr val="D9D9E3"/>
-                      </a:solidFill>
-                      <a:prstDash val="solid"/>
-                      <a:round/>
-                      <a:headEnd type="none" w="med" len="med"/>
-                      <a:tailEnd type="none" w="med" len="med"/>
-                    </a:lnL>
-                    <a:lnR w="9525" cap="flat" cmpd="sng" algn="ctr">
-                      <a:solidFill>
-                        <a:srgbClr val="D9D9E3"/>
-                      </a:solidFill>
-                      <a:prstDash val="solid"/>
-                      <a:round/>
-                      <a:headEnd type="none" w="med" len="med"/>
-                      <a:tailEnd type="none" w="med" len="med"/>
-                    </a:lnR>
-                    <a:lnT w="12700" cap="flat" cmpd="sng" algn="ctr">
-                      <a:solidFill>
-                        <a:srgbClr val="D9D9E3"/>
-                      </a:solidFill>
-                      <a:prstDash val="solid"/>
-                      <a:round/>
-                      <a:headEnd type="none" w="med" len="med"/>
-                      <a:tailEnd type="none" w="med" len="med"/>
-                    </a:lnT>
-                    <a:lnB w="12700" cap="flat" cmpd="sng" algn="ctr">
-                      <a:solidFill>
-                        <a:srgbClr val="D9D9E3"/>
-                      </a:solidFill>
-                      <a:prstDash val="solid"/>
-                      <a:round/>
-                      <a:headEnd type="none" w="med" len="med"/>
-                      <a:tailEnd type="none" w="med" len="med"/>
-                    </a:lnB>
-                    <a:solidFill>
-                      <a:srgbClr val="F7F7F8"/>
-                    </a:solidFill>
-                  </a:tcPr>
+                  <a:tcPr anchor="ctr"/>
                 </a:tc>
                 <a:tc>
                   <a:txBody>
@@ -16573,54 +16298,18 @@
                     <a:p>
                       <a:pPr fontAlgn="base"/>
                       <a:r>
-                        <a:rPr lang="en-GB">
-                          <a:effectLst/>
+                        <a:rPr lang="en-GB" sz="1300" b="0" i="0" u="none" strike="noStrike" cap="none">
+                          <a:solidFill>
+                            <a:schemeClr val="accent3"/>
+                          </a:solidFill>
+                          <a:latin typeface="Proxima Nova"/>
+                          <a:sym typeface="Proxima Nova"/>
                         </a:rPr>
                         <a:t>Used OLS regression for deep insights</a:t>
                       </a:r>
                     </a:p>
                   </a:txBody>
-                  <a:tcPr anchor="ctr">
-                    <a:lnL w="9525" cap="flat" cmpd="sng" algn="ctr">
-                      <a:solidFill>
-                        <a:srgbClr val="D9D9E3"/>
-                      </a:solidFill>
-                      <a:prstDash val="solid"/>
-                      <a:round/>
-                      <a:headEnd type="none" w="med" len="med"/>
-                      <a:tailEnd type="none" w="med" len="med"/>
-                    </a:lnL>
-                    <a:lnR w="9525" cap="flat" cmpd="sng" algn="ctr">
-                      <a:solidFill>
-                        <a:srgbClr val="D9D9E3"/>
-                      </a:solidFill>
-                      <a:prstDash val="solid"/>
-                      <a:round/>
-                      <a:headEnd type="none" w="med" len="med"/>
-                      <a:tailEnd type="none" w="med" len="med"/>
-                    </a:lnR>
-                    <a:lnT w="12700" cap="flat" cmpd="sng" algn="ctr">
-                      <a:solidFill>
-                        <a:srgbClr val="D9D9E3"/>
-                      </a:solidFill>
-                      <a:prstDash val="solid"/>
-                      <a:round/>
-                      <a:headEnd type="none" w="med" len="med"/>
-                      <a:tailEnd type="none" w="med" len="med"/>
-                    </a:lnT>
-                    <a:lnB w="12700" cap="flat" cmpd="sng" algn="ctr">
-                      <a:solidFill>
-                        <a:srgbClr val="D9D9E3"/>
-                      </a:solidFill>
-                      <a:prstDash val="solid"/>
-                      <a:round/>
-                      <a:headEnd type="none" w="med" len="med"/>
-                      <a:tailEnd type="none" w="med" len="med"/>
-                    </a:lnB>
-                    <a:solidFill>
-                      <a:srgbClr val="F7F7F8"/>
-                    </a:solidFill>
-                  </a:tcPr>
+                  <a:tcPr anchor="ctr"/>
                 </a:tc>
                 <a:extLst>
                   <a:ext uri="{0D108BD9-81ED-4DB2-BD59-A6C34878D82A}">
@@ -16636,54 +16325,18 @@
                     <a:p>
                       <a:pPr fontAlgn="base"/>
                       <a:r>
-                        <a:rPr lang="en-GB">
-                          <a:effectLst/>
+                        <a:rPr lang="en-GB" sz="1300" b="0" i="0" u="none" strike="noStrike" cap="none">
+                          <a:solidFill>
+                            <a:schemeClr val="accent3"/>
+                          </a:solidFill>
+                          <a:latin typeface="Proxima Nova"/>
+                          <a:sym typeface="Proxima Nova"/>
                         </a:rPr>
                         <a:t>Innovations</a:t>
                       </a:r>
                     </a:p>
                   </a:txBody>
-                  <a:tcPr anchor="ctr">
-                    <a:lnL w="9525" cap="flat" cmpd="sng" algn="ctr">
-                      <a:solidFill>
-                        <a:srgbClr val="D9D9E3"/>
-                      </a:solidFill>
-                      <a:prstDash val="solid"/>
-                      <a:round/>
-                      <a:headEnd type="none" w="med" len="med"/>
-                      <a:tailEnd type="none" w="med" len="med"/>
-                    </a:lnL>
-                    <a:lnR w="9525" cap="flat" cmpd="sng" algn="ctr">
-                      <a:solidFill>
-                        <a:srgbClr val="D9D9E3"/>
-                      </a:solidFill>
-                      <a:prstDash val="solid"/>
-                      <a:round/>
-                      <a:headEnd type="none" w="med" len="med"/>
-                      <a:tailEnd type="none" w="med" len="med"/>
-                    </a:lnR>
-                    <a:lnT w="12700" cap="flat" cmpd="sng" algn="ctr">
-                      <a:solidFill>
-                        <a:srgbClr val="D9D9E3"/>
-                      </a:solidFill>
-                      <a:prstDash val="solid"/>
-                      <a:round/>
-                      <a:headEnd type="none" w="med" len="med"/>
-                      <a:tailEnd type="none" w="med" len="med"/>
-                    </a:lnT>
-                    <a:lnB w="9525" cap="flat" cmpd="sng" algn="ctr">
-                      <a:solidFill>
-                        <a:srgbClr val="D9D9E3"/>
-                      </a:solidFill>
-                      <a:prstDash val="solid"/>
-                      <a:round/>
-                      <a:headEnd type="none" w="med" len="med"/>
-                      <a:tailEnd type="none" w="med" len="med"/>
-                    </a:lnB>
-                    <a:solidFill>
-                      <a:srgbClr val="F7F7F8"/>
-                    </a:solidFill>
-                  </a:tcPr>
+                  <a:tcPr anchor="ctr"/>
                 </a:tc>
                 <a:tc>
                   <a:txBody>
@@ -16692,66 +16345,38 @@
                     <a:p>
                       <a:pPr fontAlgn="base"/>
                       <a:r>
-                        <a:rPr lang="en-GB" dirty="0">
-                          <a:effectLst/>
+                        <a:rPr lang="en-GB" sz="1300" b="0" i="0" u="none" strike="noStrike" cap="none">
+                          <a:solidFill>
+                            <a:schemeClr val="accent3"/>
+                          </a:solidFill>
+                          <a:latin typeface="Proxima Nova"/>
+                          <a:sym typeface="Proxima Nova"/>
                         </a:rPr>
                         <a:t>Python code for effective </a:t>
                       </a:r>
                       <a:r>
-                        <a:rPr lang="en-GB" dirty="0" err="1">
-                          <a:effectLst/>
+                        <a:rPr lang="en-GB" sz="1300" b="0" i="0" u="none" strike="noStrike" cap="none" err="1">
+                          <a:solidFill>
+                            <a:schemeClr val="accent3"/>
+                          </a:solidFill>
+                          <a:latin typeface="Proxima Nova"/>
+                          <a:sym typeface="Proxima Nova"/>
                         </a:rPr>
                         <a:t>modeling</a:t>
                       </a:r>
                       <a:r>
-                        <a:rPr lang="en-GB" dirty="0">
-                          <a:effectLst/>
+                        <a:rPr lang="en-GB" sz="1300" b="0" i="0" u="none" strike="noStrike" cap="none">
+                          <a:solidFill>
+                            <a:schemeClr val="accent3"/>
+                          </a:solidFill>
+                          <a:latin typeface="Proxima Nova"/>
+                          <a:sym typeface="Proxima Nova"/>
                         </a:rPr>
                         <a:t> of temporal features on liquidity pools</a:t>
                       </a:r>
                     </a:p>
                   </a:txBody>
-                  <a:tcPr anchor="ctr">
-                    <a:lnL w="9525" cap="flat" cmpd="sng" algn="ctr">
-                      <a:solidFill>
-                        <a:srgbClr val="D9D9E3"/>
-                      </a:solidFill>
-                      <a:prstDash val="solid"/>
-                      <a:round/>
-                      <a:headEnd type="none" w="med" len="med"/>
-                      <a:tailEnd type="none" w="med" len="med"/>
-                    </a:lnL>
-                    <a:lnR w="9525" cap="flat" cmpd="sng" algn="ctr">
-                      <a:solidFill>
-                        <a:srgbClr val="D9D9E3"/>
-                      </a:solidFill>
-                      <a:prstDash val="solid"/>
-                      <a:round/>
-                      <a:headEnd type="none" w="med" len="med"/>
-                      <a:tailEnd type="none" w="med" len="med"/>
-                    </a:lnR>
-                    <a:lnT w="12700" cap="flat" cmpd="sng" algn="ctr">
-                      <a:solidFill>
-                        <a:srgbClr val="D9D9E3"/>
-                      </a:solidFill>
-                      <a:prstDash val="solid"/>
-                      <a:round/>
-                      <a:headEnd type="none" w="med" len="med"/>
-                      <a:tailEnd type="none" w="med" len="med"/>
-                    </a:lnT>
-                    <a:lnB w="9525" cap="flat" cmpd="sng" algn="ctr">
-                      <a:solidFill>
-                        <a:srgbClr val="D9D9E3"/>
-                      </a:solidFill>
-                      <a:prstDash val="solid"/>
-                      <a:round/>
-                      <a:headEnd type="none" w="med" len="med"/>
-                      <a:tailEnd type="none" w="med" len="med"/>
-                    </a:lnB>
-                    <a:solidFill>
-                      <a:srgbClr val="F7F7F8"/>
-                    </a:solidFill>
-                  </a:tcPr>
+                  <a:tcPr anchor="ctr"/>
                 </a:tc>
                 <a:extLst>
                   <a:ext uri="{0D108BD9-81ED-4DB2-BD59-A6C34878D82A}">
@@ -16763,6 +16388,43 @@
           </a:graphicData>
         </a:graphic>
       </p:graphicFrame>
+      <p:sp>
+        <p:nvSpPr>
+          <p:cNvPr id="93" name="Google Shape;93;p18"/>
+          <p:cNvSpPr txBox="1">
+            <a:spLocks noGrp="1"/>
+          </p:cNvSpPr>
+          <p:nvPr>
+            <p:ph type="title"/>
+          </p:nvPr>
+        </p:nvSpPr>
+        <p:spPr>
+          <a:xfrm>
+            <a:off x="311700" y="445025"/>
+            <a:ext cx="8520600" cy="572700"/>
+          </a:xfrm>
+          <a:prstGeom prst="rect">
+            <a:avLst/>
+          </a:prstGeom>
+          <a:noFill/>
+          <a:ln>
+            <a:noFill/>
+          </a:ln>
+        </p:spPr>
+        <p:txBody>
+          <a:bodyPr spcFirstLastPara="1" wrap="square" lIns="91425" tIns="91425" rIns="91425" bIns="91425" anchor="t" anchorCtr="0">
+            <a:normAutofit/>
+          </a:bodyPr>
+          <a:lstStyle/>
+          <a:p>
+            <a:r>
+              <a:rPr lang="en" sz="2400" b="1"/>
+              <a:t>Analytical Methodology II</a:t>
+            </a:r>
+            <a:endParaRPr sz="2400" b="1"/>
+          </a:p>
+        </p:txBody>
+      </p:sp>
     </p:spTree>
     <p:extLst>
       <p:ext uri="{BB962C8B-B14F-4D97-AF65-F5344CB8AC3E}">
@@ -16811,23 +16473,22 @@
           <a:prstGeom prst="rect">
             <a:avLst/>
           </a:prstGeom>
+          <a:noFill/>
+          <a:ln>
+            <a:noFill/>
+          </a:ln>
         </p:spPr>
         <p:txBody>
           <a:bodyPr spcFirstLastPara="1" wrap="square" lIns="91425" tIns="91425" rIns="91425" bIns="91425" anchor="t" anchorCtr="0">
-            <a:normAutofit fontScale="90000"/>
+            <a:normAutofit/>
           </a:bodyPr>
           <a:lstStyle/>
           <a:p>
-            <a:pPr marL="0" lvl="0" indent="0"/>
-            <a:r>
-              <a:rPr lang="en" sz="2400" b="1" dirty="0">
-                <a:latin typeface="Söhne"/>
-              </a:rPr>
+            <a:r>
+              <a:rPr lang="en" sz="2400" b="1"/>
               <a:t>Data Overview</a:t>
             </a:r>
-            <a:endParaRPr sz="2400" b="1" dirty="0">
-              <a:latin typeface="Söhne"/>
-            </a:endParaRPr>
+            <a:endParaRPr sz="2400" b="1"/>
           </a:p>
         </p:txBody>
       </p:sp>
@@ -16852,7 +16513,7 @@
         </p:spPr>
         <p:txBody>
           <a:bodyPr spcFirstLastPara="1" wrap="square" lIns="91425" tIns="91425" rIns="91425" bIns="91425" anchor="t" anchorCtr="0">
-            <a:normAutofit fontScale="92500" lnSpcReduction="10000"/>
+            <a:normAutofit/>
           </a:bodyPr>
           <a:lstStyle/>
           <a:p>
@@ -16860,7 +16521,7 @@
               <a:buNone/>
             </a:pPr>
             <a:r>
-              <a:rPr lang="en-GB" sz="1300" dirty="0"/>
+              <a:rPr lang="en-GB" sz="1300"/>
               <a:t>Timeframe: April 1, 2022 - September 30, 2022.</a:t>
             </a:r>
           </a:p>
@@ -16869,7 +16530,7 @@
               <a:buNone/>
             </a:pPr>
             <a:r>
-              <a:rPr lang="en-GB" sz="1300" dirty="0"/>
+              <a:rPr lang="en-GB" sz="1300"/>
               <a:t>Key events: Terra-Luna collapse (July 20, 2022) and The Merge (September 6, 2022).</a:t>
             </a:r>
           </a:p>
@@ -16885,14 +16546,14 @@
               <a:buChar char="-"/>
             </a:pPr>
             <a:r>
-              <a:rPr lang="en" sz="1300" dirty="0"/>
+              <a:rPr lang="en" sz="1300"/>
               <a:t>The Graph API: Uniswap</a:t>
             </a:r>
             <a:r>
-              <a:rPr lang="en" sz="1300" baseline="30000" dirty="0"/>
+              <a:rPr lang="en" sz="1300" baseline="30000"/>
               <a:t>3</a:t>
             </a:r>
-            <a:endParaRPr sz="1300" baseline="30000" dirty="0"/>
+            <a:endParaRPr sz="1300" baseline="30000"/>
           </a:p>
           <a:p>
             <a:pPr marL="914400" lvl="1" indent="-310832" algn="l" rtl="0">
@@ -16906,10 +16567,10 @@
               <a:buChar char="-"/>
             </a:pPr>
             <a:r>
-              <a:rPr lang="en" sz="1300" dirty="0"/>
+              <a:rPr lang="en" sz="1300"/>
               <a:t>Transaction details, trading volumes, and block information from Uniswap v3 liquidity pools</a:t>
             </a:r>
-            <a:endParaRPr sz="1300" dirty="0"/>
+            <a:endParaRPr sz="1300"/>
           </a:p>
           <a:p>
             <a:pPr marL="914400" lvl="1" indent="-310832" algn="l" rtl="0">
@@ -16923,10 +16584,10 @@
               <a:buChar char="-"/>
             </a:pPr>
             <a:r>
-              <a:rPr lang="en" sz="1300" dirty="0"/>
+              <a:rPr lang="en" sz="1300"/>
               <a:t>Focus on WBTC-WETH for fee tiers 500 and 3000</a:t>
             </a:r>
-            <a:endParaRPr sz="1300" dirty="0"/>
+            <a:endParaRPr sz="1300"/>
           </a:p>
           <a:p>
             <a:pPr marL="457200" lvl="0" indent="-334327" algn="l" rtl="0">
@@ -16940,14 +16601,14 @@
               <a:buChar char="-"/>
             </a:pPr>
             <a:r>
-              <a:rPr lang="en" sz="1300" dirty="0"/>
+              <a:rPr lang="en" sz="1300"/>
               <a:t>Etherscan API</a:t>
             </a:r>
             <a:r>
-              <a:rPr lang="en" sz="1300" baseline="30000" dirty="0"/>
+              <a:rPr lang="en" sz="1300" baseline="30000"/>
               <a:t>4</a:t>
             </a:r>
-            <a:endParaRPr sz="1300" dirty="0"/>
+            <a:endParaRPr sz="1300"/>
           </a:p>
           <a:p>
             <a:pPr marL="914400" lvl="1" indent="-310832" algn="l" rtl="0">
@@ -16961,10 +16622,10 @@
               <a:buChar char="-"/>
             </a:pPr>
             <a:r>
-              <a:rPr lang="en" sz="1300" dirty="0"/>
+              <a:rPr lang="en" sz="1300"/>
               <a:t>Transaction data based on translation hashes</a:t>
             </a:r>
-            <a:endParaRPr sz="1300" dirty="0"/>
+            <a:endParaRPr sz="1300"/>
           </a:p>
           <a:p>
             <a:pPr marL="914400" lvl="1" indent="-310832" algn="l" rtl="0">
@@ -16978,10 +16639,10 @@
               <a:buChar char="-"/>
             </a:pPr>
             <a:r>
-              <a:rPr lang="en" sz="1300" dirty="0"/>
+              <a:rPr lang="en" sz="1300"/>
               <a:t>Block hashes, block numbers, sender addresses</a:t>
             </a:r>
-            <a:endParaRPr sz="1300" dirty="0"/>
+            <a:endParaRPr sz="1300"/>
           </a:p>
           <a:p>
             <a:pPr marL="457200" lvl="0" indent="-334327" algn="l" rtl="0">
@@ -16995,14 +16656,14 @@
               <a:buChar char="-"/>
             </a:pPr>
             <a:r>
-              <a:rPr lang="en" sz="1300" dirty="0"/>
+              <a:rPr lang="en" sz="1300"/>
               <a:t>Binance CEX Data</a:t>
             </a:r>
             <a:r>
-              <a:rPr lang="en" sz="1300" baseline="30000" dirty="0"/>
+              <a:rPr lang="en" sz="1300" baseline="30000"/>
               <a:t>5</a:t>
             </a:r>
-            <a:endParaRPr sz="1300" dirty="0"/>
+            <a:endParaRPr sz="1300"/>
           </a:p>
           <a:p>
             <a:pPr marL="914400" lvl="1" indent="-310832" algn="l" rtl="0">
@@ -17016,10 +16677,10 @@
               <a:buChar char="-"/>
             </a:pPr>
             <a:r>
-              <a:rPr lang="en" sz="1300" dirty="0"/>
+              <a:rPr lang="en" sz="1300"/>
               <a:t>Daily zip trades downloaded from Binance GitHub</a:t>
             </a:r>
-            <a:endParaRPr sz="1300" dirty="0"/>
+            <a:endParaRPr sz="1300"/>
           </a:p>
           <a:p>
             <a:pPr marL="914400" lvl="1" indent="-310832" algn="l" rtl="0">
@@ -17033,10 +16694,10 @@
               <a:buChar char="-"/>
             </a:pPr>
             <a:r>
-              <a:rPr lang="en" sz="1300" dirty="0"/>
+              <a:rPr lang="en" sz="1300"/>
               <a:t>Trade prices, quantities, timestamps</a:t>
             </a:r>
-            <a:endParaRPr sz="1300" dirty="0"/>
+            <a:endParaRPr sz="1300"/>
           </a:p>
         </p:txBody>
       </p:sp>
@@ -17075,7 +16736,7 @@
         </p:nvSpPr>
         <p:spPr>
           <a:xfrm>
-            <a:off x="5389632" y="4711445"/>
+            <a:off x="5389632" y="3616158"/>
             <a:ext cx="3754500" cy="338700"/>
           </a:xfrm>
           <a:prstGeom prst="rect">
@@ -17102,7 +16763,7 @@
               <a:buNone/>
             </a:pPr>
             <a:r>
-              <a:rPr lang="en" sz="1000" dirty="0">
+              <a:rPr lang="en" sz="1000">
                 <a:latin typeface="Proxima Nova"/>
                 <a:ea typeface="Proxima Nova"/>
                 <a:cs typeface="Proxima Nova"/>
@@ -17110,7 +16771,7 @@
               </a:rPr>
               <a:t>Binance Data Download</a:t>
             </a:r>
-            <a:endParaRPr sz="1000" dirty="0">
+            <a:endParaRPr sz="1000">
               <a:latin typeface="Proxima Nova"/>
               <a:ea typeface="Proxima Nova"/>
               <a:cs typeface="Proxima Nova"/>
@@ -17127,7 +16788,7 @@
         </p:nvSpPr>
         <p:spPr>
           <a:xfrm>
-            <a:off x="5389632" y="3312448"/>
+            <a:off x="5389632" y="486030"/>
             <a:ext cx="3227400" cy="338700"/>
           </a:xfrm>
           <a:prstGeom prst="rect">
@@ -17154,7 +16815,7 @@
               <a:buNone/>
             </a:pPr>
             <a:r>
-              <a:rPr lang="en" sz="1000" dirty="0">
+              <a:rPr lang="en" sz="1000">
                 <a:latin typeface="Proxima Nova"/>
                 <a:ea typeface="Proxima Nova"/>
                 <a:cs typeface="Proxima Nova"/>
@@ -17162,7 +16823,7 @@
               </a:rPr>
               <a:t>Uniswap Activity by Transaction Type</a:t>
             </a:r>
-            <a:endParaRPr sz="1000" dirty="0">
+            <a:endParaRPr sz="1000">
               <a:latin typeface="Proxima Nova"/>
               <a:ea typeface="Proxima Nova"/>
               <a:cs typeface="Proxima Nova"/>
@@ -17244,22 +16905,22 @@
           <a:prstGeom prst="rect">
             <a:avLst/>
           </a:prstGeom>
+          <a:noFill/>
+          <a:ln>
+            <a:noFill/>
+          </a:ln>
         </p:spPr>
         <p:txBody>
           <a:bodyPr spcFirstLastPara="1" wrap="square" lIns="91425" tIns="91425" rIns="91425" bIns="91425" anchor="t" anchorCtr="0">
-            <a:normAutofit fontScale="90000"/>
+            <a:normAutofit/>
           </a:bodyPr>
           <a:lstStyle/>
           <a:p>
             <a:r>
-              <a:rPr lang="en" sz="2400" b="1" dirty="0">
-                <a:latin typeface="Söhne"/>
-              </a:rPr>
+              <a:rPr lang="en" sz="2400" b="1"/>
               <a:t>Key Variables</a:t>
             </a:r>
-            <a:endParaRPr sz="2400" b="1" dirty="0">
-              <a:latin typeface="Söhne"/>
-            </a:endParaRPr>
+            <a:endParaRPr sz="2400" b="1"/>
           </a:p>
         </p:txBody>
       </p:sp>
@@ -17298,22 +16959,22 @@
               <a:buNone/>
             </a:pPr>
             <a:r>
-              <a:rPr lang="en" sz="1300" b="1" dirty="0"/>
+              <a:rPr lang="en" sz="1300" b="1"/>
               <a:t>Target Variable</a:t>
             </a:r>
             <a:r>
-              <a:rPr lang="en" sz="1300" dirty="0"/>
+              <a:rPr lang="en" sz="1300"/>
               <a:t>: T</a:t>
             </a:r>
             <a:r>
-              <a:rPr lang="en" sz="1300" u="sng" dirty="0"/>
+              <a:rPr lang="en" sz="1300" u="sng"/>
               <a:t>rading volume of liquidity pools (amountUSD)</a:t>
             </a:r>
             <a:r>
-              <a:rPr lang="en" sz="1300" dirty="0"/>
+              <a:rPr lang="en" sz="1300"/>
               <a:t> over specific blockchain horizons (i.e., one horizon equivalent to ~10 blocks).</a:t>
             </a:r>
-            <a:endParaRPr sz="1300" dirty="0"/>
+            <a:endParaRPr sz="1300"/>
           </a:p>
           <a:p>
             <a:pPr marL="0" lvl="0" indent="0" algn="l" rtl="0">
@@ -17326,10 +16987,10 @@
               <a:buNone/>
             </a:pPr>
             <a:r>
-              <a:rPr lang="en" sz="1300" b="1" dirty="0"/>
+              <a:rPr lang="en" sz="1300" b="1"/>
               <a:t>Independent Variables:</a:t>
             </a:r>
-            <a:endParaRPr sz="1300" b="1" dirty="0"/>
+            <a:endParaRPr sz="1300" b="1"/>
           </a:p>
           <a:p>
             <a:pPr marL="457200" lvl="0" indent="-342900" algn="l" rtl="0">
@@ -17343,14 +17004,14 @@
               <a:buChar char="-"/>
             </a:pPr>
             <a:r>
-              <a:rPr lang="en" sz="1300" dirty="0"/>
+              <a:rPr lang="en" sz="1300"/>
               <a:t>CEX Direct Pool Features: Includes volatility, rate, number of trades, and average trade size; </a:t>
             </a:r>
             <a:r>
-              <a:rPr lang="en-GB" sz="1300" dirty="0"/>
+              <a:rPr lang="en-GB" sz="1300"/>
               <a:t>Lagged variables extend coverage up to 3 trading clocks in the past.</a:t>
             </a:r>
-            <a:endParaRPr sz="1300" dirty="0"/>
+            <a:endParaRPr sz="1300"/>
           </a:p>
           <a:p>
             <a:pPr marL="457200" lvl="0" indent="-342900" algn="l" rtl="0">
@@ -17364,10 +17025,10 @@
               <a:buChar char="-"/>
             </a:pPr>
             <a:r>
-              <a:rPr lang="en" sz="1300" dirty="0"/>
+              <a:rPr lang="en" sz="1300"/>
               <a:t>DEX Spillover Effects: Variables that influence pools but not directly related to our pools.</a:t>
             </a:r>
-            <a:endParaRPr sz="1300" dirty="0"/>
+            <a:endParaRPr sz="1300"/>
           </a:p>
         </p:txBody>
       </p:sp>
@@ -17414,23 +17075,22 @@
           <a:prstGeom prst="rect">
             <a:avLst/>
           </a:prstGeom>
+          <a:noFill/>
+          <a:ln>
+            <a:noFill/>
+          </a:ln>
         </p:spPr>
         <p:txBody>
           <a:bodyPr spcFirstLastPara="1" wrap="square" lIns="91425" tIns="91425" rIns="91425" bIns="91425" anchor="t" anchorCtr="0">
-            <a:normAutofit fontScale="90000"/>
+            <a:normAutofit/>
           </a:bodyPr>
           <a:lstStyle/>
           <a:p>
-            <a:pPr marL="0" lvl="0" indent="0"/>
-            <a:r>
-              <a:rPr lang="en" sz="2400" b="1" dirty="0">
-                <a:latin typeface="Söhne"/>
-              </a:rPr>
+            <a:r>
+              <a:rPr lang="en" sz="2400" b="1"/>
               <a:t>Feature Engineering (1 of 2)</a:t>
             </a:r>
-            <a:endParaRPr sz="2400" b="1" dirty="0">
-              <a:latin typeface="Söhne"/>
-            </a:endParaRPr>
+            <a:endParaRPr sz="2400" b="1"/>
           </a:p>
         </p:txBody>
       </p:sp>
@@ -17469,7 +17129,7 @@
               <a:buNone/>
             </a:pPr>
             <a:r>
-              <a:rPr lang="en-GB" sz="1300" b="1" dirty="0"/>
+              <a:rPr lang="en-GB" sz="1300" b="1"/>
               <a:t>1. Pool Selection:</a:t>
             </a:r>
           </a:p>
@@ -17484,23 +17144,23 @@
               <a:buNone/>
             </a:pPr>
             <a:r>
-              <a:rPr lang="en-GB" sz="1300" dirty="0"/>
+              <a:rPr lang="en-GB" sz="1300"/>
               <a:t>Pools: WBTC-WETH exchange with </a:t>
             </a:r>
             <a:r>
-              <a:rPr lang="en-GB" sz="1300" dirty="0" err="1">
+              <a:rPr lang="en-GB" sz="1300" err="1">
                 <a:latin typeface="Consolas" panose="020B0609020204030204" pitchFamily="49" charset="0"/>
               </a:rPr>
               <a:t>p∈P</a:t>
             </a:r>
             <a:r>
-              <a:rPr lang="en-GB" sz="1300" dirty="0">
+              <a:rPr lang="en-GB" sz="1300">
                 <a:latin typeface="Consolas" panose="020B0609020204030204" pitchFamily="49" charset="0"/>
               </a:rPr>
               <a:t>={500,3000,both}</a:t>
             </a:r>
             <a:r>
-              <a:rPr lang="en-GB" sz="1300" dirty="0"/>
+              <a:rPr lang="en-GB" sz="1300"/>
               <a:t>.</a:t>
             </a:r>
           </a:p>
@@ -17515,47 +17175,47 @@
               <a:buNone/>
             </a:pPr>
             <a:r>
-              <a:rPr lang="en-GB" sz="1300" dirty="0"/>
+              <a:rPr lang="en-GB" sz="1300"/>
               <a:t>Introduced reference pool </a:t>
             </a:r>
             <a:r>
-              <a:rPr lang="en-GB" sz="1300" dirty="0" err="1">
+              <a:rPr lang="en-GB" sz="1300" err="1">
                 <a:latin typeface="Consolas" panose="020B0609020204030204" pitchFamily="49" charset="0"/>
               </a:rPr>
               <a:t>Pr</a:t>
             </a:r>
             <a:r>
-              <a:rPr lang="en-GB" sz="1300" dirty="0">
+              <a:rPr lang="en-GB" sz="1300">
                 <a:latin typeface="Consolas" panose="020B0609020204030204" pitchFamily="49" charset="0"/>
               </a:rPr>
               <a:t>​, where </a:t>
             </a:r>
             <a:r>
-              <a:rPr lang="en-GB" sz="1300" dirty="0" err="1">
+              <a:rPr lang="en-GB" sz="1300" err="1">
                 <a:latin typeface="Consolas" panose="020B0609020204030204" pitchFamily="49" charset="0"/>
               </a:rPr>
               <a:t>Pr</a:t>
             </a:r>
             <a:r>
-              <a:rPr lang="en-GB" sz="1300" dirty="0">
+              <a:rPr lang="en-GB" sz="1300">
                 <a:latin typeface="Consolas" panose="020B0609020204030204" pitchFamily="49" charset="0"/>
               </a:rPr>
               <a:t>​∈P and </a:t>
             </a:r>
             <a:r>
-              <a:rPr lang="en-GB" sz="1300" dirty="0" err="1">
+              <a:rPr lang="en-GB" sz="1300" err="1">
                 <a:latin typeface="Consolas" panose="020B0609020204030204" pitchFamily="49" charset="0"/>
               </a:rPr>
               <a:t>Pr</a:t>
             </a:r>
             <a:r>
-              <a:rPr lang="en-GB" sz="1300" dirty="0">
+              <a:rPr lang="en-GB" sz="1300">
                 <a:latin typeface="Consolas" panose="020B0609020204030204" pitchFamily="49" charset="0"/>
               </a:rPr>
               <a:t> ≠ both</a:t>
             </a:r>
             <a:r>
-              <a:rPr lang="en-GB" sz="1300" dirty="0"/>
+              <a:rPr lang="en-GB" sz="1300"/>
               <a:t>.</a:t>
             </a:r>
           </a:p>
@@ -17569,7 +17229,7 @@
               </a:spcAft>
               <a:buNone/>
             </a:pPr>
-            <a:endParaRPr lang="en-GB" sz="1300" dirty="0"/>
+            <a:endParaRPr lang="en-GB" sz="1300"/>
           </a:p>
           <a:p>
             <a:pPr marL="0" lvl="0" indent="0" algn="l" rtl="0">
@@ -17582,7 +17242,7 @@
               <a:buNone/>
             </a:pPr>
             <a:r>
-              <a:rPr lang="en-GB" sz="1300" b="1" dirty="0"/>
+              <a:rPr lang="en-GB" sz="1300" b="1"/>
               <a:t>2. Reference Blocks:</a:t>
             </a:r>
           </a:p>
@@ -17597,7 +17257,7 @@
               <a:buNone/>
             </a:pPr>
             <a:r>
-              <a:rPr lang="en-GB" sz="1300" dirty="0"/>
+              <a:rPr lang="en-GB" sz="1300"/>
               <a:t>Identified by the presence of a mint operation.</a:t>
             </a:r>
           </a:p>
@@ -17612,7 +17272,7 @@
               <a:buNone/>
             </a:pPr>
             <a:r>
-              <a:rPr lang="en-GB" sz="1300" dirty="0"/>
+              <a:rPr lang="en-GB" sz="1300"/>
               <a:t>Consolidation of mints from the same block into a single transaction for each pool.</a:t>
             </a:r>
           </a:p>
@@ -17659,7 +17319,7 @@
               <a:buNone/>
             </a:pPr>
             <a:r>
-              <a:rPr lang="en" sz="1000" dirty="0">
+              <a:rPr lang="en" sz="1000">
                 <a:latin typeface="Proxima Nova"/>
                 <a:ea typeface="Proxima Nova"/>
                 <a:cs typeface="Proxima Nova"/>
@@ -17667,7 +17327,7 @@
               </a:rPr>
               <a:t>Data Engineering</a:t>
             </a:r>
-            <a:endParaRPr sz="1000" dirty="0">
+            <a:endParaRPr sz="1000">
               <a:latin typeface="Proxima Nova"/>
               <a:ea typeface="Proxima Nova"/>
               <a:cs typeface="Proxima Nova"/>
@@ -17744,7 +17404,7 @@
               <a:buNone/>
             </a:pPr>
             <a:r>
-              <a:rPr lang="en-GB" sz="1300" b="1" dirty="0">
+              <a:rPr lang="en-GB" sz="1300" b="1">
                 <a:solidFill>
                   <a:schemeClr val="accent3"/>
                 </a:solidFill>
@@ -17764,7 +17424,7 @@
               <a:buNone/>
             </a:pPr>
             <a:r>
-              <a:rPr lang="en-GB" sz="1300" dirty="0">
+              <a:rPr lang="en-GB" sz="1300">
                 <a:solidFill>
                   <a:schemeClr val="accent3"/>
                 </a:solidFill>
@@ -17784,7 +17444,7 @@
               <a:buNone/>
             </a:pPr>
             <a:r>
-              <a:rPr lang="en-GB" sz="1300" dirty="0">
+              <a:rPr lang="en-GB" sz="1300">
                 <a:solidFill>
                   <a:schemeClr val="accent3"/>
                 </a:solidFill>
@@ -17793,7 +17453,7 @@
               <a:t>Built a Horizon Table for each reference mint </a:t>
             </a:r>
             <a:r>
-              <a:rPr lang="en-GB" sz="1300" dirty="0">
+              <a:rPr lang="en-GB" sz="1300">
                 <a:solidFill>
                   <a:schemeClr val="accent3"/>
                 </a:solidFill>
@@ -17803,7 +17463,7 @@
               <a:t>(</a:t>
             </a:r>
             <a:r>
-              <a:rPr lang="en-GB" sz="1300" dirty="0" err="1">
+              <a:rPr lang="en-GB" sz="1300" err="1">
                 <a:solidFill>
                   <a:schemeClr val="accent3"/>
                 </a:solidFill>
@@ -17813,7 +17473,7 @@
               <a:t>refbase</a:t>
             </a:r>
             <a:r>
-              <a:rPr lang="en-GB" sz="1300" dirty="0">
+              <a:rPr lang="en-GB" sz="1300">
                 <a:solidFill>
                   <a:schemeClr val="accent3"/>
                 </a:solidFill>
@@ -17827,7 +17487,7 @@
             <a:pPr marL="457200" lvl="1" indent="0">
               <a:buNone/>
             </a:pPr>
-            <a:endParaRPr lang="en-GB" sz="1300" dirty="0">
+            <a:endParaRPr lang="en-GB" sz="1300">
               <a:solidFill>
                 <a:schemeClr val="accent3"/>
               </a:solidFill>
@@ -17839,7 +17499,7 @@
               <a:buNone/>
             </a:pPr>
             <a:r>
-              <a:rPr lang="en-GB" sz="1300" dirty="0">
+              <a:rPr lang="en-GB" sz="1300">
                 <a:solidFill>
                   <a:schemeClr val="accent3"/>
                 </a:solidFill>
@@ -17848,7 +17508,7 @@
               <a:t>Time horizons, which represent future periods are constructed from the first reference </a:t>
             </a:r>
             <a:r>
-              <a:rPr lang="en-GB" sz="1300" dirty="0">
+              <a:rPr lang="en-GB" sz="1300">
                 <a:solidFill>
                   <a:schemeClr val="accent3"/>
                 </a:solidFill>
@@ -17858,7 +17518,7 @@
               <a:t>block</a:t>
             </a:r>
             <a:r>
-              <a:rPr lang="en-GB" sz="1300" dirty="0">
+              <a:rPr lang="en-GB" sz="1300">
                 <a:solidFill>
                   <a:schemeClr val="accent3"/>
                 </a:solidFill>
@@ -18437,4 +18097,189 @@
   <a:objectDefaults/>
   <a:extraClrSchemeLst/>
 </a:theme>
+</file>
+
+<file path=customXml/item1.xml><?xml version="1.0" encoding="utf-8"?>
+<?mso-contentType ?>
+<FormTemplates xmlns="http://schemas.microsoft.com/sharepoint/v3/contenttype/forms">
+  <Display>DocumentLibraryForm</Display>
+  <Edit>DocumentLibraryForm</Edit>
+  <New>DocumentLibraryForm</New>
+</FormTemplates>
+</file>
+
+<file path=customXml/item2.xml><?xml version="1.0" encoding="utf-8"?>
+<ct:contentTypeSchema xmlns:ct="http://schemas.microsoft.com/office/2006/metadata/contentType" xmlns:ma="http://schemas.microsoft.com/office/2006/metadata/properties/metaAttributes" ct:_="" ma:_="" ma:contentTypeName="Document" ma:contentTypeID="0x010100EDDAB9CC859D1C4CB179348CE403E879" ma:contentTypeVersion="5" ma:contentTypeDescription="Create a new document." ma:contentTypeScope="" ma:versionID="e9a10af55a584b8cf84fe0c02453905b">
+  <xsd:schema xmlns:xsd="http://www.w3.org/2001/XMLSchema" xmlns:xs="http://www.w3.org/2001/XMLSchema" xmlns:p="http://schemas.microsoft.com/office/2006/metadata/properties" xmlns:ns2="e528f72a-a5a7-4ac9-856a-c69d498d69c8" targetNamespace="http://schemas.microsoft.com/office/2006/metadata/properties" ma:root="true" ma:fieldsID="6188605f9d495b7986b7106b8edc1c8f" ns2:_="">
+    <xsd:import namespace="e528f72a-a5a7-4ac9-856a-c69d498d69c8"/>
+    <xsd:element name="properties">
+      <xsd:complexType>
+        <xsd:sequence>
+          <xsd:element name="documentManagement">
+            <xsd:complexType>
+              <xsd:all>
+                <xsd:element ref="ns2:MediaServiceMetadata" minOccurs="0"/>
+                <xsd:element ref="ns2:MediaServiceFastMetadata" minOccurs="0"/>
+                <xsd:element ref="ns2:MediaServiceObjectDetectorVersions" minOccurs="0"/>
+                <xsd:element ref="ns2:MediaServiceDateTaken" minOccurs="0"/>
+                <xsd:element ref="ns2:MediaLengthInSeconds" minOccurs="0"/>
+              </xsd:all>
+            </xsd:complexType>
+          </xsd:element>
+        </xsd:sequence>
+      </xsd:complexType>
+    </xsd:element>
+  </xsd:schema>
+  <xsd:schema xmlns:xsd="http://www.w3.org/2001/XMLSchema" xmlns:xs="http://www.w3.org/2001/XMLSchema" xmlns:dms="http://schemas.microsoft.com/office/2006/documentManagement/types" xmlns:pc="http://schemas.microsoft.com/office/infopath/2007/PartnerControls" targetNamespace="e528f72a-a5a7-4ac9-856a-c69d498d69c8" elementFormDefault="qualified">
+    <xsd:import namespace="http://schemas.microsoft.com/office/2006/documentManagement/types"/>
+    <xsd:import namespace="http://schemas.microsoft.com/office/infopath/2007/PartnerControls"/>
+    <xsd:element name="MediaServiceMetadata" ma:index="8" nillable="true" ma:displayName="MediaServiceMetadata" ma:hidden="true" ma:internalName="MediaServiceMetadata" ma:readOnly="true">
+      <xsd:simpleType>
+        <xsd:restriction base="dms:Note"/>
+      </xsd:simpleType>
+    </xsd:element>
+    <xsd:element name="MediaServiceFastMetadata" ma:index="9" nillable="true" ma:displayName="MediaServiceFastMetadata" ma:hidden="true" ma:internalName="MediaServiceFastMetadata" ma:readOnly="true">
+      <xsd:simpleType>
+        <xsd:restriction base="dms:Note"/>
+      </xsd:simpleType>
+    </xsd:element>
+    <xsd:element name="MediaServiceObjectDetectorVersions" ma:index="10" nillable="true" ma:displayName="MediaServiceObjectDetectorVersions" ma:hidden="true" ma:indexed="true" ma:internalName="MediaServiceObjectDetectorVersions" ma:readOnly="true">
+      <xsd:simpleType>
+        <xsd:restriction base="dms:Text"/>
+      </xsd:simpleType>
+    </xsd:element>
+    <xsd:element name="MediaServiceDateTaken" ma:index="11" nillable="true" ma:displayName="MediaServiceDateTaken" ma:hidden="true" ma:indexed="true" ma:internalName="MediaServiceDateTaken" ma:readOnly="true">
+      <xsd:simpleType>
+        <xsd:restriction base="dms:Text"/>
+      </xsd:simpleType>
+    </xsd:element>
+    <xsd:element name="MediaLengthInSeconds" ma:index="12" nillable="true" ma:displayName="MediaLengthInSeconds" ma:hidden="true" ma:internalName="MediaLengthInSeconds" ma:readOnly="true">
+      <xsd:simpleType>
+        <xsd:restriction base="dms:Unknown"/>
+      </xsd:simpleType>
+    </xsd:element>
+  </xsd:schema>
+  <xsd:schema xmlns="http://schemas.openxmlformats.org/package/2006/metadata/core-properties" xmlns:xsd="http://www.w3.org/2001/XMLSchema" xmlns:xsi="http://www.w3.org/2001/XMLSchema-instance" xmlns:dc="http://purl.org/dc/elements/1.1/" xmlns:dcterms="http://purl.org/dc/terms/" xmlns:odoc="http://schemas.microsoft.com/internal/obd" targetNamespace="http://schemas.openxmlformats.org/package/2006/metadata/core-properties" elementFormDefault="qualified" attributeFormDefault="unqualified" blockDefault="#all">
+    <xsd:import namespace="http://purl.org/dc/elements/1.1/" schemaLocation="http://dublincore.org/schemas/xmls/qdc/2003/04/02/dc.xsd"/>
+    <xsd:import namespace="http://purl.org/dc/terms/" schemaLocation="http://dublincore.org/schemas/xmls/qdc/2003/04/02/dcterms.xsd"/>
+    <xsd:element name="coreProperties" type="CT_coreProperties"/>
+    <xsd:complexType name="CT_coreProperties">
+      <xsd:all>
+        <xsd:element ref="dc:creator" minOccurs="0" maxOccurs="1"/>
+        <xsd:element ref="dcterms:created" minOccurs="0" maxOccurs="1"/>
+        <xsd:element ref="dc:identifier" minOccurs="0" maxOccurs="1"/>
+        <xsd:element name="contentType" minOccurs="0" maxOccurs="1" type="xsd:string" ma:index="0" ma:displayName="Content Type"/>
+        <xsd:element ref="dc:title" minOccurs="0" maxOccurs="1" ma:index="4" ma:displayName="Title"/>
+        <xsd:element ref="dc:subject" minOccurs="0" maxOccurs="1"/>
+        <xsd:element ref="dc:description" minOccurs="0" maxOccurs="1"/>
+        <xsd:element name="keywords" minOccurs="0" maxOccurs="1" type="xsd:string"/>
+        <xsd:element ref="dc:language" minOccurs="0" maxOccurs="1"/>
+        <xsd:element name="category" minOccurs="0" maxOccurs="1" type="xsd:string"/>
+        <xsd:element name="version" minOccurs="0" maxOccurs="1" type="xsd:string"/>
+        <xsd:element name="revision" minOccurs="0" maxOccurs="1" type="xsd:string">
+          <xsd:annotation>
+            <xsd:documentation>
+                        This value indicates the number of saves or revisions. The application is responsible for updating this value after each revision.
+                    </xsd:documentation>
+          </xsd:annotation>
+        </xsd:element>
+        <xsd:element name="lastModifiedBy" minOccurs="0" maxOccurs="1" type="xsd:string"/>
+        <xsd:element ref="dcterms:modified" minOccurs="0" maxOccurs="1"/>
+        <xsd:element name="contentStatus" minOccurs="0" maxOccurs="1" type="xsd:string"/>
+      </xsd:all>
+    </xsd:complexType>
+  </xsd:schema>
+  <xs:schema xmlns:pc="http://schemas.microsoft.com/office/infopath/2007/PartnerControls" xmlns:xs="http://www.w3.org/2001/XMLSchema" targetNamespace="http://schemas.microsoft.com/office/infopath/2007/PartnerControls" elementFormDefault="qualified" attributeFormDefault="unqualified">
+    <xs:element name="Person">
+      <xs:complexType>
+        <xs:sequence>
+          <xs:element ref="pc:DisplayName" minOccurs="0"/>
+          <xs:element ref="pc:AccountId" minOccurs="0"/>
+          <xs:element ref="pc:AccountType" minOccurs="0"/>
+        </xs:sequence>
+      </xs:complexType>
+    </xs:element>
+    <xs:element name="DisplayName" type="xs:string"/>
+    <xs:element name="AccountId" type="xs:string"/>
+    <xs:element name="AccountType" type="xs:string"/>
+    <xs:element name="BDCAssociatedEntity">
+      <xs:complexType>
+        <xs:sequence>
+          <xs:element ref="pc:BDCEntity" minOccurs="0" maxOccurs="unbounded"/>
+        </xs:sequence>
+        <xs:attribute ref="pc:EntityNamespace"/>
+        <xs:attribute ref="pc:EntityName"/>
+        <xs:attribute ref="pc:SystemInstanceName"/>
+        <xs:attribute ref="pc:AssociationName"/>
+      </xs:complexType>
+    </xs:element>
+    <xs:attribute name="EntityNamespace" type="xs:string"/>
+    <xs:attribute name="EntityName" type="xs:string"/>
+    <xs:attribute name="SystemInstanceName" type="xs:string"/>
+    <xs:attribute name="AssociationName" type="xs:string"/>
+    <xs:element name="BDCEntity">
+      <xs:complexType>
+        <xs:sequence>
+          <xs:element ref="pc:EntityDisplayName" minOccurs="0"/>
+          <xs:element ref="pc:EntityInstanceReference" minOccurs="0"/>
+          <xs:element ref="pc:EntityId1" minOccurs="0"/>
+          <xs:element ref="pc:EntityId2" minOccurs="0"/>
+          <xs:element ref="pc:EntityId3" minOccurs="0"/>
+          <xs:element ref="pc:EntityId4" minOccurs="0"/>
+          <xs:element ref="pc:EntityId5" minOccurs="0"/>
+        </xs:sequence>
+      </xs:complexType>
+    </xs:element>
+    <xs:element name="EntityDisplayName" type="xs:string"/>
+    <xs:element name="EntityInstanceReference" type="xs:string"/>
+    <xs:element name="EntityId1" type="xs:string"/>
+    <xs:element name="EntityId2" type="xs:string"/>
+    <xs:element name="EntityId3" type="xs:string"/>
+    <xs:element name="EntityId4" type="xs:string"/>
+    <xs:element name="EntityId5" type="xs:string"/>
+    <xs:element name="Terms">
+      <xs:complexType>
+        <xs:sequence>
+          <xs:element ref="pc:TermInfo" minOccurs="0" maxOccurs="unbounded"/>
+        </xs:sequence>
+      </xs:complexType>
+    </xs:element>
+    <xs:element name="TermInfo">
+      <xs:complexType>
+        <xs:sequence>
+          <xs:element ref="pc:TermName" minOccurs="0"/>
+          <xs:element ref="pc:TermId" minOccurs="0"/>
+        </xs:sequence>
+      </xs:complexType>
+    </xs:element>
+    <xs:element name="TermName" type="xs:string"/>
+    <xs:element name="TermId" type="xs:string"/>
+  </xs:schema>
+</ct:contentTypeSchema>
+</file>
+
+<file path=customXml/itemProps1.xml><?xml version="1.0" encoding="utf-8"?>
+<ds:datastoreItem xmlns:ds="http://schemas.openxmlformats.org/officeDocument/2006/customXml" ds:itemID="{454299CA-C633-49D4-9D6B-8B2F3EA5F288}">
+  <ds:schemaRefs>
+    <ds:schemaRef ds:uri="http://schemas.microsoft.com/sharepoint/v3/contenttype/forms"/>
+  </ds:schemaRefs>
+</ds:datastoreItem>
+</file>
+
+<file path=customXml/itemProps2.xml><?xml version="1.0" encoding="utf-8"?>
+<ds:datastoreItem xmlns:ds="http://schemas.openxmlformats.org/officeDocument/2006/customXml" ds:itemID="{316E0A91-090C-4E05-B361-1227A0034ABA}">
+  <ds:schemaRefs>
+    <ds:schemaRef ds:uri="e528f72a-a5a7-4ac9-856a-c69d498d69c8"/>
+    <ds:schemaRef ds:uri="http://purl.org/dc/elements/1.1/"/>
+    <ds:schemaRef ds:uri="http://purl.org/dc/terms/"/>
+    <ds:schemaRef ds:uri="http://schemas.microsoft.com/internal/obd"/>
+    <ds:schemaRef ds:uri="http://schemas.microsoft.com/office/2006/documentManagement/types"/>
+    <ds:schemaRef ds:uri="http://schemas.microsoft.com/office/2006/metadata/contentType"/>
+    <ds:schemaRef ds:uri="http://schemas.microsoft.com/office/2006/metadata/properties"/>
+    <ds:schemaRef ds:uri="http://schemas.microsoft.com/office/2006/metadata/properties/metaAttributes"/>
+    <ds:schemaRef ds:uri="http://schemas.microsoft.com/office/infopath/2007/PartnerControls"/>
+    <ds:schemaRef ds:uri="http://schemas.openxmlformats.org/package/2006/metadata/core-properties"/>
+    <ds:schemaRef ds:uri="http://www.w3.org/2001/XMLSchema"/>
+  </ds:schemaRefs>
+</ds:datastoreItem>
 </file>